--- a/ppt/16_Git 與 Github.pptx
+++ b/ppt/16_Git 與 Github.pptx
@@ -8,6 +8,9 @@
     <p:sldId id="256" r:id="rId2"/>
     <p:sldId id="257" r:id="rId3"/>
     <p:sldId id="258" r:id="rId4"/>
+    <p:sldId id="259" r:id="rId5"/>
+    <p:sldId id="261" r:id="rId6"/>
+    <p:sldId id="260" r:id="rId7"/>
   </p:sldIdLst>
   <p:sldSz cx="12192000" cy="6858000"/>
   <p:notesSz cx="6858000" cy="9144000"/>
@@ -106,6 +109,11 @@
       </a:defRPr>
     </a:lvl9pPr>
   </p:defaultTextStyle>
+  <p:extLst>
+    <p:ext uri="{EFAFB233-063F-42B5-8137-9DF3F51BA10A}">
+      <p15:sldGuideLst xmlns:p15="http://schemas.microsoft.com/office/powerpoint/2012/main"/>
+    </p:ext>
+  </p:extLst>
 </p:presentation>
 </file>
 
@@ -1913,7 +1921,7 @@
         </p:nvSpPr>
         <p:spPr>
           <a:xfrm>
-            <a:off x="838200" y="0"/>
+            <a:off x="838200" y="365125"/>
             <a:ext cx="10515600" cy="1325563"/>
           </a:xfrm>
         </p:spPr>
@@ -1931,10 +1939,10 @@
       </p:sp>
       <p:sp>
         <p:nvSpPr>
-          <p:cNvPr id="3" name="內容版面配置區 2">
+          <p:cNvPr id="9" name="內容版面配置區 8">
             <a:extLst>
               <a:ext uri="{FF2B5EF4-FFF2-40B4-BE49-F238E27FC236}">
-                <a16:creationId xmlns:a16="http://schemas.microsoft.com/office/drawing/2014/main" id="{E47D845A-EB38-434E-988D-9232CBB8550B}"/>
+                <a16:creationId xmlns:a16="http://schemas.microsoft.com/office/drawing/2014/main" id="{85905E40-5B0B-4118-83F1-F7606A0A5C59}"/>
               </a:ext>
             </a:extLst>
           </p:cNvPr>
@@ -1945,12 +1953,7 @@
             <p:ph idx="1"/>
           </p:nvPr>
         </p:nvSpPr>
-        <p:spPr>
-          <a:xfrm>
-            <a:off x="838200" y="880688"/>
-            <a:ext cx="10515600" cy="1500837"/>
-          </a:xfrm>
-        </p:spPr>
+        <p:spPr/>
         <p:txBody>
           <a:bodyPr/>
           <a:lstStyle/>
@@ -1977,7 +1980,7 @@
                   <a:srgbClr val="00B0F0"/>
                 </a:solidFill>
               </a:rPr>
-              <a:t>版本管理工具</a:t>
+              <a:t>版本控制系統</a:t>
             </a:r>
             <a:r>
               <a:rPr lang="en-US" altLang="zh-TW">
@@ -2077,12 +2080,16 @@
           </a:p>
           <a:p>
             <a:r>
+              <a:rPr lang="zh-TW" altLang="en-US"/>
+              <a:t>開發的目的就是用來管理 </a:t>
+            </a:r>
+            <a:r>
               <a:rPr lang="en-US" altLang="zh-TW">
                 <a:solidFill>
                   <a:srgbClr val="00B0F0"/>
                 </a:solidFill>
               </a:rPr>
-              <a:t>Git</a:t>
+              <a:t>Linux</a:t>
             </a:r>
             <a:r>
               <a:rPr lang="en-US" altLang="zh-TW"/>
@@ -2090,7 +2097,40 @@
             </a:r>
             <a:r>
               <a:rPr lang="zh-TW" altLang="en-US"/>
-              <a:t>的第一版 </a:t>
+              <a:t>的程式碼</a:t>
+            </a:r>
+            <a:endParaRPr lang="en-US" altLang="zh-TW"/>
+          </a:p>
+          <a:p>
+            <a:endParaRPr lang="en-US" altLang="zh-TW"/>
+          </a:p>
+          <a:p>
+            <a:r>
+              <a:rPr lang="zh-TW" altLang="en-US">
+                <a:solidFill>
+                  <a:srgbClr val="00B0F0"/>
+                </a:solidFill>
+              </a:rPr>
+              <a:t>版本控制系統</a:t>
+            </a:r>
+            <a:r>
+              <a:rPr lang="zh-TW" altLang="en-US"/>
+              <a:t>，顧名思義，就是能控制版本</a:t>
+            </a:r>
+            <a:endParaRPr lang="en-US" altLang="zh-TW"/>
+          </a:p>
+          <a:p>
+            <a:r>
+              <a:rPr lang="zh-TW" altLang="en-US"/>
+              <a:t>每筆</a:t>
+            </a:r>
+            <a:r>
+              <a:rPr lang="zh-TW" altLang="en-US">
+                <a:solidFill>
+                  <a:srgbClr val="00B0F0"/>
+                </a:solidFill>
+              </a:rPr>
+              <a:t>提交</a:t>
             </a:r>
             <a:r>
               <a:rPr lang="en-US" altLang="zh-TW">
@@ -2098,15 +2138,41 @@
                   <a:srgbClr val="00B0F0"/>
                 </a:solidFill>
               </a:rPr>
-              <a:t>README(</a:t>
+              <a:t>(commit)</a:t>
+            </a:r>
+            <a:r>
+              <a:rPr lang="zh-TW" altLang="en-US"/>
+              <a:t>都會被紀錄下來，隨時可檢視和</a:t>
             </a:r>
             <a:r>
               <a:rPr lang="zh-TW" altLang="en-US">
                 <a:solidFill>
+                  <a:srgbClr val="FFC000"/>
+                </a:solidFill>
+              </a:rPr>
+              <a:t>復原</a:t>
+            </a:r>
+            <a:r>
+              <a:rPr lang="en-US" altLang="zh-TW">
+                <a:solidFill>
+                  <a:srgbClr val="FFC000"/>
+                </a:solidFill>
+              </a:rPr>
+              <a:t>(revert)</a:t>
+            </a:r>
+          </a:p>
+          <a:p>
+            <a:r>
+              <a:rPr lang="zh-TW" altLang="en-US"/>
+              <a:t>也可以建立</a:t>
+            </a:r>
+            <a:r>
+              <a:rPr lang="zh-TW" altLang="en-US">
+                <a:solidFill>
                   <a:srgbClr val="00B0F0"/>
                 </a:solidFill>
               </a:rPr>
-              <a:t>讀我</a:t>
+              <a:t>分支</a:t>
             </a:r>
             <a:r>
               <a:rPr lang="en-US" altLang="zh-TW">
@@ -2114,822 +2180,46 @@
                   <a:srgbClr val="00B0F0"/>
                 </a:solidFill>
               </a:rPr>
-              <a:t>)</a:t>
-            </a:r>
-            <a:r>
-              <a:rPr lang="en-US" altLang="zh-TW"/>
-              <a:t> </a:t>
-            </a:r>
-            <a:r>
-              <a:rPr lang="zh-TW" altLang="en-US"/>
-              <a:t>中寫道：</a:t>
+              <a:t>(branch)</a:t>
+            </a:r>
+            <a:r>
+              <a:rPr lang="zh-TW" altLang="en-US"/>
+              <a:t>，進行獨立修改</a:t>
+            </a:r>
+            <a:endParaRPr lang="en-US" altLang="zh-TW"/>
+          </a:p>
+          <a:p>
+            <a:r>
+              <a:rPr lang="zh-TW" altLang="en-US"/>
+              <a:t>並在必要時將</a:t>
+            </a:r>
+            <a:r>
+              <a:rPr lang="zh-TW" altLang="en-US">
+                <a:solidFill>
+                  <a:srgbClr val="00B0F0"/>
+                </a:solidFill>
+              </a:rPr>
+              <a:t>分支</a:t>
+            </a:r>
+            <a:r>
+              <a:rPr lang="zh-TW" altLang="en-US">
+                <a:solidFill>
+                  <a:srgbClr val="FFC000"/>
+                </a:solidFill>
+              </a:rPr>
+              <a:t>合併</a:t>
+            </a:r>
+            <a:r>
+              <a:rPr lang="en-US" altLang="zh-TW">
+                <a:solidFill>
+                  <a:srgbClr val="FFC000"/>
+                </a:solidFill>
+              </a:rPr>
+              <a:t>(merge)</a:t>
             </a:r>
           </a:p>
         </p:txBody>
       </p:sp>
-      <p:sp>
-        <p:nvSpPr>
-          <p:cNvPr id="4" name="文字方塊 3">
-            <a:extLst>
-              <a:ext uri="{FF2B5EF4-FFF2-40B4-BE49-F238E27FC236}">
-                <a16:creationId xmlns:a16="http://schemas.microsoft.com/office/drawing/2014/main" id="{9F5A93AF-DAEB-49B0-8400-3B939DE86DD6}"/>
-              </a:ext>
-            </a:extLst>
-          </p:cNvPr>
-          <p:cNvSpPr txBox="1"/>
-          <p:nvPr/>
-        </p:nvSpPr>
-        <p:spPr>
-          <a:xfrm>
-            <a:off x="838200" y="2381525"/>
-            <a:ext cx="10515600" cy="4125809"/>
-          </a:xfrm>
-          <a:prstGeom prst="rect">
-            <a:avLst/>
-          </a:prstGeom>
-          <a:noFill/>
-          <a:ln>
-            <a:solidFill>
-              <a:schemeClr val="accent1"/>
-            </a:solidFill>
-          </a:ln>
-        </p:spPr>
-        <p:txBody>
-          <a:bodyPr wrap="square">
-            <a:spAutoFit/>
-          </a:bodyPr>
-          <a:lstStyle/>
-          <a:p>
-            <a:pPr marL="0" marR="0" lvl="0" indent="0" algn="ctr" defTabSz="914400" rtl="0" eaLnBrk="1" fontAlgn="auto" latinLnBrk="0" hangingPunct="1">
-              <a:lnSpc>
-                <a:spcPct val="45000"/>
-              </a:lnSpc>
-              <a:spcBef>
-                <a:spcPts val="1000"/>
-              </a:spcBef>
-              <a:spcAft>
-                <a:spcPts val="0"/>
-              </a:spcAft>
-              <a:buClrTx/>
-              <a:buSzTx/>
-              <a:buFont typeface="Arial" panose="020B0604020202020204" pitchFamily="34" charset="0"/>
-              <a:buNone/>
-              <a:tabLst/>
-              <a:defRPr/>
-            </a:pPr>
-            <a:endParaRPr kumimoji="0" lang="en-US" altLang="zh-TW" sz="100" b="0" i="1" u="none" strike="noStrike" kern="1200" cap="none" spc="0" normalizeH="0" baseline="0" noProof="0">
-              <a:ln>
-                <a:noFill/>
-              </a:ln>
-              <a:solidFill>
-                <a:srgbClr val="FFFFFF"/>
-              </a:solidFill>
-              <a:effectLst/>
-              <a:uLnTx/>
-              <a:uFillTx/>
-              <a:latin typeface="Times New Roman" panose="02020603050405020304" pitchFamily="18" charset="0"/>
-              <a:ea typeface="微軟正黑體 Light"/>
-              <a:cs typeface="Times New Roman" panose="02020603050405020304" pitchFamily="18" charset="0"/>
-            </a:endParaRPr>
-          </a:p>
-          <a:p>
-            <a:pPr marL="0" marR="0" lvl="0" indent="0" algn="ctr" defTabSz="914400" rtl="0" eaLnBrk="1" fontAlgn="auto" latinLnBrk="0" hangingPunct="1">
-              <a:lnSpc>
-                <a:spcPct val="45000"/>
-              </a:lnSpc>
-              <a:spcBef>
-                <a:spcPts val="1000"/>
-              </a:spcBef>
-              <a:spcAft>
-                <a:spcPts val="0"/>
-              </a:spcAft>
-              <a:buClrTx/>
-              <a:buSzTx/>
-              <a:buFont typeface="Arial" panose="020B0604020202020204" pitchFamily="34" charset="0"/>
-              <a:buNone/>
-              <a:tabLst/>
-              <a:defRPr/>
-            </a:pPr>
-            <a:r>
-              <a:rPr kumimoji="0" lang="en-US" altLang="zh-TW" sz="2000" b="0" i="1" u="none" strike="noStrike" kern="1200" cap="none" spc="0" normalizeH="0" baseline="0" noProof="0">
-                <a:ln>
-                  <a:noFill/>
-                </a:ln>
-                <a:solidFill>
-                  <a:srgbClr val="FFFFFF"/>
-                </a:solidFill>
-                <a:effectLst/>
-                <a:uLnTx/>
-                <a:uFillTx/>
-                <a:latin typeface="Times New Roman" panose="02020603050405020304" pitchFamily="18" charset="0"/>
-                <a:ea typeface="微軟正黑體 Light"/>
-                <a:cs typeface="Times New Roman" panose="02020603050405020304" pitchFamily="18" charset="0"/>
-              </a:rPr>
-              <a:t>GIT - the stupid content tracker</a:t>
-            </a:r>
-          </a:p>
-          <a:p>
-            <a:pPr marL="0" marR="0" lvl="0" indent="0" algn="ctr" defTabSz="914400" rtl="0" eaLnBrk="1" fontAlgn="auto" latinLnBrk="0" hangingPunct="1">
-              <a:lnSpc>
-                <a:spcPct val="45000"/>
-              </a:lnSpc>
-              <a:spcBef>
-                <a:spcPts val="1000"/>
-              </a:spcBef>
-              <a:spcAft>
-                <a:spcPts val="0"/>
-              </a:spcAft>
-              <a:buClrTx/>
-              <a:buSzTx/>
-              <a:buFont typeface="Arial" panose="020B0604020202020204" pitchFamily="34" charset="0"/>
-              <a:buNone/>
-              <a:tabLst/>
-              <a:defRPr/>
-            </a:pPr>
-            <a:endParaRPr kumimoji="0" lang="en-US" altLang="zh-TW" sz="2000" b="0" i="1" u="none" strike="noStrike" kern="1200" cap="none" spc="0" normalizeH="0" baseline="0" noProof="0">
-              <a:ln>
-                <a:noFill/>
-              </a:ln>
-              <a:solidFill>
-                <a:srgbClr val="FFFFFF"/>
-              </a:solidFill>
-              <a:effectLst/>
-              <a:uLnTx/>
-              <a:uFillTx/>
-              <a:latin typeface="Times New Roman" panose="02020603050405020304" pitchFamily="18" charset="0"/>
-              <a:ea typeface="微軟正黑體 Light"/>
-              <a:cs typeface="Times New Roman" panose="02020603050405020304" pitchFamily="18" charset="0"/>
-            </a:endParaRPr>
-          </a:p>
-          <a:p>
-            <a:pPr marL="0" marR="0" lvl="0" indent="0" algn="ctr" defTabSz="914400" rtl="0" eaLnBrk="1" fontAlgn="auto" latinLnBrk="0" hangingPunct="1">
-              <a:lnSpc>
-                <a:spcPct val="45000"/>
-              </a:lnSpc>
-              <a:spcBef>
-                <a:spcPts val="1000"/>
-              </a:spcBef>
-              <a:spcAft>
-                <a:spcPts val="0"/>
-              </a:spcAft>
-              <a:buClrTx/>
-              <a:buSzTx/>
-              <a:buFont typeface="Arial" panose="020B0604020202020204" pitchFamily="34" charset="0"/>
-              <a:buNone/>
-              <a:tabLst/>
-              <a:defRPr/>
-            </a:pPr>
-            <a:r>
-              <a:rPr kumimoji="0" lang="en-US" altLang="zh-TW" sz="2000" b="0" i="1" u="none" strike="noStrike" kern="1200" cap="none" spc="0" normalizeH="0" baseline="0" noProof="0">
-                <a:ln>
-                  <a:noFill/>
-                </a:ln>
-                <a:solidFill>
-                  <a:srgbClr val="FFFFFF"/>
-                </a:solidFill>
-                <a:effectLst/>
-                <a:uLnTx/>
-                <a:uFillTx/>
-                <a:latin typeface="Times New Roman" panose="02020603050405020304" pitchFamily="18" charset="0"/>
-                <a:ea typeface="微軟正黑體 Light"/>
-                <a:cs typeface="Times New Roman" panose="02020603050405020304" pitchFamily="18" charset="0"/>
-              </a:rPr>
-              <a:t>"git" can mean anything, depending on your mood.</a:t>
-            </a:r>
-          </a:p>
-          <a:p>
-            <a:pPr marL="0" marR="0" lvl="0" indent="0" algn="ctr" defTabSz="914400" rtl="0" eaLnBrk="1" fontAlgn="auto" latinLnBrk="0" hangingPunct="1">
-              <a:lnSpc>
-                <a:spcPct val="45000"/>
-              </a:lnSpc>
-              <a:spcBef>
-                <a:spcPts val="1000"/>
-              </a:spcBef>
-              <a:spcAft>
-                <a:spcPts val="0"/>
-              </a:spcAft>
-              <a:buClrTx/>
-              <a:buSzTx/>
-              <a:buFont typeface="Arial" panose="020B0604020202020204" pitchFamily="34" charset="0"/>
-              <a:buNone/>
-              <a:tabLst/>
-              <a:defRPr/>
-            </a:pPr>
-            <a:endParaRPr kumimoji="0" lang="en-US" altLang="zh-TW" sz="2000" b="0" i="1" u="none" strike="noStrike" kern="1200" cap="none" spc="0" normalizeH="0" baseline="0" noProof="0">
-              <a:ln>
-                <a:noFill/>
-              </a:ln>
-              <a:solidFill>
-                <a:srgbClr val="FFFFFF"/>
-              </a:solidFill>
-              <a:effectLst/>
-              <a:uLnTx/>
-              <a:uFillTx/>
-              <a:latin typeface="Times New Roman" panose="02020603050405020304" pitchFamily="18" charset="0"/>
-              <a:ea typeface="微軟正黑體 Light"/>
-              <a:cs typeface="Times New Roman" panose="02020603050405020304" pitchFamily="18" charset="0"/>
-            </a:endParaRPr>
-          </a:p>
-          <a:p>
-            <a:pPr marL="0" marR="0" lvl="0" indent="0" algn="ctr" defTabSz="914400" rtl="0" eaLnBrk="1" fontAlgn="auto" latinLnBrk="0" hangingPunct="1">
-              <a:lnSpc>
-                <a:spcPct val="45000"/>
-              </a:lnSpc>
-              <a:spcBef>
-                <a:spcPts val="1000"/>
-              </a:spcBef>
-              <a:spcAft>
-                <a:spcPts val="0"/>
-              </a:spcAft>
-              <a:buClrTx/>
-              <a:buSzTx/>
-              <a:buFont typeface="Arial" panose="020B0604020202020204" pitchFamily="34" charset="0"/>
-              <a:buNone/>
-              <a:tabLst/>
-              <a:defRPr/>
-            </a:pPr>
-            <a:r>
-              <a:rPr kumimoji="0" lang="en-US" altLang="zh-TW" sz="2000" b="0" i="1" u="none" strike="noStrike" kern="1200" cap="none" spc="0" normalizeH="0" baseline="0" noProof="0">
-                <a:ln>
-                  <a:noFill/>
-                </a:ln>
-                <a:solidFill>
-                  <a:srgbClr val="FFFFFF"/>
-                </a:solidFill>
-                <a:effectLst/>
-                <a:uLnTx/>
-                <a:uFillTx/>
-                <a:latin typeface="Times New Roman" panose="02020603050405020304" pitchFamily="18" charset="0"/>
-                <a:ea typeface="微軟正黑體 Light"/>
-                <a:cs typeface="Times New Roman" panose="02020603050405020304" pitchFamily="18" charset="0"/>
-              </a:rPr>
-              <a:t> - random three-letter combination that is pronounceable,</a:t>
-            </a:r>
-          </a:p>
-          <a:p>
-            <a:pPr marL="0" marR="0" lvl="0" indent="0" algn="ctr" defTabSz="914400" rtl="0" eaLnBrk="1" fontAlgn="auto" latinLnBrk="0" hangingPunct="1">
-              <a:lnSpc>
-                <a:spcPct val="45000"/>
-              </a:lnSpc>
-              <a:spcBef>
-                <a:spcPts val="1000"/>
-              </a:spcBef>
-              <a:spcAft>
-                <a:spcPts val="0"/>
-              </a:spcAft>
-              <a:buClrTx/>
-              <a:buSzTx/>
-              <a:buFont typeface="Arial" panose="020B0604020202020204" pitchFamily="34" charset="0"/>
-              <a:buNone/>
-              <a:tabLst/>
-              <a:defRPr/>
-            </a:pPr>
-            <a:r>
-              <a:rPr kumimoji="0" lang="en-US" altLang="zh-TW" sz="2000" b="0" i="1" u="none" strike="noStrike" kern="1200" cap="none" spc="0" normalizeH="0" baseline="0" noProof="0">
-                <a:ln>
-                  <a:noFill/>
-                </a:ln>
-                <a:solidFill>
-                  <a:srgbClr val="FFFFFF"/>
-                </a:solidFill>
-                <a:effectLst/>
-                <a:uLnTx/>
-                <a:uFillTx/>
-                <a:latin typeface="Times New Roman" panose="02020603050405020304" pitchFamily="18" charset="0"/>
-                <a:ea typeface="微軟正黑體 Light"/>
-                <a:cs typeface="Times New Roman" panose="02020603050405020304" pitchFamily="18" charset="0"/>
-              </a:rPr>
-              <a:t>and not</a:t>
-            </a:r>
-            <a:r>
-              <a:rPr kumimoji="0" lang="zh-TW" altLang="en-US" sz="2000" b="0" i="1" u="none" strike="noStrike" kern="1200" cap="none" spc="0" normalizeH="0" baseline="0" noProof="0">
-                <a:ln>
-                  <a:noFill/>
-                </a:ln>
-                <a:solidFill>
-                  <a:srgbClr val="FFFFFF"/>
-                </a:solidFill>
-                <a:effectLst/>
-                <a:uLnTx/>
-                <a:uFillTx/>
-                <a:latin typeface="Times New Roman" panose="02020603050405020304" pitchFamily="18" charset="0"/>
-                <a:ea typeface="微軟正黑體 Light"/>
-                <a:cs typeface="Times New Roman" panose="02020603050405020304" pitchFamily="18" charset="0"/>
-              </a:rPr>
-              <a:t> </a:t>
-            </a:r>
-            <a:r>
-              <a:rPr kumimoji="0" lang="en-US" altLang="zh-TW" sz="2000" b="0" i="1" u="none" strike="noStrike" kern="1200" cap="none" spc="0" normalizeH="0" baseline="0" noProof="0">
-                <a:ln>
-                  <a:noFill/>
-                </a:ln>
-                <a:solidFill>
-                  <a:srgbClr val="FFFFFF"/>
-                </a:solidFill>
-                <a:effectLst/>
-                <a:uLnTx/>
-                <a:uFillTx/>
-                <a:latin typeface="Times New Roman" panose="02020603050405020304" pitchFamily="18" charset="0"/>
-                <a:ea typeface="微軟正黑體 Light"/>
-                <a:cs typeface="Times New Roman" panose="02020603050405020304" pitchFamily="18" charset="0"/>
-              </a:rPr>
-              <a:t>actually used by any common UNIX command.</a:t>
-            </a:r>
-          </a:p>
-          <a:p>
-            <a:pPr marL="0" marR="0" lvl="0" indent="0" algn="ctr" defTabSz="914400" rtl="0" eaLnBrk="1" fontAlgn="auto" latinLnBrk="0" hangingPunct="1">
-              <a:lnSpc>
-                <a:spcPct val="45000"/>
-              </a:lnSpc>
-              <a:spcBef>
-                <a:spcPts val="1000"/>
-              </a:spcBef>
-              <a:spcAft>
-                <a:spcPts val="0"/>
-              </a:spcAft>
-              <a:buClrTx/>
-              <a:buSzTx/>
-              <a:buFont typeface="Arial" panose="020B0604020202020204" pitchFamily="34" charset="0"/>
-              <a:buNone/>
-              <a:tabLst/>
-              <a:defRPr/>
-            </a:pPr>
-            <a:r>
-              <a:rPr kumimoji="0" lang="en-US" altLang="zh-TW" sz="2000" b="0" i="1" u="none" strike="noStrike" kern="1200" cap="none" spc="0" normalizeH="0" baseline="0" noProof="0">
-                <a:ln>
-                  <a:noFill/>
-                </a:ln>
-                <a:solidFill>
-                  <a:srgbClr val="FFFFFF"/>
-                </a:solidFill>
-                <a:effectLst/>
-                <a:uLnTx/>
-                <a:uFillTx/>
-                <a:latin typeface="Times New Roman" panose="02020603050405020304" pitchFamily="18" charset="0"/>
-                <a:ea typeface="微軟正黑體 Light"/>
-                <a:cs typeface="Times New Roman" panose="02020603050405020304" pitchFamily="18" charset="0"/>
-              </a:rPr>
-              <a:t>The fact that it is a</a:t>
-            </a:r>
-            <a:r>
-              <a:rPr kumimoji="0" lang="zh-TW" altLang="en-US" sz="2000" b="0" i="1" u="none" strike="noStrike" kern="1200" cap="none" spc="0" normalizeH="0" baseline="0" noProof="0">
-                <a:ln>
-                  <a:noFill/>
-                </a:ln>
-                <a:solidFill>
-                  <a:srgbClr val="FFFFFF"/>
-                </a:solidFill>
-                <a:effectLst/>
-                <a:uLnTx/>
-                <a:uFillTx/>
-                <a:latin typeface="Times New Roman" panose="02020603050405020304" pitchFamily="18" charset="0"/>
-                <a:ea typeface="微軟正黑體 Light"/>
-                <a:cs typeface="Times New Roman" panose="02020603050405020304" pitchFamily="18" charset="0"/>
-              </a:rPr>
-              <a:t> </a:t>
-            </a:r>
-            <a:r>
-              <a:rPr kumimoji="0" lang="en-US" altLang="zh-TW" sz="2000" b="0" i="1" u="none" strike="noStrike" kern="1200" cap="none" spc="0" normalizeH="0" baseline="0" noProof="0">
-                <a:ln>
-                  <a:noFill/>
-                </a:ln>
-                <a:solidFill>
-                  <a:srgbClr val="FFFFFF"/>
-                </a:solidFill>
-                <a:effectLst/>
-                <a:uLnTx/>
-                <a:uFillTx/>
-                <a:latin typeface="Times New Roman" panose="02020603050405020304" pitchFamily="18" charset="0"/>
-                <a:ea typeface="微軟正黑體 Light"/>
-                <a:cs typeface="Times New Roman" panose="02020603050405020304" pitchFamily="18" charset="0"/>
-              </a:rPr>
-              <a:t>mispronounciation of "get" may or may not be relevant.</a:t>
-            </a:r>
-          </a:p>
-          <a:p>
-            <a:pPr marL="0" marR="0" lvl="0" indent="0" algn="ctr" defTabSz="914400" rtl="0" eaLnBrk="1" fontAlgn="auto" latinLnBrk="0" hangingPunct="1">
-              <a:lnSpc>
-                <a:spcPct val="45000"/>
-              </a:lnSpc>
-              <a:spcBef>
-                <a:spcPts val="1000"/>
-              </a:spcBef>
-              <a:spcAft>
-                <a:spcPts val="0"/>
-              </a:spcAft>
-              <a:buClrTx/>
-              <a:buSzTx/>
-              <a:buFont typeface="Arial" panose="020B0604020202020204" pitchFamily="34" charset="0"/>
-              <a:buNone/>
-              <a:tabLst/>
-              <a:defRPr/>
-            </a:pPr>
-            <a:r>
-              <a:rPr kumimoji="0" lang="en-US" altLang="zh-TW" sz="2000" b="0" i="1" u="none" strike="noStrike" kern="1200" cap="none" spc="0" normalizeH="0" baseline="0" noProof="0">
-                <a:ln>
-                  <a:noFill/>
-                </a:ln>
-                <a:solidFill>
-                  <a:srgbClr val="FFFFFF"/>
-                </a:solidFill>
-                <a:effectLst/>
-                <a:uLnTx/>
-                <a:uFillTx/>
-                <a:latin typeface="Times New Roman" panose="02020603050405020304" pitchFamily="18" charset="0"/>
-                <a:ea typeface="微軟正黑體 Light"/>
-                <a:cs typeface="Times New Roman" panose="02020603050405020304" pitchFamily="18" charset="0"/>
-              </a:rPr>
-              <a:t> - stupid. contemptible and despicable. simple. Take your pick from the dictionary of slang.</a:t>
-            </a:r>
-          </a:p>
-          <a:p>
-            <a:pPr marL="0" marR="0" lvl="0" indent="0" algn="ctr" defTabSz="914400" rtl="0" eaLnBrk="1" fontAlgn="auto" latinLnBrk="0" hangingPunct="1">
-              <a:lnSpc>
-                <a:spcPct val="45000"/>
-              </a:lnSpc>
-              <a:spcBef>
-                <a:spcPts val="1000"/>
-              </a:spcBef>
-              <a:spcAft>
-                <a:spcPts val="0"/>
-              </a:spcAft>
-              <a:buClrTx/>
-              <a:buSzTx/>
-              <a:buFont typeface="Arial" panose="020B0604020202020204" pitchFamily="34" charset="0"/>
-              <a:buNone/>
-              <a:tabLst/>
-              <a:defRPr/>
-            </a:pPr>
-            <a:r>
-              <a:rPr kumimoji="0" lang="en-US" altLang="zh-TW" sz="2000" b="0" i="1" u="none" strike="noStrike" kern="1200" cap="none" spc="0" normalizeH="0" baseline="0" noProof="0">
-                <a:ln>
-                  <a:noFill/>
-                </a:ln>
-                <a:solidFill>
-                  <a:srgbClr val="FFFFFF"/>
-                </a:solidFill>
-                <a:effectLst/>
-                <a:uLnTx/>
-                <a:uFillTx/>
-                <a:latin typeface="Times New Roman" panose="02020603050405020304" pitchFamily="18" charset="0"/>
-                <a:ea typeface="微軟正黑體 Light"/>
-                <a:cs typeface="Times New Roman" panose="02020603050405020304" pitchFamily="18" charset="0"/>
-              </a:rPr>
-              <a:t> - "global information tracker": you're in a good mood, and it actually works for you.</a:t>
-            </a:r>
-          </a:p>
-          <a:p>
-            <a:pPr marL="0" marR="0" lvl="0" indent="0" algn="ctr" defTabSz="914400" rtl="0" eaLnBrk="1" fontAlgn="auto" latinLnBrk="0" hangingPunct="1">
-              <a:lnSpc>
-                <a:spcPct val="45000"/>
-              </a:lnSpc>
-              <a:spcBef>
-                <a:spcPts val="1000"/>
-              </a:spcBef>
-              <a:spcAft>
-                <a:spcPts val="0"/>
-              </a:spcAft>
-              <a:buClrTx/>
-              <a:buSzTx/>
-              <a:buFont typeface="Arial" panose="020B0604020202020204" pitchFamily="34" charset="0"/>
-              <a:buNone/>
-              <a:tabLst/>
-              <a:defRPr/>
-            </a:pPr>
-            <a:r>
-              <a:rPr kumimoji="0" lang="en-US" altLang="zh-TW" sz="2000" b="0" i="1" u="none" strike="noStrike" kern="1200" cap="none" spc="0" normalizeH="0" baseline="0" noProof="0">
-                <a:ln>
-                  <a:noFill/>
-                </a:ln>
-                <a:solidFill>
-                  <a:srgbClr val="FFFFFF"/>
-                </a:solidFill>
-                <a:effectLst/>
-                <a:uLnTx/>
-                <a:uFillTx/>
-                <a:latin typeface="Times New Roman" panose="02020603050405020304" pitchFamily="18" charset="0"/>
-                <a:ea typeface="微軟正黑體 Light"/>
-                <a:cs typeface="Times New Roman" panose="02020603050405020304" pitchFamily="18" charset="0"/>
-              </a:rPr>
-              <a:t>Angels sing, and a light suddenly fills the room. </a:t>
-            </a:r>
-          </a:p>
-          <a:p>
-            <a:pPr marL="0" marR="0" lvl="0" indent="0" algn="ctr" defTabSz="914400" rtl="0" eaLnBrk="1" fontAlgn="auto" latinLnBrk="0" hangingPunct="1">
-              <a:lnSpc>
-                <a:spcPct val="45000"/>
-              </a:lnSpc>
-              <a:spcBef>
-                <a:spcPts val="1000"/>
-              </a:spcBef>
-              <a:spcAft>
-                <a:spcPts val="0"/>
-              </a:spcAft>
-              <a:buClrTx/>
-              <a:buSzTx/>
-              <a:buFont typeface="Arial" panose="020B0604020202020204" pitchFamily="34" charset="0"/>
-              <a:buNone/>
-              <a:tabLst/>
-              <a:defRPr/>
-            </a:pPr>
-            <a:r>
-              <a:rPr kumimoji="0" lang="en-US" altLang="zh-TW" sz="2000" b="0" i="1" u="none" strike="noStrike" kern="1200" cap="none" spc="0" normalizeH="0" baseline="0" noProof="0">
-                <a:ln>
-                  <a:noFill/>
-                </a:ln>
-                <a:solidFill>
-                  <a:srgbClr val="FFFFFF"/>
-                </a:solidFill>
-                <a:effectLst/>
-                <a:uLnTx/>
-                <a:uFillTx/>
-                <a:latin typeface="Times New Roman" panose="02020603050405020304" pitchFamily="18" charset="0"/>
-                <a:ea typeface="微軟正黑體 Light"/>
-                <a:cs typeface="Times New Roman" panose="02020603050405020304" pitchFamily="18" charset="0"/>
-              </a:rPr>
-              <a:t> - "goddamn idiotic truckload of sh*t": when it breaks</a:t>
-            </a:r>
-          </a:p>
-          <a:p>
-            <a:pPr marL="0" marR="0" lvl="0" indent="0" algn="ctr" defTabSz="914400" rtl="0" eaLnBrk="1" fontAlgn="auto" latinLnBrk="0" hangingPunct="1">
-              <a:lnSpc>
-                <a:spcPct val="45000"/>
-              </a:lnSpc>
-              <a:spcBef>
-                <a:spcPts val="1000"/>
-              </a:spcBef>
-              <a:spcAft>
-                <a:spcPts val="0"/>
-              </a:spcAft>
-              <a:buClrTx/>
-              <a:buSzTx/>
-              <a:buFont typeface="Arial" panose="020B0604020202020204" pitchFamily="34" charset="0"/>
-              <a:buNone/>
-              <a:tabLst/>
-              <a:defRPr/>
-            </a:pPr>
-            <a:endParaRPr kumimoji="0" lang="en-US" altLang="zh-TW" sz="2000" b="0" i="1" u="none" strike="noStrike" kern="1200" cap="none" spc="0" normalizeH="0" baseline="0" noProof="0">
-              <a:ln>
-                <a:noFill/>
-              </a:ln>
-              <a:solidFill>
-                <a:srgbClr val="FFFFFF"/>
-              </a:solidFill>
-              <a:effectLst/>
-              <a:uLnTx/>
-              <a:uFillTx/>
-              <a:latin typeface="Times New Roman" panose="02020603050405020304" pitchFamily="18" charset="0"/>
-              <a:ea typeface="微軟正黑體 Light"/>
-              <a:cs typeface="Times New Roman" panose="02020603050405020304" pitchFamily="18" charset="0"/>
-            </a:endParaRPr>
-          </a:p>
-          <a:p>
-            <a:pPr marL="0" marR="0" lvl="0" indent="0" algn="ctr" defTabSz="914400" rtl="0" eaLnBrk="1" fontAlgn="auto" latinLnBrk="0" hangingPunct="1">
-              <a:lnSpc>
-                <a:spcPct val="45000"/>
-              </a:lnSpc>
-              <a:spcBef>
-                <a:spcPts val="1000"/>
-              </a:spcBef>
-              <a:spcAft>
-                <a:spcPts val="0"/>
-              </a:spcAft>
-              <a:buClrTx/>
-              <a:buSzTx/>
-              <a:buFont typeface="Arial" panose="020B0604020202020204" pitchFamily="34" charset="0"/>
-              <a:buNone/>
-              <a:tabLst/>
-              <a:defRPr/>
-            </a:pPr>
-            <a:r>
-              <a:rPr kumimoji="0" lang="en-US" altLang="zh-TW" sz="2000" b="0" i="1" u="none" strike="noStrike" kern="1200" cap="none" spc="0" normalizeH="0" baseline="0" noProof="0">
-                <a:ln>
-                  <a:noFill/>
-                </a:ln>
-                <a:solidFill>
-                  <a:srgbClr val="FFFFFF"/>
-                </a:solidFill>
-                <a:effectLst/>
-                <a:uLnTx/>
-                <a:uFillTx/>
-                <a:latin typeface="Times New Roman" panose="02020603050405020304" pitchFamily="18" charset="0"/>
-                <a:ea typeface="微軟正黑體 Light"/>
-                <a:cs typeface="Times New Roman" panose="02020603050405020304" pitchFamily="18" charset="0"/>
-              </a:rPr>
-              <a:t>This is a stupid (but extremely fast) directory content manager.</a:t>
-            </a:r>
-          </a:p>
-          <a:p>
-            <a:pPr marL="0" marR="0" lvl="0" indent="0" algn="ctr" defTabSz="914400" rtl="0" eaLnBrk="1" fontAlgn="auto" latinLnBrk="0" hangingPunct="1">
-              <a:lnSpc>
-                <a:spcPct val="45000"/>
-              </a:lnSpc>
-              <a:spcBef>
-                <a:spcPts val="1000"/>
-              </a:spcBef>
-              <a:spcAft>
-                <a:spcPts val="0"/>
-              </a:spcAft>
-              <a:buClrTx/>
-              <a:buSzTx/>
-              <a:buFont typeface="Arial" panose="020B0604020202020204" pitchFamily="34" charset="0"/>
-              <a:buNone/>
-              <a:tabLst/>
-              <a:defRPr/>
-            </a:pPr>
-            <a:r>
-              <a:rPr kumimoji="0" lang="en-US" altLang="zh-TW" sz="2000" b="0" i="1" u="none" strike="noStrike" kern="1200" cap="none" spc="0" normalizeH="0" baseline="0" noProof="0">
-                <a:ln>
-                  <a:noFill/>
-                </a:ln>
-                <a:solidFill>
-                  <a:srgbClr val="FFFFFF"/>
-                </a:solidFill>
-                <a:effectLst/>
-                <a:uLnTx/>
-                <a:uFillTx/>
-                <a:latin typeface="Times New Roman" panose="02020603050405020304" pitchFamily="18" charset="0"/>
-                <a:ea typeface="微軟正黑體 Light"/>
-                <a:cs typeface="Times New Roman" panose="02020603050405020304" pitchFamily="18" charset="0"/>
-              </a:rPr>
-              <a:t>It doesn't do a whole lot, but what it _does_ do is track directory contents efficiently.</a:t>
-            </a:r>
-          </a:p>
-          <a:p>
-            <a:pPr marL="0" marR="0" lvl="0" indent="0" algn="r" defTabSz="914400" rtl="0" eaLnBrk="1" fontAlgn="auto" latinLnBrk="0" hangingPunct="1">
-              <a:lnSpc>
-                <a:spcPct val="45000"/>
-              </a:lnSpc>
-              <a:spcBef>
-                <a:spcPts val="1000"/>
-              </a:spcBef>
-              <a:spcAft>
-                <a:spcPts val="0"/>
-              </a:spcAft>
-              <a:buClrTx/>
-              <a:buSzTx/>
-              <a:buFont typeface="Arial" panose="020B0604020202020204" pitchFamily="34" charset="0"/>
-              <a:buNone/>
-              <a:tabLst/>
-              <a:defRPr/>
-            </a:pPr>
-            <a:r>
-              <a:rPr kumimoji="0" lang="en-US" altLang="zh-TW" sz="2000" b="0" u="none" strike="noStrike" kern="1200" cap="none" spc="0" normalizeH="0" baseline="0" noProof="0">
-                <a:ln>
-                  <a:noFill/>
-                </a:ln>
-                <a:solidFill>
-                  <a:srgbClr val="FFFFFF"/>
-                </a:solidFill>
-                <a:effectLst/>
-                <a:uLnTx/>
-                <a:uFillTx/>
-                <a:latin typeface="Times New Roman" panose="02020603050405020304" pitchFamily="18" charset="0"/>
-                <a:ea typeface="微軟正黑體 Light"/>
-                <a:cs typeface="Times New Roman" panose="02020603050405020304" pitchFamily="18" charset="0"/>
-              </a:rPr>
-              <a:t>-</a:t>
-            </a:r>
-            <a:r>
-              <a:rPr kumimoji="0" lang="zh-TW" altLang="en-US" sz="2000" b="0" u="none" strike="noStrike" kern="1200" cap="none" spc="0" normalizeH="0" baseline="0" noProof="0">
-                <a:ln>
-                  <a:noFill/>
-                </a:ln>
-                <a:solidFill>
-                  <a:srgbClr val="FFFFFF"/>
-                </a:solidFill>
-                <a:effectLst/>
-                <a:uLnTx/>
-                <a:uFillTx/>
-                <a:latin typeface="Times New Roman" panose="02020603050405020304" pitchFamily="18" charset="0"/>
-                <a:ea typeface="微軟正黑體 Light"/>
-                <a:cs typeface="Times New Roman" panose="02020603050405020304" pitchFamily="18" charset="0"/>
-              </a:rPr>
-              <a:t> </a:t>
-            </a:r>
-            <a:r>
-              <a:rPr kumimoji="0" lang="en-US" altLang="zh-TW" sz="2000" b="0" u="none" strike="noStrike" kern="1200" cap="none" spc="0" normalizeH="0" baseline="0" noProof="0">
-                <a:ln>
-                  <a:noFill/>
-                </a:ln>
-                <a:solidFill>
-                  <a:srgbClr val="FFFFFF"/>
-                </a:solidFill>
-                <a:effectLst/>
-                <a:uLnTx/>
-                <a:uFillTx/>
-                <a:latin typeface="Times New Roman" panose="02020603050405020304" pitchFamily="18" charset="0"/>
-                <a:ea typeface="微軟正黑體 Light"/>
-                <a:cs typeface="Times New Roman" panose="02020603050405020304" pitchFamily="18" charset="0"/>
-              </a:rPr>
-              <a:t>Linus Torvalds</a:t>
-            </a:r>
-          </a:p>
-        </p:txBody>
-      </p:sp>
-      <p:grpSp>
-        <p:nvGrpSpPr>
-          <p:cNvPr id="5" name="群組 4">
-            <a:extLst>
-              <a:ext uri="{FF2B5EF4-FFF2-40B4-BE49-F238E27FC236}">
-                <a16:creationId xmlns:a16="http://schemas.microsoft.com/office/drawing/2014/main" id="{745F2AB9-954E-4C95-885F-BF55F35C7A79}"/>
-              </a:ext>
-            </a:extLst>
-          </p:cNvPr>
-          <p:cNvGrpSpPr/>
-          <p:nvPr/>
-        </p:nvGrpSpPr>
-        <p:grpSpPr>
-          <a:xfrm>
-            <a:off x="8422445" y="1897430"/>
-            <a:ext cx="2931355" cy="430305"/>
-            <a:chOff x="7570590" y="5784663"/>
-            <a:chExt cx="2931355" cy="430305"/>
-          </a:xfrm>
-        </p:grpSpPr>
-        <p:pic>
-          <p:nvPicPr>
-            <p:cNvPr id="6" name="圖片 5">
-              <a:hlinkClick r:id="rId2"/>
-              <a:extLst>
-                <a:ext uri="{FF2B5EF4-FFF2-40B4-BE49-F238E27FC236}">
-                  <a16:creationId xmlns:a16="http://schemas.microsoft.com/office/drawing/2014/main" id="{1E76A841-329C-47D1-8954-737613A210B9}"/>
-                </a:ext>
-              </a:extLst>
-            </p:cNvPr>
-            <p:cNvPicPr>
-              <a:picLocks noChangeAspect="1"/>
-            </p:cNvPicPr>
-            <p:nvPr/>
-          </p:nvPicPr>
-          <p:blipFill>
-            <a:blip r:embed="rId3">
-              <a:extLst>
-                <a:ext uri="{28A0092B-C50C-407E-A947-70E740481C1C}">
-                  <a14:useLocalDpi xmlns:a14="http://schemas.microsoft.com/office/drawing/2010/main" val="0"/>
-                </a:ext>
-              </a:extLst>
-            </a:blip>
-            <a:stretch>
-              <a:fillRect/>
-            </a:stretch>
-          </p:blipFill>
-          <p:spPr>
-            <a:xfrm>
-              <a:off x="7570590" y="5784663"/>
-              <a:ext cx="430305" cy="430305"/>
-            </a:xfrm>
-            <a:prstGeom prst="rect">
-              <a:avLst/>
-            </a:prstGeom>
-          </p:spPr>
-        </p:pic>
-        <p:sp>
-          <p:nvSpPr>
-            <p:cNvPr id="7" name="文字方塊 6">
-              <a:extLst>
-                <a:ext uri="{FF2B5EF4-FFF2-40B4-BE49-F238E27FC236}">
-                  <a16:creationId xmlns:a16="http://schemas.microsoft.com/office/drawing/2014/main" id="{E6BECE38-E44E-4DED-9C32-FF83E30291C8}"/>
-                </a:ext>
-              </a:extLst>
-            </p:cNvPr>
-            <p:cNvSpPr txBox="1"/>
-            <p:nvPr/>
-          </p:nvSpPr>
-          <p:spPr>
-            <a:xfrm>
-              <a:off x="8000895" y="5815149"/>
-              <a:ext cx="2501050" cy="369332"/>
-            </a:xfrm>
-            <a:prstGeom prst="rect">
-              <a:avLst/>
-            </a:prstGeom>
-            <a:noFill/>
-          </p:spPr>
-          <p:txBody>
-            <a:bodyPr wrap="square" rtlCol="0">
-              <a:spAutoFit/>
-            </a:bodyPr>
-            <a:lstStyle/>
-            <a:p>
-              <a:pPr algn="ctr"/>
-              <a:r>
-                <a:rPr lang="en-US" altLang="zh-TW"/>
-                <a:t>Git </a:t>
-              </a:r>
-              <a:r>
-                <a:rPr lang="zh-TW" altLang="en-US"/>
-                <a:t>的第一版 </a:t>
-              </a:r>
-              <a:r>
-                <a:rPr lang="en-US" altLang="zh-TW"/>
-                <a:t>README</a:t>
-              </a:r>
-              <a:endParaRPr lang="zh-TW" altLang="en-US"/>
-            </a:p>
-          </p:txBody>
-        </p:sp>
-      </p:grpSp>
     </p:spTree>
     <p:extLst>
       <p:ext uri="{BB962C8B-B14F-4D97-AF65-F5344CB8AC3E}">
@@ -2979,11 +2269,20 @@
             <p:ph type="title"/>
           </p:nvPr>
         </p:nvSpPr>
-        <p:spPr/>
+        <p:spPr>
+          <a:xfrm>
+            <a:off x="838200" y="0"/>
+            <a:ext cx="10515600" cy="1325563"/>
+          </a:xfrm>
+        </p:spPr>
         <p:txBody>
           <a:bodyPr/>
           <a:lstStyle/>
           <a:p>
+            <a:r>
+              <a:rPr lang="en-US" altLang="zh-TW"/>
+              <a:t>Git</a:t>
+            </a:r>
             <a:endParaRPr lang="zh-TW" altLang="en-US"/>
           </a:p>
         </p:txBody>
@@ -3004,19 +2303,1711 @@
             <p:ph idx="1"/>
           </p:nvPr>
         </p:nvSpPr>
+        <p:spPr>
+          <a:xfrm>
+            <a:off x="838200" y="1019693"/>
+            <a:ext cx="10515600" cy="579797"/>
+          </a:xfrm>
+        </p:spPr>
+        <p:txBody>
+          <a:bodyPr/>
+          <a:lstStyle/>
+          <a:p>
+            <a:r>
+              <a:rPr lang="en-US" altLang="zh-TW">
+                <a:solidFill>
+                  <a:srgbClr val="00B0F0"/>
+                </a:solidFill>
+              </a:rPr>
+              <a:t>Git</a:t>
+            </a:r>
+            <a:r>
+              <a:rPr lang="en-US" altLang="zh-TW"/>
+              <a:t> </a:t>
+            </a:r>
+            <a:r>
+              <a:rPr lang="zh-TW" altLang="en-US"/>
+              <a:t>的第一版 </a:t>
+            </a:r>
+            <a:r>
+              <a:rPr lang="en-US" altLang="zh-TW">
+                <a:solidFill>
+                  <a:srgbClr val="00B0F0"/>
+                </a:solidFill>
+              </a:rPr>
+              <a:t>README(</a:t>
+            </a:r>
+            <a:r>
+              <a:rPr lang="zh-TW" altLang="en-US">
+                <a:solidFill>
+                  <a:srgbClr val="00B0F0"/>
+                </a:solidFill>
+              </a:rPr>
+              <a:t>讀我</a:t>
+            </a:r>
+            <a:r>
+              <a:rPr lang="en-US" altLang="zh-TW">
+                <a:solidFill>
+                  <a:srgbClr val="00B0F0"/>
+                </a:solidFill>
+              </a:rPr>
+              <a:t>)</a:t>
+            </a:r>
+            <a:r>
+              <a:rPr lang="en-US" altLang="zh-TW"/>
+              <a:t> </a:t>
+            </a:r>
+            <a:r>
+              <a:rPr lang="zh-TW" altLang="en-US"/>
+              <a:t>中寫道：</a:t>
+            </a:r>
+          </a:p>
+        </p:txBody>
+      </p:sp>
+      <p:sp>
+        <p:nvSpPr>
+          <p:cNvPr id="4" name="文字方塊 3">
+            <a:extLst>
+              <a:ext uri="{FF2B5EF4-FFF2-40B4-BE49-F238E27FC236}">
+                <a16:creationId xmlns:a16="http://schemas.microsoft.com/office/drawing/2014/main" id="{6624F478-A90E-434C-8648-38F181103765}"/>
+              </a:ext>
+            </a:extLst>
+          </p:cNvPr>
+          <p:cNvSpPr txBox="1"/>
+          <p:nvPr/>
+        </p:nvSpPr>
+        <p:spPr>
+          <a:xfrm>
+            <a:off x="838200" y="1599491"/>
+            <a:ext cx="10515600" cy="4809073"/>
+          </a:xfrm>
+          <a:prstGeom prst="rect">
+            <a:avLst/>
+          </a:prstGeom>
+          <a:noFill/>
+          <a:ln>
+            <a:solidFill>
+              <a:schemeClr val="accent1"/>
+            </a:solidFill>
+          </a:ln>
+        </p:spPr>
+        <p:txBody>
+          <a:bodyPr wrap="square">
+            <a:spAutoFit/>
+          </a:bodyPr>
+          <a:lstStyle/>
+          <a:p>
+            <a:pPr marL="0" marR="0" lvl="0" indent="0" algn="ctr" defTabSz="914400" rtl="0" eaLnBrk="1" fontAlgn="auto" latinLnBrk="0" hangingPunct="1">
+              <a:lnSpc>
+                <a:spcPct val="60000"/>
+              </a:lnSpc>
+              <a:spcBef>
+                <a:spcPts val="1000"/>
+              </a:spcBef>
+              <a:spcAft>
+                <a:spcPts val="0"/>
+              </a:spcAft>
+              <a:buClrTx/>
+              <a:buSzTx/>
+              <a:buFont typeface="Arial" panose="020B0604020202020204" pitchFamily="34" charset="0"/>
+              <a:buNone/>
+              <a:tabLst/>
+              <a:defRPr/>
+            </a:pPr>
+            <a:endParaRPr kumimoji="0" lang="en-US" altLang="zh-TW" sz="100" b="0" i="1" u="none" strike="noStrike" kern="1200" cap="none" spc="0" normalizeH="0" baseline="0" noProof="0">
+              <a:ln>
+                <a:noFill/>
+              </a:ln>
+              <a:solidFill>
+                <a:srgbClr val="FFFFFF"/>
+              </a:solidFill>
+              <a:effectLst/>
+              <a:uLnTx/>
+              <a:uFillTx/>
+              <a:latin typeface="Times New Roman" panose="02020603050405020304" pitchFamily="18" charset="0"/>
+              <a:ea typeface="微軟正黑體 Light"/>
+              <a:cs typeface="Times New Roman" panose="02020603050405020304" pitchFamily="18" charset="0"/>
+            </a:endParaRPr>
+          </a:p>
+          <a:p>
+            <a:pPr marL="0" marR="0" lvl="0" indent="0" algn="ctr" defTabSz="914400" rtl="0" eaLnBrk="1" fontAlgn="auto" latinLnBrk="0" hangingPunct="1">
+              <a:lnSpc>
+                <a:spcPct val="60000"/>
+              </a:lnSpc>
+              <a:spcBef>
+                <a:spcPts val="1000"/>
+              </a:spcBef>
+              <a:spcAft>
+                <a:spcPts val="0"/>
+              </a:spcAft>
+              <a:buClrTx/>
+              <a:buSzTx/>
+              <a:buFont typeface="Arial" panose="020B0604020202020204" pitchFamily="34" charset="0"/>
+              <a:buNone/>
+              <a:tabLst/>
+              <a:defRPr/>
+            </a:pPr>
+            <a:r>
+              <a:rPr kumimoji="0" lang="en-US" altLang="zh-TW" sz="2000" b="0" i="1" u="none" strike="noStrike" kern="1200" cap="none" spc="0" normalizeH="0" baseline="0" noProof="0">
+                <a:ln>
+                  <a:noFill/>
+                </a:ln>
+                <a:solidFill>
+                  <a:srgbClr val="FFFFFF"/>
+                </a:solidFill>
+                <a:effectLst/>
+                <a:uLnTx/>
+                <a:uFillTx/>
+                <a:latin typeface="Times New Roman" panose="02020603050405020304" pitchFamily="18" charset="0"/>
+                <a:ea typeface="微軟正黑體 Light"/>
+                <a:cs typeface="Times New Roman" panose="02020603050405020304" pitchFamily="18" charset="0"/>
+              </a:rPr>
+              <a:t>GIT - the stupid content tracker</a:t>
+            </a:r>
+          </a:p>
+          <a:p>
+            <a:pPr marL="0" marR="0" lvl="0" indent="0" algn="ctr" defTabSz="914400" rtl="0" eaLnBrk="1" fontAlgn="auto" latinLnBrk="0" hangingPunct="1">
+              <a:lnSpc>
+                <a:spcPct val="60000"/>
+              </a:lnSpc>
+              <a:spcBef>
+                <a:spcPts val="1000"/>
+              </a:spcBef>
+              <a:spcAft>
+                <a:spcPts val="0"/>
+              </a:spcAft>
+              <a:buClrTx/>
+              <a:buSzTx/>
+              <a:buFont typeface="Arial" panose="020B0604020202020204" pitchFamily="34" charset="0"/>
+              <a:buNone/>
+              <a:tabLst/>
+              <a:defRPr/>
+            </a:pPr>
+            <a:endParaRPr kumimoji="0" lang="en-US" altLang="zh-TW" sz="2000" b="0" i="1" u="none" strike="noStrike" kern="1200" cap="none" spc="0" normalizeH="0" baseline="0" noProof="0">
+              <a:ln>
+                <a:noFill/>
+              </a:ln>
+              <a:solidFill>
+                <a:srgbClr val="FFFFFF"/>
+              </a:solidFill>
+              <a:effectLst/>
+              <a:uLnTx/>
+              <a:uFillTx/>
+              <a:latin typeface="Times New Roman" panose="02020603050405020304" pitchFamily="18" charset="0"/>
+              <a:ea typeface="微軟正黑體 Light"/>
+              <a:cs typeface="Times New Roman" panose="02020603050405020304" pitchFamily="18" charset="0"/>
+            </a:endParaRPr>
+          </a:p>
+          <a:p>
+            <a:pPr marL="0" marR="0" lvl="0" indent="0" algn="ctr" defTabSz="914400" rtl="0" eaLnBrk="1" fontAlgn="auto" latinLnBrk="0" hangingPunct="1">
+              <a:lnSpc>
+                <a:spcPct val="60000"/>
+              </a:lnSpc>
+              <a:spcBef>
+                <a:spcPts val="1000"/>
+              </a:spcBef>
+              <a:spcAft>
+                <a:spcPts val="0"/>
+              </a:spcAft>
+              <a:buClrTx/>
+              <a:buSzTx/>
+              <a:buFont typeface="Arial" panose="020B0604020202020204" pitchFamily="34" charset="0"/>
+              <a:buNone/>
+              <a:tabLst/>
+              <a:defRPr/>
+            </a:pPr>
+            <a:r>
+              <a:rPr kumimoji="0" lang="en-US" altLang="zh-TW" sz="2000" b="0" i="1" u="none" strike="noStrike" kern="1200" cap="none" spc="0" normalizeH="0" baseline="0" noProof="0">
+                <a:ln>
+                  <a:noFill/>
+                </a:ln>
+                <a:solidFill>
+                  <a:srgbClr val="FFFFFF"/>
+                </a:solidFill>
+                <a:effectLst/>
+                <a:uLnTx/>
+                <a:uFillTx/>
+                <a:latin typeface="Times New Roman" panose="02020603050405020304" pitchFamily="18" charset="0"/>
+                <a:ea typeface="微軟正黑體 Light"/>
+                <a:cs typeface="Times New Roman" panose="02020603050405020304" pitchFamily="18" charset="0"/>
+              </a:rPr>
+              <a:t>"git" can mean anything, depending on your mood.</a:t>
+            </a:r>
+          </a:p>
+          <a:p>
+            <a:pPr marL="0" marR="0" lvl="0" indent="0" algn="ctr" defTabSz="914400" rtl="0" eaLnBrk="1" fontAlgn="auto" latinLnBrk="0" hangingPunct="1">
+              <a:lnSpc>
+                <a:spcPct val="60000"/>
+              </a:lnSpc>
+              <a:spcBef>
+                <a:spcPts val="1000"/>
+              </a:spcBef>
+              <a:spcAft>
+                <a:spcPts val="0"/>
+              </a:spcAft>
+              <a:buClrTx/>
+              <a:buSzTx/>
+              <a:buFont typeface="Arial" panose="020B0604020202020204" pitchFamily="34" charset="0"/>
+              <a:buNone/>
+              <a:tabLst/>
+              <a:defRPr/>
+            </a:pPr>
+            <a:endParaRPr kumimoji="0" lang="en-US" altLang="zh-TW" sz="2000" b="0" i="1" u="none" strike="noStrike" kern="1200" cap="none" spc="0" normalizeH="0" baseline="0" noProof="0">
+              <a:ln>
+                <a:noFill/>
+              </a:ln>
+              <a:solidFill>
+                <a:srgbClr val="FFFFFF"/>
+              </a:solidFill>
+              <a:effectLst/>
+              <a:uLnTx/>
+              <a:uFillTx/>
+              <a:latin typeface="Times New Roman" panose="02020603050405020304" pitchFamily="18" charset="0"/>
+              <a:ea typeface="微軟正黑體 Light"/>
+              <a:cs typeface="Times New Roman" panose="02020603050405020304" pitchFamily="18" charset="0"/>
+            </a:endParaRPr>
+          </a:p>
+          <a:p>
+            <a:pPr marL="0" marR="0" lvl="0" indent="0" algn="ctr" defTabSz="914400" rtl="0" eaLnBrk="1" fontAlgn="auto" latinLnBrk="0" hangingPunct="1">
+              <a:lnSpc>
+                <a:spcPct val="60000"/>
+              </a:lnSpc>
+              <a:spcBef>
+                <a:spcPts val="1000"/>
+              </a:spcBef>
+              <a:spcAft>
+                <a:spcPts val="0"/>
+              </a:spcAft>
+              <a:buClrTx/>
+              <a:buSzTx/>
+              <a:buFont typeface="Arial" panose="020B0604020202020204" pitchFamily="34" charset="0"/>
+              <a:buNone/>
+              <a:tabLst/>
+              <a:defRPr/>
+            </a:pPr>
+            <a:r>
+              <a:rPr kumimoji="0" lang="en-US" altLang="zh-TW" sz="2000" b="0" i="1" u="none" strike="noStrike" kern="1200" cap="none" spc="0" normalizeH="0" baseline="0" noProof="0">
+                <a:ln>
+                  <a:noFill/>
+                </a:ln>
+                <a:solidFill>
+                  <a:srgbClr val="FFFFFF"/>
+                </a:solidFill>
+                <a:effectLst/>
+                <a:uLnTx/>
+                <a:uFillTx/>
+                <a:latin typeface="Times New Roman" panose="02020603050405020304" pitchFamily="18" charset="0"/>
+                <a:ea typeface="微軟正黑體 Light"/>
+                <a:cs typeface="Times New Roman" panose="02020603050405020304" pitchFamily="18" charset="0"/>
+              </a:rPr>
+              <a:t> - random three-letter combination that is pronounceable,</a:t>
+            </a:r>
+          </a:p>
+          <a:p>
+            <a:pPr marL="0" marR="0" lvl="0" indent="0" algn="ctr" defTabSz="914400" rtl="0" eaLnBrk="1" fontAlgn="auto" latinLnBrk="0" hangingPunct="1">
+              <a:lnSpc>
+                <a:spcPct val="60000"/>
+              </a:lnSpc>
+              <a:spcBef>
+                <a:spcPts val="1000"/>
+              </a:spcBef>
+              <a:spcAft>
+                <a:spcPts val="0"/>
+              </a:spcAft>
+              <a:buClrTx/>
+              <a:buSzTx/>
+              <a:buFont typeface="Arial" panose="020B0604020202020204" pitchFamily="34" charset="0"/>
+              <a:buNone/>
+              <a:tabLst/>
+              <a:defRPr/>
+            </a:pPr>
+            <a:r>
+              <a:rPr kumimoji="0" lang="en-US" altLang="zh-TW" sz="2000" b="0" i="1" u="none" strike="noStrike" kern="1200" cap="none" spc="0" normalizeH="0" baseline="0" noProof="0">
+                <a:ln>
+                  <a:noFill/>
+                </a:ln>
+                <a:solidFill>
+                  <a:srgbClr val="FFFFFF"/>
+                </a:solidFill>
+                <a:effectLst/>
+                <a:uLnTx/>
+                <a:uFillTx/>
+                <a:latin typeface="Times New Roman" panose="02020603050405020304" pitchFamily="18" charset="0"/>
+                <a:ea typeface="微軟正黑體 Light"/>
+                <a:cs typeface="Times New Roman" panose="02020603050405020304" pitchFamily="18" charset="0"/>
+              </a:rPr>
+              <a:t>and not</a:t>
+            </a:r>
+            <a:r>
+              <a:rPr kumimoji="0" lang="zh-TW" altLang="en-US" sz="2000" b="0" i="1" u="none" strike="noStrike" kern="1200" cap="none" spc="0" normalizeH="0" baseline="0" noProof="0">
+                <a:ln>
+                  <a:noFill/>
+                </a:ln>
+                <a:solidFill>
+                  <a:srgbClr val="FFFFFF"/>
+                </a:solidFill>
+                <a:effectLst/>
+                <a:uLnTx/>
+                <a:uFillTx/>
+                <a:latin typeface="Times New Roman" panose="02020603050405020304" pitchFamily="18" charset="0"/>
+                <a:ea typeface="微軟正黑體 Light"/>
+                <a:cs typeface="Times New Roman" panose="02020603050405020304" pitchFamily="18" charset="0"/>
+              </a:rPr>
+              <a:t> </a:t>
+            </a:r>
+            <a:r>
+              <a:rPr kumimoji="0" lang="en-US" altLang="zh-TW" sz="2000" b="0" i="1" u="none" strike="noStrike" kern="1200" cap="none" spc="0" normalizeH="0" baseline="0" noProof="0">
+                <a:ln>
+                  <a:noFill/>
+                </a:ln>
+                <a:solidFill>
+                  <a:srgbClr val="FFFFFF"/>
+                </a:solidFill>
+                <a:effectLst/>
+                <a:uLnTx/>
+                <a:uFillTx/>
+                <a:latin typeface="Times New Roman" panose="02020603050405020304" pitchFamily="18" charset="0"/>
+                <a:ea typeface="微軟正黑體 Light"/>
+                <a:cs typeface="Times New Roman" panose="02020603050405020304" pitchFamily="18" charset="0"/>
+              </a:rPr>
+              <a:t>actually used by any common UNIX command.</a:t>
+            </a:r>
+          </a:p>
+          <a:p>
+            <a:pPr marL="0" marR="0" lvl="0" indent="0" algn="ctr" defTabSz="914400" rtl="0" eaLnBrk="1" fontAlgn="auto" latinLnBrk="0" hangingPunct="1">
+              <a:lnSpc>
+                <a:spcPct val="60000"/>
+              </a:lnSpc>
+              <a:spcBef>
+                <a:spcPts val="1000"/>
+              </a:spcBef>
+              <a:spcAft>
+                <a:spcPts val="0"/>
+              </a:spcAft>
+              <a:buClrTx/>
+              <a:buSzTx/>
+              <a:buFont typeface="Arial" panose="020B0604020202020204" pitchFamily="34" charset="0"/>
+              <a:buNone/>
+              <a:tabLst/>
+              <a:defRPr/>
+            </a:pPr>
+            <a:r>
+              <a:rPr kumimoji="0" lang="en-US" altLang="zh-TW" sz="2000" b="0" i="1" u="none" strike="noStrike" kern="1200" cap="none" spc="0" normalizeH="0" baseline="0" noProof="0">
+                <a:ln>
+                  <a:noFill/>
+                </a:ln>
+                <a:solidFill>
+                  <a:srgbClr val="FFFFFF"/>
+                </a:solidFill>
+                <a:effectLst/>
+                <a:uLnTx/>
+                <a:uFillTx/>
+                <a:latin typeface="Times New Roman" panose="02020603050405020304" pitchFamily="18" charset="0"/>
+                <a:ea typeface="微軟正黑體 Light"/>
+                <a:cs typeface="Times New Roman" panose="02020603050405020304" pitchFamily="18" charset="0"/>
+              </a:rPr>
+              <a:t>The fact that it is a</a:t>
+            </a:r>
+            <a:r>
+              <a:rPr kumimoji="0" lang="zh-TW" altLang="en-US" sz="2000" b="0" i="1" u="none" strike="noStrike" kern="1200" cap="none" spc="0" normalizeH="0" baseline="0" noProof="0">
+                <a:ln>
+                  <a:noFill/>
+                </a:ln>
+                <a:solidFill>
+                  <a:srgbClr val="FFFFFF"/>
+                </a:solidFill>
+                <a:effectLst/>
+                <a:uLnTx/>
+                <a:uFillTx/>
+                <a:latin typeface="Times New Roman" panose="02020603050405020304" pitchFamily="18" charset="0"/>
+                <a:ea typeface="微軟正黑體 Light"/>
+                <a:cs typeface="Times New Roman" panose="02020603050405020304" pitchFamily="18" charset="0"/>
+              </a:rPr>
+              <a:t> </a:t>
+            </a:r>
+            <a:r>
+              <a:rPr kumimoji="0" lang="en-US" altLang="zh-TW" sz="2000" b="0" i="1" u="none" strike="noStrike" kern="1200" cap="none" spc="0" normalizeH="0" baseline="0" noProof="0">
+                <a:ln>
+                  <a:noFill/>
+                </a:ln>
+                <a:solidFill>
+                  <a:srgbClr val="FFFFFF"/>
+                </a:solidFill>
+                <a:effectLst/>
+                <a:uLnTx/>
+                <a:uFillTx/>
+                <a:latin typeface="Times New Roman" panose="02020603050405020304" pitchFamily="18" charset="0"/>
+                <a:ea typeface="微軟正黑體 Light"/>
+                <a:cs typeface="Times New Roman" panose="02020603050405020304" pitchFamily="18" charset="0"/>
+              </a:rPr>
+              <a:t>mispronounciation of "get" may or may not be relevant.</a:t>
+            </a:r>
+          </a:p>
+          <a:p>
+            <a:pPr marL="0" marR="0" lvl="0" indent="0" algn="ctr" defTabSz="914400" rtl="0" eaLnBrk="1" fontAlgn="auto" latinLnBrk="0" hangingPunct="1">
+              <a:lnSpc>
+                <a:spcPct val="60000"/>
+              </a:lnSpc>
+              <a:spcBef>
+                <a:spcPts val="1000"/>
+              </a:spcBef>
+              <a:spcAft>
+                <a:spcPts val="0"/>
+              </a:spcAft>
+              <a:buClrTx/>
+              <a:buSzTx/>
+              <a:buFont typeface="Arial" panose="020B0604020202020204" pitchFamily="34" charset="0"/>
+              <a:buNone/>
+              <a:tabLst/>
+              <a:defRPr/>
+            </a:pPr>
+            <a:r>
+              <a:rPr kumimoji="0" lang="en-US" altLang="zh-TW" sz="2000" b="0" i="1" u="none" strike="noStrike" kern="1200" cap="none" spc="0" normalizeH="0" baseline="0" noProof="0">
+                <a:ln>
+                  <a:noFill/>
+                </a:ln>
+                <a:solidFill>
+                  <a:srgbClr val="FFFFFF"/>
+                </a:solidFill>
+                <a:effectLst/>
+                <a:uLnTx/>
+                <a:uFillTx/>
+                <a:latin typeface="Times New Roman" panose="02020603050405020304" pitchFamily="18" charset="0"/>
+                <a:ea typeface="微軟正黑體 Light"/>
+                <a:cs typeface="Times New Roman" panose="02020603050405020304" pitchFamily="18" charset="0"/>
+              </a:rPr>
+              <a:t> - stupid. contemptible and despicable. simple. Take your pick from the dictionary of slang.</a:t>
+            </a:r>
+          </a:p>
+          <a:p>
+            <a:pPr marL="0" marR="0" lvl="0" indent="0" algn="ctr" defTabSz="914400" rtl="0" eaLnBrk="1" fontAlgn="auto" latinLnBrk="0" hangingPunct="1">
+              <a:lnSpc>
+                <a:spcPct val="60000"/>
+              </a:lnSpc>
+              <a:spcBef>
+                <a:spcPts val="1000"/>
+              </a:spcBef>
+              <a:spcAft>
+                <a:spcPts val="0"/>
+              </a:spcAft>
+              <a:buClrTx/>
+              <a:buSzTx/>
+              <a:buFont typeface="Arial" panose="020B0604020202020204" pitchFamily="34" charset="0"/>
+              <a:buNone/>
+              <a:tabLst/>
+              <a:defRPr/>
+            </a:pPr>
+            <a:r>
+              <a:rPr kumimoji="0" lang="en-US" altLang="zh-TW" sz="2000" b="0" i="1" u="none" strike="noStrike" kern="1200" cap="none" spc="0" normalizeH="0" baseline="0" noProof="0">
+                <a:ln>
+                  <a:noFill/>
+                </a:ln>
+                <a:solidFill>
+                  <a:srgbClr val="FFFFFF"/>
+                </a:solidFill>
+                <a:effectLst/>
+                <a:uLnTx/>
+                <a:uFillTx/>
+                <a:latin typeface="Times New Roman" panose="02020603050405020304" pitchFamily="18" charset="0"/>
+                <a:ea typeface="微軟正黑體 Light"/>
+                <a:cs typeface="Times New Roman" panose="02020603050405020304" pitchFamily="18" charset="0"/>
+              </a:rPr>
+              <a:t> - "global information tracker": you're in a good mood, and it actually works for you.</a:t>
+            </a:r>
+          </a:p>
+          <a:p>
+            <a:pPr marL="0" marR="0" lvl="0" indent="0" algn="ctr" defTabSz="914400" rtl="0" eaLnBrk="1" fontAlgn="auto" latinLnBrk="0" hangingPunct="1">
+              <a:lnSpc>
+                <a:spcPct val="60000"/>
+              </a:lnSpc>
+              <a:spcBef>
+                <a:spcPts val="1000"/>
+              </a:spcBef>
+              <a:spcAft>
+                <a:spcPts val="0"/>
+              </a:spcAft>
+              <a:buClrTx/>
+              <a:buSzTx/>
+              <a:buFont typeface="Arial" panose="020B0604020202020204" pitchFamily="34" charset="0"/>
+              <a:buNone/>
+              <a:tabLst/>
+              <a:defRPr/>
+            </a:pPr>
+            <a:r>
+              <a:rPr kumimoji="0" lang="en-US" altLang="zh-TW" sz="2000" b="0" i="1" u="none" strike="noStrike" kern="1200" cap="none" spc="0" normalizeH="0" baseline="0" noProof="0">
+                <a:ln>
+                  <a:noFill/>
+                </a:ln>
+                <a:solidFill>
+                  <a:srgbClr val="FFFFFF"/>
+                </a:solidFill>
+                <a:effectLst/>
+                <a:uLnTx/>
+                <a:uFillTx/>
+                <a:latin typeface="Times New Roman" panose="02020603050405020304" pitchFamily="18" charset="0"/>
+                <a:ea typeface="微軟正黑體 Light"/>
+                <a:cs typeface="Times New Roman" panose="02020603050405020304" pitchFamily="18" charset="0"/>
+              </a:rPr>
+              <a:t>Angels sing, and a light suddenly fills the room. </a:t>
+            </a:r>
+          </a:p>
+          <a:p>
+            <a:pPr marL="0" marR="0" lvl="0" indent="0" algn="ctr" defTabSz="914400" rtl="0" eaLnBrk="1" fontAlgn="auto" latinLnBrk="0" hangingPunct="1">
+              <a:lnSpc>
+                <a:spcPct val="60000"/>
+              </a:lnSpc>
+              <a:spcBef>
+                <a:spcPts val="1000"/>
+              </a:spcBef>
+              <a:spcAft>
+                <a:spcPts val="0"/>
+              </a:spcAft>
+              <a:buClrTx/>
+              <a:buSzTx/>
+              <a:buFont typeface="Arial" panose="020B0604020202020204" pitchFamily="34" charset="0"/>
+              <a:buNone/>
+              <a:tabLst/>
+              <a:defRPr/>
+            </a:pPr>
+            <a:r>
+              <a:rPr kumimoji="0" lang="en-US" altLang="zh-TW" sz="2000" b="0" i="1" u="none" strike="noStrike" kern="1200" cap="none" spc="0" normalizeH="0" baseline="0" noProof="0">
+                <a:ln>
+                  <a:noFill/>
+                </a:ln>
+                <a:solidFill>
+                  <a:srgbClr val="FFFFFF"/>
+                </a:solidFill>
+                <a:effectLst/>
+                <a:uLnTx/>
+                <a:uFillTx/>
+                <a:latin typeface="Times New Roman" panose="02020603050405020304" pitchFamily="18" charset="0"/>
+                <a:ea typeface="微軟正黑體 Light"/>
+                <a:cs typeface="Times New Roman" panose="02020603050405020304" pitchFamily="18" charset="0"/>
+              </a:rPr>
+              <a:t> - "goddamn idiotic truckload of sh*t": when it breaks</a:t>
+            </a:r>
+          </a:p>
+          <a:p>
+            <a:pPr marL="0" marR="0" lvl="0" indent="0" algn="ctr" defTabSz="914400" rtl="0" eaLnBrk="1" fontAlgn="auto" latinLnBrk="0" hangingPunct="1">
+              <a:lnSpc>
+                <a:spcPct val="60000"/>
+              </a:lnSpc>
+              <a:spcBef>
+                <a:spcPts val="1000"/>
+              </a:spcBef>
+              <a:spcAft>
+                <a:spcPts val="0"/>
+              </a:spcAft>
+              <a:buClrTx/>
+              <a:buSzTx/>
+              <a:buFont typeface="Arial" panose="020B0604020202020204" pitchFamily="34" charset="0"/>
+              <a:buNone/>
+              <a:tabLst/>
+              <a:defRPr/>
+            </a:pPr>
+            <a:endParaRPr kumimoji="0" lang="en-US" altLang="zh-TW" sz="2000" b="0" i="1" u="none" strike="noStrike" kern="1200" cap="none" spc="0" normalizeH="0" baseline="0" noProof="0">
+              <a:ln>
+                <a:noFill/>
+              </a:ln>
+              <a:solidFill>
+                <a:srgbClr val="FFFFFF"/>
+              </a:solidFill>
+              <a:effectLst/>
+              <a:uLnTx/>
+              <a:uFillTx/>
+              <a:latin typeface="Times New Roman" panose="02020603050405020304" pitchFamily="18" charset="0"/>
+              <a:ea typeface="微軟正黑體 Light"/>
+              <a:cs typeface="Times New Roman" panose="02020603050405020304" pitchFamily="18" charset="0"/>
+            </a:endParaRPr>
+          </a:p>
+          <a:p>
+            <a:pPr marL="0" marR="0" lvl="0" indent="0" algn="ctr" defTabSz="914400" rtl="0" eaLnBrk="1" fontAlgn="auto" latinLnBrk="0" hangingPunct="1">
+              <a:lnSpc>
+                <a:spcPct val="60000"/>
+              </a:lnSpc>
+              <a:spcBef>
+                <a:spcPts val="1000"/>
+              </a:spcBef>
+              <a:spcAft>
+                <a:spcPts val="0"/>
+              </a:spcAft>
+              <a:buClrTx/>
+              <a:buSzTx/>
+              <a:buFont typeface="Arial" panose="020B0604020202020204" pitchFamily="34" charset="0"/>
+              <a:buNone/>
+              <a:tabLst/>
+              <a:defRPr/>
+            </a:pPr>
+            <a:r>
+              <a:rPr kumimoji="0" lang="en-US" altLang="zh-TW" sz="2000" b="0" i="1" u="none" strike="noStrike" kern="1200" cap="none" spc="0" normalizeH="0" baseline="0" noProof="0">
+                <a:ln>
+                  <a:noFill/>
+                </a:ln>
+                <a:solidFill>
+                  <a:srgbClr val="FFFFFF"/>
+                </a:solidFill>
+                <a:effectLst/>
+                <a:uLnTx/>
+                <a:uFillTx/>
+                <a:latin typeface="Times New Roman" panose="02020603050405020304" pitchFamily="18" charset="0"/>
+                <a:ea typeface="微軟正黑體 Light"/>
+                <a:cs typeface="Times New Roman" panose="02020603050405020304" pitchFamily="18" charset="0"/>
+              </a:rPr>
+              <a:t>This is a stupid (but extremely fast) directory content manager.</a:t>
+            </a:r>
+          </a:p>
+          <a:p>
+            <a:pPr marL="0" marR="0" lvl="0" indent="0" algn="ctr" defTabSz="914400" rtl="0" eaLnBrk="1" fontAlgn="auto" latinLnBrk="0" hangingPunct="1">
+              <a:lnSpc>
+                <a:spcPct val="60000"/>
+              </a:lnSpc>
+              <a:spcBef>
+                <a:spcPts val="1000"/>
+              </a:spcBef>
+              <a:spcAft>
+                <a:spcPts val="0"/>
+              </a:spcAft>
+              <a:buClrTx/>
+              <a:buSzTx/>
+              <a:buFont typeface="Arial" panose="020B0604020202020204" pitchFamily="34" charset="0"/>
+              <a:buNone/>
+              <a:tabLst/>
+              <a:defRPr/>
+            </a:pPr>
+            <a:r>
+              <a:rPr kumimoji="0" lang="en-US" altLang="zh-TW" sz="2000" b="0" i="1" u="none" strike="noStrike" kern="1200" cap="none" spc="0" normalizeH="0" baseline="0" noProof="0">
+                <a:ln>
+                  <a:noFill/>
+                </a:ln>
+                <a:solidFill>
+                  <a:srgbClr val="FFFFFF"/>
+                </a:solidFill>
+                <a:effectLst/>
+                <a:uLnTx/>
+                <a:uFillTx/>
+                <a:latin typeface="Times New Roman" panose="02020603050405020304" pitchFamily="18" charset="0"/>
+                <a:ea typeface="微軟正黑體 Light"/>
+                <a:cs typeface="Times New Roman" panose="02020603050405020304" pitchFamily="18" charset="0"/>
+              </a:rPr>
+              <a:t>It doesn't do a whole lot, but what it _does_ do is track directory contents efficiently.</a:t>
+            </a:r>
+          </a:p>
+          <a:p>
+            <a:pPr marL="0" marR="0" lvl="0" indent="0" algn="r" defTabSz="914400" rtl="0" eaLnBrk="1" fontAlgn="auto" latinLnBrk="0" hangingPunct="1">
+              <a:lnSpc>
+                <a:spcPct val="60000"/>
+              </a:lnSpc>
+              <a:spcBef>
+                <a:spcPts val="1000"/>
+              </a:spcBef>
+              <a:spcAft>
+                <a:spcPts val="0"/>
+              </a:spcAft>
+              <a:buClrTx/>
+              <a:buSzTx/>
+              <a:buFont typeface="Arial" panose="020B0604020202020204" pitchFamily="34" charset="0"/>
+              <a:buNone/>
+              <a:tabLst/>
+              <a:defRPr/>
+            </a:pPr>
+            <a:r>
+              <a:rPr kumimoji="0" lang="en-US" altLang="zh-TW" sz="2000" b="0" u="none" strike="noStrike" kern="1200" cap="none" spc="0" normalizeH="0" baseline="0" noProof="0">
+                <a:ln>
+                  <a:noFill/>
+                </a:ln>
+                <a:solidFill>
+                  <a:srgbClr val="FFFFFF"/>
+                </a:solidFill>
+                <a:effectLst/>
+                <a:uLnTx/>
+                <a:uFillTx/>
+                <a:latin typeface="Times New Roman" panose="02020603050405020304" pitchFamily="18" charset="0"/>
+                <a:ea typeface="微軟正黑體 Light"/>
+                <a:cs typeface="Times New Roman" panose="02020603050405020304" pitchFamily="18" charset="0"/>
+              </a:rPr>
+              <a:t>-</a:t>
+            </a:r>
+            <a:r>
+              <a:rPr kumimoji="0" lang="zh-TW" altLang="en-US" sz="2000" b="0" u="none" strike="noStrike" kern="1200" cap="none" spc="0" normalizeH="0" baseline="0" noProof="0">
+                <a:ln>
+                  <a:noFill/>
+                </a:ln>
+                <a:solidFill>
+                  <a:srgbClr val="FFFFFF"/>
+                </a:solidFill>
+                <a:effectLst/>
+                <a:uLnTx/>
+                <a:uFillTx/>
+                <a:latin typeface="Times New Roman" panose="02020603050405020304" pitchFamily="18" charset="0"/>
+                <a:ea typeface="微軟正黑體 Light"/>
+                <a:cs typeface="Times New Roman" panose="02020603050405020304" pitchFamily="18" charset="0"/>
+              </a:rPr>
+              <a:t> </a:t>
+            </a:r>
+            <a:r>
+              <a:rPr kumimoji="0" lang="en-US" altLang="zh-TW" sz="2000" b="0" u="none" strike="noStrike" kern="1200" cap="none" spc="0" normalizeH="0" baseline="0" noProof="0">
+                <a:ln>
+                  <a:noFill/>
+                </a:ln>
+                <a:solidFill>
+                  <a:srgbClr val="FFFFFF"/>
+                </a:solidFill>
+                <a:effectLst/>
+                <a:uLnTx/>
+                <a:uFillTx/>
+                <a:latin typeface="Times New Roman" panose="02020603050405020304" pitchFamily="18" charset="0"/>
+                <a:ea typeface="微軟正黑體 Light"/>
+                <a:cs typeface="Times New Roman" panose="02020603050405020304" pitchFamily="18" charset="0"/>
+              </a:rPr>
+              <a:t>Linus Torvalds</a:t>
+            </a:r>
+          </a:p>
+        </p:txBody>
+      </p:sp>
+      <p:grpSp>
+        <p:nvGrpSpPr>
+          <p:cNvPr id="5" name="群組 4">
+            <a:extLst>
+              <a:ext uri="{FF2B5EF4-FFF2-40B4-BE49-F238E27FC236}">
+                <a16:creationId xmlns:a16="http://schemas.microsoft.com/office/drawing/2014/main" id="{2D03070A-B664-4559-A447-42880EBE0E79}"/>
+              </a:ext>
+            </a:extLst>
+          </p:cNvPr>
+          <p:cNvGrpSpPr/>
+          <p:nvPr/>
+        </p:nvGrpSpPr>
+        <p:grpSpPr>
+          <a:xfrm>
+            <a:off x="8377620" y="1038691"/>
+            <a:ext cx="2931355" cy="430305"/>
+            <a:chOff x="7570590" y="5784663"/>
+            <a:chExt cx="2931355" cy="430305"/>
+          </a:xfrm>
+        </p:grpSpPr>
+        <p:pic>
+          <p:nvPicPr>
+            <p:cNvPr id="6" name="圖片 5">
+              <a:hlinkClick r:id="rId2"/>
+              <a:extLst>
+                <a:ext uri="{FF2B5EF4-FFF2-40B4-BE49-F238E27FC236}">
+                  <a16:creationId xmlns:a16="http://schemas.microsoft.com/office/drawing/2014/main" id="{715F59A4-AB1D-4B57-913A-7356CB004A02}"/>
+                </a:ext>
+              </a:extLst>
+            </p:cNvPr>
+            <p:cNvPicPr>
+              <a:picLocks noChangeAspect="1"/>
+            </p:cNvPicPr>
+            <p:nvPr/>
+          </p:nvPicPr>
+          <p:blipFill>
+            <a:blip r:embed="rId3">
+              <a:extLst>
+                <a:ext uri="{28A0092B-C50C-407E-A947-70E740481C1C}">
+                  <a14:useLocalDpi xmlns:a14="http://schemas.microsoft.com/office/drawing/2010/main" val="0"/>
+                </a:ext>
+              </a:extLst>
+            </a:blip>
+            <a:stretch>
+              <a:fillRect/>
+            </a:stretch>
+          </p:blipFill>
+          <p:spPr>
+            <a:xfrm>
+              <a:off x="7570590" y="5784663"/>
+              <a:ext cx="430305" cy="430305"/>
+            </a:xfrm>
+            <a:prstGeom prst="rect">
+              <a:avLst/>
+            </a:prstGeom>
+          </p:spPr>
+        </p:pic>
+        <p:sp>
+          <p:nvSpPr>
+            <p:cNvPr id="7" name="文字方塊 6">
+              <a:extLst>
+                <a:ext uri="{FF2B5EF4-FFF2-40B4-BE49-F238E27FC236}">
+                  <a16:creationId xmlns:a16="http://schemas.microsoft.com/office/drawing/2014/main" id="{507BF9F4-A354-41CE-B2BB-589DF0884414}"/>
+                </a:ext>
+              </a:extLst>
+            </p:cNvPr>
+            <p:cNvSpPr txBox="1"/>
+            <p:nvPr/>
+          </p:nvSpPr>
+          <p:spPr>
+            <a:xfrm>
+              <a:off x="8000895" y="5815149"/>
+              <a:ext cx="2501050" cy="369332"/>
+            </a:xfrm>
+            <a:prstGeom prst="rect">
+              <a:avLst/>
+            </a:prstGeom>
+            <a:noFill/>
+          </p:spPr>
+          <p:txBody>
+            <a:bodyPr wrap="square" rtlCol="0">
+              <a:spAutoFit/>
+            </a:bodyPr>
+            <a:lstStyle/>
+            <a:p>
+              <a:pPr algn="ctr"/>
+              <a:r>
+                <a:rPr lang="en-US" altLang="zh-TW"/>
+                <a:t>Git </a:t>
+              </a:r>
+              <a:r>
+                <a:rPr lang="zh-TW" altLang="en-US"/>
+                <a:t>的第一版 </a:t>
+              </a:r>
+              <a:r>
+                <a:rPr lang="en-US" altLang="zh-TW"/>
+                <a:t>README</a:t>
+              </a:r>
+              <a:endParaRPr lang="zh-TW" altLang="en-US"/>
+            </a:p>
+          </p:txBody>
+        </p:sp>
+      </p:grpSp>
+    </p:spTree>
+    <p:extLst>
+      <p:ext uri="{BB962C8B-B14F-4D97-AF65-F5344CB8AC3E}">
+        <p14:creationId xmlns:p14="http://schemas.microsoft.com/office/powerpoint/2010/main" val="16665829"/>
+      </p:ext>
+    </p:extLst>
+  </p:cSld>
+  <p:clrMapOvr>
+    <a:masterClrMapping/>
+  </p:clrMapOvr>
+  <p:transition spd="slow">
+    <p:push dir="u"/>
+  </p:transition>
+</p:sld>
+</file>
+
+<file path=ppt/slides/slide4.xml><?xml version="1.0" encoding="utf-8"?>
+<p:sld xmlns:a="http://schemas.openxmlformats.org/drawingml/2006/main" xmlns:r="http://schemas.openxmlformats.org/officeDocument/2006/relationships" xmlns:p="http://schemas.openxmlformats.org/presentationml/2006/main">
+  <p:cSld>
+    <p:spTree>
+      <p:nvGrpSpPr>
+        <p:cNvPr id="1" name=""/>
+        <p:cNvGrpSpPr/>
+        <p:nvPr/>
+      </p:nvGrpSpPr>
+      <p:grpSpPr>
+        <a:xfrm>
+          <a:off x="0" y="0"/>
+          <a:ext cx="0" cy="0"/>
+          <a:chOff x="0" y="0"/>
+          <a:chExt cx="0" cy="0"/>
+        </a:xfrm>
+      </p:grpSpPr>
+      <p:sp>
+        <p:nvSpPr>
+          <p:cNvPr id="2" name="標題 1">
+            <a:extLst>
+              <a:ext uri="{FF2B5EF4-FFF2-40B4-BE49-F238E27FC236}">
+                <a16:creationId xmlns:a16="http://schemas.microsoft.com/office/drawing/2014/main" id="{F9B2464C-E0D2-4805-A702-8DF1EC7C988E}"/>
+              </a:ext>
+            </a:extLst>
+          </p:cNvPr>
+          <p:cNvSpPr>
+            <a:spLocks noGrp="1"/>
+          </p:cNvSpPr>
+          <p:nvPr>
+            <p:ph type="title"/>
+          </p:nvPr>
+        </p:nvSpPr>
         <p:spPr/>
         <p:txBody>
           <a:bodyPr/>
           <a:lstStyle/>
           <a:p>
+            <a:r>
+              <a:rPr lang="en-US" altLang="zh-TW"/>
+              <a:t>Github </a:t>
+            </a:r>
             <a:endParaRPr lang="zh-TW" altLang="en-US"/>
+          </a:p>
+        </p:txBody>
+      </p:sp>
+      <p:sp>
+        <p:nvSpPr>
+          <p:cNvPr id="3" name="內容版面配置區 2">
+            <a:extLst>
+              <a:ext uri="{FF2B5EF4-FFF2-40B4-BE49-F238E27FC236}">
+                <a16:creationId xmlns:a16="http://schemas.microsoft.com/office/drawing/2014/main" id="{160B3F3F-8A31-4551-B156-1B7D9A55B224}"/>
+              </a:ext>
+            </a:extLst>
+          </p:cNvPr>
+          <p:cNvSpPr>
+            <a:spLocks noGrp="1"/>
+          </p:cNvSpPr>
+          <p:nvPr>
+            <p:ph idx="1"/>
+          </p:nvPr>
+        </p:nvSpPr>
+        <p:spPr/>
+        <p:txBody>
+          <a:bodyPr/>
+          <a:lstStyle/>
+          <a:p>
+            <a:r>
+              <a:rPr lang="zh-TW" altLang="en-US"/>
+              <a:t>使用 </a:t>
+            </a:r>
+            <a:r>
+              <a:rPr lang="en-US" altLang="zh-TW">
+                <a:solidFill>
+                  <a:srgbClr val="00B0F0"/>
+                </a:solidFill>
+              </a:rPr>
+              <a:t>Git</a:t>
+            </a:r>
+            <a:r>
+              <a:rPr lang="en-US" altLang="zh-TW"/>
+              <a:t> </a:t>
+            </a:r>
+            <a:r>
+              <a:rPr lang="zh-TW" altLang="en-US"/>
+              <a:t>時，需要有地方可以存放檔案</a:t>
+            </a:r>
+            <a:endParaRPr lang="en-US" altLang="zh-TW"/>
+          </a:p>
+          <a:p>
+            <a:r>
+              <a:rPr lang="zh-TW" altLang="en-US"/>
+              <a:t>而當今最常見的就是 </a:t>
+            </a:r>
+            <a:r>
+              <a:rPr lang="en-US" altLang="zh-TW">
+                <a:solidFill>
+                  <a:srgbClr val="00B0F0"/>
+                </a:solidFill>
+              </a:rPr>
+              <a:t>Github</a:t>
+            </a:r>
+            <a:r>
+              <a:rPr lang="zh-TW" altLang="en-US"/>
+              <a:t>，網站為 </a:t>
+            </a:r>
+            <a:r>
+              <a:rPr lang="en-US" altLang="zh-TW">
+                <a:solidFill>
+                  <a:srgbClr val="FFC000"/>
+                </a:solidFill>
+                <a:hlinkClick r:id="rId2">
+                  <a:extLst>
+                    <a:ext uri="{A12FA001-AC4F-418D-AE19-62706E023703}">
+                      <ahyp:hlinkClr xmlns:ahyp="http://schemas.microsoft.com/office/drawing/2018/hyperlinkcolor" val="tx"/>
+                    </a:ext>
+                  </a:extLst>
+                </a:hlinkClick>
+              </a:rPr>
+              <a:t>https://github.com</a:t>
+            </a:r>
+            <a:endParaRPr lang="en-US" altLang="zh-TW">
+              <a:solidFill>
+                <a:srgbClr val="FFC000"/>
+              </a:solidFill>
+            </a:endParaRPr>
+          </a:p>
+          <a:p>
+            <a:r>
+              <a:rPr lang="en-US" altLang="zh-TW">
+                <a:solidFill>
+                  <a:srgbClr val="00B0F0"/>
+                </a:solidFill>
+              </a:rPr>
+              <a:t>Github</a:t>
+            </a:r>
+            <a:r>
+              <a:rPr lang="en-US" altLang="zh-TW"/>
+              <a:t> </a:t>
+            </a:r>
+            <a:r>
+              <a:rPr lang="zh-TW" altLang="en-US"/>
+              <a:t>除了提供</a:t>
+            </a:r>
+            <a:r>
+              <a:rPr lang="zh-TW" altLang="en-US">
+                <a:solidFill>
+                  <a:srgbClr val="00B0F0"/>
+                </a:solidFill>
+              </a:rPr>
+              <a:t>倉庫</a:t>
+            </a:r>
+            <a:r>
+              <a:rPr lang="en-US" altLang="zh-TW">
+                <a:solidFill>
+                  <a:srgbClr val="00B0F0"/>
+                </a:solidFill>
+              </a:rPr>
+              <a:t>(repository)</a:t>
+            </a:r>
+            <a:r>
+              <a:rPr lang="zh-TW" altLang="en-US"/>
+              <a:t>服務供檔案存取外</a:t>
+            </a:r>
+            <a:endParaRPr lang="en-US" altLang="zh-TW"/>
+          </a:p>
+          <a:p>
+            <a:r>
+              <a:rPr lang="zh-TW" altLang="en-US"/>
+              <a:t>還提供了</a:t>
+            </a:r>
+            <a:r>
+              <a:rPr lang="zh-TW" altLang="en-US">
+                <a:solidFill>
+                  <a:srgbClr val="00B0F0"/>
+                </a:solidFill>
+              </a:rPr>
+              <a:t>問題</a:t>
+            </a:r>
+            <a:r>
+              <a:rPr lang="en-US" altLang="zh-TW">
+                <a:solidFill>
+                  <a:srgbClr val="00B0F0"/>
+                </a:solidFill>
+              </a:rPr>
+              <a:t>(issue)</a:t>
+            </a:r>
+            <a:r>
+              <a:rPr lang="zh-TW" altLang="en-US"/>
+              <a:t>、</a:t>
+            </a:r>
+            <a:r>
+              <a:rPr lang="zh-TW" altLang="en-US">
+                <a:solidFill>
+                  <a:srgbClr val="00B0F0"/>
+                </a:solidFill>
+              </a:rPr>
+              <a:t>動作</a:t>
+            </a:r>
+            <a:r>
+              <a:rPr lang="en-US" altLang="zh-TW">
+                <a:solidFill>
+                  <a:srgbClr val="00B0F0"/>
+                </a:solidFill>
+              </a:rPr>
+              <a:t>(action)</a:t>
+            </a:r>
+            <a:r>
+              <a:rPr lang="zh-TW" altLang="en-US"/>
+              <a:t>、</a:t>
+            </a:r>
+            <a:r>
+              <a:rPr lang="zh-TW" altLang="en-US">
+                <a:solidFill>
+                  <a:srgbClr val="00B0F0"/>
+                </a:solidFill>
+              </a:rPr>
+              <a:t>維基</a:t>
+            </a:r>
+            <a:r>
+              <a:rPr lang="en-US" altLang="zh-TW">
+                <a:solidFill>
+                  <a:srgbClr val="00B0F0"/>
+                </a:solidFill>
+              </a:rPr>
+              <a:t>(wiki)</a:t>
+            </a:r>
+          </a:p>
+          <a:p>
+            <a:r>
+              <a:rPr lang="zh-TW" altLang="en-US">
+                <a:solidFill>
+                  <a:srgbClr val="00B0F0"/>
+                </a:solidFill>
+              </a:rPr>
+              <a:t>分叉</a:t>
+            </a:r>
+            <a:r>
+              <a:rPr lang="en-US" altLang="zh-TW">
+                <a:solidFill>
+                  <a:srgbClr val="00B0F0"/>
+                </a:solidFill>
+              </a:rPr>
+              <a:t>(fork)</a:t>
+            </a:r>
+            <a:r>
+              <a:rPr lang="zh-TW" altLang="en-US"/>
+              <a:t>、</a:t>
+            </a:r>
+            <a:r>
+              <a:rPr lang="zh-TW" altLang="en-US">
+                <a:solidFill>
+                  <a:srgbClr val="00B0F0"/>
+                </a:solidFill>
+              </a:rPr>
+              <a:t>拉取請求</a:t>
+            </a:r>
+            <a:r>
+              <a:rPr lang="en-US" altLang="zh-TW">
+                <a:solidFill>
+                  <a:srgbClr val="00B0F0"/>
+                </a:solidFill>
+              </a:rPr>
+              <a:t>(pull request</a:t>
+            </a:r>
+            <a:r>
+              <a:rPr lang="zh-TW" altLang="en-US">
+                <a:solidFill>
+                  <a:srgbClr val="00B0F0"/>
+                </a:solidFill>
+              </a:rPr>
+              <a:t>，簡稱 </a:t>
+            </a:r>
+            <a:r>
+              <a:rPr lang="en-US" altLang="zh-TW">
+                <a:solidFill>
+                  <a:srgbClr val="00B0F0"/>
+                </a:solidFill>
+              </a:rPr>
+              <a:t>pr)</a:t>
+            </a:r>
+          </a:p>
+          <a:p>
+            <a:r>
+              <a:rPr lang="zh-TW" altLang="en-US"/>
+              <a:t>使用</a:t>
+            </a:r>
+            <a:r>
+              <a:rPr lang="zh-TW" altLang="en-US">
+                <a:solidFill>
+                  <a:srgbClr val="00B0F0"/>
+                </a:solidFill>
+              </a:rPr>
+              <a:t> </a:t>
+            </a:r>
+            <a:r>
+              <a:rPr lang="en-US" altLang="zh-TW">
+                <a:solidFill>
+                  <a:srgbClr val="00B0F0"/>
+                </a:solidFill>
+              </a:rPr>
+              <a:t>Github </a:t>
+            </a:r>
+            <a:r>
+              <a:rPr lang="zh-TW" altLang="en-US"/>
+              <a:t>相比直接使用 </a:t>
+            </a:r>
+            <a:r>
+              <a:rPr lang="en-US" altLang="zh-TW">
+                <a:solidFill>
+                  <a:srgbClr val="00B0F0"/>
+                </a:solidFill>
+              </a:rPr>
+              <a:t>Git</a:t>
+            </a:r>
+          </a:p>
+          <a:p>
+            <a:r>
+              <a:rPr lang="zh-TW" altLang="en-US"/>
+              <a:t>更著重在一個網路上的第三者參與或貢獻該倉庫</a:t>
+            </a:r>
+            <a:endParaRPr lang="en-US" altLang="zh-TW"/>
+          </a:p>
+          <a:p>
+            <a:r>
+              <a:rPr lang="zh-TW" altLang="en-US"/>
+              <a:t>而</a:t>
+            </a:r>
+            <a:r>
+              <a:rPr lang="zh-TW" altLang="en-US">
+                <a:solidFill>
+                  <a:srgbClr val="00B0F0"/>
+                </a:solidFill>
+              </a:rPr>
+              <a:t>倉庫</a:t>
+            </a:r>
+            <a:r>
+              <a:rPr lang="zh-TW" altLang="en-US"/>
+              <a:t>擁有者則可以很方便的管理他人貢獻</a:t>
+            </a:r>
+            <a:endParaRPr lang="en-US" altLang="zh-TW"/>
           </a:p>
         </p:txBody>
       </p:sp>
     </p:spTree>
     <p:extLst>
       <p:ext uri="{BB962C8B-B14F-4D97-AF65-F5344CB8AC3E}">
-        <p14:creationId xmlns:p14="http://schemas.microsoft.com/office/powerpoint/2010/main" val="16665829"/>
+        <p14:creationId xmlns:p14="http://schemas.microsoft.com/office/powerpoint/2010/main" val="385820846"/>
+      </p:ext>
+    </p:extLst>
+  </p:cSld>
+  <p:clrMapOvr>
+    <a:masterClrMapping/>
+  </p:clrMapOvr>
+  <p:transition spd="slow">
+    <p:push dir="u"/>
+  </p:transition>
+</p:sld>
+</file>
+
+<file path=ppt/slides/slide5.xml><?xml version="1.0" encoding="utf-8"?>
+<p:sld xmlns:a="http://schemas.openxmlformats.org/drawingml/2006/main" xmlns:r="http://schemas.openxmlformats.org/officeDocument/2006/relationships" xmlns:p="http://schemas.openxmlformats.org/presentationml/2006/main">
+  <p:cSld>
+    <p:spTree>
+      <p:nvGrpSpPr>
+        <p:cNvPr id="1" name=""/>
+        <p:cNvGrpSpPr/>
+        <p:nvPr/>
+      </p:nvGrpSpPr>
+      <p:grpSpPr>
+        <a:xfrm>
+          <a:off x="0" y="0"/>
+          <a:ext cx="0" cy="0"/>
+          <a:chOff x="0" y="0"/>
+          <a:chExt cx="0" cy="0"/>
+        </a:xfrm>
+      </p:grpSpPr>
+      <p:sp>
+        <p:nvSpPr>
+          <p:cNvPr id="2" name="標題 1">
+            <a:extLst>
+              <a:ext uri="{FF2B5EF4-FFF2-40B4-BE49-F238E27FC236}">
+                <a16:creationId xmlns:a16="http://schemas.microsoft.com/office/drawing/2014/main" id="{8F7B30FC-3138-4EA2-9F75-77737F7ED747}"/>
+              </a:ext>
+            </a:extLst>
+          </p:cNvPr>
+          <p:cNvSpPr>
+            <a:spLocks noGrp="1"/>
+          </p:cNvSpPr>
+          <p:nvPr>
+            <p:ph type="title"/>
+          </p:nvPr>
+        </p:nvSpPr>
+        <p:spPr>
+          <a:xfrm>
+            <a:off x="838200" y="0"/>
+            <a:ext cx="10515600" cy="1325563"/>
+          </a:xfrm>
+        </p:spPr>
+        <p:txBody>
+          <a:bodyPr/>
+          <a:lstStyle/>
+          <a:p>
+            <a:r>
+              <a:rPr lang="en-US" altLang="zh-TW"/>
+              <a:t>Github </a:t>
+            </a:r>
+            <a:r>
+              <a:rPr lang="zh-TW" altLang="en-US"/>
+              <a:t>帳號註冊</a:t>
+            </a:r>
+          </a:p>
+        </p:txBody>
+      </p:sp>
+      <p:sp>
+        <p:nvSpPr>
+          <p:cNvPr id="3" name="內容版面配置區 2">
+            <a:extLst>
+              <a:ext uri="{FF2B5EF4-FFF2-40B4-BE49-F238E27FC236}">
+                <a16:creationId xmlns:a16="http://schemas.microsoft.com/office/drawing/2014/main" id="{5AE92BC6-4936-45D1-8F05-A06F9C2499A4}"/>
+              </a:ext>
+            </a:extLst>
+          </p:cNvPr>
+          <p:cNvSpPr>
+            <a:spLocks noGrp="1"/>
+          </p:cNvSpPr>
+          <p:nvPr>
+            <p:ph idx="1"/>
+          </p:nvPr>
+        </p:nvSpPr>
+        <p:spPr>
+          <a:xfrm>
+            <a:off x="838200" y="1054660"/>
+            <a:ext cx="10515600" cy="1530467"/>
+          </a:xfrm>
+        </p:spPr>
+        <p:txBody>
+          <a:bodyPr/>
+          <a:lstStyle/>
+          <a:p>
+            <a:r>
+              <a:rPr lang="en-US" altLang="zh-TW">
+                <a:solidFill>
+                  <a:srgbClr val="00B0F0"/>
+                </a:solidFill>
+              </a:rPr>
+              <a:t>Github</a:t>
+            </a:r>
+            <a:r>
+              <a:rPr lang="en-US" altLang="zh-TW"/>
+              <a:t> </a:t>
+            </a:r>
+            <a:r>
+              <a:rPr lang="zh-TW" altLang="en-US"/>
+              <a:t>帳號註冊非常簡單</a:t>
+            </a:r>
+            <a:endParaRPr lang="en-US" altLang="zh-TW"/>
+          </a:p>
+          <a:p>
+            <a:r>
+              <a:rPr lang="zh-TW" altLang="en-US"/>
+              <a:t>只要在 </a:t>
+            </a:r>
+            <a:r>
+              <a:rPr lang="en-US" altLang="zh-TW">
+                <a:solidFill>
+                  <a:srgbClr val="FFC000"/>
+                </a:solidFill>
+                <a:hlinkClick r:id="rId2">
+                  <a:extLst>
+                    <a:ext uri="{A12FA001-AC4F-418D-AE19-62706E023703}">
+                      <ahyp:hlinkClr xmlns:ahyp="http://schemas.microsoft.com/office/drawing/2018/hyperlinkcolor" val="tx"/>
+                    </a:ext>
+                  </a:extLst>
+                </a:hlinkClick>
+              </a:rPr>
+              <a:t>https://github.com</a:t>
+            </a:r>
+            <a:r>
+              <a:rPr lang="en-US" altLang="zh-TW"/>
+              <a:t> </a:t>
+            </a:r>
+            <a:r>
+              <a:rPr lang="zh-TW" altLang="en-US"/>
+              <a:t>首頁右上方選擇 </a:t>
+            </a:r>
+            <a:r>
+              <a:rPr lang="en-US" altLang="zh-TW"/>
+              <a:t>"</a:t>
+            </a:r>
+            <a:r>
+              <a:rPr lang="en-US" altLang="zh-TW">
+                <a:solidFill>
+                  <a:srgbClr val="92D050"/>
+                </a:solidFill>
+              </a:rPr>
+              <a:t>Sign up</a:t>
+            </a:r>
+            <a:r>
+              <a:rPr lang="en-US" altLang="zh-TW"/>
+              <a:t>"</a:t>
+            </a:r>
+          </a:p>
+          <a:p>
+            <a:r>
+              <a:rPr lang="zh-TW" altLang="en-US"/>
+              <a:t>接著依照指示即可完成註冊</a:t>
+            </a:r>
+          </a:p>
+        </p:txBody>
+      </p:sp>
+      <p:pic>
+        <p:nvPicPr>
+          <p:cNvPr id="5" name="圖片 4">
+            <a:extLst>
+              <a:ext uri="{FF2B5EF4-FFF2-40B4-BE49-F238E27FC236}">
+                <a16:creationId xmlns:a16="http://schemas.microsoft.com/office/drawing/2014/main" id="{F8731C0A-CFF2-445B-94A0-15FD9E023824}"/>
+              </a:ext>
+            </a:extLst>
+          </p:cNvPr>
+          <p:cNvPicPr>
+            <a:picLocks noChangeAspect="1"/>
+          </p:cNvPicPr>
+          <p:nvPr/>
+        </p:nvPicPr>
+        <p:blipFill>
+          <a:blip r:embed="rId3"/>
+          <a:stretch>
+            <a:fillRect/>
+          </a:stretch>
+        </p:blipFill>
+        <p:spPr>
+          <a:xfrm>
+            <a:off x="1676400" y="2585127"/>
+            <a:ext cx="8839200" cy="4067432"/>
+          </a:xfrm>
+          <a:prstGeom prst="rect">
+            <a:avLst/>
+          </a:prstGeom>
+        </p:spPr>
+      </p:pic>
+      <p:sp>
+        <p:nvSpPr>
+          <p:cNvPr id="6" name="矩形: 圓角 5">
+            <a:extLst>
+              <a:ext uri="{FF2B5EF4-FFF2-40B4-BE49-F238E27FC236}">
+                <a16:creationId xmlns:a16="http://schemas.microsoft.com/office/drawing/2014/main" id="{2A5545B4-2B5F-4A3F-B7C7-B08CDE6BA5D3}"/>
+              </a:ext>
+            </a:extLst>
+          </p:cNvPr>
+          <p:cNvSpPr/>
+          <p:nvPr/>
+        </p:nvSpPr>
+        <p:spPr>
+          <a:xfrm>
+            <a:off x="9843247" y="2662238"/>
+            <a:ext cx="564777" cy="278186"/>
+          </a:xfrm>
+          <a:prstGeom prst="roundRect">
+            <a:avLst/>
+          </a:prstGeom>
+          <a:noFill/>
+          <a:ln w="38100">
+            <a:solidFill>
+              <a:srgbClr val="FF0000"/>
+            </a:solidFill>
+          </a:ln>
+        </p:spPr>
+        <p:style>
+          <a:lnRef idx="2">
+            <a:schemeClr val="accent1">
+              <a:shade val="50000"/>
+            </a:schemeClr>
+          </a:lnRef>
+          <a:fillRef idx="1">
+            <a:schemeClr val="accent1"/>
+          </a:fillRef>
+          <a:effectRef idx="0">
+            <a:schemeClr val="accent1"/>
+          </a:effectRef>
+          <a:fontRef idx="minor">
+            <a:schemeClr val="lt1"/>
+          </a:fontRef>
+        </p:style>
+        <p:txBody>
+          <a:bodyPr rtlCol="0" anchor="ctr"/>
+          <a:lstStyle/>
+          <a:p>
+            <a:pPr algn="ctr"/>
+            <a:endParaRPr lang="zh-TW" altLang="en-US"/>
+          </a:p>
+        </p:txBody>
+      </p:sp>
+    </p:spTree>
+    <p:extLst>
+      <p:ext uri="{BB962C8B-B14F-4D97-AF65-F5344CB8AC3E}">
+        <p14:creationId xmlns:p14="http://schemas.microsoft.com/office/powerpoint/2010/main" val="1755184969"/>
+      </p:ext>
+    </p:extLst>
+  </p:cSld>
+  <p:clrMapOvr>
+    <a:masterClrMapping/>
+  </p:clrMapOvr>
+  <p:transition spd="slow">
+    <p:push dir="u"/>
+  </p:transition>
+</p:sld>
+</file>
+
+<file path=ppt/slides/slide6.xml><?xml version="1.0" encoding="utf-8"?>
+<p:sld xmlns:a="http://schemas.openxmlformats.org/drawingml/2006/main" xmlns:r="http://schemas.openxmlformats.org/officeDocument/2006/relationships" xmlns:p="http://schemas.openxmlformats.org/presentationml/2006/main">
+  <p:cSld>
+    <p:spTree>
+      <p:nvGrpSpPr>
+        <p:cNvPr id="1" name=""/>
+        <p:cNvGrpSpPr/>
+        <p:nvPr/>
+      </p:nvGrpSpPr>
+      <p:grpSpPr>
+        <a:xfrm>
+          <a:off x="0" y="0"/>
+          <a:ext cx="0" cy="0"/>
+          <a:chOff x="0" y="0"/>
+          <a:chExt cx="0" cy="0"/>
+        </a:xfrm>
+      </p:grpSpPr>
+      <p:sp>
+        <p:nvSpPr>
+          <p:cNvPr id="2" name="標題 1">
+            <a:extLst>
+              <a:ext uri="{FF2B5EF4-FFF2-40B4-BE49-F238E27FC236}">
+                <a16:creationId xmlns:a16="http://schemas.microsoft.com/office/drawing/2014/main" id="{3DF05997-0A98-4DB5-A561-D8C673B2B459}"/>
+              </a:ext>
+            </a:extLst>
+          </p:cNvPr>
+          <p:cNvSpPr>
+            <a:spLocks noGrp="1"/>
+          </p:cNvSpPr>
+          <p:nvPr>
+            <p:ph type="title"/>
+          </p:nvPr>
+        </p:nvSpPr>
+        <p:spPr/>
+        <p:txBody>
+          <a:bodyPr/>
+          <a:lstStyle/>
+          <a:p>
+            <a:r>
+              <a:rPr lang="zh-TW" altLang="en-US"/>
+              <a:t>倉庫</a:t>
+            </a:r>
+          </a:p>
+        </p:txBody>
+      </p:sp>
+      <p:sp>
+        <p:nvSpPr>
+          <p:cNvPr id="3" name="內容版面配置區 2">
+            <a:extLst>
+              <a:ext uri="{FF2B5EF4-FFF2-40B4-BE49-F238E27FC236}">
+                <a16:creationId xmlns:a16="http://schemas.microsoft.com/office/drawing/2014/main" id="{CCC93C1C-1185-4D2F-AEA7-BA2EDFAA8F9A}"/>
+              </a:ext>
+            </a:extLst>
+          </p:cNvPr>
+          <p:cNvSpPr>
+            <a:spLocks noGrp="1"/>
+          </p:cNvSpPr>
+          <p:nvPr>
+            <p:ph idx="1"/>
+          </p:nvPr>
+        </p:nvSpPr>
+        <p:spPr/>
+        <p:txBody>
+          <a:bodyPr/>
+          <a:lstStyle/>
+          <a:p>
+            <a:r>
+              <a:rPr lang="zh-TW" altLang="en-US"/>
+              <a:t>點選右上方頭像即會出現右方導覽欄</a:t>
+            </a:r>
+            <a:endParaRPr lang="en-US" altLang="zh-TW"/>
+          </a:p>
+          <a:p>
+            <a:r>
+              <a:rPr lang="zh-TW" altLang="en-US"/>
+              <a:t>從右方導覽欄點選 </a:t>
+            </a:r>
+            <a:r>
+              <a:rPr lang="en-US" altLang="zh-TW"/>
+              <a:t>"</a:t>
+            </a:r>
+            <a:r>
+              <a:rPr lang="en-US" altLang="zh-TW">
+                <a:solidFill>
+                  <a:srgbClr val="92D050"/>
+                </a:solidFill>
+              </a:rPr>
+              <a:t>Your repositories</a:t>
+            </a:r>
+            <a:r>
+              <a:rPr lang="en-US" altLang="zh-TW"/>
+              <a:t>"</a:t>
+            </a:r>
+          </a:p>
+          <a:p>
+            <a:r>
+              <a:rPr lang="zh-TW" altLang="en-US"/>
+              <a:t>即會顯示自己的所有</a:t>
+            </a:r>
+            <a:r>
+              <a:rPr lang="zh-TW" altLang="en-US">
+                <a:solidFill>
+                  <a:srgbClr val="00B0F0"/>
+                </a:solidFill>
+              </a:rPr>
+              <a:t>倉庫</a:t>
+            </a:r>
+          </a:p>
+        </p:txBody>
+      </p:sp>
+      <p:grpSp>
+        <p:nvGrpSpPr>
+          <p:cNvPr id="7" name="群組 6">
+            <a:extLst>
+              <a:ext uri="{FF2B5EF4-FFF2-40B4-BE49-F238E27FC236}">
+                <a16:creationId xmlns:a16="http://schemas.microsoft.com/office/drawing/2014/main" id="{09FD0C4E-1763-4877-8A04-ADD6395900E8}"/>
+              </a:ext>
+            </a:extLst>
+          </p:cNvPr>
+          <p:cNvGrpSpPr/>
+          <p:nvPr/>
+        </p:nvGrpSpPr>
+        <p:grpSpPr>
+          <a:xfrm>
+            <a:off x="8390965" y="260797"/>
+            <a:ext cx="2843938" cy="6336406"/>
+            <a:chOff x="8390965" y="260797"/>
+            <a:chExt cx="2843938" cy="6336406"/>
+          </a:xfrm>
+        </p:grpSpPr>
+        <p:pic>
+          <p:nvPicPr>
+            <p:cNvPr id="5" name="圖片 4">
+              <a:extLst>
+                <a:ext uri="{FF2B5EF4-FFF2-40B4-BE49-F238E27FC236}">
+                  <a16:creationId xmlns:a16="http://schemas.microsoft.com/office/drawing/2014/main" id="{DE183A22-83B1-4888-B101-1E286C4795D1}"/>
+                </a:ext>
+              </a:extLst>
+            </p:cNvPr>
+            <p:cNvPicPr>
+              <a:picLocks noChangeAspect="1"/>
+            </p:cNvPicPr>
+            <p:nvPr/>
+          </p:nvPicPr>
+          <p:blipFill rotWithShape="1">
+            <a:blip r:embed="rId2"/>
+            <a:srcRect l="1552"/>
+            <a:stretch/>
+          </p:blipFill>
+          <p:spPr>
+            <a:xfrm>
+              <a:off x="8390965" y="260797"/>
+              <a:ext cx="2843938" cy="6336406"/>
+            </a:xfrm>
+            <a:prstGeom prst="rect">
+              <a:avLst/>
+            </a:prstGeom>
+          </p:spPr>
+        </p:pic>
+        <p:sp>
+          <p:nvSpPr>
+            <p:cNvPr id="6" name="矩形: 圓角 5">
+              <a:extLst>
+                <a:ext uri="{FF2B5EF4-FFF2-40B4-BE49-F238E27FC236}">
+                  <a16:creationId xmlns:a16="http://schemas.microsoft.com/office/drawing/2014/main" id="{14C8B010-D5B0-43FF-B1CB-BABB84C8FC03}"/>
+                </a:ext>
+              </a:extLst>
+            </p:cNvPr>
+            <p:cNvSpPr/>
+            <p:nvPr/>
+          </p:nvSpPr>
+          <p:spPr>
+            <a:xfrm>
+              <a:off x="8498541" y="1654828"/>
+              <a:ext cx="1362635" cy="218794"/>
+            </a:xfrm>
+            <a:prstGeom prst="roundRect">
+              <a:avLst/>
+            </a:prstGeom>
+            <a:noFill/>
+            <a:ln w="38100">
+              <a:solidFill>
+                <a:srgbClr val="FF0000"/>
+              </a:solidFill>
+            </a:ln>
+          </p:spPr>
+          <p:style>
+            <a:lnRef idx="2">
+              <a:schemeClr val="accent1">
+                <a:shade val="50000"/>
+              </a:schemeClr>
+            </a:lnRef>
+            <a:fillRef idx="1">
+              <a:schemeClr val="accent1"/>
+            </a:fillRef>
+            <a:effectRef idx="0">
+              <a:schemeClr val="accent1"/>
+            </a:effectRef>
+            <a:fontRef idx="minor">
+              <a:schemeClr val="lt1"/>
+            </a:fontRef>
+          </p:style>
+          <p:txBody>
+            <a:bodyPr rtlCol="0" anchor="ctr"/>
+            <a:lstStyle/>
+            <a:p>
+              <a:pPr algn="ctr"/>
+              <a:endParaRPr lang="zh-TW" altLang="en-US"/>
+            </a:p>
+          </p:txBody>
+        </p:sp>
+      </p:grpSp>
+    </p:spTree>
+    <p:extLst>
+      <p:ext uri="{BB962C8B-B14F-4D97-AF65-F5344CB8AC3E}">
+        <p14:creationId xmlns:p14="http://schemas.microsoft.com/office/powerpoint/2010/main" val="2332550151"/>
       </p:ext>
     </p:extLst>
   </p:cSld>

--- a/ppt/16_Git 與 Github.pptx
+++ b/ppt/16_Git 與 Github.pptx
@@ -11,6 +11,12 @@
     <p:sldId id="259" r:id="rId5"/>
     <p:sldId id="261" r:id="rId6"/>
     <p:sldId id="260" r:id="rId7"/>
+    <p:sldId id="262" r:id="rId8"/>
+    <p:sldId id="263" r:id="rId9"/>
+    <p:sldId id="264" r:id="rId10"/>
+    <p:sldId id="265" r:id="rId11"/>
+    <p:sldId id="266" r:id="rId12"/>
+    <p:sldId id="267" r:id="rId13"/>
   </p:sldIdLst>
   <p:sldSz cx="12192000" cy="6858000"/>
   <p:notesSz cx="6858000" cy="9144000"/>
@@ -1886,6 +1892,1715 @@
 </p:sld>
 </file>
 
+<file path=ppt/slides/slide10.xml><?xml version="1.0" encoding="utf-8"?>
+<p:sld xmlns:a="http://schemas.openxmlformats.org/drawingml/2006/main" xmlns:r="http://schemas.openxmlformats.org/officeDocument/2006/relationships" xmlns:p="http://schemas.openxmlformats.org/presentationml/2006/main">
+  <p:cSld>
+    <p:spTree>
+      <p:nvGrpSpPr>
+        <p:cNvPr id="1" name=""/>
+        <p:cNvGrpSpPr/>
+        <p:nvPr/>
+      </p:nvGrpSpPr>
+      <p:grpSpPr>
+        <a:xfrm>
+          <a:off x="0" y="0"/>
+          <a:ext cx="0" cy="0"/>
+          <a:chOff x="0" y="0"/>
+          <a:chExt cx="0" cy="0"/>
+        </a:xfrm>
+      </p:grpSpPr>
+      <p:sp>
+        <p:nvSpPr>
+          <p:cNvPr id="2" name="標題 1">
+            <a:extLst>
+              <a:ext uri="{FF2B5EF4-FFF2-40B4-BE49-F238E27FC236}">
+                <a16:creationId xmlns:a16="http://schemas.microsoft.com/office/drawing/2014/main" id="{7CECD2C9-D300-4460-8415-9054BE762863}"/>
+              </a:ext>
+            </a:extLst>
+          </p:cNvPr>
+          <p:cNvSpPr>
+            <a:spLocks noGrp="1"/>
+          </p:cNvSpPr>
+          <p:nvPr>
+            <p:ph type="title"/>
+          </p:nvPr>
+        </p:nvSpPr>
+        <p:spPr/>
+        <p:txBody>
+          <a:bodyPr/>
+          <a:lstStyle/>
+          <a:p>
+            <a:r>
+              <a:rPr lang="en-US" altLang="zh-TW"/>
+              <a:t>Git</a:t>
+            </a:r>
+            <a:endParaRPr lang="zh-TW" altLang="en-US"/>
+          </a:p>
+        </p:txBody>
+      </p:sp>
+      <p:sp>
+        <p:nvSpPr>
+          <p:cNvPr id="3" name="內容版面配置區 2">
+            <a:extLst>
+              <a:ext uri="{FF2B5EF4-FFF2-40B4-BE49-F238E27FC236}">
+                <a16:creationId xmlns:a16="http://schemas.microsoft.com/office/drawing/2014/main" id="{DE9AAF17-98A6-4C2C-9477-E0B5EF272C38}"/>
+              </a:ext>
+            </a:extLst>
+          </p:cNvPr>
+          <p:cNvSpPr>
+            <a:spLocks noGrp="1"/>
+          </p:cNvSpPr>
+          <p:nvPr>
+            <p:ph idx="1"/>
+          </p:nvPr>
+        </p:nvSpPr>
+        <p:spPr/>
+        <p:txBody>
+          <a:bodyPr/>
+          <a:lstStyle/>
+          <a:p>
+            <a:r>
+              <a:rPr lang="zh-TW" altLang="en-US"/>
+              <a:t>有了</a:t>
+            </a:r>
+            <a:r>
+              <a:rPr lang="zh-TW" altLang="en-US">
+                <a:solidFill>
+                  <a:srgbClr val="00B0F0"/>
+                </a:solidFill>
+              </a:rPr>
+              <a:t>倉庫</a:t>
+            </a:r>
+            <a:r>
+              <a:rPr lang="zh-TW" altLang="en-US"/>
+              <a:t>之後，我們便可以開始上傳檔案</a:t>
+            </a:r>
+            <a:endParaRPr lang="en-US" altLang="zh-TW"/>
+          </a:p>
+          <a:p>
+            <a:r>
+              <a:rPr lang="zh-TW" altLang="en-US"/>
+              <a:t>但要使用 </a:t>
+            </a:r>
+            <a:r>
+              <a:rPr lang="en-US" altLang="zh-TW">
+                <a:solidFill>
+                  <a:srgbClr val="00B0F0"/>
+                </a:solidFill>
+              </a:rPr>
+              <a:t>Git</a:t>
+            </a:r>
+            <a:r>
+              <a:rPr lang="en-US" altLang="zh-TW"/>
+              <a:t> </a:t>
+            </a:r>
+            <a:r>
+              <a:rPr lang="zh-TW" altLang="en-US"/>
+              <a:t>上傳檔案之前</a:t>
+            </a:r>
+            <a:endParaRPr lang="en-US" altLang="zh-TW"/>
+          </a:p>
+          <a:p>
+            <a:r>
+              <a:rPr lang="zh-TW" altLang="en-US"/>
+              <a:t>電腦需要先與在 </a:t>
+            </a:r>
+            <a:r>
+              <a:rPr lang="en-US" altLang="zh-TW">
+                <a:solidFill>
+                  <a:srgbClr val="00B0F0"/>
+                </a:solidFill>
+              </a:rPr>
+              <a:t>Github</a:t>
+            </a:r>
+            <a:r>
+              <a:rPr lang="en-US" altLang="zh-TW"/>
+              <a:t> </a:t>
+            </a:r>
+            <a:r>
+              <a:rPr lang="zh-TW" altLang="en-US"/>
+              <a:t>上的</a:t>
+            </a:r>
+            <a:r>
+              <a:rPr lang="zh-TW" altLang="en-US">
+                <a:solidFill>
+                  <a:srgbClr val="00B0F0"/>
+                </a:solidFill>
+              </a:rPr>
+              <a:t>遠端倉庫</a:t>
+            </a:r>
+            <a:r>
+              <a:rPr lang="en-US" altLang="zh-TW">
+                <a:solidFill>
+                  <a:srgbClr val="00B0F0"/>
+                </a:solidFill>
+              </a:rPr>
+              <a:t>(remote repo)</a:t>
+            </a:r>
+            <a:r>
+              <a:rPr lang="zh-TW" altLang="en-US"/>
+              <a:t>建立連線</a:t>
+            </a:r>
+            <a:endParaRPr lang="en-US" altLang="zh-TW"/>
+          </a:p>
+          <a:p>
+            <a:r>
+              <a:rPr lang="zh-TW" altLang="en-US"/>
+              <a:t>使用 </a:t>
+            </a:r>
+            <a:r>
+              <a:rPr lang="en-US" altLang="zh-TW">
+                <a:solidFill>
+                  <a:srgbClr val="00B0F0"/>
+                </a:solidFill>
+              </a:rPr>
+              <a:t>Git </a:t>
+            </a:r>
+            <a:r>
+              <a:rPr lang="zh-TW" altLang="en-US">
+                <a:solidFill>
+                  <a:srgbClr val="00B0F0"/>
+                </a:solidFill>
+              </a:rPr>
+              <a:t>指令</a:t>
+            </a:r>
+            <a:r>
+              <a:rPr lang="zh-TW" altLang="en-US"/>
+              <a:t>建立連線最簡單的方式就是：</a:t>
+            </a:r>
+            <a:endParaRPr lang="en-US" altLang="zh-TW"/>
+          </a:p>
+          <a:p>
+            <a:r>
+              <a:rPr lang="en-US" altLang="zh-TW"/>
+              <a:t>1. </a:t>
+            </a:r>
+            <a:r>
+              <a:rPr lang="zh-TW" altLang="en-US">
+                <a:solidFill>
+                  <a:srgbClr val="FFC000"/>
+                </a:solidFill>
+              </a:rPr>
+              <a:t>複製</a:t>
+            </a:r>
+            <a:r>
+              <a:rPr lang="en-US" altLang="zh-TW">
+                <a:solidFill>
+                  <a:srgbClr val="FFC000"/>
+                </a:solidFill>
+              </a:rPr>
+              <a:t>(clone)</a:t>
+            </a:r>
+            <a:r>
+              <a:rPr lang="zh-TW" altLang="en-US">
+                <a:solidFill>
+                  <a:srgbClr val="00B0F0"/>
+                </a:solidFill>
+              </a:rPr>
+              <a:t>遠端倉庫</a:t>
+            </a:r>
+            <a:r>
+              <a:rPr lang="zh-TW" altLang="en-US"/>
+              <a:t>到</a:t>
+            </a:r>
+            <a:r>
+              <a:rPr lang="zh-TW" altLang="en-US">
+                <a:solidFill>
+                  <a:srgbClr val="00B0F0"/>
+                </a:solidFill>
+              </a:rPr>
+              <a:t>本地</a:t>
+            </a:r>
+            <a:r>
+              <a:rPr lang="en-US" altLang="zh-TW">
+                <a:solidFill>
+                  <a:srgbClr val="00B0F0"/>
+                </a:solidFill>
+              </a:rPr>
+              <a:t>(local)</a:t>
+            </a:r>
+          </a:p>
+          <a:p>
+            <a:r>
+              <a:rPr lang="en-US" altLang="zh-TW"/>
+              <a:t>2. </a:t>
+            </a:r>
+            <a:r>
+              <a:rPr lang="zh-TW" altLang="en-US"/>
+              <a:t>進入複製下來的</a:t>
+            </a:r>
+            <a:r>
+              <a:rPr lang="zh-TW" altLang="en-US">
+                <a:solidFill>
+                  <a:srgbClr val="00B0F0"/>
+                </a:solidFill>
+              </a:rPr>
+              <a:t>本地倉庫</a:t>
+            </a:r>
+            <a:r>
+              <a:rPr lang="en-US" altLang="zh-TW">
+                <a:solidFill>
+                  <a:srgbClr val="00B0F0"/>
+                </a:solidFill>
+              </a:rPr>
+              <a:t>(local repo)</a:t>
+            </a:r>
+          </a:p>
+          <a:p>
+            <a:r>
+              <a:rPr lang="en-US" altLang="zh-TW"/>
+              <a:t>3. </a:t>
+            </a:r>
+            <a:r>
+              <a:rPr lang="zh-TW" altLang="en-US"/>
+              <a:t>直接連線</a:t>
+            </a:r>
+            <a:r>
+              <a:rPr lang="zh-TW" altLang="en-US">
+                <a:solidFill>
+                  <a:srgbClr val="00B0F0"/>
+                </a:solidFill>
+              </a:rPr>
+              <a:t>遠端倉庫</a:t>
+            </a:r>
+            <a:endParaRPr lang="en-US" altLang="zh-TW">
+              <a:solidFill>
+                <a:srgbClr val="00B0F0"/>
+              </a:solidFill>
+            </a:endParaRPr>
+          </a:p>
+        </p:txBody>
+      </p:sp>
+    </p:spTree>
+    <p:extLst>
+      <p:ext uri="{BB962C8B-B14F-4D97-AF65-F5344CB8AC3E}">
+        <p14:creationId xmlns:p14="http://schemas.microsoft.com/office/powerpoint/2010/main" val="3598535737"/>
+      </p:ext>
+    </p:extLst>
+  </p:cSld>
+  <p:clrMapOvr>
+    <a:masterClrMapping/>
+  </p:clrMapOvr>
+  <p:transition spd="slow">
+    <p:push dir="u"/>
+  </p:transition>
+</p:sld>
+</file>
+
+<file path=ppt/slides/slide11.xml><?xml version="1.0" encoding="utf-8"?>
+<p:sld xmlns:a="http://schemas.openxmlformats.org/drawingml/2006/main" xmlns:r="http://schemas.openxmlformats.org/officeDocument/2006/relationships" xmlns:p="http://schemas.openxmlformats.org/presentationml/2006/main">
+  <p:cSld>
+    <p:spTree>
+      <p:nvGrpSpPr>
+        <p:cNvPr id="1" name=""/>
+        <p:cNvGrpSpPr/>
+        <p:nvPr/>
+      </p:nvGrpSpPr>
+      <p:grpSpPr>
+        <a:xfrm>
+          <a:off x="0" y="0"/>
+          <a:ext cx="0" cy="0"/>
+          <a:chOff x="0" y="0"/>
+          <a:chExt cx="0" cy="0"/>
+        </a:xfrm>
+      </p:grpSpPr>
+      <p:sp>
+        <p:nvSpPr>
+          <p:cNvPr id="2" name="標題 1">
+            <a:extLst>
+              <a:ext uri="{FF2B5EF4-FFF2-40B4-BE49-F238E27FC236}">
+                <a16:creationId xmlns:a16="http://schemas.microsoft.com/office/drawing/2014/main" id="{98F8CDE8-0585-4D56-B1CA-AC6D628590DC}"/>
+              </a:ext>
+            </a:extLst>
+          </p:cNvPr>
+          <p:cNvSpPr>
+            <a:spLocks noGrp="1"/>
+          </p:cNvSpPr>
+          <p:nvPr>
+            <p:ph type="title"/>
+          </p:nvPr>
+        </p:nvSpPr>
+        <p:spPr>
+          <a:xfrm>
+            <a:off x="838200" y="365125"/>
+            <a:ext cx="10515600" cy="1325563"/>
+          </a:xfrm>
+        </p:spPr>
+        <p:txBody>
+          <a:bodyPr/>
+          <a:lstStyle/>
+          <a:p>
+            <a:r>
+              <a:rPr lang="zh-TW" altLang="en-US"/>
+              <a:t>複製遠端倉庫</a:t>
+            </a:r>
+          </a:p>
+        </p:txBody>
+      </p:sp>
+      <p:sp>
+        <p:nvSpPr>
+          <p:cNvPr id="14" name="內容版面配置區 13">
+            <a:extLst>
+              <a:ext uri="{FF2B5EF4-FFF2-40B4-BE49-F238E27FC236}">
+                <a16:creationId xmlns:a16="http://schemas.microsoft.com/office/drawing/2014/main" id="{8B2360EA-C95F-4C48-B79B-CEA5EF93730D}"/>
+              </a:ext>
+            </a:extLst>
+          </p:cNvPr>
+          <p:cNvSpPr>
+            <a:spLocks noGrp="1"/>
+          </p:cNvSpPr>
+          <p:nvPr>
+            <p:ph idx="1"/>
+          </p:nvPr>
+        </p:nvSpPr>
+        <p:spPr>
+          <a:xfrm>
+            <a:off x="838200" y="1690688"/>
+            <a:ext cx="10515600" cy="528393"/>
+          </a:xfrm>
+        </p:spPr>
+        <p:txBody>
+          <a:bodyPr/>
+          <a:lstStyle/>
+          <a:p>
+            <a:r>
+              <a:rPr lang="zh-TW" altLang="en-US"/>
+              <a:t>欲使用 </a:t>
+            </a:r>
+            <a:r>
+              <a:rPr lang="en-US" altLang="zh-TW">
+                <a:solidFill>
+                  <a:srgbClr val="00B0F0"/>
+                </a:solidFill>
+              </a:rPr>
+              <a:t>Git</a:t>
+            </a:r>
+            <a:r>
+              <a:rPr lang="en-US" altLang="zh-TW"/>
+              <a:t> </a:t>
+            </a:r>
+            <a:r>
+              <a:rPr lang="zh-TW" altLang="en-US">
+                <a:solidFill>
+                  <a:srgbClr val="FFC000"/>
+                </a:solidFill>
+              </a:rPr>
+              <a:t>複製</a:t>
+            </a:r>
+            <a:r>
+              <a:rPr lang="zh-TW" altLang="en-US">
+                <a:solidFill>
+                  <a:srgbClr val="00B0F0"/>
+                </a:solidFill>
+              </a:rPr>
+              <a:t>遠端倉庫</a:t>
+            </a:r>
+            <a:r>
+              <a:rPr lang="zh-TW" altLang="en-US"/>
+              <a:t>，須使用該 </a:t>
+            </a:r>
+            <a:r>
+              <a:rPr lang="en-US" altLang="zh-TW">
+                <a:solidFill>
+                  <a:srgbClr val="00B0F0"/>
+                </a:solidFill>
+              </a:rPr>
+              <a:t>Git</a:t>
+            </a:r>
+            <a:r>
+              <a:rPr lang="zh-TW" altLang="en-US">
+                <a:solidFill>
+                  <a:srgbClr val="00B0F0"/>
+                </a:solidFill>
+              </a:rPr>
+              <a:t> 指令</a:t>
+            </a:r>
+            <a:r>
+              <a:rPr lang="zh-TW" altLang="en-US"/>
+              <a:t>：</a:t>
+            </a:r>
+          </a:p>
+        </p:txBody>
+      </p:sp>
+      <p:grpSp>
+        <p:nvGrpSpPr>
+          <p:cNvPr id="4" name="群組 3">
+            <a:extLst>
+              <a:ext uri="{FF2B5EF4-FFF2-40B4-BE49-F238E27FC236}">
+                <a16:creationId xmlns:a16="http://schemas.microsoft.com/office/drawing/2014/main" id="{86106D93-D0F7-46B7-9E6B-C7138C9D5ECF}"/>
+              </a:ext>
+            </a:extLst>
+          </p:cNvPr>
+          <p:cNvGrpSpPr/>
+          <p:nvPr/>
+        </p:nvGrpSpPr>
+        <p:grpSpPr>
+          <a:xfrm>
+            <a:off x="838200" y="2202081"/>
+            <a:ext cx="10515600" cy="461665"/>
+            <a:chOff x="838200" y="3114311"/>
+            <a:chExt cx="10515600" cy="461665"/>
+          </a:xfrm>
+        </p:grpSpPr>
+        <p:sp>
+          <p:nvSpPr>
+            <p:cNvPr id="5" name="Rectangle 1">
+              <a:extLst>
+                <a:ext uri="{FF2B5EF4-FFF2-40B4-BE49-F238E27FC236}">
+                  <a16:creationId xmlns:a16="http://schemas.microsoft.com/office/drawing/2014/main" id="{CC35AAAD-8BD2-485F-8AE2-E1E93E99AB3E}"/>
+                </a:ext>
+              </a:extLst>
+            </p:cNvPr>
+            <p:cNvSpPr>
+              <a:spLocks noChangeArrowheads="1"/>
+            </p:cNvSpPr>
+            <p:nvPr/>
+          </p:nvSpPr>
+          <p:spPr bwMode="auto">
+            <a:xfrm>
+              <a:off x="838200" y="3114311"/>
+              <a:ext cx="10515600" cy="461665"/>
+            </a:xfrm>
+            <a:prstGeom prst="rect">
+              <a:avLst/>
+            </a:prstGeom>
+            <a:solidFill>
+              <a:srgbClr val="1E1F22"/>
+            </a:solidFill>
+            <a:ln>
+              <a:noFill/>
+            </a:ln>
+            <a:effectLst/>
+            <a:extLst>
+              <a:ext uri="{91240B29-F687-4F45-9708-019B960494DF}">
+                <a14:hiddenLine xmlns:a14="http://schemas.microsoft.com/office/drawing/2010/main" w="9525">
+                  <a:solidFill>
+                    <a:schemeClr val="tx1"/>
+                  </a:solidFill>
+                  <a:miter lim="800000"/>
+                  <a:headEnd/>
+                  <a:tailEnd/>
+                </a14:hiddenLine>
+              </a:ext>
+              <a:ext uri="{AF507438-7753-43E0-B8FC-AC1667EBCBE1}">
+                <a14:hiddenEffects xmlns:a14="http://schemas.microsoft.com/office/drawing/2010/main">
+                  <a:effectLst>
+                    <a:outerShdw dist="35921" dir="2700000" algn="ctr" rotWithShape="0">
+                      <a:schemeClr val="bg2"/>
+                    </a:outerShdw>
+                  </a:effectLst>
+                </a14:hiddenEffects>
+              </a:ext>
+            </a:extLst>
+          </p:spPr>
+          <p:txBody>
+            <a:bodyPr vert="horz" wrap="square" lIns="91440" tIns="45720" rIns="91440" bIns="45720" numCol="1" anchor="ctr" anchorCtr="0" compatLnSpc="1">
+              <a:prstTxWarp prst="textNoShape">
+                <a:avLst/>
+              </a:prstTxWarp>
+              <a:spAutoFit/>
+            </a:bodyPr>
+            <a:lstStyle/>
+            <a:p>
+              <a:pPr marL="0" marR="0" lvl="0" indent="0" algn="l" defTabSz="914400" rtl="0" eaLnBrk="0" fontAlgn="base" latinLnBrk="0" hangingPunct="0">
+                <a:lnSpc>
+                  <a:spcPct val="100000"/>
+                </a:lnSpc>
+                <a:spcBef>
+                  <a:spcPct val="0"/>
+                </a:spcBef>
+                <a:spcAft>
+                  <a:spcPct val="0"/>
+                </a:spcAft>
+                <a:buClrTx/>
+                <a:buSzTx/>
+                <a:buFontTx/>
+                <a:buNone/>
+                <a:tabLst/>
+              </a:pPr>
+              <a:r>
+                <a:rPr kumimoji="0" lang="en-US" altLang="zh-TW" sz="2400" b="0" i="0" u="none" strike="noStrike" cap="none" normalizeH="0" baseline="0">
+                  <a:ln>
+                    <a:noFill/>
+                  </a:ln>
+                  <a:solidFill>
+                    <a:srgbClr val="00B0F0"/>
+                  </a:solidFill>
+                  <a:effectLst/>
+                  <a:latin typeface="+mj-lt"/>
+                  <a:cs typeface="JetBrains Mono" panose="02000009000000000000" pitchFamily="49" charset="0"/>
+                </a:rPr>
+                <a:t>git</a:t>
+              </a:r>
+              <a:r>
+                <a:rPr kumimoji="0" lang="en-US" altLang="zh-TW" sz="2400" b="0" i="0" u="none" strike="noStrike" cap="none" normalizeH="0" baseline="0">
+                  <a:ln>
+                    <a:noFill/>
+                  </a:ln>
+                  <a:solidFill>
+                    <a:srgbClr val="BCBEC4"/>
+                  </a:solidFill>
+                  <a:effectLst/>
+                  <a:latin typeface="+mj-lt"/>
+                  <a:cs typeface="JetBrains Mono" panose="02000009000000000000" pitchFamily="49" charset="0"/>
+                </a:rPr>
+                <a:t> clone </a:t>
+              </a:r>
+              <a:r>
+                <a:rPr kumimoji="0" lang="zh-TW" altLang="en-US" sz="2400" b="0" i="0" u="none" strike="noStrike" cap="none" normalizeH="0" baseline="0">
+                  <a:ln>
+                    <a:noFill/>
+                  </a:ln>
+                  <a:solidFill>
+                    <a:srgbClr val="92D050"/>
+                  </a:solidFill>
+                  <a:effectLst/>
+                  <a:latin typeface="+mj-lt"/>
+                  <a:cs typeface="JetBrains Mono" panose="02000009000000000000" pitchFamily="49" charset="0"/>
+                </a:rPr>
+                <a:t>倉庫</a:t>
+              </a:r>
+              <a:r>
+                <a:rPr lang="en-US" altLang="zh-TW" sz="2400">
+                  <a:solidFill>
+                    <a:srgbClr val="92D050"/>
+                  </a:solidFill>
+                  <a:latin typeface="+mj-lt"/>
+                  <a:cs typeface="JetBrains Mono" panose="02000009000000000000" pitchFamily="49" charset="0"/>
+                </a:rPr>
+                <a:t>url</a:t>
+              </a:r>
+              <a:endParaRPr kumimoji="0" lang="zh-TW" altLang="zh-TW" sz="3600" b="0" i="0" u="none" strike="noStrike" cap="none" normalizeH="0" baseline="0">
+                <a:ln>
+                  <a:noFill/>
+                </a:ln>
+                <a:solidFill>
+                  <a:srgbClr val="92D050"/>
+                </a:solidFill>
+                <a:effectLst/>
+                <a:latin typeface="+mj-lt"/>
+              </a:endParaRPr>
+            </a:p>
+          </p:txBody>
+        </p:sp>
+        <p:sp>
+          <p:nvSpPr>
+            <p:cNvPr id="6" name="文字方塊 5">
+              <a:extLst>
+                <a:ext uri="{FF2B5EF4-FFF2-40B4-BE49-F238E27FC236}">
+                  <a16:creationId xmlns:a16="http://schemas.microsoft.com/office/drawing/2014/main" id="{7C38351D-FA90-43FA-A6EA-6112FC9CDA18}"/>
+                </a:ext>
+              </a:extLst>
+            </p:cNvPr>
+            <p:cNvSpPr txBox="1"/>
+            <p:nvPr/>
+          </p:nvSpPr>
+          <p:spPr>
+            <a:xfrm>
+              <a:off x="10662585" y="3206644"/>
+              <a:ext cx="691215" cy="369332"/>
+            </a:xfrm>
+            <a:prstGeom prst="rect">
+              <a:avLst/>
+            </a:prstGeom>
+            <a:noFill/>
+          </p:spPr>
+          <p:txBody>
+            <a:bodyPr wrap="none" rtlCol="0">
+              <a:spAutoFit/>
+            </a:bodyPr>
+            <a:lstStyle/>
+            <a:p>
+              <a:r>
+                <a:rPr lang="en-US" altLang="zh-TW">
+                  <a:solidFill>
+                    <a:schemeClr val="accent3"/>
+                  </a:solidFill>
+                </a:rPr>
+                <a:t>bash</a:t>
+              </a:r>
+              <a:endParaRPr lang="zh-TW" altLang="en-US">
+                <a:solidFill>
+                  <a:schemeClr val="accent3"/>
+                </a:solidFill>
+              </a:endParaRPr>
+            </a:p>
+          </p:txBody>
+        </p:sp>
+      </p:grpSp>
+      <p:sp>
+        <p:nvSpPr>
+          <p:cNvPr id="12" name="內容版面配置區 2">
+            <a:extLst>
+              <a:ext uri="{FF2B5EF4-FFF2-40B4-BE49-F238E27FC236}">
+                <a16:creationId xmlns:a16="http://schemas.microsoft.com/office/drawing/2014/main" id="{FF3F08F8-410E-4F9A-914C-A66661C9CB6F}"/>
+              </a:ext>
+            </a:extLst>
+          </p:cNvPr>
+          <p:cNvSpPr txBox="1">
+            <a:spLocks/>
+          </p:cNvSpPr>
+          <p:nvPr/>
+        </p:nvSpPr>
+        <p:spPr>
+          <a:xfrm>
+            <a:off x="838199" y="4068987"/>
+            <a:ext cx="5392271" cy="2070847"/>
+          </a:xfrm>
+          <a:prstGeom prst="rect">
+            <a:avLst/>
+          </a:prstGeom>
+        </p:spPr>
+        <p:txBody>
+          <a:bodyPr vert="horz" lIns="91440" tIns="45720" rIns="91440" bIns="45720" rtlCol="0">
+            <a:normAutofit/>
+          </a:bodyPr>
+          <a:lstStyle>
+            <a:lvl1pPr marL="0" indent="0" algn="l" defTabSz="914400" rtl="0" eaLnBrk="1" latinLnBrk="0" hangingPunct="1">
+              <a:lnSpc>
+                <a:spcPct val="90000"/>
+              </a:lnSpc>
+              <a:spcBef>
+                <a:spcPts val="1000"/>
+              </a:spcBef>
+              <a:buFont typeface="Arial" panose="020B0604020202020204" pitchFamily="34" charset="0"/>
+              <a:buNone/>
+              <a:defRPr sz="2800" kern="1200">
+                <a:solidFill>
+                  <a:schemeClr val="tx1"/>
+                </a:solidFill>
+                <a:latin typeface="+mn-lt"/>
+                <a:ea typeface="+mn-ea"/>
+                <a:cs typeface="+mn-cs"/>
+              </a:defRPr>
+            </a:lvl1pPr>
+            <a:lvl2pPr marL="457200" indent="0" algn="l" defTabSz="914400" rtl="0" eaLnBrk="1" latinLnBrk="0" hangingPunct="1">
+              <a:lnSpc>
+                <a:spcPct val="90000"/>
+              </a:lnSpc>
+              <a:spcBef>
+                <a:spcPts val="500"/>
+              </a:spcBef>
+              <a:buFont typeface="Arial" panose="020B0604020202020204" pitchFamily="34" charset="0"/>
+              <a:buNone/>
+              <a:defRPr sz="2400" kern="1200">
+                <a:solidFill>
+                  <a:schemeClr val="tx1"/>
+                </a:solidFill>
+                <a:latin typeface="+mn-lt"/>
+                <a:ea typeface="+mn-ea"/>
+                <a:cs typeface="+mn-cs"/>
+              </a:defRPr>
+            </a:lvl2pPr>
+            <a:lvl3pPr marL="914400" indent="0" algn="l" defTabSz="914400" rtl="0" eaLnBrk="1" latinLnBrk="0" hangingPunct="1">
+              <a:lnSpc>
+                <a:spcPct val="90000"/>
+              </a:lnSpc>
+              <a:spcBef>
+                <a:spcPts val="500"/>
+              </a:spcBef>
+              <a:buFont typeface="Arial" panose="020B0604020202020204" pitchFamily="34" charset="0"/>
+              <a:buNone/>
+              <a:defRPr sz="2000" kern="1200">
+                <a:solidFill>
+                  <a:schemeClr val="tx1"/>
+                </a:solidFill>
+                <a:latin typeface="+mn-lt"/>
+                <a:ea typeface="+mn-ea"/>
+                <a:cs typeface="+mn-cs"/>
+              </a:defRPr>
+            </a:lvl3pPr>
+            <a:lvl4pPr marL="1371600" indent="0" algn="l" defTabSz="914400" rtl="0" eaLnBrk="1" latinLnBrk="0" hangingPunct="1">
+              <a:lnSpc>
+                <a:spcPct val="90000"/>
+              </a:lnSpc>
+              <a:spcBef>
+                <a:spcPts val="500"/>
+              </a:spcBef>
+              <a:buFont typeface="Arial" panose="020B0604020202020204" pitchFamily="34" charset="0"/>
+              <a:buNone/>
+              <a:defRPr sz="1800" kern="1200">
+                <a:solidFill>
+                  <a:schemeClr val="tx1"/>
+                </a:solidFill>
+                <a:latin typeface="+mn-lt"/>
+                <a:ea typeface="+mn-ea"/>
+                <a:cs typeface="+mn-cs"/>
+              </a:defRPr>
+            </a:lvl4pPr>
+            <a:lvl5pPr marL="1828800" indent="0" algn="l" defTabSz="914400" rtl="0" eaLnBrk="1" latinLnBrk="0" hangingPunct="1">
+              <a:lnSpc>
+                <a:spcPct val="90000"/>
+              </a:lnSpc>
+              <a:spcBef>
+                <a:spcPts val="500"/>
+              </a:spcBef>
+              <a:buFont typeface="Arial" panose="020B0604020202020204" pitchFamily="34" charset="0"/>
+              <a:buNone/>
+              <a:defRPr sz="1800" kern="1200">
+                <a:solidFill>
+                  <a:schemeClr val="tx1"/>
+                </a:solidFill>
+                <a:latin typeface="+mn-lt"/>
+                <a:ea typeface="+mn-ea"/>
+                <a:cs typeface="+mn-cs"/>
+              </a:defRPr>
+            </a:lvl5pPr>
+            <a:lvl6pPr marL="2514600" indent="-228600" algn="l" defTabSz="914400" rtl="0" eaLnBrk="1" latinLnBrk="0" hangingPunct="1">
+              <a:lnSpc>
+                <a:spcPct val="90000"/>
+              </a:lnSpc>
+              <a:spcBef>
+                <a:spcPts val="500"/>
+              </a:spcBef>
+              <a:buFont typeface="Arial" panose="020B0604020202020204" pitchFamily="34" charset="0"/>
+              <a:buChar char="•"/>
+              <a:defRPr sz="1800" kern="1200">
+                <a:solidFill>
+                  <a:schemeClr val="tx1"/>
+                </a:solidFill>
+                <a:latin typeface="+mn-lt"/>
+                <a:ea typeface="+mn-ea"/>
+                <a:cs typeface="+mn-cs"/>
+              </a:defRPr>
+            </a:lvl6pPr>
+            <a:lvl7pPr marL="2971800" indent="-228600" algn="l" defTabSz="914400" rtl="0" eaLnBrk="1" latinLnBrk="0" hangingPunct="1">
+              <a:lnSpc>
+                <a:spcPct val="90000"/>
+              </a:lnSpc>
+              <a:spcBef>
+                <a:spcPts val="500"/>
+              </a:spcBef>
+              <a:buFont typeface="Arial" panose="020B0604020202020204" pitchFamily="34" charset="0"/>
+              <a:buChar char="•"/>
+              <a:defRPr sz="1800" kern="1200">
+                <a:solidFill>
+                  <a:schemeClr val="tx1"/>
+                </a:solidFill>
+                <a:latin typeface="+mn-lt"/>
+                <a:ea typeface="+mn-ea"/>
+                <a:cs typeface="+mn-cs"/>
+              </a:defRPr>
+            </a:lvl7pPr>
+            <a:lvl8pPr marL="3429000" indent="-228600" algn="l" defTabSz="914400" rtl="0" eaLnBrk="1" latinLnBrk="0" hangingPunct="1">
+              <a:lnSpc>
+                <a:spcPct val="90000"/>
+              </a:lnSpc>
+              <a:spcBef>
+                <a:spcPts val="500"/>
+              </a:spcBef>
+              <a:buFont typeface="Arial" panose="020B0604020202020204" pitchFamily="34" charset="0"/>
+              <a:buChar char="•"/>
+              <a:defRPr sz="1800" kern="1200">
+                <a:solidFill>
+                  <a:schemeClr val="tx1"/>
+                </a:solidFill>
+                <a:latin typeface="+mn-lt"/>
+                <a:ea typeface="+mn-ea"/>
+                <a:cs typeface="+mn-cs"/>
+              </a:defRPr>
+            </a:lvl8pPr>
+            <a:lvl9pPr marL="3886200" indent="-228600" algn="l" defTabSz="914400" rtl="0" eaLnBrk="1" latinLnBrk="0" hangingPunct="1">
+              <a:lnSpc>
+                <a:spcPct val="90000"/>
+              </a:lnSpc>
+              <a:spcBef>
+                <a:spcPts val="500"/>
+              </a:spcBef>
+              <a:buFont typeface="Arial" panose="020B0604020202020204" pitchFamily="34" charset="0"/>
+              <a:buChar char="•"/>
+              <a:defRPr sz="1800" kern="1200">
+                <a:solidFill>
+                  <a:schemeClr val="tx1"/>
+                </a:solidFill>
+                <a:latin typeface="+mn-lt"/>
+                <a:ea typeface="+mn-ea"/>
+                <a:cs typeface="+mn-cs"/>
+              </a:defRPr>
+            </a:lvl9pPr>
+          </a:lstStyle>
+          <a:p>
+            <a:r>
+              <a:rPr lang="zh-TW" altLang="en-US"/>
+              <a:t>使用該指令後會在</a:t>
+            </a:r>
+            <a:endParaRPr lang="en-US" altLang="zh-TW"/>
+          </a:p>
+          <a:p>
+            <a:r>
+              <a:rPr lang="zh-TW" altLang="en-US">
+                <a:solidFill>
+                  <a:srgbClr val="00B0F0"/>
+                </a:solidFill>
+              </a:rPr>
+              <a:t>工作目錄</a:t>
+            </a:r>
+            <a:r>
+              <a:rPr lang="en-US" altLang="zh-TW">
+                <a:solidFill>
+                  <a:srgbClr val="00B0F0"/>
+                </a:solidFill>
+              </a:rPr>
+              <a:t>(working directory)</a:t>
+            </a:r>
+          </a:p>
+          <a:p>
+            <a:r>
+              <a:rPr lang="zh-TW" altLang="en-US"/>
+              <a:t>出現一個新</a:t>
+            </a:r>
+            <a:r>
+              <a:rPr lang="zh-TW" altLang="en-US">
+                <a:solidFill>
+                  <a:srgbClr val="00B0F0"/>
+                </a:solidFill>
+              </a:rPr>
+              <a:t>資料夾</a:t>
+            </a:r>
+            <a:r>
+              <a:rPr lang="en-US" altLang="zh-TW">
+                <a:solidFill>
+                  <a:srgbClr val="00B0F0"/>
+                </a:solidFill>
+              </a:rPr>
+              <a:t>(folder)</a:t>
+            </a:r>
+          </a:p>
+          <a:p>
+            <a:r>
+              <a:rPr lang="zh-TW" altLang="en-US"/>
+              <a:t>名稱與</a:t>
+            </a:r>
+            <a:r>
+              <a:rPr lang="zh-TW" altLang="en-US">
+                <a:solidFill>
+                  <a:srgbClr val="00B0F0"/>
+                </a:solidFill>
+              </a:rPr>
+              <a:t>倉庫</a:t>
+            </a:r>
+            <a:r>
+              <a:rPr lang="zh-TW" altLang="en-US"/>
+              <a:t>相同，即為</a:t>
+            </a:r>
+            <a:r>
+              <a:rPr lang="zh-TW" altLang="en-US">
+                <a:solidFill>
+                  <a:srgbClr val="00B0F0"/>
+                </a:solidFill>
+              </a:rPr>
+              <a:t>本地倉庫</a:t>
+            </a:r>
+          </a:p>
+        </p:txBody>
+      </p:sp>
+      <p:grpSp>
+        <p:nvGrpSpPr>
+          <p:cNvPr id="20" name="群組 19">
+            <a:extLst>
+              <a:ext uri="{FF2B5EF4-FFF2-40B4-BE49-F238E27FC236}">
+                <a16:creationId xmlns:a16="http://schemas.microsoft.com/office/drawing/2014/main" id="{13AC3E9C-66D2-4845-A377-CE742916B879}"/>
+              </a:ext>
+            </a:extLst>
+          </p:cNvPr>
+          <p:cNvGrpSpPr/>
+          <p:nvPr/>
+        </p:nvGrpSpPr>
+        <p:grpSpPr>
+          <a:xfrm>
+            <a:off x="838200" y="2743924"/>
+            <a:ext cx="10515600" cy="1150105"/>
+            <a:chOff x="838200" y="2743924"/>
+            <a:chExt cx="10515600" cy="1150105"/>
+          </a:xfrm>
+        </p:grpSpPr>
+        <p:pic>
+          <p:nvPicPr>
+            <p:cNvPr id="8" name="圖片 7">
+              <a:extLst>
+                <a:ext uri="{FF2B5EF4-FFF2-40B4-BE49-F238E27FC236}">
+                  <a16:creationId xmlns:a16="http://schemas.microsoft.com/office/drawing/2014/main" id="{A596A7EA-AE87-4702-9637-AE676E08F653}"/>
+                </a:ext>
+              </a:extLst>
+            </p:cNvPr>
+            <p:cNvPicPr>
+              <a:picLocks noChangeAspect="1"/>
+            </p:cNvPicPr>
+            <p:nvPr/>
+          </p:nvPicPr>
+          <p:blipFill rotWithShape="1">
+            <a:blip r:embed="rId2"/>
+            <a:srcRect l="319" t="1121" r="319" b="79247"/>
+            <a:stretch/>
+          </p:blipFill>
+          <p:spPr>
+            <a:xfrm>
+              <a:off x="838200" y="2787062"/>
+              <a:ext cx="10515600" cy="1106967"/>
+            </a:xfrm>
+            <a:prstGeom prst="rect">
+              <a:avLst/>
+            </a:prstGeom>
+          </p:spPr>
+        </p:pic>
+        <p:sp>
+          <p:nvSpPr>
+            <p:cNvPr id="15" name="矩形: 圓角 14">
+              <a:extLst>
+                <a:ext uri="{FF2B5EF4-FFF2-40B4-BE49-F238E27FC236}">
+                  <a16:creationId xmlns:a16="http://schemas.microsoft.com/office/drawing/2014/main" id="{525020E6-B00F-4A0D-B0FB-2C3F559BAAD7}"/>
+                </a:ext>
+              </a:extLst>
+            </p:cNvPr>
+            <p:cNvSpPr/>
+            <p:nvPr/>
+          </p:nvSpPr>
+          <p:spPr>
+            <a:xfrm>
+              <a:off x="1111624" y="3150813"/>
+              <a:ext cx="3460376" cy="152400"/>
+            </a:xfrm>
+            <a:prstGeom prst="roundRect">
+              <a:avLst/>
+            </a:prstGeom>
+            <a:noFill/>
+            <a:ln w="12700">
+              <a:solidFill>
+                <a:srgbClr val="FFC000"/>
+              </a:solidFill>
+            </a:ln>
+          </p:spPr>
+          <p:style>
+            <a:lnRef idx="2">
+              <a:schemeClr val="accent1">
+                <a:shade val="50000"/>
+              </a:schemeClr>
+            </a:lnRef>
+            <a:fillRef idx="1">
+              <a:schemeClr val="accent1"/>
+            </a:fillRef>
+            <a:effectRef idx="0">
+              <a:schemeClr val="accent1"/>
+            </a:effectRef>
+            <a:fontRef idx="minor">
+              <a:schemeClr val="lt1"/>
+            </a:fontRef>
+          </p:style>
+          <p:txBody>
+            <a:bodyPr rtlCol="0" anchor="ctr"/>
+            <a:lstStyle/>
+            <a:p>
+              <a:pPr algn="ctr"/>
+              <a:endParaRPr lang="zh-TW" altLang="en-US"/>
+            </a:p>
+          </p:txBody>
+        </p:sp>
+        <p:sp>
+          <p:nvSpPr>
+            <p:cNvPr id="16" name="文字方塊 15">
+              <a:extLst>
+                <a:ext uri="{FF2B5EF4-FFF2-40B4-BE49-F238E27FC236}">
+                  <a16:creationId xmlns:a16="http://schemas.microsoft.com/office/drawing/2014/main" id="{48774D6C-E0D2-4532-93B0-ADAC886AA9B3}"/>
+                </a:ext>
+              </a:extLst>
+            </p:cNvPr>
+            <p:cNvSpPr txBox="1"/>
+            <p:nvPr/>
+          </p:nvSpPr>
+          <p:spPr>
+            <a:xfrm>
+              <a:off x="3437272" y="2743924"/>
+              <a:ext cx="1210588" cy="400110"/>
+            </a:xfrm>
+            <a:prstGeom prst="rect">
+              <a:avLst/>
+            </a:prstGeom>
+            <a:noFill/>
+          </p:spPr>
+          <p:txBody>
+            <a:bodyPr wrap="none" rtlCol="0">
+              <a:spAutoFit/>
+            </a:bodyPr>
+            <a:lstStyle/>
+            <a:p>
+              <a:r>
+                <a:rPr lang="zh-TW" altLang="en-US" sz="2000">
+                  <a:solidFill>
+                    <a:srgbClr val="FFC000"/>
+                  </a:solidFill>
+                </a:rPr>
+                <a:t>工作目錄</a:t>
+              </a:r>
+            </a:p>
+          </p:txBody>
+        </p:sp>
+        <p:sp>
+          <p:nvSpPr>
+            <p:cNvPr id="17" name="矩形: 圓角 16">
+              <a:extLst>
+                <a:ext uri="{FF2B5EF4-FFF2-40B4-BE49-F238E27FC236}">
+                  <a16:creationId xmlns:a16="http://schemas.microsoft.com/office/drawing/2014/main" id="{D27A1293-8B1D-42D2-B027-130DD8B52560}"/>
+                </a:ext>
+              </a:extLst>
+            </p:cNvPr>
+            <p:cNvSpPr/>
+            <p:nvPr/>
+          </p:nvSpPr>
+          <p:spPr>
+            <a:xfrm>
+              <a:off x="1111624" y="3669149"/>
+              <a:ext cx="3460376" cy="152400"/>
+            </a:xfrm>
+            <a:prstGeom prst="roundRect">
+              <a:avLst/>
+            </a:prstGeom>
+            <a:noFill/>
+            <a:ln w="12700">
+              <a:solidFill>
+                <a:srgbClr val="FFC000"/>
+              </a:solidFill>
+            </a:ln>
+          </p:spPr>
+          <p:style>
+            <a:lnRef idx="2">
+              <a:schemeClr val="accent1">
+                <a:shade val="50000"/>
+              </a:schemeClr>
+            </a:lnRef>
+            <a:fillRef idx="1">
+              <a:schemeClr val="accent1"/>
+            </a:fillRef>
+            <a:effectRef idx="0">
+              <a:schemeClr val="accent1"/>
+            </a:effectRef>
+            <a:fontRef idx="minor">
+              <a:schemeClr val="lt1"/>
+            </a:fontRef>
+          </p:style>
+          <p:txBody>
+            <a:bodyPr rtlCol="0" anchor="ctr"/>
+            <a:lstStyle/>
+            <a:p>
+              <a:pPr algn="ctr"/>
+              <a:endParaRPr lang="zh-TW" altLang="en-US"/>
+            </a:p>
+          </p:txBody>
+        </p:sp>
+      </p:grpSp>
+      <p:grpSp>
+        <p:nvGrpSpPr>
+          <p:cNvPr id="21" name="群組 20">
+            <a:extLst>
+              <a:ext uri="{FF2B5EF4-FFF2-40B4-BE49-F238E27FC236}">
+                <a16:creationId xmlns:a16="http://schemas.microsoft.com/office/drawing/2014/main" id="{142DEBC9-B83E-4924-9AA8-54B152957EF5}"/>
+              </a:ext>
+            </a:extLst>
+          </p:cNvPr>
+          <p:cNvGrpSpPr/>
+          <p:nvPr/>
+        </p:nvGrpSpPr>
+        <p:grpSpPr>
+          <a:xfrm>
+            <a:off x="6230470" y="4068987"/>
+            <a:ext cx="5123328" cy="1967564"/>
+            <a:chOff x="6230470" y="4068987"/>
+            <a:chExt cx="5123328" cy="1967564"/>
+          </a:xfrm>
+        </p:grpSpPr>
+        <p:pic>
+          <p:nvPicPr>
+            <p:cNvPr id="11" name="圖片 10">
+              <a:extLst>
+                <a:ext uri="{FF2B5EF4-FFF2-40B4-BE49-F238E27FC236}">
+                  <a16:creationId xmlns:a16="http://schemas.microsoft.com/office/drawing/2014/main" id="{1F6ACA2C-A094-499D-B339-0C99241D6676}"/>
+                </a:ext>
+              </a:extLst>
+            </p:cNvPr>
+            <p:cNvPicPr>
+              <a:picLocks noChangeAspect="1"/>
+            </p:cNvPicPr>
+            <p:nvPr/>
+          </p:nvPicPr>
+          <p:blipFill rotWithShape="1">
+            <a:blip r:embed="rId3"/>
+            <a:srcRect l="19990" t="12082" b="4695"/>
+            <a:stretch/>
+          </p:blipFill>
+          <p:spPr>
+            <a:xfrm>
+              <a:off x="6230470" y="4068987"/>
+              <a:ext cx="5123328" cy="1967564"/>
+            </a:xfrm>
+            <a:prstGeom prst="rect">
+              <a:avLst/>
+            </a:prstGeom>
+          </p:spPr>
+        </p:pic>
+        <p:sp>
+          <p:nvSpPr>
+            <p:cNvPr id="18" name="矩形: 圓角 17">
+              <a:extLst>
+                <a:ext uri="{FF2B5EF4-FFF2-40B4-BE49-F238E27FC236}">
+                  <a16:creationId xmlns:a16="http://schemas.microsoft.com/office/drawing/2014/main" id="{F6EC0E26-B44D-4125-B5AC-DF14C6733B4B}"/>
+                </a:ext>
+              </a:extLst>
+            </p:cNvPr>
+            <p:cNvSpPr/>
+            <p:nvPr/>
+          </p:nvSpPr>
+          <p:spPr>
+            <a:xfrm>
+              <a:off x="6316570" y="5089526"/>
+              <a:ext cx="4853079" cy="238124"/>
+            </a:xfrm>
+            <a:prstGeom prst="roundRect">
+              <a:avLst>
+                <a:gd name="adj" fmla="val 11334"/>
+              </a:avLst>
+            </a:prstGeom>
+            <a:noFill/>
+            <a:ln w="28575">
+              <a:solidFill>
+                <a:srgbClr val="00B050"/>
+              </a:solidFill>
+            </a:ln>
+          </p:spPr>
+          <p:style>
+            <a:lnRef idx="2">
+              <a:schemeClr val="accent1">
+                <a:shade val="50000"/>
+              </a:schemeClr>
+            </a:lnRef>
+            <a:fillRef idx="1">
+              <a:schemeClr val="accent1"/>
+            </a:fillRef>
+            <a:effectRef idx="0">
+              <a:schemeClr val="accent1"/>
+            </a:effectRef>
+            <a:fontRef idx="minor">
+              <a:schemeClr val="lt1"/>
+            </a:fontRef>
+          </p:style>
+          <p:txBody>
+            <a:bodyPr rtlCol="0" anchor="ctr"/>
+            <a:lstStyle/>
+            <a:p>
+              <a:pPr algn="ctr"/>
+              <a:endParaRPr lang="zh-TW" altLang="en-US">
+                <a:solidFill>
+                  <a:srgbClr val="00B0F0"/>
+                </a:solidFill>
+              </a:endParaRPr>
+            </a:p>
+          </p:txBody>
+        </p:sp>
+        <p:sp>
+          <p:nvSpPr>
+            <p:cNvPr id="19" name="文字方塊 18">
+              <a:extLst>
+                <a:ext uri="{FF2B5EF4-FFF2-40B4-BE49-F238E27FC236}">
+                  <a16:creationId xmlns:a16="http://schemas.microsoft.com/office/drawing/2014/main" id="{0EA82095-B719-41ED-B156-84DABCBDD3F0}"/>
+                </a:ext>
+              </a:extLst>
+            </p:cNvPr>
+            <p:cNvSpPr txBox="1"/>
+            <p:nvPr/>
+          </p:nvSpPr>
+          <p:spPr>
+            <a:xfrm>
+              <a:off x="10117562" y="5327650"/>
+              <a:ext cx="1236236" cy="400110"/>
+            </a:xfrm>
+            <a:prstGeom prst="rect">
+              <a:avLst/>
+            </a:prstGeom>
+            <a:noFill/>
+          </p:spPr>
+          <p:txBody>
+            <a:bodyPr wrap="none" rtlCol="0">
+              <a:spAutoFit/>
+            </a:bodyPr>
+            <a:lstStyle/>
+            <a:p>
+              <a:r>
+                <a:rPr lang="zh-TW" altLang="en-US" sz="2000">
+                  <a:solidFill>
+                    <a:srgbClr val="00B050"/>
+                  </a:solidFill>
+                </a:rPr>
+                <a:t>本地倉庫</a:t>
+              </a:r>
+            </a:p>
+          </p:txBody>
+        </p:sp>
+      </p:grpSp>
+    </p:spTree>
+    <p:extLst>
+      <p:ext uri="{BB962C8B-B14F-4D97-AF65-F5344CB8AC3E}">
+        <p14:creationId xmlns:p14="http://schemas.microsoft.com/office/powerpoint/2010/main" val="3913858298"/>
+      </p:ext>
+    </p:extLst>
+  </p:cSld>
+  <p:clrMapOvr>
+    <a:masterClrMapping/>
+  </p:clrMapOvr>
+  <p:transition spd="slow">
+    <p:push dir="u"/>
+  </p:transition>
+</p:sld>
+</file>
+
+<file path=ppt/slides/slide12.xml><?xml version="1.0" encoding="utf-8"?>
+<p:sld xmlns:a="http://schemas.openxmlformats.org/drawingml/2006/main" xmlns:r="http://schemas.openxmlformats.org/officeDocument/2006/relationships" xmlns:p="http://schemas.openxmlformats.org/presentationml/2006/main">
+  <p:cSld>
+    <p:spTree>
+      <p:nvGrpSpPr>
+        <p:cNvPr id="1" name=""/>
+        <p:cNvGrpSpPr/>
+        <p:nvPr/>
+      </p:nvGrpSpPr>
+      <p:grpSpPr>
+        <a:xfrm>
+          <a:off x="0" y="0"/>
+          <a:ext cx="0" cy="0"/>
+          <a:chOff x="0" y="0"/>
+          <a:chExt cx="0" cy="0"/>
+        </a:xfrm>
+      </p:grpSpPr>
+      <p:sp>
+        <p:nvSpPr>
+          <p:cNvPr id="2" name="標題 1">
+            <a:extLst>
+              <a:ext uri="{FF2B5EF4-FFF2-40B4-BE49-F238E27FC236}">
+                <a16:creationId xmlns:a16="http://schemas.microsoft.com/office/drawing/2014/main" id="{EE0DDCF6-DF30-429E-BFB2-768FB7B93A84}"/>
+              </a:ext>
+            </a:extLst>
+          </p:cNvPr>
+          <p:cNvSpPr>
+            <a:spLocks noGrp="1"/>
+          </p:cNvSpPr>
+          <p:nvPr>
+            <p:ph type="title"/>
+          </p:nvPr>
+        </p:nvSpPr>
+        <p:spPr/>
+        <p:txBody>
+          <a:bodyPr/>
+          <a:lstStyle/>
+          <a:p>
+            <a:r>
+              <a:rPr lang="zh-TW" altLang="en-US"/>
+              <a:t>進入本地倉庫</a:t>
+            </a:r>
+          </a:p>
+        </p:txBody>
+      </p:sp>
+      <p:sp>
+        <p:nvSpPr>
+          <p:cNvPr id="3" name="內容版面配置區 2">
+            <a:extLst>
+              <a:ext uri="{FF2B5EF4-FFF2-40B4-BE49-F238E27FC236}">
+                <a16:creationId xmlns:a16="http://schemas.microsoft.com/office/drawing/2014/main" id="{A00C0E0C-A384-4A66-A339-D685B7466B4F}"/>
+              </a:ext>
+            </a:extLst>
+          </p:cNvPr>
+          <p:cNvSpPr>
+            <a:spLocks noGrp="1"/>
+          </p:cNvSpPr>
+          <p:nvPr>
+            <p:ph idx="1"/>
+          </p:nvPr>
+        </p:nvSpPr>
+        <p:spPr>
+          <a:xfrm>
+            <a:off x="838200" y="1825625"/>
+            <a:ext cx="10515600" cy="1511044"/>
+          </a:xfrm>
+        </p:spPr>
+        <p:txBody>
+          <a:bodyPr>
+            <a:normAutofit/>
+          </a:bodyPr>
+          <a:lstStyle/>
+          <a:p>
+            <a:r>
+              <a:rPr lang="zh-TW" altLang="en-US"/>
+              <a:t>欲進入</a:t>
+            </a:r>
+            <a:r>
+              <a:rPr lang="zh-TW" altLang="en-US">
+                <a:solidFill>
+                  <a:srgbClr val="00B0F0"/>
+                </a:solidFill>
+              </a:rPr>
+              <a:t>本地倉庫</a:t>
+            </a:r>
+            <a:r>
+              <a:rPr lang="zh-TW" altLang="en-US"/>
+              <a:t>，須在</a:t>
+            </a:r>
+            <a:r>
+              <a:rPr lang="zh-TW" altLang="en-US">
+                <a:solidFill>
+                  <a:srgbClr val="00B0F0"/>
+                </a:solidFill>
+              </a:rPr>
+              <a:t>本地倉庫</a:t>
+            </a:r>
+            <a:r>
+              <a:rPr lang="zh-TW" altLang="en-US"/>
+              <a:t>內開啟新的 </a:t>
+            </a:r>
+            <a:r>
+              <a:rPr lang="en-US" altLang="zh-TW">
+                <a:solidFill>
+                  <a:srgbClr val="00B0F0"/>
+                </a:solidFill>
+              </a:rPr>
+              <a:t>bash</a:t>
+            </a:r>
+          </a:p>
+          <a:p>
+            <a:r>
+              <a:rPr lang="zh-TW" altLang="en-US"/>
+              <a:t>或在剛剛的 </a:t>
+            </a:r>
+            <a:r>
+              <a:rPr lang="en-US" altLang="zh-TW">
+                <a:solidFill>
+                  <a:srgbClr val="00B0F0"/>
+                </a:solidFill>
+              </a:rPr>
+              <a:t>bash</a:t>
+            </a:r>
+            <a:r>
+              <a:rPr lang="en-US" altLang="zh-TW"/>
+              <a:t> </a:t>
+            </a:r>
+            <a:r>
+              <a:rPr lang="zh-TW" altLang="en-US"/>
+              <a:t>中使用該 </a:t>
+            </a:r>
+            <a:r>
+              <a:rPr lang="en-US" altLang="zh-TW">
+                <a:solidFill>
+                  <a:srgbClr val="00B0F0"/>
+                </a:solidFill>
+              </a:rPr>
+              <a:t>Windows</a:t>
+            </a:r>
+            <a:r>
+              <a:rPr lang="zh-TW" altLang="en-US">
+                <a:solidFill>
+                  <a:srgbClr val="00B0F0"/>
+                </a:solidFill>
+              </a:rPr>
+              <a:t> </a:t>
+            </a:r>
+            <a:r>
+              <a:rPr lang="en-US" altLang="zh-TW">
+                <a:solidFill>
+                  <a:srgbClr val="00B0F0"/>
+                </a:solidFill>
+              </a:rPr>
+              <a:t>/ Unix</a:t>
+            </a:r>
+            <a:r>
+              <a:rPr lang="zh-TW" altLang="en-US">
+                <a:solidFill>
+                  <a:srgbClr val="00B0F0"/>
+                </a:solidFill>
+              </a:rPr>
+              <a:t> 指令</a:t>
+            </a:r>
+            <a:endParaRPr lang="en-US" altLang="zh-TW">
+              <a:solidFill>
+                <a:srgbClr val="00B0F0"/>
+              </a:solidFill>
+            </a:endParaRPr>
+          </a:p>
+          <a:p>
+            <a:r>
+              <a:rPr lang="zh-TW" altLang="en-US"/>
+              <a:t>該</a:t>
+            </a:r>
+            <a:r>
+              <a:rPr lang="zh-TW" altLang="en-US">
+                <a:solidFill>
+                  <a:srgbClr val="00B0F0"/>
+                </a:solidFill>
+              </a:rPr>
+              <a:t>指令</a:t>
+            </a:r>
+            <a:r>
+              <a:rPr lang="zh-TW" altLang="en-US"/>
+              <a:t>會切換當前 </a:t>
+            </a:r>
+            <a:r>
+              <a:rPr lang="en-US" altLang="zh-TW">
+                <a:solidFill>
+                  <a:srgbClr val="00B0F0"/>
+                </a:solidFill>
+              </a:rPr>
+              <a:t>bash</a:t>
+            </a:r>
+            <a:r>
+              <a:rPr lang="en-US" altLang="zh-TW"/>
+              <a:t> </a:t>
+            </a:r>
+            <a:r>
+              <a:rPr lang="zh-TW" altLang="en-US"/>
+              <a:t>的</a:t>
+            </a:r>
+            <a:r>
+              <a:rPr lang="zh-TW" altLang="en-US">
+                <a:solidFill>
+                  <a:srgbClr val="00B0F0"/>
+                </a:solidFill>
+              </a:rPr>
+              <a:t>工作目錄</a:t>
+            </a:r>
+          </a:p>
+        </p:txBody>
+      </p:sp>
+      <p:grpSp>
+        <p:nvGrpSpPr>
+          <p:cNvPr id="5" name="群組 4">
+            <a:extLst>
+              <a:ext uri="{FF2B5EF4-FFF2-40B4-BE49-F238E27FC236}">
+                <a16:creationId xmlns:a16="http://schemas.microsoft.com/office/drawing/2014/main" id="{6569066D-2828-4DA8-B9FD-84FE428FDA5A}"/>
+              </a:ext>
+            </a:extLst>
+          </p:cNvPr>
+          <p:cNvGrpSpPr/>
+          <p:nvPr/>
+        </p:nvGrpSpPr>
+        <p:grpSpPr>
+          <a:xfrm>
+            <a:off x="838200" y="3421834"/>
+            <a:ext cx="10515600" cy="461665"/>
+            <a:chOff x="838200" y="3114311"/>
+            <a:chExt cx="10515600" cy="461665"/>
+          </a:xfrm>
+        </p:grpSpPr>
+        <p:sp>
+          <p:nvSpPr>
+            <p:cNvPr id="6" name="Rectangle 1">
+              <a:extLst>
+                <a:ext uri="{FF2B5EF4-FFF2-40B4-BE49-F238E27FC236}">
+                  <a16:creationId xmlns:a16="http://schemas.microsoft.com/office/drawing/2014/main" id="{D81B8B21-F8F7-42D4-A218-6317232EF919}"/>
+                </a:ext>
+              </a:extLst>
+            </p:cNvPr>
+            <p:cNvSpPr>
+              <a:spLocks noChangeArrowheads="1"/>
+            </p:cNvSpPr>
+            <p:nvPr/>
+          </p:nvSpPr>
+          <p:spPr bwMode="auto">
+            <a:xfrm>
+              <a:off x="838200" y="3114311"/>
+              <a:ext cx="10515600" cy="461665"/>
+            </a:xfrm>
+            <a:prstGeom prst="rect">
+              <a:avLst/>
+            </a:prstGeom>
+            <a:solidFill>
+              <a:srgbClr val="1E1F22"/>
+            </a:solidFill>
+            <a:ln>
+              <a:noFill/>
+            </a:ln>
+            <a:effectLst/>
+            <a:extLst>
+              <a:ext uri="{91240B29-F687-4F45-9708-019B960494DF}">
+                <a14:hiddenLine xmlns:a14="http://schemas.microsoft.com/office/drawing/2010/main" w="9525">
+                  <a:solidFill>
+                    <a:schemeClr val="tx1"/>
+                  </a:solidFill>
+                  <a:miter lim="800000"/>
+                  <a:headEnd/>
+                  <a:tailEnd/>
+                </a14:hiddenLine>
+              </a:ext>
+              <a:ext uri="{AF507438-7753-43E0-B8FC-AC1667EBCBE1}">
+                <a14:hiddenEffects xmlns:a14="http://schemas.microsoft.com/office/drawing/2010/main">
+                  <a:effectLst>
+                    <a:outerShdw dist="35921" dir="2700000" algn="ctr" rotWithShape="0">
+                      <a:schemeClr val="bg2"/>
+                    </a:outerShdw>
+                  </a:effectLst>
+                </a14:hiddenEffects>
+              </a:ext>
+            </a:extLst>
+          </p:spPr>
+          <p:txBody>
+            <a:bodyPr vert="horz" wrap="square" lIns="91440" tIns="45720" rIns="91440" bIns="45720" numCol="1" anchor="ctr" anchorCtr="0" compatLnSpc="1">
+              <a:prstTxWarp prst="textNoShape">
+                <a:avLst/>
+              </a:prstTxWarp>
+              <a:spAutoFit/>
+            </a:bodyPr>
+            <a:lstStyle/>
+            <a:p>
+              <a:pPr marL="0" marR="0" lvl="0" indent="0" algn="l" defTabSz="914400" rtl="0" eaLnBrk="0" fontAlgn="base" latinLnBrk="0" hangingPunct="0">
+                <a:lnSpc>
+                  <a:spcPct val="100000"/>
+                </a:lnSpc>
+                <a:spcBef>
+                  <a:spcPct val="0"/>
+                </a:spcBef>
+                <a:spcAft>
+                  <a:spcPct val="0"/>
+                </a:spcAft>
+                <a:buClrTx/>
+                <a:buSzTx/>
+                <a:buFontTx/>
+                <a:buNone/>
+                <a:tabLst/>
+              </a:pPr>
+              <a:r>
+                <a:rPr kumimoji="0" lang="en-US" altLang="zh-TW" sz="2400" b="0" i="0" u="none" strike="noStrike" cap="none" normalizeH="0" baseline="0">
+                  <a:ln>
+                    <a:noFill/>
+                  </a:ln>
+                  <a:solidFill>
+                    <a:srgbClr val="00B0F0"/>
+                  </a:solidFill>
+                  <a:effectLst/>
+                  <a:latin typeface="+mj-lt"/>
+                  <a:cs typeface="JetBrains Mono" panose="02000009000000000000" pitchFamily="49" charset="0"/>
+                </a:rPr>
+                <a:t>cd</a:t>
+              </a:r>
+              <a:r>
+                <a:rPr kumimoji="0" lang="en-US" altLang="zh-TW" sz="2400" b="0" i="0" u="none" strike="noStrike" cap="none" normalizeH="0" baseline="0">
+                  <a:ln>
+                    <a:noFill/>
+                  </a:ln>
+                  <a:solidFill>
+                    <a:srgbClr val="BCBEC4"/>
+                  </a:solidFill>
+                  <a:effectLst/>
+                  <a:latin typeface="+mj-lt"/>
+                  <a:cs typeface="JetBrains Mono" panose="02000009000000000000" pitchFamily="49" charset="0"/>
+                </a:rPr>
+                <a:t> </a:t>
+              </a:r>
+              <a:r>
+                <a:rPr lang="zh-TW" altLang="en-US" sz="2400">
+                  <a:solidFill>
+                    <a:srgbClr val="92D050"/>
+                  </a:solidFill>
+                  <a:latin typeface="+mj-lt"/>
+                  <a:cs typeface="JetBrains Mono" panose="02000009000000000000" pitchFamily="49" charset="0"/>
+                </a:rPr>
+                <a:t>資料夾名稱</a:t>
+              </a:r>
+              <a:endParaRPr kumimoji="0" lang="zh-TW" altLang="zh-TW" sz="3600" b="0" i="0" u="none" strike="noStrike" cap="none" normalizeH="0" baseline="0">
+                <a:ln>
+                  <a:noFill/>
+                </a:ln>
+                <a:solidFill>
+                  <a:srgbClr val="92D050"/>
+                </a:solidFill>
+                <a:effectLst/>
+                <a:latin typeface="+mj-lt"/>
+              </a:endParaRPr>
+            </a:p>
+          </p:txBody>
+        </p:sp>
+        <p:sp>
+          <p:nvSpPr>
+            <p:cNvPr id="7" name="文字方塊 6">
+              <a:extLst>
+                <a:ext uri="{FF2B5EF4-FFF2-40B4-BE49-F238E27FC236}">
+                  <a16:creationId xmlns:a16="http://schemas.microsoft.com/office/drawing/2014/main" id="{D6B3087C-A543-40D9-A4DB-8C022FE75215}"/>
+                </a:ext>
+              </a:extLst>
+            </p:cNvPr>
+            <p:cNvSpPr txBox="1"/>
+            <p:nvPr/>
+          </p:nvSpPr>
+          <p:spPr>
+            <a:xfrm>
+              <a:off x="10662585" y="3206644"/>
+              <a:ext cx="691215" cy="369332"/>
+            </a:xfrm>
+            <a:prstGeom prst="rect">
+              <a:avLst/>
+            </a:prstGeom>
+            <a:noFill/>
+          </p:spPr>
+          <p:txBody>
+            <a:bodyPr wrap="none" rtlCol="0">
+              <a:spAutoFit/>
+            </a:bodyPr>
+            <a:lstStyle/>
+            <a:p>
+              <a:r>
+                <a:rPr lang="en-US" altLang="zh-TW">
+                  <a:solidFill>
+                    <a:schemeClr val="accent3"/>
+                  </a:solidFill>
+                </a:rPr>
+                <a:t>bash</a:t>
+              </a:r>
+              <a:endParaRPr lang="zh-TW" altLang="en-US">
+                <a:solidFill>
+                  <a:schemeClr val="accent3"/>
+                </a:solidFill>
+              </a:endParaRPr>
+            </a:p>
+          </p:txBody>
+        </p:sp>
+      </p:grpSp>
+      <p:pic>
+        <p:nvPicPr>
+          <p:cNvPr id="10" name="圖片 9">
+            <a:extLst>
+              <a:ext uri="{FF2B5EF4-FFF2-40B4-BE49-F238E27FC236}">
+                <a16:creationId xmlns:a16="http://schemas.microsoft.com/office/drawing/2014/main" id="{06A07B08-9685-40F7-A4B7-32C284DC7DBD}"/>
+              </a:ext>
+            </a:extLst>
+          </p:cNvPr>
+          <p:cNvPicPr>
+            <a:picLocks noChangeAspect="1"/>
+          </p:cNvPicPr>
+          <p:nvPr/>
+        </p:nvPicPr>
+        <p:blipFill>
+          <a:blip r:embed="rId2"/>
+          <a:stretch>
+            <a:fillRect/>
+          </a:stretch>
+        </p:blipFill>
+        <p:spPr>
+          <a:xfrm>
+            <a:off x="838199" y="4102393"/>
+            <a:ext cx="10515601" cy="1490639"/>
+          </a:xfrm>
+          <a:prstGeom prst="rect">
+            <a:avLst/>
+          </a:prstGeom>
+        </p:spPr>
+      </p:pic>
+    </p:spTree>
+    <p:extLst>
+      <p:ext uri="{BB962C8B-B14F-4D97-AF65-F5344CB8AC3E}">
+        <p14:creationId xmlns:p14="http://schemas.microsoft.com/office/powerpoint/2010/main" val="3957633886"/>
+      </p:ext>
+    </p:extLst>
+  </p:cSld>
+  <p:clrMapOvr>
+    <a:masterClrMapping/>
+  </p:clrMapOvr>
+  <p:transition spd="slow">
+    <p:push dir="u"/>
+  </p:transition>
+</p:sld>
+</file>
+
 <file path=ppt/slides/slide2.xml><?xml version="1.0" encoding="utf-8"?>
 <p:sld xmlns:a="http://schemas.openxmlformats.org/drawingml/2006/main" xmlns:r="http://schemas.openxmlformats.org/officeDocument/2006/relationships" xmlns:p="http://schemas.openxmlformats.org/presentationml/2006/main">
   <p:cSld>
@@ -3247,7 +4962,9 @@
         </p:nvSpPr>
         <p:spPr/>
         <p:txBody>
-          <a:bodyPr/>
+          <a:bodyPr>
+            <a:normAutofit/>
+          </a:bodyPr>
           <a:lstStyle/>
           <a:p>
             <a:r>
@@ -3341,11 +5058,27 @@
                   <a:srgbClr val="00B0F0"/>
                 </a:solidFill>
               </a:rPr>
-              <a:t>(repository)</a:t>
-            </a:r>
-            <a:r>
-              <a:rPr lang="zh-TW" altLang="en-US"/>
-              <a:t>服務供檔案存取外</a:t>
+              <a:t>(repository</a:t>
+            </a:r>
+            <a:r>
+              <a:rPr lang="zh-TW" altLang="en-US">
+                <a:solidFill>
+                  <a:srgbClr val="00B0F0"/>
+                </a:solidFill>
+              </a:rPr>
+              <a:t>，簡稱 </a:t>
+            </a:r>
+            <a:r>
+              <a:rPr lang="en-US" altLang="zh-TW">
+                <a:solidFill>
+                  <a:srgbClr val="00B0F0"/>
+                </a:solidFill>
+              </a:rPr>
+              <a:t>repo)</a:t>
+            </a:r>
+            <a:r>
+              <a:rPr lang="zh-TW" altLang="en-US"/>
+              <a:t>供檔案存取外</a:t>
             </a:r>
             <a:endParaRPr lang="en-US" altLang="zh-TW"/>
           </a:p>
@@ -3464,6 +5197,11 @@
               </a:rPr>
               <a:t>pr)</a:t>
             </a:r>
+            <a:r>
+              <a:rPr lang="zh-TW" altLang="en-US"/>
+              <a:t>等服務</a:t>
+            </a:r>
+            <a:endParaRPr lang="en-US" altLang="zh-TW"/>
           </a:p>
           <a:p>
             <a:r>
@@ -3502,9 +5240,41 @@
           <a:p>
             <a:r>
               <a:rPr lang="zh-TW" altLang="en-US"/>
-              <a:t>更著重在一個網路上的第三者參與或貢獻該倉庫</a:t>
-            </a:r>
-            <a:endParaRPr lang="en-US" altLang="zh-TW"/>
+              <a:t>更著重在一個網路上的第三者參與或</a:t>
+            </a:r>
+            <a:r>
+              <a:rPr lang="zh-TW" altLang="en-US">
+                <a:solidFill>
+                  <a:srgbClr val="FFC000"/>
+                </a:solidFill>
+              </a:rPr>
+              <a:t>貢獻</a:t>
+            </a:r>
+            <a:r>
+              <a:rPr lang="en-US" altLang="zh-TW">
+                <a:solidFill>
+                  <a:srgbClr val="FFC000"/>
+                </a:solidFill>
+              </a:rPr>
+              <a:t>(contribute)</a:t>
+            </a:r>
+            <a:r>
+              <a:rPr lang="zh-TW" altLang="en-US"/>
+              <a:t>該</a:t>
+            </a:r>
+            <a:r>
+              <a:rPr lang="zh-TW" altLang="en-US">
+                <a:solidFill>
+                  <a:srgbClr val="00B0F0"/>
+                </a:solidFill>
+              </a:rPr>
+              <a:t>倉庫</a:t>
+            </a:r>
+            <a:endParaRPr lang="en-US" altLang="zh-TW">
+              <a:solidFill>
+                <a:srgbClr val="00B0F0"/>
+              </a:solidFill>
+            </a:endParaRPr>
           </a:p>
           <a:p>
             <a:r>
@@ -3517,11 +5287,19 @@
                   <a:srgbClr val="00B0F0"/>
                 </a:solidFill>
               </a:rPr>
-              <a:t>倉庫</a:t>
-            </a:r>
-            <a:r>
-              <a:rPr lang="zh-TW" altLang="en-US"/>
-              <a:t>擁有者則可以很方便的管理他人貢獻</a:t>
+              <a:t>倉庫擁有者</a:t>
+            </a:r>
+            <a:r>
+              <a:rPr lang="en-US" altLang="zh-TW">
+                <a:solidFill>
+                  <a:srgbClr val="00B0F0"/>
+                </a:solidFill>
+              </a:rPr>
+              <a:t>(owner)</a:t>
+            </a:r>
+            <a:r>
+              <a:rPr lang="zh-TW" altLang="en-US"/>
+              <a:t>則可以很方便的管理他人貢獻</a:t>
             </a:r>
             <a:endParaRPr lang="en-US" altLang="zh-TW"/>
           </a:p>
@@ -3825,7 +5603,12 @@
             <p:ph type="title"/>
           </p:nvPr>
         </p:nvSpPr>
-        <p:spPr/>
+        <p:spPr>
+          <a:xfrm>
+            <a:off x="838200" y="0"/>
+            <a:ext cx="10515600" cy="1325563"/>
+          </a:xfrm>
+        </p:spPr>
         <p:txBody>
           <a:bodyPr/>
           <a:lstStyle/>
@@ -3853,9 +5636,16 @@
             <p:ph idx="1"/>
           </p:nvPr>
         </p:nvSpPr>
-        <p:spPr/>
+        <p:spPr>
+          <a:xfrm>
+            <a:off x="838200" y="1028153"/>
+            <a:ext cx="7386916" cy="2017059"/>
+          </a:xfrm>
+        </p:spPr>
         <p:txBody>
-          <a:bodyPr/>
+          <a:bodyPr>
+            <a:normAutofit/>
+          </a:bodyPr>
           <a:lstStyle/>
           <a:p>
             <a:r>
@@ -3898,6 +5688,45 @@
                 </a:solidFill>
               </a:rPr>
               <a:t>倉庫</a:t>
+            </a:r>
+            <a:endParaRPr lang="en-US" altLang="zh-TW">
+              <a:solidFill>
+                <a:srgbClr val="00B0F0"/>
+              </a:solidFill>
+            </a:endParaRPr>
+          </a:p>
+          <a:p>
+            <a:r>
+              <a:rPr lang="zh-TW" altLang="en-US"/>
+              <a:t>點擊右上方 </a:t>
+            </a:r>
+            <a:r>
+              <a:rPr lang="en-US" altLang="zh-TW"/>
+              <a:t>"</a:t>
+            </a:r>
+            <a:r>
+              <a:rPr lang="en-US" altLang="zh-TW">
+                <a:solidFill>
+                  <a:srgbClr val="92D050"/>
+                </a:solidFill>
+              </a:rPr>
+              <a:t>New</a:t>
+            </a:r>
+            <a:r>
+              <a:rPr lang="en-US" altLang="zh-TW"/>
+              <a:t>" </a:t>
+            </a:r>
+            <a:r>
+              <a:rPr lang="zh-TW" altLang="en-US"/>
+              <a:t>即可開始創建</a:t>
+            </a:r>
+            <a:r>
+              <a:rPr lang="zh-TW" altLang="en-US">
+                <a:solidFill>
+                  <a:srgbClr val="00B0F0"/>
+                </a:solidFill>
+              </a:rPr>
+              <a:t>新倉庫</a:t>
             </a:r>
           </a:p>
         </p:txBody>
@@ -3916,7 +5745,7 @@
         </p:nvGrpSpPr>
         <p:grpSpPr>
           <a:xfrm>
-            <a:off x="8390965" y="260797"/>
+            <a:off x="8509862" y="171147"/>
             <a:ext cx="2843938" cy="6336406"/>
             <a:chOff x="8390965" y="260797"/>
             <a:chExt cx="2843938" cy="6336406"/>
@@ -4004,10 +5833,1671 @@
           </p:txBody>
         </p:sp>
       </p:grpSp>
+      <p:grpSp>
+        <p:nvGrpSpPr>
+          <p:cNvPr id="10" name="群組 9">
+            <a:extLst>
+              <a:ext uri="{FF2B5EF4-FFF2-40B4-BE49-F238E27FC236}">
+                <a16:creationId xmlns:a16="http://schemas.microsoft.com/office/drawing/2014/main" id="{43E7E243-0EB6-4FDC-A960-44697AFB5878}"/>
+              </a:ext>
+            </a:extLst>
+          </p:cNvPr>
+          <p:cNvGrpSpPr/>
+          <p:nvPr/>
+        </p:nvGrpSpPr>
+        <p:grpSpPr>
+          <a:xfrm>
+            <a:off x="838200" y="3059267"/>
+            <a:ext cx="7386916" cy="3448286"/>
+            <a:chOff x="596636" y="2716306"/>
+            <a:chExt cx="7932800" cy="3703110"/>
+          </a:xfrm>
+        </p:grpSpPr>
+        <p:pic>
+          <p:nvPicPr>
+            <p:cNvPr id="8" name="圖片 7">
+              <a:extLst>
+                <a:ext uri="{FF2B5EF4-FFF2-40B4-BE49-F238E27FC236}">
+                  <a16:creationId xmlns:a16="http://schemas.microsoft.com/office/drawing/2014/main" id="{C652E76E-9B3F-4D7C-BF02-F97BFCEDE23A}"/>
+                </a:ext>
+              </a:extLst>
+            </p:cNvPr>
+            <p:cNvPicPr>
+              <a:picLocks noChangeAspect="1"/>
+            </p:cNvPicPr>
+            <p:nvPr/>
+          </p:nvPicPr>
+          <p:blipFill rotWithShape="1">
+            <a:blip r:embed="rId3"/>
+            <a:srcRect r="1764"/>
+            <a:stretch/>
+          </p:blipFill>
+          <p:spPr>
+            <a:xfrm>
+              <a:off x="596636" y="2716306"/>
+              <a:ext cx="7932800" cy="3703110"/>
+            </a:xfrm>
+            <a:prstGeom prst="rect">
+              <a:avLst/>
+            </a:prstGeom>
+          </p:spPr>
+        </p:pic>
+        <p:sp>
+          <p:nvSpPr>
+            <p:cNvPr id="9" name="矩形: 圓角 8">
+              <a:extLst>
+                <a:ext uri="{FF2B5EF4-FFF2-40B4-BE49-F238E27FC236}">
+                  <a16:creationId xmlns:a16="http://schemas.microsoft.com/office/drawing/2014/main" id="{EAA13DE5-2EAD-47A6-A186-A0BE9714D14E}"/>
+                </a:ext>
+              </a:extLst>
+            </p:cNvPr>
+            <p:cNvSpPr/>
+            <p:nvPr/>
+          </p:nvSpPr>
+          <p:spPr>
+            <a:xfrm>
+              <a:off x="7322344" y="3357003"/>
+              <a:ext cx="507207" cy="240506"/>
+            </a:xfrm>
+            <a:prstGeom prst="roundRect">
+              <a:avLst/>
+            </a:prstGeom>
+            <a:noFill/>
+            <a:ln w="19050">
+              <a:solidFill>
+                <a:srgbClr val="FF0000"/>
+              </a:solidFill>
+            </a:ln>
+          </p:spPr>
+          <p:style>
+            <a:lnRef idx="2">
+              <a:schemeClr val="accent1">
+                <a:shade val="50000"/>
+              </a:schemeClr>
+            </a:lnRef>
+            <a:fillRef idx="1">
+              <a:schemeClr val="accent1"/>
+            </a:fillRef>
+            <a:effectRef idx="0">
+              <a:schemeClr val="accent1"/>
+            </a:effectRef>
+            <a:fontRef idx="minor">
+              <a:schemeClr val="lt1"/>
+            </a:fontRef>
+          </p:style>
+          <p:txBody>
+            <a:bodyPr rtlCol="0" anchor="ctr"/>
+            <a:lstStyle/>
+            <a:p>
+              <a:pPr algn="ctr"/>
+              <a:endParaRPr lang="zh-TW" altLang="en-US"/>
+            </a:p>
+          </p:txBody>
+        </p:sp>
+      </p:grpSp>
     </p:spTree>
     <p:extLst>
       <p:ext uri="{BB962C8B-B14F-4D97-AF65-F5344CB8AC3E}">
         <p14:creationId xmlns:p14="http://schemas.microsoft.com/office/powerpoint/2010/main" val="2332550151"/>
+      </p:ext>
+    </p:extLst>
+  </p:cSld>
+  <p:clrMapOvr>
+    <a:masterClrMapping/>
+  </p:clrMapOvr>
+  <p:transition spd="slow">
+    <p:push dir="u"/>
+  </p:transition>
+</p:sld>
+</file>
+
+<file path=ppt/slides/slide7.xml><?xml version="1.0" encoding="utf-8"?>
+<p:sld xmlns:a="http://schemas.openxmlformats.org/drawingml/2006/main" xmlns:r="http://schemas.openxmlformats.org/officeDocument/2006/relationships" xmlns:p="http://schemas.openxmlformats.org/presentationml/2006/main">
+  <p:cSld>
+    <p:spTree>
+      <p:nvGrpSpPr>
+        <p:cNvPr id="1" name=""/>
+        <p:cNvGrpSpPr/>
+        <p:nvPr/>
+      </p:nvGrpSpPr>
+      <p:grpSpPr>
+        <a:xfrm>
+          <a:off x="0" y="0"/>
+          <a:ext cx="0" cy="0"/>
+          <a:chOff x="0" y="0"/>
+          <a:chExt cx="0" cy="0"/>
+        </a:xfrm>
+      </p:grpSpPr>
+      <p:sp>
+        <p:nvSpPr>
+          <p:cNvPr id="2" name="標題 1">
+            <a:extLst>
+              <a:ext uri="{FF2B5EF4-FFF2-40B4-BE49-F238E27FC236}">
+                <a16:creationId xmlns:a16="http://schemas.microsoft.com/office/drawing/2014/main" id="{7ED23479-9738-4960-A9A0-41C64C30083E}"/>
+              </a:ext>
+            </a:extLst>
+          </p:cNvPr>
+          <p:cNvSpPr>
+            <a:spLocks noGrp="1"/>
+          </p:cNvSpPr>
+          <p:nvPr>
+            <p:ph type="title"/>
+          </p:nvPr>
+        </p:nvSpPr>
+        <p:spPr/>
+        <p:txBody>
+          <a:bodyPr/>
+          <a:lstStyle/>
+          <a:p>
+            <a:r>
+              <a:rPr lang="zh-TW" altLang="en-US"/>
+              <a:t>創建倉庫</a:t>
+            </a:r>
+          </a:p>
+        </p:txBody>
+      </p:sp>
+      <p:sp>
+        <p:nvSpPr>
+          <p:cNvPr id="3" name="內容版面配置區 2">
+            <a:extLst>
+              <a:ext uri="{FF2B5EF4-FFF2-40B4-BE49-F238E27FC236}">
+                <a16:creationId xmlns:a16="http://schemas.microsoft.com/office/drawing/2014/main" id="{5D337388-0ADC-4C4C-B4DE-9F9B5060C3A9}"/>
+              </a:ext>
+            </a:extLst>
+          </p:cNvPr>
+          <p:cNvSpPr>
+            <a:spLocks noGrp="1"/>
+          </p:cNvSpPr>
+          <p:nvPr>
+            <p:ph idx="1"/>
+          </p:nvPr>
+        </p:nvSpPr>
+        <p:spPr>
+          <a:xfrm>
+            <a:off x="838200" y="1918447"/>
+            <a:ext cx="4222377" cy="4129836"/>
+          </a:xfrm>
+        </p:spPr>
+        <p:txBody>
+          <a:bodyPr/>
+          <a:lstStyle/>
+          <a:p>
+            <a:r>
+              <a:rPr lang="zh-TW" altLang="en-US"/>
+              <a:t>按照說明填寫即可</a:t>
+            </a:r>
+            <a:endParaRPr lang="en-US" altLang="zh-TW"/>
+          </a:p>
+          <a:p>
+            <a:r>
+              <a:rPr lang="zh-TW" altLang="en-US">
+                <a:solidFill>
+                  <a:srgbClr val="92D050"/>
+                </a:solidFill>
+              </a:rPr>
+              <a:t>星號</a:t>
+            </a:r>
+            <a:r>
+              <a:rPr lang="en-US" altLang="zh-TW">
+                <a:solidFill>
+                  <a:srgbClr val="92D050"/>
+                </a:solidFill>
+              </a:rPr>
+              <a:t>(*) </a:t>
+            </a:r>
+            <a:r>
+              <a:rPr lang="zh-TW" altLang="en-US"/>
+              <a:t>表示必填</a:t>
+            </a:r>
+            <a:endParaRPr lang="en-US" altLang="zh-TW"/>
+          </a:p>
+          <a:p>
+            <a:endParaRPr lang="en-US" altLang="zh-TW"/>
+          </a:p>
+          <a:p>
+            <a:r>
+              <a:rPr lang="zh-TW" altLang="en-US"/>
+              <a:t>這些欄位或選項</a:t>
+            </a:r>
+            <a:endParaRPr lang="en-US" altLang="zh-TW"/>
+          </a:p>
+          <a:p>
+            <a:r>
+              <a:rPr lang="zh-TW" altLang="en-US"/>
+              <a:t>在創建</a:t>
+            </a:r>
+            <a:r>
+              <a:rPr lang="zh-TW" altLang="en-US">
+                <a:solidFill>
+                  <a:srgbClr val="00B0F0"/>
+                </a:solidFill>
+              </a:rPr>
+              <a:t>倉庫</a:t>
+            </a:r>
+            <a:r>
+              <a:rPr lang="zh-TW" altLang="en-US"/>
+              <a:t>後也可以更改</a:t>
+            </a:r>
+            <a:endParaRPr lang="en-US" altLang="zh-TW"/>
+          </a:p>
+          <a:p>
+            <a:r>
+              <a:rPr lang="zh-TW" altLang="en-US">
+                <a:solidFill>
+                  <a:srgbClr val="FFFF00"/>
+                </a:solidFill>
+              </a:rPr>
+              <a:t>唯獨</a:t>
+            </a:r>
+            <a:r>
+              <a:rPr lang="zh-TW" altLang="en-US">
+                <a:solidFill>
+                  <a:srgbClr val="00B0F0"/>
+                </a:solidFill>
+              </a:rPr>
+              <a:t>倉庫名稱</a:t>
+            </a:r>
+            <a:r>
+              <a:rPr lang="zh-TW" altLang="en-US">
+                <a:solidFill>
+                  <a:srgbClr val="FFFF00"/>
+                </a:solidFill>
+              </a:rPr>
+              <a:t>須謹慎填寫</a:t>
+            </a:r>
+            <a:endParaRPr lang="en-US" altLang="zh-TW">
+              <a:solidFill>
+                <a:srgbClr val="FFFF00"/>
+              </a:solidFill>
+            </a:endParaRPr>
+          </a:p>
+          <a:p>
+            <a:r>
+              <a:rPr lang="zh-TW" altLang="en-US">
+                <a:solidFill>
+                  <a:srgbClr val="FFFF00"/>
+                </a:solidFill>
+              </a:rPr>
+              <a:t>創建後再更改</a:t>
+            </a:r>
+            <a:r>
+              <a:rPr lang="zh-TW" altLang="en-US">
+                <a:solidFill>
+                  <a:srgbClr val="00B0F0"/>
+                </a:solidFill>
+              </a:rPr>
+              <a:t>倉庫名稱</a:t>
+            </a:r>
+            <a:endParaRPr lang="en-US" altLang="zh-TW">
+              <a:solidFill>
+                <a:srgbClr val="00B0F0"/>
+              </a:solidFill>
+            </a:endParaRPr>
+          </a:p>
+          <a:p>
+            <a:r>
+              <a:rPr lang="zh-TW" altLang="en-US">
+                <a:solidFill>
+                  <a:srgbClr val="FFFF00"/>
+                </a:solidFill>
+              </a:rPr>
+              <a:t>可能會造成一些問題</a:t>
+            </a:r>
+            <a:endParaRPr lang="en-US" altLang="zh-TW">
+              <a:solidFill>
+                <a:srgbClr val="FFFF00"/>
+              </a:solidFill>
+            </a:endParaRPr>
+          </a:p>
+          <a:p>
+            <a:endParaRPr lang="zh-TW" altLang="en-US"/>
+          </a:p>
+        </p:txBody>
+      </p:sp>
+      <p:grpSp>
+        <p:nvGrpSpPr>
+          <p:cNvPr id="10" name="群組 9">
+            <a:extLst>
+              <a:ext uri="{FF2B5EF4-FFF2-40B4-BE49-F238E27FC236}">
+                <a16:creationId xmlns:a16="http://schemas.microsoft.com/office/drawing/2014/main" id="{4481A00E-8E97-41C1-B575-48ACC6FAEC51}"/>
+              </a:ext>
+            </a:extLst>
+          </p:cNvPr>
+          <p:cNvGrpSpPr/>
+          <p:nvPr/>
+        </p:nvGrpSpPr>
+        <p:grpSpPr>
+          <a:xfrm>
+            <a:off x="5060578" y="1618969"/>
+            <a:ext cx="6526304" cy="4768684"/>
+            <a:chOff x="4827496" y="1690688"/>
+            <a:chExt cx="6526304" cy="4768684"/>
+          </a:xfrm>
+        </p:grpSpPr>
+        <p:pic>
+          <p:nvPicPr>
+            <p:cNvPr id="5" name="圖片 4">
+              <a:extLst>
+                <a:ext uri="{FF2B5EF4-FFF2-40B4-BE49-F238E27FC236}">
+                  <a16:creationId xmlns:a16="http://schemas.microsoft.com/office/drawing/2014/main" id="{10A064E2-D1D7-4D01-881E-5A5A46B3D4CF}"/>
+                </a:ext>
+              </a:extLst>
+            </p:cNvPr>
+            <p:cNvPicPr>
+              <a:picLocks noChangeAspect="1"/>
+            </p:cNvPicPr>
+            <p:nvPr/>
+          </p:nvPicPr>
+          <p:blipFill>
+            <a:blip r:embed="rId2"/>
+            <a:stretch>
+              <a:fillRect/>
+            </a:stretch>
+          </p:blipFill>
+          <p:spPr>
+            <a:xfrm>
+              <a:off x="4827496" y="1690688"/>
+              <a:ext cx="6526304" cy="4768684"/>
+            </a:xfrm>
+            <a:prstGeom prst="rect">
+              <a:avLst/>
+            </a:prstGeom>
+          </p:spPr>
+        </p:pic>
+        <p:sp>
+          <p:nvSpPr>
+            <p:cNvPr id="6" name="文字方塊 5">
+              <a:extLst>
+                <a:ext uri="{FF2B5EF4-FFF2-40B4-BE49-F238E27FC236}">
+                  <a16:creationId xmlns:a16="http://schemas.microsoft.com/office/drawing/2014/main" id="{8E9B3AFD-563B-4565-9D0E-18D306167857}"/>
+                </a:ext>
+              </a:extLst>
+            </p:cNvPr>
+            <p:cNvSpPr txBox="1"/>
+            <p:nvPr/>
+          </p:nvSpPr>
+          <p:spPr>
+            <a:xfrm>
+              <a:off x="8247530" y="4001294"/>
+              <a:ext cx="1415772" cy="461665"/>
+            </a:xfrm>
+            <a:prstGeom prst="rect">
+              <a:avLst/>
+            </a:prstGeom>
+            <a:noFill/>
+          </p:spPr>
+          <p:txBody>
+            <a:bodyPr wrap="none" rtlCol="0">
+              <a:spAutoFit/>
+            </a:bodyPr>
+            <a:lstStyle/>
+            <a:p>
+              <a:r>
+                <a:rPr lang="zh-TW" altLang="en-US" sz="2400">
+                  <a:solidFill>
+                    <a:srgbClr val="FFC000"/>
+                  </a:solidFill>
+                </a:rPr>
+                <a:t>倉庫名稱</a:t>
+              </a:r>
+            </a:p>
+          </p:txBody>
+        </p:sp>
+        <p:sp>
+          <p:nvSpPr>
+            <p:cNvPr id="7" name="矩形: 圓角 6">
+              <a:extLst>
+                <a:ext uri="{FF2B5EF4-FFF2-40B4-BE49-F238E27FC236}">
+                  <a16:creationId xmlns:a16="http://schemas.microsoft.com/office/drawing/2014/main" id="{BDDF4C56-8A00-4D6D-90A7-B65E768EF4D2}"/>
+                </a:ext>
+              </a:extLst>
+            </p:cNvPr>
+            <p:cNvSpPr/>
+            <p:nvPr/>
+          </p:nvSpPr>
+          <p:spPr>
+            <a:xfrm>
+              <a:off x="6535271" y="3917576"/>
+              <a:ext cx="1712259" cy="545383"/>
+            </a:xfrm>
+            <a:prstGeom prst="roundRect">
+              <a:avLst>
+                <a:gd name="adj" fmla="val 11736"/>
+              </a:avLst>
+            </a:prstGeom>
+            <a:noFill/>
+            <a:ln w="38100">
+              <a:solidFill>
+                <a:srgbClr val="FFC000"/>
+              </a:solidFill>
+            </a:ln>
+          </p:spPr>
+          <p:style>
+            <a:lnRef idx="2">
+              <a:schemeClr val="accent1">
+                <a:shade val="50000"/>
+              </a:schemeClr>
+            </a:lnRef>
+            <a:fillRef idx="1">
+              <a:schemeClr val="accent1"/>
+            </a:fillRef>
+            <a:effectRef idx="0">
+              <a:schemeClr val="accent1"/>
+            </a:effectRef>
+            <a:fontRef idx="minor">
+              <a:schemeClr val="lt1"/>
+            </a:fontRef>
+          </p:style>
+          <p:txBody>
+            <a:bodyPr rtlCol="0" anchor="ctr"/>
+            <a:lstStyle/>
+            <a:p>
+              <a:pPr algn="ctr"/>
+              <a:endParaRPr lang="zh-TW" altLang="en-US"/>
+            </a:p>
+          </p:txBody>
+        </p:sp>
+        <p:sp>
+          <p:nvSpPr>
+            <p:cNvPr id="12" name="文字方塊 11">
+              <a:extLst>
+                <a:ext uri="{FF2B5EF4-FFF2-40B4-BE49-F238E27FC236}">
+                  <a16:creationId xmlns:a16="http://schemas.microsoft.com/office/drawing/2014/main" id="{F0007348-C9B5-473C-9F3A-CA1E59C1CFFA}"/>
+                </a:ext>
+              </a:extLst>
+            </p:cNvPr>
+            <p:cNvSpPr txBox="1"/>
+            <p:nvPr/>
+          </p:nvSpPr>
+          <p:spPr>
+            <a:xfrm>
+              <a:off x="5938439" y="5464826"/>
+              <a:ext cx="2518638" cy="400110"/>
+            </a:xfrm>
+            <a:prstGeom prst="rect">
+              <a:avLst/>
+            </a:prstGeom>
+            <a:noFill/>
+          </p:spPr>
+          <p:txBody>
+            <a:bodyPr wrap="none" rtlCol="0">
+              <a:spAutoFit/>
+            </a:bodyPr>
+            <a:lstStyle/>
+            <a:p>
+              <a:r>
+                <a:rPr lang="zh-TW" altLang="en-US" sz="2000">
+                  <a:solidFill>
+                    <a:srgbClr val="92D050"/>
+                  </a:solidFill>
+                </a:rPr>
+                <a:t>公開</a:t>
+              </a:r>
+              <a:r>
+                <a:rPr lang="en-US" altLang="zh-TW" sz="2000">
+                  <a:solidFill>
+                    <a:srgbClr val="92D050"/>
+                  </a:solidFill>
+                </a:rPr>
+                <a:t>(</a:t>
+              </a:r>
+              <a:r>
+                <a:rPr lang="zh-TW" altLang="en-US" sz="2000">
+                  <a:solidFill>
+                    <a:srgbClr val="92D050"/>
+                  </a:solidFill>
+                </a:rPr>
+                <a:t>大家都看得到</a:t>
+              </a:r>
+              <a:r>
+                <a:rPr lang="en-US" altLang="zh-TW" sz="2000">
+                  <a:solidFill>
+                    <a:srgbClr val="92D050"/>
+                  </a:solidFill>
+                </a:rPr>
+                <a:t>)</a:t>
+              </a:r>
+              <a:endParaRPr lang="zh-TW" altLang="en-US" sz="2000">
+                <a:solidFill>
+                  <a:srgbClr val="92D050"/>
+                </a:solidFill>
+              </a:endParaRPr>
+            </a:p>
+          </p:txBody>
+        </p:sp>
+        <p:sp>
+          <p:nvSpPr>
+            <p:cNvPr id="13" name="文字方塊 12">
+              <a:extLst>
+                <a:ext uri="{FF2B5EF4-FFF2-40B4-BE49-F238E27FC236}">
+                  <a16:creationId xmlns:a16="http://schemas.microsoft.com/office/drawing/2014/main" id="{81BF7475-3A9F-4862-8EF6-A9657C4720E4}"/>
+                </a:ext>
+              </a:extLst>
+            </p:cNvPr>
+            <p:cNvSpPr txBox="1"/>
+            <p:nvPr/>
+          </p:nvSpPr>
+          <p:spPr>
+            <a:xfrm>
+              <a:off x="5938439" y="5931844"/>
+              <a:ext cx="2518638" cy="400110"/>
+            </a:xfrm>
+            <a:prstGeom prst="rect">
+              <a:avLst/>
+            </a:prstGeom>
+            <a:noFill/>
+          </p:spPr>
+          <p:txBody>
+            <a:bodyPr wrap="none" rtlCol="0">
+              <a:spAutoFit/>
+            </a:bodyPr>
+            <a:lstStyle/>
+            <a:p>
+              <a:r>
+                <a:rPr lang="zh-TW" altLang="en-US" sz="2000">
+                  <a:solidFill>
+                    <a:srgbClr val="92D050"/>
+                  </a:solidFill>
+                </a:rPr>
+                <a:t>私人</a:t>
+              </a:r>
+              <a:r>
+                <a:rPr lang="en-US" altLang="zh-TW" sz="2000">
+                  <a:solidFill>
+                    <a:srgbClr val="92D050"/>
+                  </a:solidFill>
+                </a:rPr>
+                <a:t>(</a:t>
+              </a:r>
+              <a:r>
+                <a:rPr lang="zh-TW" altLang="en-US" sz="2000">
+                  <a:solidFill>
+                    <a:srgbClr val="92D050"/>
+                  </a:solidFill>
+                </a:rPr>
+                <a:t>自己才看得到</a:t>
+              </a:r>
+              <a:r>
+                <a:rPr lang="en-US" altLang="zh-TW" sz="2000">
+                  <a:solidFill>
+                    <a:srgbClr val="92D050"/>
+                  </a:solidFill>
+                </a:rPr>
+                <a:t>)</a:t>
+              </a:r>
+              <a:endParaRPr lang="zh-TW" altLang="en-US" sz="2000">
+                <a:solidFill>
+                  <a:srgbClr val="92D050"/>
+                </a:solidFill>
+              </a:endParaRPr>
+            </a:p>
+          </p:txBody>
+        </p:sp>
+        <p:sp>
+          <p:nvSpPr>
+            <p:cNvPr id="14" name="矩形: 圓角 13">
+              <a:extLst>
+                <a:ext uri="{FF2B5EF4-FFF2-40B4-BE49-F238E27FC236}">
+                  <a16:creationId xmlns:a16="http://schemas.microsoft.com/office/drawing/2014/main" id="{BA752F7C-B331-4F9E-B0EE-511F68A042EE}"/>
+                </a:ext>
+              </a:extLst>
+            </p:cNvPr>
+            <p:cNvSpPr/>
+            <p:nvPr/>
+          </p:nvSpPr>
+          <p:spPr>
+            <a:xfrm>
+              <a:off x="5002306" y="4838246"/>
+              <a:ext cx="6275293" cy="545383"/>
+            </a:xfrm>
+            <a:prstGeom prst="roundRect">
+              <a:avLst>
+                <a:gd name="adj" fmla="val 9681"/>
+              </a:avLst>
+            </a:prstGeom>
+            <a:noFill/>
+            <a:ln w="38100">
+              <a:solidFill>
+                <a:srgbClr val="FFFF00"/>
+              </a:solidFill>
+            </a:ln>
+          </p:spPr>
+          <p:style>
+            <a:lnRef idx="2">
+              <a:schemeClr val="accent1">
+                <a:shade val="50000"/>
+              </a:schemeClr>
+            </a:lnRef>
+            <a:fillRef idx="1">
+              <a:schemeClr val="accent1"/>
+            </a:fillRef>
+            <a:effectRef idx="0">
+              <a:schemeClr val="accent1"/>
+            </a:effectRef>
+            <a:fontRef idx="minor">
+              <a:schemeClr val="lt1"/>
+            </a:fontRef>
+          </p:style>
+          <p:txBody>
+            <a:bodyPr rtlCol="0" anchor="ctr"/>
+            <a:lstStyle/>
+            <a:p>
+              <a:pPr algn="ctr"/>
+              <a:endParaRPr lang="zh-TW" altLang="en-US"/>
+            </a:p>
+          </p:txBody>
+        </p:sp>
+        <p:sp>
+          <p:nvSpPr>
+            <p:cNvPr id="15" name="文字方塊 14">
+              <a:extLst>
+                <a:ext uri="{FF2B5EF4-FFF2-40B4-BE49-F238E27FC236}">
+                  <a16:creationId xmlns:a16="http://schemas.microsoft.com/office/drawing/2014/main" id="{ACC2A4A0-E2D5-4C2A-ADB0-59F684B07723}"/>
+                </a:ext>
+              </a:extLst>
+            </p:cNvPr>
+            <p:cNvSpPr txBox="1"/>
+            <p:nvPr/>
+          </p:nvSpPr>
+          <p:spPr>
+            <a:xfrm>
+              <a:off x="9861827" y="5397918"/>
+              <a:ext cx="1415772" cy="461665"/>
+            </a:xfrm>
+            <a:prstGeom prst="rect">
+              <a:avLst/>
+            </a:prstGeom>
+            <a:noFill/>
+          </p:spPr>
+          <p:txBody>
+            <a:bodyPr wrap="none" rtlCol="0">
+              <a:spAutoFit/>
+            </a:bodyPr>
+            <a:lstStyle/>
+            <a:p>
+              <a:r>
+                <a:rPr lang="zh-TW" altLang="en-US" sz="2400">
+                  <a:solidFill>
+                    <a:srgbClr val="FFFF00"/>
+                  </a:solidFill>
+                </a:rPr>
+                <a:t>倉庫說明</a:t>
+              </a:r>
+            </a:p>
+          </p:txBody>
+        </p:sp>
+        <p:sp>
+          <p:nvSpPr>
+            <p:cNvPr id="16" name="矩形: 圓角 15">
+              <a:extLst>
+                <a:ext uri="{FF2B5EF4-FFF2-40B4-BE49-F238E27FC236}">
+                  <a16:creationId xmlns:a16="http://schemas.microsoft.com/office/drawing/2014/main" id="{201B599D-87B4-4FB0-A72A-D76B15019529}"/>
+                </a:ext>
+              </a:extLst>
+            </p:cNvPr>
+            <p:cNvSpPr/>
+            <p:nvPr/>
+          </p:nvSpPr>
+          <p:spPr>
+            <a:xfrm>
+              <a:off x="5002307" y="5495924"/>
+              <a:ext cx="4232182" cy="900113"/>
+            </a:xfrm>
+            <a:prstGeom prst="roundRect">
+              <a:avLst>
+                <a:gd name="adj" fmla="val 7565"/>
+              </a:avLst>
+            </a:prstGeom>
+            <a:noFill/>
+            <a:ln w="38100">
+              <a:solidFill>
+                <a:srgbClr val="92D050"/>
+              </a:solidFill>
+            </a:ln>
+          </p:spPr>
+          <p:style>
+            <a:lnRef idx="2">
+              <a:schemeClr val="accent1">
+                <a:shade val="50000"/>
+              </a:schemeClr>
+            </a:lnRef>
+            <a:fillRef idx="1">
+              <a:schemeClr val="accent1"/>
+            </a:fillRef>
+            <a:effectRef idx="0">
+              <a:schemeClr val="accent1"/>
+            </a:effectRef>
+            <a:fontRef idx="minor">
+              <a:schemeClr val="lt1"/>
+            </a:fontRef>
+          </p:style>
+          <p:txBody>
+            <a:bodyPr rtlCol="0" anchor="ctr"/>
+            <a:lstStyle/>
+            <a:p>
+              <a:pPr algn="ctr"/>
+              <a:endParaRPr lang="zh-TW" altLang="en-US"/>
+            </a:p>
+          </p:txBody>
+        </p:sp>
+      </p:grpSp>
+    </p:spTree>
+    <p:extLst>
+      <p:ext uri="{BB962C8B-B14F-4D97-AF65-F5344CB8AC3E}">
+        <p14:creationId xmlns:p14="http://schemas.microsoft.com/office/powerpoint/2010/main" val="3990735391"/>
+      </p:ext>
+    </p:extLst>
+  </p:cSld>
+  <p:clrMapOvr>
+    <a:masterClrMapping/>
+  </p:clrMapOvr>
+  <p:transition spd="slow">
+    <p:push dir="u"/>
+  </p:transition>
+</p:sld>
+</file>
+
+<file path=ppt/slides/slide8.xml><?xml version="1.0" encoding="utf-8"?>
+<p:sld xmlns:a="http://schemas.openxmlformats.org/drawingml/2006/main" xmlns:r="http://schemas.openxmlformats.org/officeDocument/2006/relationships" xmlns:p="http://schemas.openxmlformats.org/presentationml/2006/main">
+  <p:cSld>
+    <p:spTree>
+      <p:nvGrpSpPr>
+        <p:cNvPr id="1" name=""/>
+        <p:cNvGrpSpPr/>
+        <p:nvPr/>
+      </p:nvGrpSpPr>
+      <p:grpSpPr>
+        <a:xfrm>
+          <a:off x="0" y="0"/>
+          <a:ext cx="0" cy="0"/>
+          <a:chOff x="0" y="0"/>
+          <a:chExt cx="0" cy="0"/>
+        </a:xfrm>
+      </p:grpSpPr>
+      <p:sp>
+        <p:nvSpPr>
+          <p:cNvPr id="2" name="標題 1">
+            <a:extLst>
+              <a:ext uri="{FF2B5EF4-FFF2-40B4-BE49-F238E27FC236}">
+                <a16:creationId xmlns:a16="http://schemas.microsoft.com/office/drawing/2014/main" id="{7ED23479-9738-4960-A9A0-41C64C30083E}"/>
+              </a:ext>
+            </a:extLst>
+          </p:cNvPr>
+          <p:cNvSpPr>
+            <a:spLocks noGrp="1"/>
+          </p:cNvSpPr>
+          <p:nvPr>
+            <p:ph type="title"/>
+          </p:nvPr>
+        </p:nvSpPr>
+        <p:spPr/>
+        <p:txBody>
+          <a:bodyPr/>
+          <a:lstStyle/>
+          <a:p>
+            <a:r>
+              <a:rPr lang="zh-TW" altLang="en-US"/>
+              <a:t>創建倉庫</a:t>
+            </a:r>
+          </a:p>
+        </p:txBody>
+      </p:sp>
+      <p:sp>
+        <p:nvSpPr>
+          <p:cNvPr id="3" name="內容版面配置區 2">
+            <a:extLst>
+              <a:ext uri="{FF2B5EF4-FFF2-40B4-BE49-F238E27FC236}">
+                <a16:creationId xmlns:a16="http://schemas.microsoft.com/office/drawing/2014/main" id="{5D337388-0ADC-4C4C-B4DE-9F9B5060C3A9}"/>
+              </a:ext>
+            </a:extLst>
+          </p:cNvPr>
+          <p:cNvSpPr>
+            <a:spLocks noGrp="1"/>
+          </p:cNvSpPr>
+          <p:nvPr>
+            <p:ph idx="1"/>
+          </p:nvPr>
+        </p:nvSpPr>
+        <p:spPr>
+          <a:xfrm>
+            <a:off x="838199" y="2263974"/>
+            <a:ext cx="4066839" cy="3162300"/>
+          </a:xfrm>
+        </p:spPr>
+        <p:txBody>
+          <a:bodyPr/>
+          <a:lstStyle/>
+          <a:p>
+            <a:r>
+              <a:rPr lang="zh-TW" altLang="en-US"/>
+              <a:t>同樣按照說明填寫即可</a:t>
+            </a:r>
+            <a:endParaRPr lang="en-US" altLang="zh-TW"/>
+          </a:p>
+          <a:p>
+            <a:endParaRPr lang="en-US" altLang="zh-TW"/>
+          </a:p>
+          <a:p>
+            <a:r>
+              <a:rPr lang="zh-TW" altLang="en-US"/>
+              <a:t>內容填寫完成後</a:t>
+            </a:r>
+            <a:endParaRPr lang="en-US" altLang="zh-TW"/>
+          </a:p>
+          <a:p>
+            <a:r>
+              <a:rPr lang="zh-TW" altLang="en-US"/>
+              <a:t>點擊右下角</a:t>
+            </a:r>
+            <a:endParaRPr lang="en-US" altLang="zh-TW"/>
+          </a:p>
+          <a:p>
+            <a:r>
+              <a:rPr lang="en-US" altLang="zh-TW"/>
+              <a:t>"</a:t>
+            </a:r>
+            <a:r>
+              <a:rPr lang="en-US" altLang="zh-TW">
+                <a:solidFill>
+                  <a:srgbClr val="92D050"/>
+                </a:solidFill>
+              </a:rPr>
+              <a:t>Create repository</a:t>
+            </a:r>
+            <a:r>
+              <a:rPr lang="en-US" altLang="zh-TW"/>
+              <a:t>"</a:t>
+            </a:r>
+          </a:p>
+          <a:p>
+            <a:r>
+              <a:rPr lang="zh-TW" altLang="en-US"/>
+              <a:t>即完成創建</a:t>
+            </a:r>
+            <a:r>
+              <a:rPr lang="zh-TW" altLang="en-US">
+                <a:solidFill>
+                  <a:srgbClr val="00B0F0"/>
+                </a:solidFill>
+              </a:rPr>
+              <a:t>倉庫</a:t>
+            </a:r>
+          </a:p>
+        </p:txBody>
+      </p:sp>
+      <p:grpSp>
+        <p:nvGrpSpPr>
+          <p:cNvPr id="22" name="群組 21">
+            <a:extLst>
+              <a:ext uri="{FF2B5EF4-FFF2-40B4-BE49-F238E27FC236}">
+                <a16:creationId xmlns:a16="http://schemas.microsoft.com/office/drawing/2014/main" id="{C713460E-2042-4468-BBC5-65306C8EBD8C}"/>
+              </a:ext>
+            </a:extLst>
+          </p:cNvPr>
+          <p:cNvGrpSpPr/>
+          <p:nvPr/>
+        </p:nvGrpSpPr>
+        <p:grpSpPr>
+          <a:xfrm>
+            <a:off x="4905039" y="2001794"/>
+            <a:ext cx="6878320" cy="3686660"/>
+            <a:chOff x="4716780" y="2100406"/>
+            <a:chExt cx="6878320" cy="3686660"/>
+          </a:xfrm>
+        </p:grpSpPr>
+        <p:pic>
+          <p:nvPicPr>
+            <p:cNvPr id="8" name="圖片 7">
+              <a:extLst>
+                <a:ext uri="{FF2B5EF4-FFF2-40B4-BE49-F238E27FC236}">
+                  <a16:creationId xmlns:a16="http://schemas.microsoft.com/office/drawing/2014/main" id="{B5419A15-5A02-4AFC-B1BD-CD9CA107946C}"/>
+                </a:ext>
+              </a:extLst>
+            </p:cNvPr>
+            <p:cNvPicPr>
+              <a:picLocks noChangeAspect="1"/>
+            </p:cNvPicPr>
+            <p:nvPr/>
+          </p:nvPicPr>
+          <p:blipFill>
+            <a:blip r:embed="rId2"/>
+            <a:stretch>
+              <a:fillRect/>
+            </a:stretch>
+          </p:blipFill>
+          <p:spPr>
+            <a:xfrm>
+              <a:off x="4716780" y="2100406"/>
+              <a:ext cx="6878320" cy="3686660"/>
+            </a:xfrm>
+            <a:prstGeom prst="rect">
+              <a:avLst/>
+            </a:prstGeom>
+          </p:spPr>
+        </p:pic>
+        <p:sp>
+          <p:nvSpPr>
+            <p:cNvPr id="11" name="文字方塊 10">
+              <a:extLst>
+                <a:ext uri="{FF2B5EF4-FFF2-40B4-BE49-F238E27FC236}">
+                  <a16:creationId xmlns:a16="http://schemas.microsoft.com/office/drawing/2014/main" id="{BAA98F61-C58C-4F4D-A5C4-B7D7F0335929}"/>
+                </a:ext>
+              </a:extLst>
+            </p:cNvPr>
+            <p:cNvSpPr txBox="1"/>
+            <p:nvPr/>
+          </p:nvSpPr>
+          <p:spPr>
+            <a:xfrm>
+              <a:off x="9605453" y="2420144"/>
+              <a:ext cx="1989647" cy="461665"/>
+            </a:xfrm>
+            <a:prstGeom prst="rect">
+              <a:avLst/>
+            </a:prstGeom>
+            <a:noFill/>
+          </p:spPr>
+          <p:txBody>
+            <a:bodyPr wrap="none" rtlCol="0">
+              <a:spAutoFit/>
+            </a:bodyPr>
+            <a:lstStyle/>
+            <a:p>
+              <a:r>
+                <a:rPr lang="zh-TW" altLang="en-US" sz="2400">
+                  <a:solidFill>
+                    <a:srgbClr val="00B0F0"/>
+                  </a:solidFill>
+                </a:rPr>
+                <a:t>新增 </a:t>
+              </a:r>
+              <a:r>
+                <a:rPr lang="en-US" altLang="zh-TW" sz="2400">
+                  <a:solidFill>
+                    <a:srgbClr val="00B0F0"/>
+                  </a:solidFill>
+                </a:rPr>
+                <a:t>README</a:t>
+              </a:r>
+              <a:endParaRPr lang="zh-TW" altLang="en-US" sz="2400">
+                <a:solidFill>
+                  <a:srgbClr val="00B0F0"/>
+                </a:solidFill>
+              </a:endParaRPr>
+            </a:p>
+          </p:txBody>
+        </p:sp>
+        <p:sp>
+          <p:nvSpPr>
+            <p:cNvPr id="12" name="矩形: 圓角 11">
+              <a:extLst>
+                <a:ext uri="{FF2B5EF4-FFF2-40B4-BE49-F238E27FC236}">
+                  <a16:creationId xmlns:a16="http://schemas.microsoft.com/office/drawing/2014/main" id="{D801E1F9-1384-4472-A5F1-FC8E19FED8F2}"/>
+                </a:ext>
+              </a:extLst>
+            </p:cNvPr>
+            <p:cNvSpPr/>
+            <p:nvPr/>
+          </p:nvSpPr>
+          <p:spPr>
+            <a:xfrm>
+              <a:off x="4862512" y="2445544"/>
+              <a:ext cx="4776788" cy="430920"/>
+            </a:xfrm>
+            <a:prstGeom prst="roundRect">
+              <a:avLst>
+                <a:gd name="adj" fmla="val 12301"/>
+              </a:avLst>
+            </a:prstGeom>
+            <a:noFill/>
+            <a:ln w="38100">
+              <a:solidFill>
+                <a:srgbClr val="00B0F0"/>
+              </a:solidFill>
+            </a:ln>
+          </p:spPr>
+          <p:style>
+            <a:lnRef idx="2">
+              <a:schemeClr val="accent1">
+                <a:shade val="50000"/>
+              </a:schemeClr>
+            </a:lnRef>
+            <a:fillRef idx="1">
+              <a:schemeClr val="accent1"/>
+            </a:fillRef>
+            <a:effectRef idx="0">
+              <a:schemeClr val="accent1"/>
+            </a:effectRef>
+            <a:fontRef idx="minor">
+              <a:schemeClr val="lt1"/>
+            </a:fontRef>
+          </p:style>
+          <p:txBody>
+            <a:bodyPr rtlCol="0" anchor="ctr"/>
+            <a:lstStyle/>
+            <a:p>
+              <a:pPr algn="ctr"/>
+              <a:endParaRPr lang="zh-TW" altLang="en-US"/>
+            </a:p>
+          </p:txBody>
+        </p:sp>
+        <p:sp>
+          <p:nvSpPr>
+            <p:cNvPr id="13" name="文字方塊 12">
+              <a:extLst>
+                <a:ext uri="{FF2B5EF4-FFF2-40B4-BE49-F238E27FC236}">
+                  <a16:creationId xmlns:a16="http://schemas.microsoft.com/office/drawing/2014/main" id="{64A11958-29F2-4D5A-A2EF-CF1D65F04FA4}"/>
+                </a:ext>
+              </a:extLst>
+            </p:cNvPr>
+            <p:cNvSpPr txBox="1"/>
+            <p:nvPr/>
+          </p:nvSpPr>
+          <p:spPr>
+            <a:xfrm>
+              <a:off x="6528747" y="3124219"/>
+              <a:ext cx="2669320" cy="461665"/>
+            </a:xfrm>
+            <a:prstGeom prst="rect">
+              <a:avLst/>
+            </a:prstGeom>
+            <a:noFill/>
+          </p:spPr>
+          <p:txBody>
+            <a:bodyPr wrap="none" rtlCol="0">
+              <a:spAutoFit/>
+            </a:bodyPr>
+            <a:lstStyle/>
+            <a:p>
+              <a:r>
+                <a:rPr lang="zh-TW" altLang="en-US" sz="2400">
+                  <a:solidFill>
+                    <a:srgbClr val="FFFF00"/>
+                  </a:solidFill>
+                </a:rPr>
+                <a:t>新增 </a:t>
+              </a:r>
+              <a:r>
+                <a:rPr lang="en-US" altLang="zh-TW" sz="2400">
+                  <a:solidFill>
+                    <a:srgbClr val="FFFF00"/>
+                  </a:solidFill>
+                </a:rPr>
+                <a:t>.gitignore</a:t>
+              </a:r>
+              <a:endParaRPr lang="zh-TW" altLang="en-US" sz="2400">
+                <a:solidFill>
+                  <a:srgbClr val="FFFF00"/>
+                </a:solidFill>
+              </a:endParaRPr>
+            </a:p>
+          </p:txBody>
+        </p:sp>
+        <p:sp>
+          <p:nvSpPr>
+            <p:cNvPr id="14" name="矩形: 圓角 13">
+              <a:extLst>
+                <a:ext uri="{FF2B5EF4-FFF2-40B4-BE49-F238E27FC236}">
+                  <a16:creationId xmlns:a16="http://schemas.microsoft.com/office/drawing/2014/main" id="{C8AF7FE5-192A-46D3-8E29-6F99ACAA7CEB}"/>
+                </a:ext>
+              </a:extLst>
+            </p:cNvPr>
+            <p:cNvSpPr/>
+            <p:nvPr/>
+          </p:nvSpPr>
+          <p:spPr>
+            <a:xfrm>
+              <a:off x="4862513" y="2971800"/>
+              <a:ext cx="4383087" cy="766504"/>
+            </a:xfrm>
+            <a:prstGeom prst="roundRect">
+              <a:avLst>
+                <a:gd name="adj" fmla="val 8987"/>
+              </a:avLst>
+            </a:prstGeom>
+            <a:noFill/>
+            <a:ln w="38100">
+              <a:solidFill>
+                <a:srgbClr val="FFFF00"/>
+              </a:solidFill>
+            </a:ln>
+          </p:spPr>
+          <p:style>
+            <a:lnRef idx="2">
+              <a:schemeClr val="accent1">
+                <a:shade val="50000"/>
+              </a:schemeClr>
+            </a:lnRef>
+            <a:fillRef idx="1">
+              <a:schemeClr val="accent1"/>
+            </a:fillRef>
+            <a:effectRef idx="0">
+              <a:schemeClr val="accent1"/>
+            </a:effectRef>
+            <a:fontRef idx="minor">
+              <a:schemeClr val="lt1"/>
+            </a:fontRef>
+          </p:style>
+          <p:txBody>
+            <a:bodyPr rtlCol="0" anchor="ctr"/>
+            <a:lstStyle/>
+            <a:p>
+              <a:pPr algn="ctr"/>
+              <a:endParaRPr lang="zh-TW" altLang="en-US"/>
+            </a:p>
+          </p:txBody>
+        </p:sp>
+        <p:sp>
+          <p:nvSpPr>
+            <p:cNvPr id="18" name="文字方塊 17">
+              <a:extLst>
+                <a:ext uri="{FF2B5EF4-FFF2-40B4-BE49-F238E27FC236}">
+                  <a16:creationId xmlns:a16="http://schemas.microsoft.com/office/drawing/2014/main" id="{6F398BE5-93F5-4DEE-8AD3-31B3458CCAF1}"/>
+                </a:ext>
+              </a:extLst>
+            </p:cNvPr>
+            <p:cNvSpPr txBox="1"/>
+            <p:nvPr/>
+          </p:nvSpPr>
+          <p:spPr>
+            <a:xfrm>
+              <a:off x="6674751" y="3943736"/>
+              <a:ext cx="2031325" cy="461665"/>
+            </a:xfrm>
+            <a:prstGeom prst="rect">
+              <a:avLst/>
+            </a:prstGeom>
+            <a:noFill/>
+          </p:spPr>
+          <p:txBody>
+            <a:bodyPr wrap="none" rtlCol="0">
+              <a:spAutoFit/>
+            </a:bodyPr>
+            <a:lstStyle/>
+            <a:p>
+              <a:r>
+                <a:rPr lang="zh-TW" altLang="en-US" sz="2400">
+                  <a:solidFill>
+                    <a:srgbClr val="92D050"/>
+                  </a:solidFill>
+                </a:rPr>
+                <a:t>選擇開源協議</a:t>
+              </a:r>
+            </a:p>
+          </p:txBody>
+        </p:sp>
+        <p:sp>
+          <p:nvSpPr>
+            <p:cNvPr id="19" name="矩形: 圓角 18">
+              <a:extLst>
+                <a:ext uri="{FF2B5EF4-FFF2-40B4-BE49-F238E27FC236}">
+                  <a16:creationId xmlns:a16="http://schemas.microsoft.com/office/drawing/2014/main" id="{F258B110-66A0-493A-8760-19583DFA531E}"/>
+                </a:ext>
+              </a:extLst>
+            </p:cNvPr>
+            <p:cNvSpPr/>
+            <p:nvPr/>
+          </p:nvSpPr>
+          <p:spPr>
+            <a:xfrm>
+              <a:off x="4862513" y="3843183"/>
+              <a:ext cx="4573587" cy="766504"/>
+            </a:xfrm>
+            <a:prstGeom prst="roundRect">
+              <a:avLst>
+                <a:gd name="adj" fmla="val 8987"/>
+              </a:avLst>
+            </a:prstGeom>
+            <a:noFill/>
+            <a:ln w="38100">
+              <a:solidFill>
+                <a:srgbClr val="92D050"/>
+              </a:solidFill>
+            </a:ln>
+          </p:spPr>
+          <p:style>
+            <a:lnRef idx="2">
+              <a:schemeClr val="accent1">
+                <a:shade val="50000"/>
+              </a:schemeClr>
+            </a:lnRef>
+            <a:fillRef idx="1">
+              <a:schemeClr val="accent1"/>
+            </a:fillRef>
+            <a:effectRef idx="0">
+              <a:schemeClr val="accent1"/>
+            </a:effectRef>
+            <a:fontRef idx="minor">
+              <a:schemeClr val="lt1"/>
+            </a:fontRef>
+          </p:style>
+          <p:txBody>
+            <a:bodyPr rtlCol="0" anchor="ctr"/>
+            <a:lstStyle/>
+            <a:p>
+              <a:pPr algn="ctr"/>
+              <a:endParaRPr lang="zh-TW" altLang="en-US"/>
+            </a:p>
+          </p:txBody>
+        </p:sp>
+        <p:sp>
+          <p:nvSpPr>
+            <p:cNvPr id="20" name="矩形: 圓角 19">
+              <a:extLst>
+                <a:ext uri="{FF2B5EF4-FFF2-40B4-BE49-F238E27FC236}">
+                  <a16:creationId xmlns:a16="http://schemas.microsoft.com/office/drawing/2014/main" id="{E3F39CA2-A43A-419B-90B3-075A47527955}"/>
+                </a:ext>
+              </a:extLst>
+            </p:cNvPr>
+            <p:cNvSpPr/>
+            <p:nvPr/>
+          </p:nvSpPr>
+          <p:spPr>
+            <a:xfrm>
+              <a:off x="10103338" y="5343428"/>
+              <a:ext cx="1362635" cy="390622"/>
+            </a:xfrm>
+            <a:prstGeom prst="roundRect">
+              <a:avLst/>
+            </a:prstGeom>
+            <a:noFill/>
+            <a:ln w="38100">
+              <a:solidFill>
+                <a:srgbClr val="FFC000"/>
+              </a:solidFill>
+            </a:ln>
+          </p:spPr>
+          <p:style>
+            <a:lnRef idx="2">
+              <a:schemeClr val="accent1">
+                <a:shade val="50000"/>
+              </a:schemeClr>
+            </a:lnRef>
+            <a:fillRef idx="1">
+              <a:schemeClr val="accent1"/>
+            </a:fillRef>
+            <a:effectRef idx="0">
+              <a:schemeClr val="accent1"/>
+            </a:effectRef>
+            <a:fontRef idx="minor">
+              <a:schemeClr val="lt1"/>
+            </a:fontRef>
+          </p:style>
+          <p:txBody>
+            <a:bodyPr rtlCol="0" anchor="ctr"/>
+            <a:lstStyle/>
+            <a:p>
+              <a:pPr algn="ctr"/>
+              <a:endParaRPr lang="zh-TW" altLang="en-US"/>
+            </a:p>
+          </p:txBody>
+        </p:sp>
+        <p:sp>
+          <p:nvSpPr>
+            <p:cNvPr id="21" name="文字方塊 20">
+              <a:extLst>
+                <a:ext uri="{FF2B5EF4-FFF2-40B4-BE49-F238E27FC236}">
+                  <a16:creationId xmlns:a16="http://schemas.microsoft.com/office/drawing/2014/main" id="{F6A519AC-7524-4BA8-B47C-FFC27F786570}"/>
+                </a:ext>
+              </a:extLst>
+            </p:cNvPr>
+            <p:cNvSpPr txBox="1"/>
+            <p:nvPr/>
+          </p:nvSpPr>
+          <p:spPr>
+            <a:xfrm>
+              <a:off x="10060739" y="4861291"/>
+              <a:ext cx="1447832" cy="461665"/>
+            </a:xfrm>
+            <a:prstGeom prst="rect">
+              <a:avLst/>
+            </a:prstGeom>
+            <a:noFill/>
+          </p:spPr>
+          <p:txBody>
+            <a:bodyPr wrap="none" rtlCol="0">
+              <a:spAutoFit/>
+            </a:bodyPr>
+            <a:lstStyle/>
+            <a:p>
+              <a:r>
+                <a:rPr lang="zh-TW" altLang="en-US" sz="2400">
+                  <a:solidFill>
+                    <a:srgbClr val="FFC000"/>
+                  </a:solidFill>
+                </a:rPr>
+                <a:t>創建倉庫</a:t>
+              </a:r>
+            </a:p>
+          </p:txBody>
+        </p:sp>
+      </p:grpSp>
+    </p:spTree>
+    <p:extLst>
+      <p:ext uri="{BB962C8B-B14F-4D97-AF65-F5344CB8AC3E}">
+        <p14:creationId xmlns:p14="http://schemas.microsoft.com/office/powerpoint/2010/main" val="3634507253"/>
+      </p:ext>
+    </p:extLst>
+  </p:cSld>
+  <p:clrMapOvr>
+    <a:masterClrMapping/>
+  </p:clrMapOvr>
+  <p:transition spd="slow">
+    <p:push dir="u"/>
+  </p:transition>
+</p:sld>
+</file>
+
+<file path=ppt/slides/slide9.xml><?xml version="1.0" encoding="utf-8"?>
+<p:sld xmlns:a="http://schemas.openxmlformats.org/drawingml/2006/main" xmlns:r="http://schemas.openxmlformats.org/officeDocument/2006/relationships" xmlns:p="http://schemas.openxmlformats.org/presentationml/2006/main">
+  <p:cSld>
+    <p:spTree>
+      <p:nvGrpSpPr>
+        <p:cNvPr id="1" name=""/>
+        <p:cNvGrpSpPr/>
+        <p:nvPr/>
+      </p:nvGrpSpPr>
+      <p:grpSpPr>
+        <a:xfrm>
+          <a:off x="0" y="0"/>
+          <a:ext cx="0" cy="0"/>
+          <a:chOff x="0" y="0"/>
+          <a:chExt cx="0" cy="0"/>
+        </a:xfrm>
+      </p:grpSpPr>
+      <p:sp>
+        <p:nvSpPr>
+          <p:cNvPr id="2" name="標題 1">
+            <a:extLst>
+              <a:ext uri="{FF2B5EF4-FFF2-40B4-BE49-F238E27FC236}">
+                <a16:creationId xmlns:a16="http://schemas.microsoft.com/office/drawing/2014/main" id="{62811779-FC92-4676-9008-5A467054CD2A}"/>
+              </a:ext>
+            </a:extLst>
+          </p:cNvPr>
+          <p:cNvSpPr>
+            <a:spLocks noGrp="1"/>
+          </p:cNvSpPr>
+          <p:nvPr>
+            <p:ph type="title"/>
+          </p:nvPr>
+        </p:nvSpPr>
+        <p:spPr>
+          <a:xfrm>
+            <a:off x="838200" y="0"/>
+            <a:ext cx="10515600" cy="1325563"/>
+          </a:xfrm>
+        </p:spPr>
+        <p:txBody>
+          <a:bodyPr/>
+          <a:lstStyle/>
+          <a:p>
+            <a:r>
+              <a:rPr lang="zh-TW" altLang="en-US"/>
+              <a:t>創建倉庫</a:t>
+            </a:r>
+          </a:p>
+        </p:txBody>
+      </p:sp>
+      <p:sp>
+        <p:nvSpPr>
+          <p:cNvPr id="3" name="內容版面配置區 2">
+            <a:extLst>
+              <a:ext uri="{FF2B5EF4-FFF2-40B4-BE49-F238E27FC236}">
+                <a16:creationId xmlns:a16="http://schemas.microsoft.com/office/drawing/2014/main" id="{51009BE9-4FB7-48E3-A97F-79C4E31AF1FF}"/>
+              </a:ext>
+            </a:extLst>
+          </p:cNvPr>
+          <p:cNvSpPr>
+            <a:spLocks noGrp="1"/>
+          </p:cNvSpPr>
+          <p:nvPr>
+            <p:ph idx="1"/>
+          </p:nvPr>
+        </p:nvSpPr>
+        <p:spPr>
+          <a:xfrm>
+            <a:off x="106643" y="2892769"/>
+            <a:ext cx="1671917" cy="1563034"/>
+          </a:xfrm>
+        </p:spPr>
+        <p:txBody>
+          <a:bodyPr>
+            <a:normAutofit/>
+          </a:bodyPr>
+          <a:lstStyle/>
+          <a:p>
+            <a:r>
+              <a:rPr lang="zh-TW" altLang="en-US"/>
+              <a:t>創建好後</a:t>
+            </a:r>
+            <a:endParaRPr lang="en-US" altLang="zh-TW"/>
+          </a:p>
+          <a:p>
+            <a:r>
+              <a:rPr lang="zh-TW" altLang="en-US"/>
+              <a:t>會跳轉到</a:t>
+            </a:r>
+            <a:endParaRPr lang="en-US" altLang="zh-TW"/>
+          </a:p>
+          <a:p>
+            <a:r>
+              <a:rPr lang="zh-TW" altLang="en-US"/>
+              <a:t>該頁面</a:t>
+            </a:r>
+          </a:p>
+        </p:txBody>
+      </p:sp>
+      <p:grpSp>
+        <p:nvGrpSpPr>
+          <p:cNvPr id="9" name="群組 8">
+            <a:extLst>
+              <a:ext uri="{FF2B5EF4-FFF2-40B4-BE49-F238E27FC236}">
+                <a16:creationId xmlns:a16="http://schemas.microsoft.com/office/drawing/2014/main" id="{C5432FD7-047C-4E65-97A1-DF2074EB72AC}"/>
+              </a:ext>
+            </a:extLst>
+          </p:cNvPr>
+          <p:cNvGrpSpPr/>
+          <p:nvPr/>
+        </p:nvGrpSpPr>
+        <p:grpSpPr>
+          <a:xfrm>
+            <a:off x="1679946" y="940869"/>
+            <a:ext cx="10338174" cy="5753704"/>
+            <a:chOff x="1787525" y="940869"/>
+            <a:chExt cx="10338174" cy="5753704"/>
+          </a:xfrm>
+        </p:grpSpPr>
+        <p:pic>
+          <p:nvPicPr>
+            <p:cNvPr id="5" name="圖片 4">
+              <a:extLst>
+                <a:ext uri="{FF2B5EF4-FFF2-40B4-BE49-F238E27FC236}">
+                  <a16:creationId xmlns:a16="http://schemas.microsoft.com/office/drawing/2014/main" id="{8FC00102-3021-4A8C-B887-0AE8AD4E9D65}"/>
+                </a:ext>
+              </a:extLst>
+            </p:cNvPr>
+            <p:cNvPicPr>
+              <a:picLocks noChangeAspect="1"/>
+            </p:cNvPicPr>
+            <p:nvPr/>
+          </p:nvPicPr>
+          <p:blipFill>
+            <a:blip r:embed="rId2"/>
+            <a:stretch>
+              <a:fillRect/>
+            </a:stretch>
+          </p:blipFill>
+          <p:spPr>
+            <a:xfrm>
+              <a:off x="1787525" y="940869"/>
+              <a:ext cx="10338174" cy="5753704"/>
+            </a:xfrm>
+            <a:prstGeom prst="rect">
+              <a:avLst/>
+            </a:prstGeom>
+          </p:spPr>
+        </p:pic>
+        <p:sp>
+          <p:nvSpPr>
+            <p:cNvPr id="6" name="矩形: 圓角 5">
+              <a:extLst>
+                <a:ext uri="{FF2B5EF4-FFF2-40B4-BE49-F238E27FC236}">
+                  <a16:creationId xmlns:a16="http://schemas.microsoft.com/office/drawing/2014/main" id="{284EAF25-83CE-4DBB-A01E-ECE2A444DB36}"/>
+                </a:ext>
+              </a:extLst>
+            </p:cNvPr>
+            <p:cNvSpPr/>
+            <p:nvPr/>
+          </p:nvSpPr>
+          <p:spPr>
+            <a:xfrm>
+              <a:off x="4526508" y="3730944"/>
+              <a:ext cx="389434" cy="218439"/>
+            </a:xfrm>
+            <a:prstGeom prst="roundRect">
+              <a:avLst/>
+            </a:prstGeom>
+            <a:noFill/>
+            <a:ln w="19050">
+              <a:solidFill>
+                <a:srgbClr val="FFC000"/>
+              </a:solidFill>
+            </a:ln>
+          </p:spPr>
+          <p:style>
+            <a:lnRef idx="2">
+              <a:schemeClr val="accent1">
+                <a:shade val="50000"/>
+              </a:schemeClr>
+            </a:lnRef>
+            <a:fillRef idx="1">
+              <a:schemeClr val="accent1"/>
+            </a:fillRef>
+            <a:effectRef idx="0">
+              <a:schemeClr val="accent1"/>
+            </a:effectRef>
+            <a:fontRef idx="minor">
+              <a:schemeClr val="lt1"/>
+            </a:fontRef>
+          </p:style>
+          <p:txBody>
+            <a:bodyPr rtlCol="0" anchor="ctr"/>
+            <a:lstStyle/>
+            <a:p>
+              <a:pPr algn="ctr"/>
+              <a:endParaRPr lang="zh-TW" altLang="en-US"/>
+            </a:p>
+          </p:txBody>
+        </p:sp>
+        <p:sp>
+          <p:nvSpPr>
+            <p:cNvPr id="7" name="矩形: 圓角 6">
+              <a:extLst>
+                <a:ext uri="{FF2B5EF4-FFF2-40B4-BE49-F238E27FC236}">
+                  <a16:creationId xmlns:a16="http://schemas.microsoft.com/office/drawing/2014/main" id="{68B233F9-CAAD-4C52-A471-28626B93D39B}"/>
+                </a:ext>
+              </a:extLst>
+            </p:cNvPr>
+            <p:cNvSpPr/>
+            <p:nvPr/>
+          </p:nvSpPr>
+          <p:spPr>
+            <a:xfrm>
+              <a:off x="5210598" y="3728563"/>
+              <a:ext cx="5337968" cy="218439"/>
+            </a:xfrm>
+            <a:prstGeom prst="roundRect">
+              <a:avLst/>
+            </a:prstGeom>
+            <a:noFill/>
+            <a:ln w="19050">
+              <a:solidFill>
+                <a:srgbClr val="FFC000"/>
+              </a:solidFill>
+            </a:ln>
+          </p:spPr>
+          <p:style>
+            <a:lnRef idx="2">
+              <a:schemeClr val="accent1">
+                <a:shade val="50000"/>
+              </a:schemeClr>
+            </a:lnRef>
+            <a:fillRef idx="1">
+              <a:schemeClr val="accent1"/>
+            </a:fillRef>
+            <a:effectRef idx="0">
+              <a:schemeClr val="accent1"/>
+            </a:effectRef>
+            <a:fontRef idx="minor">
+              <a:schemeClr val="lt1"/>
+            </a:fontRef>
+          </p:style>
+          <p:txBody>
+            <a:bodyPr rtlCol="0" anchor="ctr"/>
+            <a:lstStyle/>
+            <a:p>
+              <a:pPr algn="ctr"/>
+              <a:endParaRPr lang="zh-TW" altLang="en-US"/>
+            </a:p>
+          </p:txBody>
+        </p:sp>
+        <p:sp>
+          <p:nvSpPr>
+            <p:cNvPr id="8" name="文字方塊 7">
+              <a:extLst>
+                <a:ext uri="{FF2B5EF4-FFF2-40B4-BE49-F238E27FC236}">
+                  <a16:creationId xmlns:a16="http://schemas.microsoft.com/office/drawing/2014/main" id="{7EBF4183-1CEB-467E-97D8-4B26471E7DF1}"/>
+                </a:ext>
+              </a:extLst>
+            </p:cNvPr>
+            <p:cNvSpPr txBox="1"/>
+            <p:nvPr/>
+          </p:nvSpPr>
+          <p:spPr>
+            <a:xfrm>
+              <a:off x="7491218" y="3278485"/>
+              <a:ext cx="1479892" cy="461665"/>
+            </a:xfrm>
+            <a:prstGeom prst="rect">
+              <a:avLst/>
+            </a:prstGeom>
+            <a:noFill/>
+          </p:spPr>
+          <p:txBody>
+            <a:bodyPr wrap="none" rtlCol="0">
+              <a:spAutoFit/>
+            </a:bodyPr>
+            <a:lstStyle/>
+            <a:p>
+              <a:r>
+                <a:rPr lang="zh-TW" altLang="en-US" sz="2400">
+                  <a:solidFill>
+                    <a:srgbClr val="FFC000"/>
+                  </a:solidFill>
+                </a:rPr>
+                <a:t>倉庫 </a:t>
+              </a:r>
+              <a:r>
+                <a:rPr lang="en-US" altLang="zh-TW" sz="2400">
+                  <a:solidFill>
+                    <a:srgbClr val="FFC000"/>
+                  </a:solidFill>
+                </a:rPr>
+                <a:t>url</a:t>
+              </a:r>
+              <a:endParaRPr lang="zh-TW" altLang="en-US" sz="2400">
+                <a:solidFill>
+                  <a:srgbClr val="FFC000"/>
+                </a:solidFill>
+              </a:endParaRPr>
+            </a:p>
+          </p:txBody>
+        </p:sp>
+      </p:grpSp>
+    </p:spTree>
+    <p:extLst>
+      <p:ext uri="{BB962C8B-B14F-4D97-AF65-F5344CB8AC3E}">
+        <p14:creationId xmlns:p14="http://schemas.microsoft.com/office/powerpoint/2010/main" val="2467074931"/>
       </p:ext>
     </p:extLst>
   </p:cSld>

--- a/ppt/16_Git 與 Github.pptx
+++ b/ppt/16_Git 與 Github.pptx
@@ -17,6 +17,13 @@
     <p:sldId id="265" r:id="rId11"/>
     <p:sldId id="266" r:id="rId12"/>
     <p:sldId id="267" r:id="rId13"/>
+    <p:sldId id="268" r:id="rId14"/>
+    <p:sldId id="269" r:id="rId15"/>
+    <p:sldId id="270" r:id="rId16"/>
+    <p:sldId id="271" r:id="rId17"/>
+    <p:sldId id="273" r:id="rId18"/>
+    <p:sldId id="272" r:id="rId19"/>
+    <p:sldId id="274" r:id="rId20"/>
   </p:sldIdLst>
   <p:sldSz cx="12192000" cy="6858000"/>
   <p:notesSz cx="6858000" cy="9144000"/>
@@ -2841,6 +2848,11 @@
             <a:prstGeom prst="rect">
               <a:avLst/>
             </a:prstGeom>
+            <a:ln>
+              <a:solidFill>
+                <a:schemeClr val="tx1"/>
+              </a:solidFill>
+            </a:ln>
           </p:spPr>
         </p:pic>
         <p:sp>
@@ -3034,6 +3046,11 @@
             <a:prstGeom prst="rect">
               <a:avLst/>
             </a:prstGeom>
+            <a:ln>
+              <a:solidFill>
+                <a:schemeClr val="tx1"/>
+              </a:solidFill>
+            </a:ln>
           </p:spPr>
         </p:pic>
         <p:sp>
@@ -3213,7 +3230,7 @@
         </p:nvSpPr>
         <p:spPr>
           <a:xfrm>
-            <a:off x="838200" y="1825625"/>
+            <a:off x="838200" y="2018181"/>
             <a:ext cx="10515600" cy="1511044"/>
           </a:xfrm>
         </p:spPr>
@@ -3359,6 +3376,18 @@
                 </a:solidFill>
               </a:rPr>
               <a:t>工作目錄</a:t>
+            </a:r>
+            <a:r>
+              <a:rPr lang="zh-TW" altLang="en-US"/>
+              <a:t>至</a:t>
+            </a:r>
+            <a:r>
+              <a:rPr lang="zh-TW" altLang="en-US">
+                <a:solidFill>
+                  <a:srgbClr val="92D050"/>
+                </a:solidFill>
+              </a:rPr>
+              <a:t>指定資料夾</a:t>
             </a:r>
           </a:p>
         </p:txBody>
@@ -3377,7 +3406,7 @@
         </p:nvGrpSpPr>
         <p:grpSpPr>
           <a:xfrm>
-            <a:off x="838200" y="3421834"/>
+            <a:off x="838200" y="3625885"/>
             <a:ext cx="10515600" cy="461665"/>
             <a:chOff x="838200" y="3114311"/>
             <a:chExt cx="10515600" cy="461665"/>
@@ -3577,18 +3606,4289 @@
         </p:blipFill>
         <p:spPr>
           <a:xfrm>
-            <a:off x="838199" y="4102393"/>
+            <a:off x="838199" y="4263758"/>
             <a:ext cx="10515601" cy="1490639"/>
+          </a:xfrm>
+          <a:prstGeom prst="rect">
+            <a:avLst/>
+          </a:prstGeom>
+          <a:ln>
+            <a:solidFill>
+              <a:schemeClr val="tx1"/>
+            </a:solidFill>
+          </a:ln>
+        </p:spPr>
+      </p:pic>
+    </p:spTree>
+    <p:extLst>
+      <p:ext uri="{BB962C8B-B14F-4D97-AF65-F5344CB8AC3E}">
+        <p14:creationId xmlns:p14="http://schemas.microsoft.com/office/powerpoint/2010/main" val="3957633886"/>
+      </p:ext>
+    </p:extLst>
+  </p:cSld>
+  <p:clrMapOvr>
+    <a:masterClrMapping/>
+  </p:clrMapOvr>
+  <p:transition spd="slow">
+    <p:push dir="u"/>
+  </p:transition>
+</p:sld>
+</file>
+
+<file path=ppt/slides/slide13.xml><?xml version="1.0" encoding="utf-8"?>
+<p:sld xmlns:a="http://schemas.openxmlformats.org/drawingml/2006/main" xmlns:r="http://schemas.openxmlformats.org/officeDocument/2006/relationships" xmlns:p="http://schemas.openxmlformats.org/presentationml/2006/main">
+  <p:cSld>
+    <p:spTree>
+      <p:nvGrpSpPr>
+        <p:cNvPr id="1" name=""/>
+        <p:cNvGrpSpPr/>
+        <p:nvPr/>
+      </p:nvGrpSpPr>
+      <p:grpSpPr>
+        <a:xfrm>
+          <a:off x="0" y="0"/>
+          <a:ext cx="0" cy="0"/>
+          <a:chOff x="0" y="0"/>
+          <a:chExt cx="0" cy="0"/>
+        </a:xfrm>
+      </p:grpSpPr>
+      <p:sp>
+        <p:nvSpPr>
+          <p:cNvPr id="2" name="標題 1">
+            <a:extLst>
+              <a:ext uri="{FF2B5EF4-FFF2-40B4-BE49-F238E27FC236}">
+                <a16:creationId xmlns:a16="http://schemas.microsoft.com/office/drawing/2014/main" id="{1368415A-F826-45F0-BE31-B4C7B5DCDF41}"/>
+              </a:ext>
+            </a:extLst>
+          </p:cNvPr>
+          <p:cNvSpPr>
+            <a:spLocks noGrp="1"/>
+          </p:cNvSpPr>
+          <p:nvPr>
+            <p:ph type="title"/>
+          </p:nvPr>
+        </p:nvSpPr>
+        <p:spPr/>
+        <p:txBody>
+          <a:bodyPr/>
+          <a:lstStyle/>
+          <a:p>
+            <a:r>
+              <a:rPr lang="zh-TW" altLang="en-US"/>
+              <a:t>連線遠端倉庫</a:t>
+            </a:r>
+          </a:p>
+        </p:txBody>
+      </p:sp>
+      <p:sp>
+        <p:nvSpPr>
+          <p:cNvPr id="3" name="內容版面配置區 2">
+            <a:extLst>
+              <a:ext uri="{FF2B5EF4-FFF2-40B4-BE49-F238E27FC236}">
+                <a16:creationId xmlns:a16="http://schemas.microsoft.com/office/drawing/2014/main" id="{CBD6CBF6-3BEB-47B8-9B4C-B700669B2750}"/>
+              </a:ext>
+            </a:extLst>
+          </p:cNvPr>
+          <p:cNvSpPr>
+            <a:spLocks noGrp="1"/>
+          </p:cNvSpPr>
+          <p:nvPr>
+            <p:ph idx="1"/>
+          </p:nvPr>
+        </p:nvSpPr>
+        <p:spPr>
+          <a:xfrm>
+            <a:off x="838200" y="2397125"/>
+            <a:ext cx="10515600" cy="1031875"/>
+          </a:xfrm>
+        </p:spPr>
+        <p:txBody>
+          <a:bodyPr>
+            <a:normAutofit/>
+          </a:bodyPr>
+          <a:lstStyle/>
+          <a:p>
+            <a:r>
+              <a:rPr lang="zh-TW" altLang="en-US"/>
+              <a:t>在</a:t>
+            </a:r>
+            <a:r>
+              <a:rPr lang="zh-TW" altLang="en-US">
+                <a:solidFill>
+                  <a:srgbClr val="FFC000"/>
+                </a:solidFill>
+              </a:rPr>
+              <a:t>複製</a:t>
+            </a:r>
+            <a:r>
+              <a:rPr lang="zh-TW" altLang="en-US"/>
+              <a:t>的</a:t>
+            </a:r>
+            <a:r>
+              <a:rPr lang="zh-TW" altLang="en-US">
+                <a:solidFill>
+                  <a:srgbClr val="00B0F0"/>
+                </a:solidFill>
+              </a:rPr>
+              <a:t>本地倉庫</a:t>
+            </a:r>
+            <a:r>
+              <a:rPr lang="zh-TW" altLang="en-US"/>
+              <a:t>中</a:t>
+            </a:r>
+            <a:endParaRPr lang="en-US" altLang="zh-TW"/>
+          </a:p>
+          <a:p>
+            <a:r>
+              <a:rPr lang="zh-TW" altLang="en-US"/>
+              <a:t>輸入下方 </a:t>
+            </a:r>
+            <a:r>
+              <a:rPr lang="en-US" altLang="zh-TW">
+                <a:solidFill>
+                  <a:srgbClr val="00B0F0"/>
+                </a:solidFill>
+              </a:rPr>
+              <a:t>Git </a:t>
+            </a:r>
+            <a:r>
+              <a:rPr lang="zh-TW" altLang="en-US">
+                <a:solidFill>
+                  <a:srgbClr val="00B0F0"/>
+                </a:solidFill>
+              </a:rPr>
+              <a:t>指令</a:t>
+            </a:r>
+            <a:r>
+              <a:rPr lang="zh-TW" altLang="en-US"/>
+              <a:t>即可直接連線</a:t>
+            </a:r>
+            <a:r>
+              <a:rPr lang="zh-TW" altLang="en-US">
+                <a:solidFill>
+                  <a:srgbClr val="00B0F0"/>
+                </a:solidFill>
+              </a:rPr>
+              <a:t>遠端倉庫</a:t>
+            </a:r>
+            <a:r>
+              <a:rPr lang="zh-TW" altLang="en-US"/>
+              <a:t>：</a:t>
+            </a:r>
+          </a:p>
+        </p:txBody>
+      </p:sp>
+      <p:grpSp>
+        <p:nvGrpSpPr>
+          <p:cNvPr id="4" name="群組 3">
+            <a:extLst>
+              <a:ext uri="{FF2B5EF4-FFF2-40B4-BE49-F238E27FC236}">
+                <a16:creationId xmlns:a16="http://schemas.microsoft.com/office/drawing/2014/main" id="{978F2DE9-B30D-413F-8681-49A66F3AB83B}"/>
+              </a:ext>
+            </a:extLst>
+          </p:cNvPr>
+          <p:cNvGrpSpPr/>
+          <p:nvPr/>
+        </p:nvGrpSpPr>
+        <p:grpSpPr>
+          <a:xfrm>
+            <a:off x="838200" y="3563937"/>
+            <a:ext cx="10515600" cy="461665"/>
+            <a:chOff x="838200" y="3114311"/>
+            <a:chExt cx="10515600" cy="461665"/>
+          </a:xfrm>
+        </p:grpSpPr>
+        <p:sp>
+          <p:nvSpPr>
+            <p:cNvPr id="5" name="Rectangle 1">
+              <a:extLst>
+                <a:ext uri="{FF2B5EF4-FFF2-40B4-BE49-F238E27FC236}">
+                  <a16:creationId xmlns:a16="http://schemas.microsoft.com/office/drawing/2014/main" id="{6BFC9BE4-06FA-4291-8F01-EA15F0AA9619}"/>
+                </a:ext>
+              </a:extLst>
+            </p:cNvPr>
+            <p:cNvSpPr>
+              <a:spLocks noChangeArrowheads="1"/>
+            </p:cNvSpPr>
+            <p:nvPr/>
+          </p:nvSpPr>
+          <p:spPr bwMode="auto">
+            <a:xfrm>
+              <a:off x="838200" y="3114311"/>
+              <a:ext cx="10515600" cy="461665"/>
+            </a:xfrm>
+            <a:prstGeom prst="rect">
+              <a:avLst/>
+            </a:prstGeom>
+            <a:solidFill>
+              <a:srgbClr val="1E1F22"/>
+            </a:solidFill>
+            <a:ln>
+              <a:noFill/>
+            </a:ln>
+            <a:effectLst/>
+            <a:extLst>
+              <a:ext uri="{91240B29-F687-4F45-9708-019B960494DF}">
+                <a14:hiddenLine xmlns:a14="http://schemas.microsoft.com/office/drawing/2010/main" w="9525">
+                  <a:solidFill>
+                    <a:schemeClr val="tx1"/>
+                  </a:solidFill>
+                  <a:miter lim="800000"/>
+                  <a:headEnd/>
+                  <a:tailEnd/>
+                </a14:hiddenLine>
+              </a:ext>
+              <a:ext uri="{AF507438-7753-43E0-B8FC-AC1667EBCBE1}">
+                <a14:hiddenEffects xmlns:a14="http://schemas.microsoft.com/office/drawing/2010/main">
+                  <a:effectLst>
+                    <a:outerShdw dist="35921" dir="2700000" algn="ctr" rotWithShape="0">
+                      <a:schemeClr val="bg2"/>
+                    </a:outerShdw>
+                  </a:effectLst>
+                </a14:hiddenEffects>
+              </a:ext>
+            </a:extLst>
+          </p:spPr>
+          <p:txBody>
+            <a:bodyPr vert="horz" wrap="square" lIns="91440" tIns="45720" rIns="91440" bIns="45720" numCol="1" anchor="ctr" anchorCtr="0" compatLnSpc="1">
+              <a:prstTxWarp prst="textNoShape">
+                <a:avLst/>
+              </a:prstTxWarp>
+              <a:spAutoFit/>
+            </a:bodyPr>
+            <a:lstStyle/>
+            <a:p>
+              <a:pPr marL="0" marR="0" lvl="0" indent="0" algn="l" defTabSz="914400" rtl="0" eaLnBrk="0" fontAlgn="base" latinLnBrk="0" hangingPunct="0">
+                <a:lnSpc>
+                  <a:spcPct val="100000"/>
+                </a:lnSpc>
+                <a:spcBef>
+                  <a:spcPct val="0"/>
+                </a:spcBef>
+                <a:spcAft>
+                  <a:spcPct val="0"/>
+                </a:spcAft>
+                <a:buClrTx/>
+                <a:buSzTx/>
+                <a:buFontTx/>
+                <a:buNone/>
+                <a:tabLst/>
+              </a:pPr>
+              <a:r>
+                <a:rPr lang="en-US" altLang="zh-TW" sz="2400">
+                  <a:solidFill>
+                    <a:srgbClr val="00B0F0"/>
+                  </a:solidFill>
+                  <a:latin typeface="+mj-lt"/>
+                  <a:cs typeface="JetBrains Mono" panose="02000009000000000000" pitchFamily="49" charset="0"/>
+                </a:rPr>
+                <a:t>git</a:t>
+              </a:r>
+              <a:r>
+                <a:rPr kumimoji="0" lang="en-US" altLang="zh-TW" sz="2400" b="0" i="0" u="none" strike="noStrike" cap="none" normalizeH="0" baseline="0">
+                  <a:ln>
+                    <a:noFill/>
+                  </a:ln>
+                  <a:solidFill>
+                    <a:srgbClr val="BCBEC4"/>
+                  </a:solidFill>
+                  <a:effectLst/>
+                  <a:latin typeface="+mj-lt"/>
+                  <a:cs typeface="JetBrains Mono" panose="02000009000000000000" pitchFamily="49" charset="0"/>
+                </a:rPr>
+                <a:t> remote</a:t>
+              </a:r>
+              <a:endParaRPr kumimoji="0" lang="zh-TW" altLang="zh-TW" sz="3600" b="0" i="0" u="none" strike="noStrike" cap="none" normalizeH="0" baseline="0">
+                <a:ln>
+                  <a:noFill/>
+                </a:ln>
+                <a:solidFill>
+                  <a:srgbClr val="92D050"/>
+                </a:solidFill>
+                <a:effectLst/>
+                <a:latin typeface="+mj-lt"/>
+              </a:endParaRPr>
+            </a:p>
+          </p:txBody>
+        </p:sp>
+        <p:sp>
+          <p:nvSpPr>
+            <p:cNvPr id="6" name="文字方塊 5">
+              <a:extLst>
+                <a:ext uri="{FF2B5EF4-FFF2-40B4-BE49-F238E27FC236}">
+                  <a16:creationId xmlns:a16="http://schemas.microsoft.com/office/drawing/2014/main" id="{8ADE40A8-D7A0-47A2-A716-490536AC378C}"/>
+                </a:ext>
+              </a:extLst>
+            </p:cNvPr>
+            <p:cNvSpPr txBox="1"/>
+            <p:nvPr/>
+          </p:nvSpPr>
+          <p:spPr>
+            <a:xfrm>
+              <a:off x="10662585" y="3206644"/>
+              <a:ext cx="691215" cy="369332"/>
+            </a:xfrm>
+            <a:prstGeom prst="rect">
+              <a:avLst/>
+            </a:prstGeom>
+            <a:noFill/>
+          </p:spPr>
+          <p:txBody>
+            <a:bodyPr wrap="none" rtlCol="0">
+              <a:spAutoFit/>
+            </a:bodyPr>
+            <a:lstStyle/>
+            <a:p>
+              <a:r>
+                <a:rPr lang="en-US" altLang="zh-TW">
+                  <a:solidFill>
+                    <a:schemeClr val="accent3"/>
+                  </a:solidFill>
+                </a:rPr>
+                <a:t>bash</a:t>
+              </a:r>
+              <a:endParaRPr lang="zh-TW" altLang="en-US">
+                <a:solidFill>
+                  <a:schemeClr val="accent3"/>
+                </a:solidFill>
+              </a:endParaRPr>
+            </a:p>
+          </p:txBody>
+        </p:sp>
+      </p:grpSp>
+      <p:pic>
+        <p:nvPicPr>
+          <p:cNvPr id="8" name="圖片 7">
+            <a:extLst>
+              <a:ext uri="{FF2B5EF4-FFF2-40B4-BE49-F238E27FC236}">
+                <a16:creationId xmlns:a16="http://schemas.microsoft.com/office/drawing/2014/main" id="{9C5DAFE6-C49C-454B-BAF7-A54DD02ABF77}"/>
+              </a:ext>
+            </a:extLst>
+          </p:cNvPr>
+          <p:cNvPicPr>
+            <a:picLocks noChangeAspect="1"/>
+          </p:cNvPicPr>
+          <p:nvPr/>
+        </p:nvPicPr>
+        <p:blipFill>
+          <a:blip r:embed="rId2"/>
+          <a:stretch>
+            <a:fillRect/>
+          </a:stretch>
+        </p:blipFill>
+        <p:spPr>
+          <a:xfrm>
+            <a:off x="838200" y="4269342"/>
+            <a:ext cx="10515600" cy="890436"/>
+          </a:xfrm>
+          <a:prstGeom prst="rect">
+            <a:avLst/>
+          </a:prstGeom>
+          <a:ln>
+            <a:solidFill>
+              <a:schemeClr val="tx1"/>
+            </a:solidFill>
+          </a:ln>
+        </p:spPr>
+      </p:pic>
+    </p:spTree>
+    <p:extLst>
+      <p:ext uri="{BB962C8B-B14F-4D97-AF65-F5344CB8AC3E}">
+        <p14:creationId xmlns:p14="http://schemas.microsoft.com/office/powerpoint/2010/main" val="3595807697"/>
+      </p:ext>
+    </p:extLst>
+  </p:cSld>
+  <p:clrMapOvr>
+    <a:masterClrMapping/>
+  </p:clrMapOvr>
+  <p:transition spd="slow">
+    <p:push dir="u"/>
+  </p:transition>
+</p:sld>
+</file>
+
+<file path=ppt/slides/slide14.xml><?xml version="1.0" encoding="utf-8"?>
+<p:sld xmlns:a="http://schemas.openxmlformats.org/drawingml/2006/main" xmlns:r="http://schemas.openxmlformats.org/officeDocument/2006/relationships" xmlns:p="http://schemas.openxmlformats.org/presentationml/2006/main">
+  <p:cSld>
+    <p:spTree>
+      <p:nvGrpSpPr>
+        <p:cNvPr id="1" name=""/>
+        <p:cNvGrpSpPr/>
+        <p:nvPr/>
+      </p:nvGrpSpPr>
+      <p:grpSpPr>
+        <a:xfrm>
+          <a:off x="0" y="0"/>
+          <a:ext cx="0" cy="0"/>
+          <a:chOff x="0" y="0"/>
+          <a:chExt cx="0" cy="0"/>
+        </a:xfrm>
+      </p:grpSpPr>
+      <p:sp>
+        <p:nvSpPr>
+          <p:cNvPr id="2" name="標題 1">
+            <a:extLst>
+              <a:ext uri="{FF2B5EF4-FFF2-40B4-BE49-F238E27FC236}">
+                <a16:creationId xmlns:a16="http://schemas.microsoft.com/office/drawing/2014/main" id="{C3D7D2B4-9AA7-499F-BF6D-07435948DE80}"/>
+              </a:ext>
+            </a:extLst>
+          </p:cNvPr>
+          <p:cNvSpPr>
+            <a:spLocks noGrp="1"/>
+          </p:cNvSpPr>
+          <p:nvPr>
+            <p:ph type="title"/>
+          </p:nvPr>
+        </p:nvSpPr>
+        <p:spPr/>
+        <p:txBody>
+          <a:bodyPr/>
+          <a:lstStyle/>
+          <a:p>
+            <a:r>
+              <a:rPr lang="en-US" altLang="zh-TW"/>
+              <a:t>Git </a:t>
+            </a:r>
+            <a:r>
+              <a:rPr lang="zh-TW" altLang="en-US"/>
+              <a:t>檔案狀態</a:t>
+            </a:r>
+          </a:p>
+        </p:txBody>
+      </p:sp>
+      <p:sp>
+        <p:nvSpPr>
+          <p:cNvPr id="3" name="內容版面配置區 2">
+            <a:extLst>
+              <a:ext uri="{FF2B5EF4-FFF2-40B4-BE49-F238E27FC236}">
+                <a16:creationId xmlns:a16="http://schemas.microsoft.com/office/drawing/2014/main" id="{B13EEC49-F5A1-4A12-B85B-BC86DACBD030}"/>
+              </a:ext>
+            </a:extLst>
+          </p:cNvPr>
+          <p:cNvSpPr>
+            <a:spLocks noGrp="1"/>
+          </p:cNvSpPr>
+          <p:nvPr>
+            <p:ph idx="1"/>
+          </p:nvPr>
+        </p:nvSpPr>
+        <p:spPr>
+          <a:xfrm>
+            <a:off x="838200" y="1690688"/>
+            <a:ext cx="10515600" cy="1528412"/>
+          </a:xfrm>
+        </p:spPr>
+        <p:txBody>
+          <a:bodyPr/>
+          <a:lstStyle/>
+          <a:p>
+            <a:r>
+              <a:rPr lang="en-US" altLang="zh-TW">
+                <a:solidFill>
+                  <a:srgbClr val="00B0F0"/>
+                </a:solidFill>
+              </a:rPr>
+              <a:t>Git</a:t>
+            </a:r>
+            <a:r>
+              <a:rPr lang="zh-TW" altLang="en-US"/>
+              <a:t> 將檔案分為四種狀態：</a:t>
+            </a:r>
+            <a:r>
+              <a:rPr lang="zh-TW" altLang="en-US">
+                <a:solidFill>
+                  <a:srgbClr val="00B0F0"/>
+                </a:solidFill>
+              </a:rPr>
+              <a:t>未追蹤</a:t>
+            </a:r>
+            <a:r>
+              <a:rPr lang="en-US" altLang="zh-TW">
+                <a:solidFill>
+                  <a:srgbClr val="00B0F0"/>
+                </a:solidFill>
+              </a:rPr>
+              <a:t>(untrack)</a:t>
+            </a:r>
+          </a:p>
+          <a:p>
+            <a:r>
+              <a:rPr lang="zh-TW" altLang="en-US">
+                <a:solidFill>
+                  <a:srgbClr val="00B0F0"/>
+                </a:solidFill>
+              </a:rPr>
+              <a:t>未修改</a:t>
+            </a:r>
+            <a:r>
+              <a:rPr lang="en-US" altLang="zh-TW">
+                <a:solidFill>
+                  <a:srgbClr val="00B0F0"/>
+                </a:solidFill>
+              </a:rPr>
+              <a:t>(unmodified)</a:t>
+            </a:r>
+            <a:r>
+              <a:rPr lang="zh-TW" altLang="en-US"/>
+              <a:t>、</a:t>
+            </a:r>
+            <a:r>
+              <a:rPr lang="zh-TW" altLang="en-US">
+                <a:solidFill>
+                  <a:srgbClr val="00B0F0"/>
+                </a:solidFill>
+              </a:rPr>
+              <a:t>未暫存</a:t>
+            </a:r>
+            <a:r>
+              <a:rPr lang="en-US" altLang="zh-TW">
+                <a:solidFill>
+                  <a:srgbClr val="00B0F0"/>
+                </a:solidFill>
+              </a:rPr>
+              <a:t>(modified)</a:t>
+            </a:r>
+            <a:r>
+              <a:rPr lang="zh-TW" altLang="en-US"/>
+              <a:t>、</a:t>
+            </a:r>
+            <a:r>
+              <a:rPr lang="zh-TW" altLang="en-US">
+                <a:solidFill>
+                  <a:srgbClr val="00B0F0"/>
+                </a:solidFill>
+              </a:rPr>
+              <a:t>已暫存</a:t>
+            </a:r>
+            <a:r>
+              <a:rPr lang="en-US" altLang="zh-TW">
+                <a:solidFill>
+                  <a:srgbClr val="00B0F0"/>
+                </a:solidFill>
+              </a:rPr>
+              <a:t>(staged)</a:t>
+            </a:r>
+          </a:p>
+          <a:p>
+            <a:r>
+              <a:rPr lang="zh-TW" altLang="en-US"/>
+              <a:t>可通過下方 </a:t>
+            </a:r>
+            <a:r>
+              <a:rPr lang="en-US" altLang="zh-TW">
+                <a:solidFill>
+                  <a:srgbClr val="00B0F0"/>
+                </a:solidFill>
+              </a:rPr>
+              <a:t>Git</a:t>
+            </a:r>
+            <a:r>
+              <a:rPr lang="zh-TW" altLang="en-US">
+                <a:solidFill>
+                  <a:srgbClr val="00B0F0"/>
+                </a:solidFill>
+              </a:rPr>
+              <a:t> 指令</a:t>
+            </a:r>
+            <a:r>
+              <a:rPr lang="zh-TW" altLang="en-US"/>
+              <a:t>來查看當前的檔案狀態：</a:t>
+            </a:r>
+            <a:endParaRPr lang="en-US" altLang="zh-TW"/>
+          </a:p>
+        </p:txBody>
+      </p:sp>
+      <p:sp>
+        <p:nvSpPr>
+          <p:cNvPr id="4" name="內容版面配置區 2">
+            <a:extLst>
+              <a:ext uri="{FF2B5EF4-FFF2-40B4-BE49-F238E27FC236}">
+                <a16:creationId xmlns:a16="http://schemas.microsoft.com/office/drawing/2014/main" id="{9D928D6C-C048-4B23-8A5F-D880F2D06B82}"/>
+              </a:ext>
+            </a:extLst>
+          </p:cNvPr>
+          <p:cNvSpPr txBox="1">
+            <a:spLocks/>
+          </p:cNvSpPr>
+          <p:nvPr/>
+        </p:nvSpPr>
+        <p:spPr>
+          <a:xfrm>
+            <a:off x="838200" y="3941613"/>
+            <a:ext cx="10515600" cy="1044913"/>
+          </a:xfrm>
+          <a:prstGeom prst="rect">
+            <a:avLst/>
+          </a:prstGeom>
+        </p:spPr>
+        <p:txBody>
+          <a:bodyPr vert="horz" lIns="91440" tIns="45720" rIns="91440" bIns="45720" rtlCol="0">
+            <a:normAutofit/>
+          </a:bodyPr>
+          <a:lstStyle>
+            <a:lvl1pPr marL="0" indent="0" algn="l" defTabSz="914400" rtl="0" eaLnBrk="1" latinLnBrk="0" hangingPunct="1">
+              <a:lnSpc>
+                <a:spcPct val="90000"/>
+              </a:lnSpc>
+              <a:spcBef>
+                <a:spcPts val="1000"/>
+              </a:spcBef>
+              <a:buFont typeface="Arial" panose="020B0604020202020204" pitchFamily="34" charset="0"/>
+              <a:buNone/>
+              <a:defRPr sz="2800" kern="1200">
+                <a:solidFill>
+                  <a:schemeClr val="tx1"/>
+                </a:solidFill>
+                <a:latin typeface="+mn-lt"/>
+                <a:ea typeface="+mn-ea"/>
+                <a:cs typeface="+mn-cs"/>
+              </a:defRPr>
+            </a:lvl1pPr>
+            <a:lvl2pPr marL="457200" indent="0" algn="l" defTabSz="914400" rtl="0" eaLnBrk="1" latinLnBrk="0" hangingPunct="1">
+              <a:lnSpc>
+                <a:spcPct val="90000"/>
+              </a:lnSpc>
+              <a:spcBef>
+                <a:spcPts val="500"/>
+              </a:spcBef>
+              <a:buFont typeface="Arial" panose="020B0604020202020204" pitchFamily="34" charset="0"/>
+              <a:buNone/>
+              <a:defRPr sz="2400" kern="1200">
+                <a:solidFill>
+                  <a:schemeClr val="tx1"/>
+                </a:solidFill>
+                <a:latin typeface="+mn-lt"/>
+                <a:ea typeface="+mn-ea"/>
+                <a:cs typeface="+mn-cs"/>
+              </a:defRPr>
+            </a:lvl2pPr>
+            <a:lvl3pPr marL="914400" indent="0" algn="l" defTabSz="914400" rtl="0" eaLnBrk="1" latinLnBrk="0" hangingPunct="1">
+              <a:lnSpc>
+                <a:spcPct val="90000"/>
+              </a:lnSpc>
+              <a:spcBef>
+                <a:spcPts val="500"/>
+              </a:spcBef>
+              <a:buFont typeface="Arial" panose="020B0604020202020204" pitchFamily="34" charset="0"/>
+              <a:buNone/>
+              <a:defRPr sz="2000" kern="1200">
+                <a:solidFill>
+                  <a:schemeClr val="tx1"/>
+                </a:solidFill>
+                <a:latin typeface="+mn-lt"/>
+                <a:ea typeface="+mn-ea"/>
+                <a:cs typeface="+mn-cs"/>
+              </a:defRPr>
+            </a:lvl3pPr>
+            <a:lvl4pPr marL="1371600" indent="0" algn="l" defTabSz="914400" rtl="0" eaLnBrk="1" latinLnBrk="0" hangingPunct="1">
+              <a:lnSpc>
+                <a:spcPct val="90000"/>
+              </a:lnSpc>
+              <a:spcBef>
+                <a:spcPts val="500"/>
+              </a:spcBef>
+              <a:buFont typeface="Arial" panose="020B0604020202020204" pitchFamily="34" charset="0"/>
+              <a:buNone/>
+              <a:defRPr sz="1800" kern="1200">
+                <a:solidFill>
+                  <a:schemeClr val="tx1"/>
+                </a:solidFill>
+                <a:latin typeface="+mn-lt"/>
+                <a:ea typeface="+mn-ea"/>
+                <a:cs typeface="+mn-cs"/>
+              </a:defRPr>
+            </a:lvl4pPr>
+            <a:lvl5pPr marL="1828800" indent="0" algn="l" defTabSz="914400" rtl="0" eaLnBrk="1" latinLnBrk="0" hangingPunct="1">
+              <a:lnSpc>
+                <a:spcPct val="90000"/>
+              </a:lnSpc>
+              <a:spcBef>
+                <a:spcPts val="500"/>
+              </a:spcBef>
+              <a:buFont typeface="Arial" panose="020B0604020202020204" pitchFamily="34" charset="0"/>
+              <a:buNone/>
+              <a:defRPr sz="1800" kern="1200">
+                <a:solidFill>
+                  <a:schemeClr val="tx1"/>
+                </a:solidFill>
+                <a:latin typeface="+mn-lt"/>
+                <a:ea typeface="+mn-ea"/>
+                <a:cs typeface="+mn-cs"/>
+              </a:defRPr>
+            </a:lvl5pPr>
+            <a:lvl6pPr marL="2514600" indent="-228600" algn="l" defTabSz="914400" rtl="0" eaLnBrk="1" latinLnBrk="0" hangingPunct="1">
+              <a:lnSpc>
+                <a:spcPct val="90000"/>
+              </a:lnSpc>
+              <a:spcBef>
+                <a:spcPts val="500"/>
+              </a:spcBef>
+              <a:buFont typeface="Arial" panose="020B0604020202020204" pitchFamily="34" charset="0"/>
+              <a:buChar char="•"/>
+              <a:defRPr sz="1800" kern="1200">
+                <a:solidFill>
+                  <a:schemeClr val="tx1"/>
+                </a:solidFill>
+                <a:latin typeface="+mn-lt"/>
+                <a:ea typeface="+mn-ea"/>
+                <a:cs typeface="+mn-cs"/>
+              </a:defRPr>
+            </a:lvl6pPr>
+            <a:lvl7pPr marL="2971800" indent="-228600" algn="l" defTabSz="914400" rtl="0" eaLnBrk="1" latinLnBrk="0" hangingPunct="1">
+              <a:lnSpc>
+                <a:spcPct val="90000"/>
+              </a:lnSpc>
+              <a:spcBef>
+                <a:spcPts val="500"/>
+              </a:spcBef>
+              <a:buFont typeface="Arial" panose="020B0604020202020204" pitchFamily="34" charset="0"/>
+              <a:buChar char="•"/>
+              <a:defRPr sz="1800" kern="1200">
+                <a:solidFill>
+                  <a:schemeClr val="tx1"/>
+                </a:solidFill>
+                <a:latin typeface="+mn-lt"/>
+                <a:ea typeface="+mn-ea"/>
+                <a:cs typeface="+mn-cs"/>
+              </a:defRPr>
+            </a:lvl7pPr>
+            <a:lvl8pPr marL="3429000" indent="-228600" algn="l" defTabSz="914400" rtl="0" eaLnBrk="1" latinLnBrk="0" hangingPunct="1">
+              <a:lnSpc>
+                <a:spcPct val="90000"/>
+              </a:lnSpc>
+              <a:spcBef>
+                <a:spcPts val="500"/>
+              </a:spcBef>
+              <a:buFont typeface="Arial" panose="020B0604020202020204" pitchFamily="34" charset="0"/>
+              <a:buChar char="•"/>
+              <a:defRPr sz="1800" kern="1200">
+                <a:solidFill>
+                  <a:schemeClr val="tx1"/>
+                </a:solidFill>
+                <a:latin typeface="+mn-lt"/>
+                <a:ea typeface="+mn-ea"/>
+                <a:cs typeface="+mn-cs"/>
+              </a:defRPr>
+            </a:lvl8pPr>
+            <a:lvl9pPr marL="3886200" indent="-228600" algn="l" defTabSz="914400" rtl="0" eaLnBrk="1" latinLnBrk="0" hangingPunct="1">
+              <a:lnSpc>
+                <a:spcPct val="90000"/>
+              </a:lnSpc>
+              <a:spcBef>
+                <a:spcPts val="500"/>
+              </a:spcBef>
+              <a:buFont typeface="Arial" panose="020B0604020202020204" pitchFamily="34" charset="0"/>
+              <a:buChar char="•"/>
+              <a:defRPr sz="1800" kern="1200">
+                <a:solidFill>
+                  <a:schemeClr val="tx1"/>
+                </a:solidFill>
+                <a:latin typeface="+mn-lt"/>
+                <a:ea typeface="+mn-ea"/>
+                <a:cs typeface="+mn-cs"/>
+              </a:defRPr>
+            </a:lvl9pPr>
+          </a:lstStyle>
+          <a:p>
+            <a:r>
+              <a:rPr lang="zh-TW" altLang="en-US">
+                <a:solidFill>
+                  <a:srgbClr val="FFC000"/>
+                </a:solidFill>
+              </a:rPr>
+              <a:t>提交</a:t>
+            </a:r>
+            <a:r>
+              <a:rPr lang="zh-TW" altLang="en-US"/>
+              <a:t>時只會</a:t>
+            </a:r>
+            <a:r>
+              <a:rPr lang="zh-TW" altLang="en-US">
+                <a:solidFill>
+                  <a:srgbClr val="FFC000"/>
+                </a:solidFill>
+              </a:rPr>
+              <a:t>提交</a:t>
+            </a:r>
+            <a:r>
+              <a:rPr lang="zh-TW" altLang="en-US">
+                <a:solidFill>
+                  <a:srgbClr val="00B0F0"/>
+                </a:solidFill>
+              </a:rPr>
+              <a:t>已暫存</a:t>
+            </a:r>
+            <a:r>
+              <a:rPr lang="zh-TW" altLang="en-US"/>
+              <a:t>的檔案，且</a:t>
+            </a:r>
+            <a:r>
+              <a:rPr lang="zh-TW" altLang="en-US">
+                <a:solidFill>
+                  <a:srgbClr val="00B0F0"/>
+                </a:solidFill>
+              </a:rPr>
+              <a:t>已暫存</a:t>
+            </a:r>
+            <a:r>
+              <a:rPr lang="zh-TW" altLang="en-US"/>
+              <a:t>檔案</a:t>
+            </a:r>
+            <a:r>
+              <a:rPr lang="zh-TW" altLang="en-US">
+                <a:solidFill>
+                  <a:srgbClr val="FFC000"/>
+                </a:solidFill>
+              </a:rPr>
+              <a:t>提交</a:t>
+            </a:r>
+            <a:r>
+              <a:rPr lang="zh-TW" altLang="en-US"/>
+              <a:t>後會變回</a:t>
+            </a:r>
+            <a:r>
+              <a:rPr lang="zh-TW" altLang="en-US">
+                <a:solidFill>
+                  <a:srgbClr val="00B0F0"/>
+                </a:solidFill>
+              </a:rPr>
+              <a:t>未修改</a:t>
+            </a:r>
+            <a:endParaRPr lang="en-US" altLang="zh-TW">
+              <a:solidFill>
+                <a:srgbClr val="00B0F0"/>
+              </a:solidFill>
+            </a:endParaRPr>
+          </a:p>
+          <a:p>
+            <a:r>
+              <a:rPr lang="zh-TW" altLang="en-US"/>
+              <a:t>而欲將</a:t>
+            </a:r>
+            <a:r>
+              <a:rPr lang="zh-TW" altLang="en-US">
+                <a:solidFill>
+                  <a:srgbClr val="00B0F0"/>
+                </a:solidFill>
+              </a:rPr>
+              <a:t>未追蹤</a:t>
+            </a:r>
+            <a:r>
+              <a:rPr lang="zh-TW" altLang="en-US"/>
+              <a:t>或</a:t>
+            </a:r>
+            <a:r>
+              <a:rPr lang="zh-TW" altLang="en-US">
+                <a:solidFill>
+                  <a:srgbClr val="00B0F0"/>
+                </a:solidFill>
+              </a:rPr>
+              <a:t>未暫存</a:t>
+            </a:r>
+            <a:r>
+              <a:rPr lang="zh-TW" altLang="en-US"/>
+              <a:t>的檔案變為</a:t>
+            </a:r>
+            <a:r>
+              <a:rPr lang="zh-TW" altLang="en-US">
+                <a:solidFill>
+                  <a:srgbClr val="00B0F0"/>
+                </a:solidFill>
+              </a:rPr>
+              <a:t>已暫存</a:t>
+            </a:r>
+            <a:r>
+              <a:rPr lang="zh-TW" altLang="en-US"/>
+              <a:t>，須使用下方 </a:t>
+            </a:r>
+            <a:r>
+              <a:rPr lang="en-US" altLang="zh-TW">
+                <a:solidFill>
+                  <a:srgbClr val="00B0F0"/>
+                </a:solidFill>
+              </a:rPr>
+              <a:t>Git </a:t>
+            </a:r>
+            <a:r>
+              <a:rPr lang="zh-TW" altLang="en-US">
+                <a:solidFill>
+                  <a:srgbClr val="00B0F0"/>
+                </a:solidFill>
+              </a:rPr>
+              <a:t>指令</a:t>
+            </a:r>
+            <a:r>
+              <a:rPr lang="zh-TW" altLang="en-US"/>
+              <a:t>：</a:t>
+            </a:r>
+            <a:endParaRPr lang="en-US" altLang="zh-TW"/>
+          </a:p>
+        </p:txBody>
+      </p:sp>
+      <p:grpSp>
+        <p:nvGrpSpPr>
+          <p:cNvPr id="5" name="群組 4">
+            <a:extLst>
+              <a:ext uri="{FF2B5EF4-FFF2-40B4-BE49-F238E27FC236}">
+                <a16:creationId xmlns:a16="http://schemas.microsoft.com/office/drawing/2014/main" id="{8FA68ABA-3B1E-438E-B1B4-6F685DCD9DAB}"/>
+              </a:ext>
+            </a:extLst>
+          </p:cNvPr>
+          <p:cNvGrpSpPr/>
+          <p:nvPr/>
+        </p:nvGrpSpPr>
+        <p:grpSpPr>
+          <a:xfrm>
+            <a:off x="838200" y="3327862"/>
+            <a:ext cx="10515600" cy="461665"/>
+            <a:chOff x="838200" y="3114311"/>
+            <a:chExt cx="10515600" cy="461665"/>
+          </a:xfrm>
+        </p:grpSpPr>
+        <p:sp>
+          <p:nvSpPr>
+            <p:cNvPr id="6" name="Rectangle 1">
+              <a:extLst>
+                <a:ext uri="{FF2B5EF4-FFF2-40B4-BE49-F238E27FC236}">
+                  <a16:creationId xmlns:a16="http://schemas.microsoft.com/office/drawing/2014/main" id="{8820F6D1-5FF9-4954-9386-BA7E9EE8B7D8}"/>
+                </a:ext>
+              </a:extLst>
+            </p:cNvPr>
+            <p:cNvSpPr>
+              <a:spLocks noChangeArrowheads="1"/>
+            </p:cNvSpPr>
+            <p:nvPr/>
+          </p:nvSpPr>
+          <p:spPr bwMode="auto">
+            <a:xfrm>
+              <a:off x="838200" y="3114311"/>
+              <a:ext cx="10515600" cy="461665"/>
+            </a:xfrm>
+            <a:prstGeom prst="rect">
+              <a:avLst/>
+            </a:prstGeom>
+            <a:solidFill>
+              <a:srgbClr val="1E1F22"/>
+            </a:solidFill>
+            <a:ln>
+              <a:noFill/>
+            </a:ln>
+            <a:effectLst/>
+            <a:extLst>
+              <a:ext uri="{91240B29-F687-4F45-9708-019B960494DF}">
+                <a14:hiddenLine xmlns:a14="http://schemas.microsoft.com/office/drawing/2010/main" w="9525">
+                  <a:solidFill>
+                    <a:schemeClr val="tx1"/>
+                  </a:solidFill>
+                  <a:miter lim="800000"/>
+                  <a:headEnd/>
+                  <a:tailEnd/>
+                </a14:hiddenLine>
+              </a:ext>
+              <a:ext uri="{AF507438-7753-43E0-B8FC-AC1667EBCBE1}">
+                <a14:hiddenEffects xmlns:a14="http://schemas.microsoft.com/office/drawing/2010/main">
+                  <a:effectLst>
+                    <a:outerShdw dist="35921" dir="2700000" algn="ctr" rotWithShape="0">
+                      <a:schemeClr val="bg2"/>
+                    </a:outerShdw>
+                  </a:effectLst>
+                </a14:hiddenEffects>
+              </a:ext>
+            </a:extLst>
+          </p:spPr>
+          <p:txBody>
+            <a:bodyPr vert="horz" wrap="square" lIns="91440" tIns="45720" rIns="91440" bIns="45720" numCol="1" anchor="ctr" anchorCtr="0" compatLnSpc="1">
+              <a:prstTxWarp prst="textNoShape">
+                <a:avLst/>
+              </a:prstTxWarp>
+              <a:spAutoFit/>
+            </a:bodyPr>
+            <a:lstStyle/>
+            <a:p>
+              <a:pPr marL="0" marR="0" lvl="0" indent="0" algn="l" defTabSz="914400" rtl="0" eaLnBrk="0" fontAlgn="base" latinLnBrk="0" hangingPunct="0">
+                <a:lnSpc>
+                  <a:spcPct val="100000"/>
+                </a:lnSpc>
+                <a:spcBef>
+                  <a:spcPct val="0"/>
+                </a:spcBef>
+                <a:spcAft>
+                  <a:spcPct val="0"/>
+                </a:spcAft>
+                <a:buClrTx/>
+                <a:buSzTx/>
+                <a:buFontTx/>
+                <a:buNone/>
+                <a:tabLst/>
+              </a:pPr>
+              <a:r>
+                <a:rPr lang="en-US" altLang="zh-TW" sz="2400">
+                  <a:solidFill>
+                    <a:srgbClr val="00B0F0"/>
+                  </a:solidFill>
+                  <a:latin typeface="+mj-lt"/>
+                  <a:cs typeface="JetBrains Mono" panose="02000009000000000000" pitchFamily="49" charset="0"/>
+                </a:rPr>
+                <a:t>git</a:t>
+              </a:r>
+              <a:r>
+                <a:rPr kumimoji="0" lang="en-US" altLang="zh-TW" sz="2400" b="0" i="0" u="none" strike="noStrike" cap="none" normalizeH="0" baseline="0">
+                  <a:ln>
+                    <a:noFill/>
+                  </a:ln>
+                  <a:solidFill>
+                    <a:srgbClr val="BCBEC4"/>
+                  </a:solidFill>
+                  <a:effectLst/>
+                  <a:latin typeface="+mj-lt"/>
+                  <a:cs typeface="JetBrains Mono" panose="02000009000000000000" pitchFamily="49" charset="0"/>
+                </a:rPr>
+                <a:t> status</a:t>
+              </a:r>
+              <a:endParaRPr kumimoji="0" lang="zh-TW" altLang="zh-TW" sz="3600" b="0" i="0" u="none" strike="noStrike" cap="none" normalizeH="0" baseline="0">
+                <a:ln>
+                  <a:noFill/>
+                </a:ln>
+                <a:solidFill>
+                  <a:srgbClr val="92D050"/>
+                </a:solidFill>
+                <a:effectLst/>
+                <a:latin typeface="+mj-lt"/>
+              </a:endParaRPr>
+            </a:p>
+          </p:txBody>
+        </p:sp>
+        <p:sp>
+          <p:nvSpPr>
+            <p:cNvPr id="7" name="文字方塊 6">
+              <a:extLst>
+                <a:ext uri="{FF2B5EF4-FFF2-40B4-BE49-F238E27FC236}">
+                  <a16:creationId xmlns:a16="http://schemas.microsoft.com/office/drawing/2014/main" id="{90CB686D-B6A6-4FD3-B9D8-D99F3A53D597}"/>
+                </a:ext>
+              </a:extLst>
+            </p:cNvPr>
+            <p:cNvSpPr txBox="1"/>
+            <p:nvPr/>
+          </p:nvSpPr>
+          <p:spPr>
+            <a:xfrm>
+              <a:off x="10662585" y="3206644"/>
+              <a:ext cx="691215" cy="369332"/>
+            </a:xfrm>
+            <a:prstGeom prst="rect">
+              <a:avLst/>
+            </a:prstGeom>
+            <a:noFill/>
+          </p:spPr>
+          <p:txBody>
+            <a:bodyPr wrap="none" rtlCol="0">
+              <a:spAutoFit/>
+            </a:bodyPr>
+            <a:lstStyle/>
+            <a:p>
+              <a:r>
+                <a:rPr lang="en-US" altLang="zh-TW">
+                  <a:solidFill>
+                    <a:schemeClr val="accent3"/>
+                  </a:solidFill>
+                </a:rPr>
+                <a:t>bash</a:t>
+              </a:r>
+              <a:endParaRPr lang="zh-TW" altLang="en-US">
+                <a:solidFill>
+                  <a:schemeClr val="accent3"/>
+                </a:solidFill>
+              </a:endParaRPr>
+            </a:p>
+          </p:txBody>
+        </p:sp>
+      </p:grpSp>
+      <p:grpSp>
+        <p:nvGrpSpPr>
+          <p:cNvPr id="8" name="群組 7">
+            <a:extLst>
+              <a:ext uri="{FF2B5EF4-FFF2-40B4-BE49-F238E27FC236}">
+                <a16:creationId xmlns:a16="http://schemas.microsoft.com/office/drawing/2014/main" id="{0070D477-9E76-4F3C-B81C-0DB600E6AA17}"/>
+              </a:ext>
+            </a:extLst>
+          </p:cNvPr>
+          <p:cNvGrpSpPr/>
+          <p:nvPr/>
+        </p:nvGrpSpPr>
+        <p:grpSpPr>
+          <a:xfrm>
+            <a:off x="4143375" y="5073713"/>
+            <a:ext cx="7210425" cy="474232"/>
+            <a:chOff x="-2286000" y="3114311"/>
+            <a:chExt cx="7210425" cy="474232"/>
+          </a:xfrm>
+        </p:grpSpPr>
+        <p:sp>
+          <p:nvSpPr>
+            <p:cNvPr id="9" name="Rectangle 1">
+              <a:extLst>
+                <a:ext uri="{FF2B5EF4-FFF2-40B4-BE49-F238E27FC236}">
+                  <a16:creationId xmlns:a16="http://schemas.microsoft.com/office/drawing/2014/main" id="{228FBC69-ABE9-496E-BF7F-A61DD84B5418}"/>
+                </a:ext>
+              </a:extLst>
+            </p:cNvPr>
+            <p:cNvSpPr>
+              <a:spLocks noChangeArrowheads="1"/>
+            </p:cNvSpPr>
+            <p:nvPr/>
+          </p:nvSpPr>
+          <p:spPr bwMode="auto">
+            <a:xfrm>
+              <a:off x="-2286000" y="3114311"/>
+              <a:ext cx="7210425" cy="461665"/>
+            </a:xfrm>
+            <a:prstGeom prst="rect">
+              <a:avLst/>
+            </a:prstGeom>
+            <a:solidFill>
+              <a:srgbClr val="1E1F22"/>
+            </a:solidFill>
+            <a:ln>
+              <a:noFill/>
+            </a:ln>
+            <a:effectLst/>
+            <a:extLst>
+              <a:ext uri="{91240B29-F687-4F45-9708-019B960494DF}">
+                <a14:hiddenLine xmlns:a14="http://schemas.microsoft.com/office/drawing/2010/main" w="9525">
+                  <a:solidFill>
+                    <a:schemeClr val="tx1"/>
+                  </a:solidFill>
+                  <a:miter lim="800000"/>
+                  <a:headEnd/>
+                  <a:tailEnd/>
+                </a14:hiddenLine>
+              </a:ext>
+              <a:ext uri="{AF507438-7753-43E0-B8FC-AC1667EBCBE1}">
+                <a14:hiddenEffects xmlns:a14="http://schemas.microsoft.com/office/drawing/2010/main">
+                  <a:effectLst>
+                    <a:outerShdw dist="35921" dir="2700000" algn="ctr" rotWithShape="0">
+                      <a:schemeClr val="bg2"/>
+                    </a:outerShdw>
+                  </a:effectLst>
+                </a14:hiddenEffects>
+              </a:ext>
+            </a:extLst>
+          </p:spPr>
+          <p:txBody>
+            <a:bodyPr vert="horz" wrap="square" lIns="91440" tIns="45720" rIns="91440" bIns="45720" numCol="1" anchor="ctr" anchorCtr="0" compatLnSpc="1">
+              <a:prstTxWarp prst="textNoShape">
+                <a:avLst/>
+              </a:prstTxWarp>
+              <a:spAutoFit/>
+            </a:bodyPr>
+            <a:lstStyle/>
+            <a:p>
+              <a:pPr marL="0" marR="0" lvl="0" indent="0" algn="l" defTabSz="914400" rtl="0" eaLnBrk="0" fontAlgn="base" latinLnBrk="0" hangingPunct="0">
+                <a:lnSpc>
+                  <a:spcPct val="100000"/>
+                </a:lnSpc>
+                <a:spcBef>
+                  <a:spcPct val="0"/>
+                </a:spcBef>
+                <a:spcAft>
+                  <a:spcPct val="0"/>
+                </a:spcAft>
+                <a:buClrTx/>
+                <a:buSzTx/>
+                <a:buFontTx/>
+                <a:buNone/>
+                <a:tabLst/>
+              </a:pPr>
+              <a:r>
+                <a:rPr lang="en-US" altLang="zh-TW" sz="2400">
+                  <a:solidFill>
+                    <a:srgbClr val="00B0F0"/>
+                  </a:solidFill>
+                  <a:latin typeface="+mj-lt"/>
+                  <a:cs typeface="JetBrains Mono" panose="02000009000000000000" pitchFamily="49" charset="0"/>
+                </a:rPr>
+                <a:t>git</a:t>
+              </a:r>
+              <a:r>
+                <a:rPr kumimoji="0" lang="en-US" altLang="zh-TW" sz="2400" b="0" i="0" u="none" strike="noStrike" cap="none" normalizeH="0" baseline="0">
+                  <a:ln>
+                    <a:noFill/>
+                  </a:ln>
+                  <a:solidFill>
+                    <a:srgbClr val="BCBEC4"/>
+                  </a:solidFill>
+                  <a:effectLst/>
+                  <a:latin typeface="+mj-lt"/>
+                  <a:cs typeface="JetBrains Mono" panose="02000009000000000000" pitchFamily="49" charset="0"/>
+                </a:rPr>
+                <a:t> add</a:t>
+              </a:r>
+              <a:r>
+                <a:rPr kumimoji="0" lang="zh-TW" altLang="en-US" sz="2400" b="0" i="0" u="none" strike="noStrike" cap="none" normalizeH="0" baseline="0">
+                  <a:ln>
+                    <a:noFill/>
+                  </a:ln>
+                  <a:solidFill>
+                    <a:srgbClr val="BCBEC4"/>
+                  </a:solidFill>
+                  <a:effectLst/>
+                  <a:latin typeface="+mj-lt"/>
+                  <a:cs typeface="JetBrains Mono" panose="02000009000000000000" pitchFamily="49" charset="0"/>
+                </a:rPr>
+                <a:t> </a:t>
+              </a:r>
+              <a:r>
+                <a:rPr kumimoji="0" lang="zh-TW" altLang="en-US" sz="2400" b="0" i="0" u="none" strike="noStrike" cap="none" normalizeH="0" baseline="0">
+                  <a:ln>
+                    <a:noFill/>
+                  </a:ln>
+                  <a:solidFill>
+                    <a:srgbClr val="92D050"/>
+                  </a:solidFill>
+                  <a:effectLst/>
+                  <a:latin typeface="+mj-ea"/>
+                  <a:ea typeface="+mj-ea"/>
+                  <a:cs typeface="JetBrains Mono" panose="02000009000000000000" pitchFamily="49" charset="0"/>
+                </a:rPr>
+                <a:t>資料夾或檔案</a:t>
+              </a:r>
+              <a:r>
+                <a:rPr kumimoji="0" lang="en-US" altLang="zh-TW" sz="2400" b="0" i="0" u="none" strike="noStrike" cap="none" normalizeH="0" baseline="0">
+                  <a:ln>
+                    <a:noFill/>
+                  </a:ln>
+                  <a:solidFill>
+                    <a:srgbClr val="BCBEC4"/>
+                  </a:solidFill>
+                  <a:effectLst/>
+                  <a:latin typeface="+mj-ea"/>
+                  <a:ea typeface="+mj-ea"/>
+                  <a:cs typeface="JetBrains Mono" panose="02000009000000000000" pitchFamily="49" charset="0"/>
+                </a:rPr>
+                <a:t> </a:t>
+              </a:r>
+              <a:endParaRPr kumimoji="0" lang="zh-TW" altLang="zh-TW" sz="3600" b="0" i="0" u="none" strike="noStrike" cap="none" normalizeH="0" baseline="0">
+                <a:ln>
+                  <a:noFill/>
+                </a:ln>
+                <a:solidFill>
+                  <a:srgbClr val="92D050"/>
+                </a:solidFill>
+                <a:effectLst/>
+                <a:latin typeface="+mj-ea"/>
+                <a:ea typeface="+mj-ea"/>
+              </a:endParaRPr>
+            </a:p>
+          </p:txBody>
+        </p:sp>
+        <p:sp>
+          <p:nvSpPr>
+            <p:cNvPr id="10" name="文字方塊 9">
+              <a:extLst>
+                <a:ext uri="{FF2B5EF4-FFF2-40B4-BE49-F238E27FC236}">
+                  <a16:creationId xmlns:a16="http://schemas.microsoft.com/office/drawing/2014/main" id="{D8CC0278-D378-4383-8C85-4618FC5EC0E5}"/>
+                </a:ext>
+              </a:extLst>
+            </p:cNvPr>
+            <p:cNvSpPr txBox="1"/>
+            <p:nvPr/>
+          </p:nvSpPr>
+          <p:spPr>
+            <a:xfrm>
+              <a:off x="4233209" y="3219211"/>
+              <a:ext cx="691215" cy="369332"/>
+            </a:xfrm>
+            <a:prstGeom prst="rect">
+              <a:avLst/>
+            </a:prstGeom>
+            <a:noFill/>
+          </p:spPr>
+          <p:txBody>
+            <a:bodyPr wrap="none" rtlCol="0">
+              <a:spAutoFit/>
+            </a:bodyPr>
+            <a:lstStyle/>
+            <a:p>
+              <a:r>
+                <a:rPr lang="en-US" altLang="zh-TW">
+                  <a:solidFill>
+                    <a:schemeClr val="accent3"/>
+                  </a:solidFill>
+                </a:rPr>
+                <a:t>bash</a:t>
+              </a:r>
+              <a:endParaRPr lang="zh-TW" altLang="en-US">
+                <a:solidFill>
+                  <a:schemeClr val="accent3"/>
+                </a:solidFill>
+              </a:endParaRPr>
+            </a:p>
+          </p:txBody>
+        </p:sp>
+      </p:grpSp>
+      <p:sp>
+        <p:nvSpPr>
+          <p:cNvPr id="12" name="內容版面配置區 2">
+            <a:extLst>
+              <a:ext uri="{FF2B5EF4-FFF2-40B4-BE49-F238E27FC236}">
+                <a16:creationId xmlns:a16="http://schemas.microsoft.com/office/drawing/2014/main" id="{EE7F27BA-7AF3-43A5-B301-6615FCA55840}"/>
+              </a:ext>
+            </a:extLst>
+          </p:cNvPr>
+          <p:cNvSpPr txBox="1">
+            <a:spLocks/>
+          </p:cNvSpPr>
+          <p:nvPr/>
+        </p:nvSpPr>
+        <p:spPr>
+          <a:xfrm>
+            <a:off x="838200" y="5061146"/>
+            <a:ext cx="3305175" cy="486800"/>
+          </a:xfrm>
+          <a:prstGeom prst="rect">
+            <a:avLst/>
+          </a:prstGeom>
+        </p:spPr>
+        <p:txBody>
+          <a:bodyPr vert="horz" lIns="91440" tIns="45720" rIns="91440" bIns="45720" rtlCol="0">
+            <a:normAutofit/>
+          </a:bodyPr>
+          <a:lstStyle>
+            <a:lvl1pPr marL="0" indent="0" algn="l" defTabSz="914400" rtl="0" eaLnBrk="1" latinLnBrk="0" hangingPunct="1">
+              <a:lnSpc>
+                <a:spcPct val="90000"/>
+              </a:lnSpc>
+              <a:spcBef>
+                <a:spcPts val="1000"/>
+              </a:spcBef>
+              <a:buFont typeface="Arial" panose="020B0604020202020204" pitchFamily="34" charset="0"/>
+              <a:buNone/>
+              <a:defRPr sz="2800" kern="1200">
+                <a:solidFill>
+                  <a:schemeClr val="tx1"/>
+                </a:solidFill>
+                <a:latin typeface="+mn-lt"/>
+                <a:ea typeface="+mn-ea"/>
+                <a:cs typeface="+mn-cs"/>
+              </a:defRPr>
+            </a:lvl1pPr>
+            <a:lvl2pPr marL="457200" indent="0" algn="l" defTabSz="914400" rtl="0" eaLnBrk="1" latinLnBrk="0" hangingPunct="1">
+              <a:lnSpc>
+                <a:spcPct val="90000"/>
+              </a:lnSpc>
+              <a:spcBef>
+                <a:spcPts val="500"/>
+              </a:spcBef>
+              <a:buFont typeface="Arial" panose="020B0604020202020204" pitchFamily="34" charset="0"/>
+              <a:buNone/>
+              <a:defRPr sz="2400" kern="1200">
+                <a:solidFill>
+                  <a:schemeClr val="tx1"/>
+                </a:solidFill>
+                <a:latin typeface="+mn-lt"/>
+                <a:ea typeface="+mn-ea"/>
+                <a:cs typeface="+mn-cs"/>
+              </a:defRPr>
+            </a:lvl2pPr>
+            <a:lvl3pPr marL="914400" indent="0" algn="l" defTabSz="914400" rtl="0" eaLnBrk="1" latinLnBrk="0" hangingPunct="1">
+              <a:lnSpc>
+                <a:spcPct val="90000"/>
+              </a:lnSpc>
+              <a:spcBef>
+                <a:spcPts val="500"/>
+              </a:spcBef>
+              <a:buFont typeface="Arial" panose="020B0604020202020204" pitchFamily="34" charset="0"/>
+              <a:buNone/>
+              <a:defRPr sz="2000" kern="1200">
+                <a:solidFill>
+                  <a:schemeClr val="tx1"/>
+                </a:solidFill>
+                <a:latin typeface="+mn-lt"/>
+                <a:ea typeface="+mn-ea"/>
+                <a:cs typeface="+mn-cs"/>
+              </a:defRPr>
+            </a:lvl3pPr>
+            <a:lvl4pPr marL="1371600" indent="0" algn="l" defTabSz="914400" rtl="0" eaLnBrk="1" latinLnBrk="0" hangingPunct="1">
+              <a:lnSpc>
+                <a:spcPct val="90000"/>
+              </a:lnSpc>
+              <a:spcBef>
+                <a:spcPts val="500"/>
+              </a:spcBef>
+              <a:buFont typeface="Arial" panose="020B0604020202020204" pitchFamily="34" charset="0"/>
+              <a:buNone/>
+              <a:defRPr sz="1800" kern="1200">
+                <a:solidFill>
+                  <a:schemeClr val="tx1"/>
+                </a:solidFill>
+                <a:latin typeface="+mn-lt"/>
+                <a:ea typeface="+mn-ea"/>
+                <a:cs typeface="+mn-cs"/>
+              </a:defRPr>
+            </a:lvl4pPr>
+            <a:lvl5pPr marL="1828800" indent="0" algn="l" defTabSz="914400" rtl="0" eaLnBrk="1" latinLnBrk="0" hangingPunct="1">
+              <a:lnSpc>
+                <a:spcPct val="90000"/>
+              </a:lnSpc>
+              <a:spcBef>
+                <a:spcPts val="500"/>
+              </a:spcBef>
+              <a:buFont typeface="Arial" panose="020B0604020202020204" pitchFamily="34" charset="0"/>
+              <a:buNone/>
+              <a:defRPr sz="1800" kern="1200">
+                <a:solidFill>
+                  <a:schemeClr val="tx1"/>
+                </a:solidFill>
+                <a:latin typeface="+mn-lt"/>
+                <a:ea typeface="+mn-ea"/>
+                <a:cs typeface="+mn-cs"/>
+              </a:defRPr>
+            </a:lvl5pPr>
+            <a:lvl6pPr marL="2514600" indent="-228600" algn="l" defTabSz="914400" rtl="0" eaLnBrk="1" latinLnBrk="0" hangingPunct="1">
+              <a:lnSpc>
+                <a:spcPct val="90000"/>
+              </a:lnSpc>
+              <a:spcBef>
+                <a:spcPts val="500"/>
+              </a:spcBef>
+              <a:buFont typeface="Arial" panose="020B0604020202020204" pitchFamily="34" charset="0"/>
+              <a:buChar char="•"/>
+              <a:defRPr sz="1800" kern="1200">
+                <a:solidFill>
+                  <a:schemeClr val="tx1"/>
+                </a:solidFill>
+                <a:latin typeface="+mn-lt"/>
+                <a:ea typeface="+mn-ea"/>
+                <a:cs typeface="+mn-cs"/>
+              </a:defRPr>
+            </a:lvl6pPr>
+            <a:lvl7pPr marL="2971800" indent="-228600" algn="l" defTabSz="914400" rtl="0" eaLnBrk="1" latinLnBrk="0" hangingPunct="1">
+              <a:lnSpc>
+                <a:spcPct val="90000"/>
+              </a:lnSpc>
+              <a:spcBef>
+                <a:spcPts val="500"/>
+              </a:spcBef>
+              <a:buFont typeface="Arial" panose="020B0604020202020204" pitchFamily="34" charset="0"/>
+              <a:buChar char="•"/>
+              <a:defRPr sz="1800" kern="1200">
+                <a:solidFill>
+                  <a:schemeClr val="tx1"/>
+                </a:solidFill>
+                <a:latin typeface="+mn-lt"/>
+                <a:ea typeface="+mn-ea"/>
+                <a:cs typeface="+mn-cs"/>
+              </a:defRPr>
+            </a:lvl7pPr>
+            <a:lvl8pPr marL="3429000" indent="-228600" algn="l" defTabSz="914400" rtl="0" eaLnBrk="1" latinLnBrk="0" hangingPunct="1">
+              <a:lnSpc>
+                <a:spcPct val="90000"/>
+              </a:lnSpc>
+              <a:spcBef>
+                <a:spcPts val="500"/>
+              </a:spcBef>
+              <a:buFont typeface="Arial" panose="020B0604020202020204" pitchFamily="34" charset="0"/>
+              <a:buChar char="•"/>
+              <a:defRPr sz="1800" kern="1200">
+                <a:solidFill>
+                  <a:schemeClr val="tx1"/>
+                </a:solidFill>
+                <a:latin typeface="+mn-lt"/>
+                <a:ea typeface="+mn-ea"/>
+                <a:cs typeface="+mn-cs"/>
+              </a:defRPr>
+            </a:lvl8pPr>
+            <a:lvl9pPr marL="3886200" indent="-228600" algn="l" defTabSz="914400" rtl="0" eaLnBrk="1" latinLnBrk="0" hangingPunct="1">
+              <a:lnSpc>
+                <a:spcPct val="90000"/>
+              </a:lnSpc>
+              <a:spcBef>
+                <a:spcPts val="500"/>
+              </a:spcBef>
+              <a:buFont typeface="Arial" panose="020B0604020202020204" pitchFamily="34" charset="0"/>
+              <a:buChar char="•"/>
+              <a:defRPr sz="1800" kern="1200">
+                <a:solidFill>
+                  <a:schemeClr val="tx1"/>
+                </a:solidFill>
+                <a:latin typeface="+mn-lt"/>
+                <a:ea typeface="+mn-ea"/>
+                <a:cs typeface="+mn-cs"/>
+              </a:defRPr>
+            </a:lvl9pPr>
+          </a:lstStyle>
+          <a:p>
+            <a:r>
+              <a:rPr lang="zh-TW" altLang="en-US"/>
+              <a:t>特定資料夾或檔案：</a:t>
+            </a:r>
+            <a:endParaRPr lang="en-US" altLang="zh-TW"/>
+          </a:p>
+        </p:txBody>
+      </p:sp>
+      <p:grpSp>
+        <p:nvGrpSpPr>
+          <p:cNvPr id="18" name="群組 17">
+            <a:extLst>
+              <a:ext uri="{FF2B5EF4-FFF2-40B4-BE49-F238E27FC236}">
+                <a16:creationId xmlns:a16="http://schemas.microsoft.com/office/drawing/2014/main" id="{B0C105B2-521B-49DB-9712-3BFC26B9D9C3}"/>
+              </a:ext>
+            </a:extLst>
+          </p:cNvPr>
+          <p:cNvGrpSpPr/>
+          <p:nvPr/>
+        </p:nvGrpSpPr>
+        <p:grpSpPr>
+          <a:xfrm>
+            <a:off x="2743200" y="5714402"/>
+            <a:ext cx="2869674" cy="461665"/>
+            <a:chOff x="838200" y="3114311"/>
+            <a:chExt cx="2869674" cy="461665"/>
+          </a:xfrm>
+        </p:grpSpPr>
+        <p:sp>
+          <p:nvSpPr>
+            <p:cNvPr id="19" name="Rectangle 1">
+              <a:extLst>
+                <a:ext uri="{FF2B5EF4-FFF2-40B4-BE49-F238E27FC236}">
+                  <a16:creationId xmlns:a16="http://schemas.microsoft.com/office/drawing/2014/main" id="{4CC671EE-B03F-40EC-A77C-0BB0D9A8DDD1}"/>
+                </a:ext>
+              </a:extLst>
+            </p:cNvPr>
+            <p:cNvSpPr>
+              <a:spLocks noChangeArrowheads="1"/>
+            </p:cNvSpPr>
+            <p:nvPr/>
+          </p:nvSpPr>
+          <p:spPr bwMode="auto">
+            <a:xfrm>
+              <a:off x="838200" y="3114311"/>
+              <a:ext cx="2869673" cy="461665"/>
+            </a:xfrm>
+            <a:prstGeom prst="rect">
+              <a:avLst/>
+            </a:prstGeom>
+            <a:solidFill>
+              <a:srgbClr val="1E1F22"/>
+            </a:solidFill>
+            <a:ln>
+              <a:noFill/>
+            </a:ln>
+            <a:effectLst/>
+            <a:extLst>
+              <a:ext uri="{91240B29-F687-4F45-9708-019B960494DF}">
+                <a14:hiddenLine xmlns:a14="http://schemas.microsoft.com/office/drawing/2010/main" w="9525">
+                  <a:solidFill>
+                    <a:schemeClr val="tx1"/>
+                  </a:solidFill>
+                  <a:miter lim="800000"/>
+                  <a:headEnd/>
+                  <a:tailEnd/>
+                </a14:hiddenLine>
+              </a:ext>
+              <a:ext uri="{AF507438-7753-43E0-B8FC-AC1667EBCBE1}">
+                <a14:hiddenEffects xmlns:a14="http://schemas.microsoft.com/office/drawing/2010/main">
+                  <a:effectLst>
+                    <a:outerShdw dist="35921" dir="2700000" algn="ctr" rotWithShape="0">
+                      <a:schemeClr val="bg2"/>
+                    </a:outerShdw>
+                  </a:effectLst>
+                </a14:hiddenEffects>
+              </a:ext>
+            </a:extLst>
+          </p:spPr>
+          <p:txBody>
+            <a:bodyPr vert="horz" wrap="square" lIns="91440" tIns="45720" rIns="91440" bIns="45720" numCol="1" anchor="ctr" anchorCtr="0" compatLnSpc="1">
+              <a:prstTxWarp prst="textNoShape">
+                <a:avLst/>
+              </a:prstTxWarp>
+              <a:spAutoFit/>
+            </a:bodyPr>
+            <a:lstStyle/>
+            <a:p>
+              <a:pPr marL="0" marR="0" lvl="0" indent="0" algn="l" defTabSz="914400" rtl="0" eaLnBrk="0" fontAlgn="base" latinLnBrk="0" hangingPunct="0">
+                <a:lnSpc>
+                  <a:spcPct val="100000"/>
+                </a:lnSpc>
+                <a:spcBef>
+                  <a:spcPct val="0"/>
+                </a:spcBef>
+                <a:spcAft>
+                  <a:spcPct val="0"/>
+                </a:spcAft>
+                <a:buClrTx/>
+                <a:buSzTx/>
+                <a:buFontTx/>
+                <a:buNone/>
+                <a:tabLst/>
+              </a:pPr>
+              <a:r>
+                <a:rPr lang="en-US" altLang="zh-TW" sz="2400">
+                  <a:solidFill>
+                    <a:srgbClr val="00B0F0"/>
+                  </a:solidFill>
+                  <a:latin typeface="+mj-lt"/>
+                  <a:cs typeface="JetBrains Mono" panose="02000009000000000000" pitchFamily="49" charset="0"/>
+                </a:rPr>
+                <a:t>git</a:t>
+              </a:r>
+              <a:r>
+                <a:rPr kumimoji="0" lang="en-US" altLang="zh-TW" sz="2400" b="0" i="0" u="none" strike="noStrike" cap="none" normalizeH="0" baseline="0">
+                  <a:ln>
+                    <a:noFill/>
+                  </a:ln>
+                  <a:solidFill>
+                    <a:srgbClr val="BCBEC4"/>
+                  </a:solidFill>
+                  <a:effectLst/>
+                  <a:latin typeface="+mj-lt"/>
+                  <a:cs typeface="JetBrains Mono" panose="02000009000000000000" pitchFamily="49" charset="0"/>
+                </a:rPr>
+                <a:t> add -A</a:t>
+              </a:r>
+              <a:endParaRPr kumimoji="0" lang="zh-TW" altLang="zh-TW" sz="3600" b="0" i="0" u="none" strike="noStrike" cap="none" normalizeH="0" baseline="0">
+                <a:ln>
+                  <a:noFill/>
+                </a:ln>
+                <a:solidFill>
+                  <a:srgbClr val="92D050"/>
+                </a:solidFill>
+                <a:effectLst/>
+                <a:latin typeface="+mj-ea"/>
+                <a:ea typeface="+mj-ea"/>
+              </a:endParaRPr>
+            </a:p>
+          </p:txBody>
+        </p:sp>
+        <p:sp>
+          <p:nvSpPr>
+            <p:cNvPr id="20" name="文字方塊 19">
+              <a:extLst>
+                <a:ext uri="{FF2B5EF4-FFF2-40B4-BE49-F238E27FC236}">
+                  <a16:creationId xmlns:a16="http://schemas.microsoft.com/office/drawing/2014/main" id="{897DBDEA-63C4-4646-949F-A6F23545E65F}"/>
+                </a:ext>
+              </a:extLst>
+            </p:cNvPr>
+            <p:cNvSpPr txBox="1"/>
+            <p:nvPr/>
+          </p:nvSpPr>
+          <p:spPr>
+            <a:xfrm>
+              <a:off x="3016659" y="3206644"/>
+              <a:ext cx="691215" cy="369332"/>
+            </a:xfrm>
+            <a:prstGeom prst="rect">
+              <a:avLst/>
+            </a:prstGeom>
+            <a:noFill/>
+          </p:spPr>
+          <p:txBody>
+            <a:bodyPr wrap="none" rtlCol="0">
+              <a:spAutoFit/>
+            </a:bodyPr>
+            <a:lstStyle/>
+            <a:p>
+              <a:r>
+                <a:rPr lang="en-US" altLang="zh-TW">
+                  <a:solidFill>
+                    <a:schemeClr val="accent3"/>
+                  </a:solidFill>
+                </a:rPr>
+                <a:t>bash</a:t>
+              </a:r>
+              <a:endParaRPr lang="zh-TW" altLang="en-US">
+                <a:solidFill>
+                  <a:schemeClr val="accent3"/>
+                </a:solidFill>
+              </a:endParaRPr>
+            </a:p>
+          </p:txBody>
+        </p:sp>
+      </p:grpSp>
+      <p:sp>
+        <p:nvSpPr>
+          <p:cNvPr id="21" name="內容版面配置區 2">
+            <a:extLst>
+              <a:ext uri="{FF2B5EF4-FFF2-40B4-BE49-F238E27FC236}">
+                <a16:creationId xmlns:a16="http://schemas.microsoft.com/office/drawing/2014/main" id="{3772DD66-B27D-48D0-8302-607254C6BA74}"/>
+              </a:ext>
+            </a:extLst>
+          </p:cNvPr>
+          <p:cNvSpPr txBox="1">
+            <a:spLocks/>
+          </p:cNvSpPr>
+          <p:nvPr/>
+        </p:nvSpPr>
+        <p:spPr>
+          <a:xfrm>
+            <a:off x="838200" y="5701834"/>
+            <a:ext cx="1905000" cy="486800"/>
+          </a:xfrm>
+          <a:prstGeom prst="rect">
+            <a:avLst/>
+          </a:prstGeom>
+        </p:spPr>
+        <p:txBody>
+          <a:bodyPr vert="horz" lIns="91440" tIns="45720" rIns="91440" bIns="45720" rtlCol="0">
+            <a:normAutofit/>
+          </a:bodyPr>
+          <a:lstStyle>
+            <a:lvl1pPr marL="0" indent="0" algn="l" defTabSz="914400" rtl="0" eaLnBrk="1" latinLnBrk="0" hangingPunct="1">
+              <a:lnSpc>
+                <a:spcPct val="90000"/>
+              </a:lnSpc>
+              <a:spcBef>
+                <a:spcPts val="1000"/>
+              </a:spcBef>
+              <a:buFont typeface="Arial" panose="020B0604020202020204" pitchFamily="34" charset="0"/>
+              <a:buNone/>
+              <a:defRPr sz="2800" kern="1200">
+                <a:solidFill>
+                  <a:schemeClr val="tx1"/>
+                </a:solidFill>
+                <a:latin typeface="+mn-lt"/>
+                <a:ea typeface="+mn-ea"/>
+                <a:cs typeface="+mn-cs"/>
+              </a:defRPr>
+            </a:lvl1pPr>
+            <a:lvl2pPr marL="457200" indent="0" algn="l" defTabSz="914400" rtl="0" eaLnBrk="1" latinLnBrk="0" hangingPunct="1">
+              <a:lnSpc>
+                <a:spcPct val="90000"/>
+              </a:lnSpc>
+              <a:spcBef>
+                <a:spcPts val="500"/>
+              </a:spcBef>
+              <a:buFont typeface="Arial" panose="020B0604020202020204" pitchFamily="34" charset="0"/>
+              <a:buNone/>
+              <a:defRPr sz="2400" kern="1200">
+                <a:solidFill>
+                  <a:schemeClr val="tx1"/>
+                </a:solidFill>
+                <a:latin typeface="+mn-lt"/>
+                <a:ea typeface="+mn-ea"/>
+                <a:cs typeface="+mn-cs"/>
+              </a:defRPr>
+            </a:lvl2pPr>
+            <a:lvl3pPr marL="914400" indent="0" algn="l" defTabSz="914400" rtl="0" eaLnBrk="1" latinLnBrk="0" hangingPunct="1">
+              <a:lnSpc>
+                <a:spcPct val="90000"/>
+              </a:lnSpc>
+              <a:spcBef>
+                <a:spcPts val="500"/>
+              </a:spcBef>
+              <a:buFont typeface="Arial" panose="020B0604020202020204" pitchFamily="34" charset="0"/>
+              <a:buNone/>
+              <a:defRPr sz="2000" kern="1200">
+                <a:solidFill>
+                  <a:schemeClr val="tx1"/>
+                </a:solidFill>
+                <a:latin typeface="+mn-lt"/>
+                <a:ea typeface="+mn-ea"/>
+                <a:cs typeface="+mn-cs"/>
+              </a:defRPr>
+            </a:lvl3pPr>
+            <a:lvl4pPr marL="1371600" indent="0" algn="l" defTabSz="914400" rtl="0" eaLnBrk="1" latinLnBrk="0" hangingPunct="1">
+              <a:lnSpc>
+                <a:spcPct val="90000"/>
+              </a:lnSpc>
+              <a:spcBef>
+                <a:spcPts val="500"/>
+              </a:spcBef>
+              <a:buFont typeface="Arial" panose="020B0604020202020204" pitchFamily="34" charset="0"/>
+              <a:buNone/>
+              <a:defRPr sz="1800" kern="1200">
+                <a:solidFill>
+                  <a:schemeClr val="tx1"/>
+                </a:solidFill>
+                <a:latin typeface="+mn-lt"/>
+                <a:ea typeface="+mn-ea"/>
+                <a:cs typeface="+mn-cs"/>
+              </a:defRPr>
+            </a:lvl4pPr>
+            <a:lvl5pPr marL="1828800" indent="0" algn="l" defTabSz="914400" rtl="0" eaLnBrk="1" latinLnBrk="0" hangingPunct="1">
+              <a:lnSpc>
+                <a:spcPct val="90000"/>
+              </a:lnSpc>
+              <a:spcBef>
+                <a:spcPts val="500"/>
+              </a:spcBef>
+              <a:buFont typeface="Arial" panose="020B0604020202020204" pitchFamily="34" charset="0"/>
+              <a:buNone/>
+              <a:defRPr sz="1800" kern="1200">
+                <a:solidFill>
+                  <a:schemeClr val="tx1"/>
+                </a:solidFill>
+                <a:latin typeface="+mn-lt"/>
+                <a:ea typeface="+mn-ea"/>
+                <a:cs typeface="+mn-cs"/>
+              </a:defRPr>
+            </a:lvl5pPr>
+            <a:lvl6pPr marL="2514600" indent="-228600" algn="l" defTabSz="914400" rtl="0" eaLnBrk="1" latinLnBrk="0" hangingPunct="1">
+              <a:lnSpc>
+                <a:spcPct val="90000"/>
+              </a:lnSpc>
+              <a:spcBef>
+                <a:spcPts val="500"/>
+              </a:spcBef>
+              <a:buFont typeface="Arial" panose="020B0604020202020204" pitchFamily="34" charset="0"/>
+              <a:buChar char="•"/>
+              <a:defRPr sz="1800" kern="1200">
+                <a:solidFill>
+                  <a:schemeClr val="tx1"/>
+                </a:solidFill>
+                <a:latin typeface="+mn-lt"/>
+                <a:ea typeface="+mn-ea"/>
+                <a:cs typeface="+mn-cs"/>
+              </a:defRPr>
+            </a:lvl6pPr>
+            <a:lvl7pPr marL="2971800" indent="-228600" algn="l" defTabSz="914400" rtl="0" eaLnBrk="1" latinLnBrk="0" hangingPunct="1">
+              <a:lnSpc>
+                <a:spcPct val="90000"/>
+              </a:lnSpc>
+              <a:spcBef>
+                <a:spcPts val="500"/>
+              </a:spcBef>
+              <a:buFont typeface="Arial" panose="020B0604020202020204" pitchFamily="34" charset="0"/>
+              <a:buChar char="•"/>
+              <a:defRPr sz="1800" kern="1200">
+                <a:solidFill>
+                  <a:schemeClr val="tx1"/>
+                </a:solidFill>
+                <a:latin typeface="+mn-lt"/>
+                <a:ea typeface="+mn-ea"/>
+                <a:cs typeface="+mn-cs"/>
+              </a:defRPr>
+            </a:lvl7pPr>
+            <a:lvl8pPr marL="3429000" indent="-228600" algn="l" defTabSz="914400" rtl="0" eaLnBrk="1" latinLnBrk="0" hangingPunct="1">
+              <a:lnSpc>
+                <a:spcPct val="90000"/>
+              </a:lnSpc>
+              <a:spcBef>
+                <a:spcPts val="500"/>
+              </a:spcBef>
+              <a:buFont typeface="Arial" panose="020B0604020202020204" pitchFamily="34" charset="0"/>
+              <a:buChar char="•"/>
+              <a:defRPr sz="1800" kern="1200">
+                <a:solidFill>
+                  <a:schemeClr val="tx1"/>
+                </a:solidFill>
+                <a:latin typeface="+mn-lt"/>
+                <a:ea typeface="+mn-ea"/>
+                <a:cs typeface="+mn-cs"/>
+              </a:defRPr>
+            </a:lvl8pPr>
+            <a:lvl9pPr marL="3886200" indent="-228600" algn="l" defTabSz="914400" rtl="0" eaLnBrk="1" latinLnBrk="0" hangingPunct="1">
+              <a:lnSpc>
+                <a:spcPct val="90000"/>
+              </a:lnSpc>
+              <a:spcBef>
+                <a:spcPts val="500"/>
+              </a:spcBef>
+              <a:buFont typeface="Arial" panose="020B0604020202020204" pitchFamily="34" charset="0"/>
+              <a:buChar char="•"/>
+              <a:defRPr sz="1800" kern="1200">
+                <a:solidFill>
+                  <a:schemeClr val="tx1"/>
+                </a:solidFill>
+                <a:latin typeface="+mn-lt"/>
+                <a:ea typeface="+mn-ea"/>
+                <a:cs typeface="+mn-cs"/>
+              </a:defRPr>
+            </a:lvl9pPr>
+          </a:lstStyle>
+          <a:p>
+            <a:r>
+              <a:rPr lang="zh-TW" altLang="en-US"/>
+              <a:t>所有檔案：</a:t>
+            </a:r>
+            <a:endParaRPr lang="en-US" altLang="zh-TW"/>
+          </a:p>
+        </p:txBody>
+      </p:sp>
+      <p:grpSp>
+        <p:nvGrpSpPr>
+          <p:cNvPr id="27" name="群組 26">
+            <a:extLst>
+              <a:ext uri="{FF2B5EF4-FFF2-40B4-BE49-F238E27FC236}">
+                <a16:creationId xmlns:a16="http://schemas.microsoft.com/office/drawing/2014/main" id="{CE3F4DC4-7A50-40CB-9577-5B5244AC76C5}"/>
+              </a:ext>
+            </a:extLst>
+          </p:cNvPr>
+          <p:cNvGrpSpPr/>
+          <p:nvPr/>
+        </p:nvGrpSpPr>
+        <p:grpSpPr>
+          <a:xfrm>
+            <a:off x="8524875" y="5714402"/>
+            <a:ext cx="2828925" cy="461665"/>
+            <a:chOff x="605490" y="3114311"/>
+            <a:chExt cx="2828925" cy="461665"/>
+          </a:xfrm>
+        </p:grpSpPr>
+        <p:sp>
+          <p:nvSpPr>
+            <p:cNvPr id="28" name="Rectangle 1">
+              <a:extLst>
+                <a:ext uri="{FF2B5EF4-FFF2-40B4-BE49-F238E27FC236}">
+                  <a16:creationId xmlns:a16="http://schemas.microsoft.com/office/drawing/2014/main" id="{4D3DF8EF-1E49-4100-BA24-7A70570DB582}"/>
+                </a:ext>
+              </a:extLst>
+            </p:cNvPr>
+            <p:cNvSpPr>
+              <a:spLocks noChangeArrowheads="1"/>
+            </p:cNvSpPr>
+            <p:nvPr/>
+          </p:nvSpPr>
+          <p:spPr bwMode="auto">
+            <a:xfrm>
+              <a:off x="605490" y="3114311"/>
+              <a:ext cx="2828925" cy="461665"/>
+            </a:xfrm>
+            <a:prstGeom prst="rect">
+              <a:avLst/>
+            </a:prstGeom>
+            <a:solidFill>
+              <a:srgbClr val="1E1F22"/>
+            </a:solidFill>
+            <a:ln>
+              <a:noFill/>
+            </a:ln>
+            <a:effectLst/>
+            <a:extLst>
+              <a:ext uri="{91240B29-F687-4F45-9708-019B960494DF}">
+                <a14:hiddenLine xmlns:a14="http://schemas.microsoft.com/office/drawing/2010/main" w="9525">
+                  <a:solidFill>
+                    <a:schemeClr val="tx1"/>
+                  </a:solidFill>
+                  <a:miter lim="800000"/>
+                  <a:headEnd/>
+                  <a:tailEnd/>
+                </a14:hiddenLine>
+              </a:ext>
+              <a:ext uri="{AF507438-7753-43E0-B8FC-AC1667EBCBE1}">
+                <a14:hiddenEffects xmlns:a14="http://schemas.microsoft.com/office/drawing/2010/main">
+                  <a:effectLst>
+                    <a:outerShdw dist="35921" dir="2700000" algn="ctr" rotWithShape="0">
+                      <a:schemeClr val="bg2"/>
+                    </a:outerShdw>
+                  </a:effectLst>
+                </a14:hiddenEffects>
+              </a:ext>
+            </a:extLst>
+          </p:spPr>
+          <p:txBody>
+            <a:bodyPr vert="horz" wrap="square" lIns="91440" tIns="45720" rIns="91440" bIns="45720" numCol="1" anchor="ctr" anchorCtr="0" compatLnSpc="1">
+              <a:prstTxWarp prst="textNoShape">
+                <a:avLst/>
+              </a:prstTxWarp>
+              <a:spAutoFit/>
+            </a:bodyPr>
+            <a:lstStyle/>
+            <a:p>
+              <a:pPr marL="0" marR="0" lvl="0" indent="0" algn="l" defTabSz="914400" rtl="0" eaLnBrk="0" fontAlgn="base" latinLnBrk="0" hangingPunct="0">
+                <a:lnSpc>
+                  <a:spcPct val="100000"/>
+                </a:lnSpc>
+                <a:spcBef>
+                  <a:spcPct val="0"/>
+                </a:spcBef>
+                <a:spcAft>
+                  <a:spcPct val="0"/>
+                </a:spcAft>
+                <a:buClrTx/>
+                <a:buSzTx/>
+                <a:buFontTx/>
+                <a:buNone/>
+                <a:tabLst/>
+              </a:pPr>
+              <a:r>
+                <a:rPr lang="en-US" altLang="zh-TW" sz="2400">
+                  <a:solidFill>
+                    <a:srgbClr val="00B0F0"/>
+                  </a:solidFill>
+                  <a:latin typeface="+mj-lt"/>
+                  <a:cs typeface="JetBrains Mono" panose="02000009000000000000" pitchFamily="49" charset="0"/>
+                </a:rPr>
+                <a:t>git</a:t>
+              </a:r>
+              <a:r>
+                <a:rPr kumimoji="0" lang="en-US" altLang="zh-TW" sz="2400" b="0" i="0" u="none" strike="noStrike" cap="none" normalizeH="0" baseline="0">
+                  <a:ln>
+                    <a:noFill/>
+                  </a:ln>
+                  <a:solidFill>
+                    <a:srgbClr val="BCBEC4"/>
+                  </a:solidFill>
+                  <a:effectLst/>
+                  <a:latin typeface="+mj-lt"/>
+                  <a:cs typeface="JetBrains Mono" panose="02000009000000000000" pitchFamily="49" charset="0"/>
+                </a:rPr>
+                <a:t> add -u</a:t>
+              </a:r>
+              <a:endParaRPr kumimoji="0" lang="zh-TW" altLang="zh-TW" sz="3600" b="0" i="0" u="none" strike="noStrike" cap="none" normalizeH="0" baseline="0">
+                <a:ln>
+                  <a:noFill/>
+                </a:ln>
+                <a:solidFill>
+                  <a:srgbClr val="92D050"/>
+                </a:solidFill>
+                <a:effectLst/>
+                <a:latin typeface="+mj-ea"/>
+                <a:ea typeface="+mj-ea"/>
+              </a:endParaRPr>
+            </a:p>
+          </p:txBody>
+        </p:sp>
+        <p:sp>
+          <p:nvSpPr>
+            <p:cNvPr id="29" name="文字方塊 28">
+              <a:extLst>
+                <a:ext uri="{FF2B5EF4-FFF2-40B4-BE49-F238E27FC236}">
+                  <a16:creationId xmlns:a16="http://schemas.microsoft.com/office/drawing/2014/main" id="{B5CD12BC-D102-472E-BBB3-9B982F0F1039}"/>
+                </a:ext>
+              </a:extLst>
+            </p:cNvPr>
+            <p:cNvSpPr txBox="1"/>
+            <p:nvPr/>
+          </p:nvSpPr>
+          <p:spPr>
+            <a:xfrm>
+              <a:off x="2743198" y="3206644"/>
+              <a:ext cx="691215" cy="369332"/>
+            </a:xfrm>
+            <a:prstGeom prst="rect">
+              <a:avLst/>
+            </a:prstGeom>
+            <a:noFill/>
+          </p:spPr>
+          <p:txBody>
+            <a:bodyPr wrap="none" rtlCol="0">
+              <a:spAutoFit/>
+            </a:bodyPr>
+            <a:lstStyle/>
+            <a:p>
+              <a:r>
+                <a:rPr lang="en-US" altLang="zh-TW">
+                  <a:solidFill>
+                    <a:schemeClr val="accent3"/>
+                  </a:solidFill>
+                </a:rPr>
+                <a:t>bash</a:t>
+              </a:r>
+              <a:endParaRPr lang="zh-TW" altLang="en-US">
+                <a:solidFill>
+                  <a:schemeClr val="accent3"/>
+                </a:solidFill>
+              </a:endParaRPr>
+            </a:p>
+          </p:txBody>
+        </p:sp>
+      </p:grpSp>
+      <p:sp>
+        <p:nvSpPr>
+          <p:cNvPr id="30" name="內容版面配置區 2">
+            <a:extLst>
+              <a:ext uri="{FF2B5EF4-FFF2-40B4-BE49-F238E27FC236}">
+                <a16:creationId xmlns:a16="http://schemas.microsoft.com/office/drawing/2014/main" id="{3FE2995C-75EF-4DCB-9D51-3BD6F89B7A0F}"/>
+              </a:ext>
+            </a:extLst>
+          </p:cNvPr>
+          <p:cNvSpPr txBox="1">
+            <a:spLocks/>
+          </p:cNvSpPr>
+          <p:nvPr/>
+        </p:nvSpPr>
+        <p:spPr>
+          <a:xfrm>
+            <a:off x="5612873" y="5701834"/>
+            <a:ext cx="2912002" cy="486800"/>
+          </a:xfrm>
+          <a:prstGeom prst="rect">
+            <a:avLst/>
+          </a:prstGeom>
+        </p:spPr>
+        <p:txBody>
+          <a:bodyPr vert="horz" lIns="91440" tIns="45720" rIns="91440" bIns="45720" rtlCol="0">
+            <a:normAutofit/>
+          </a:bodyPr>
+          <a:lstStyle>
+            <a:lvl1pPr marL="0" indent="0" algn="l" defTabSz="914400" rtl="0" eaLnBrk="1" latinLnBrk="0" hangingPunct="1">
+              <a:lnSpc>
+                <a:spcPct val="90000"/>
+              </a:lnSpc>
+              <a:spcBef>
+                <a:spcPts val="1000"/>
+              </a:spcBef>
+              <a:buFont typeface="Arial" panose="020B0604020202020204" pitchFamily="34" charset="0"/>
+              <a:buNone/>
+              <a:defRPr sz="2800" kern="1200">
+                <a:solidFill>
+                  <a:schemeClr val="tx1"/>
+                </a:solidFill>
+                <a:latin typeface="+mn-lt"/>
+                <a:ea typeface="+mn-ea"/>
+                <a:cs typeface="+mn-cs"/>
+              </a:defRPr>
+            </a:lvl1pPr>
+            <a:lvl2pPr marL="457200" indent="0" algn="l" defTabSz="914400" rtl="0" eaLnBrk="1" latinLnBrk="0" hangingPunct="1">
+              <a:lnSpc>
+                <a:spcPct val="90000"/>
+              </a:lnSpc>
+              <a:spcBef>
+                <a:spcPts val="500"/>
+              </a:spcBef>
+              <a:buFont typeface="Arial" panose="020B0604020202020204" pitchFamily="34" charset="0"/>
+              <a:buNone/>
+              <a:defRPr sz="2400" kern="1200">
+                <a:solidFill>
+                  <a:schemeClr val="tx1"/>
+                </a:solidFill>
+                <a:latin typeface="+mn-lt"/>
+                <a:ea typeface="+mn-ea"/>
+                <a:cs typeface="+mn-cs"/>
+              </a:defRPr>
+            </a:lvl2pPr>
+            <a:lvl3pPr marL="914400" indent="0" algn="l" defTabSz="914400" rtl="0" eaLnBrk="1" latinLnBrk="0" hangingPunct="1">
+              <a:lnSpc>
+                <a:spcPct val="90000"/>
+              </a:lnSpc>
+              <a:spcBef>
+                <a:spcPts val="500"/>
+              </a:spcBef>
+              <a:buFont typeface="Arial" panose="020B0604020202020204" pitchFamily="34" charset="0"/>
+              <a:buNone/>
+              <a:defRPr sz="2000" kern="1200">
+                <a:solidFill>
+                  <a:schemeClr val="tx1"/>
+                </a:solidFill>
+                <a:latin typeface="+mn-lt"/>
+                <a:ea typeface="+mn-ea"/>
+                <a:cs typeface="+mn-cs"/>
+              </a:defRPr>
+            </a:lvl3pPr>
+            <a:lvl4pPr marL="1371600" indent="0" algn="l" defTabSz="914400" rtl="0" eaLnBrk="1" latinLnBrk="0" hangingPunct="1">
+              <a:lnSpc>
+                <a:spcPct val="90000"/>
+              </a:lnSpc>
+              <a:spcBef>
+                <a:spcPts val="500"/>
+              </a:spcBef>
+              <a:buFont typeface="Arial" panose="020B0604020202020204" pitchFamily="34" charset="0"/>
+              <a:buNone/>
+              <a:defRPr sz="1800" kern="1200">
+                <a:solidFill>
+                  <a:schemeClr val="tx1"/>
+                </a:solidFill>
+                <a:latin typeface="+mn-lt"/>
+                <a:ea typeface="+mn-ea"/>
+                <a:cs typeface="+mn-cs"/>
+              </a:defRPr>
+            </a:lvl4pPr>
+            <a:lvl5pPr marL="1828800" indent="0" algn="l" defTabSz="914400" rtl="0" eaLnBrk="1" latinLnBrk="0" hangingPunct="1">
+              <a:lnSpc>
+                <a:spcPct val="90000"/>
+              </a:lnSpc>
+              <a:spcBef>
+                <a:spcPts val="500"/>
+              </a:spcBef>
+              <a:buFont typeface="Arial" panose="020B0604020202020204" pitchFamily="34" charset="0"/>
+              <a:buNone/>
+              <a:defRPr sz="1800" kern="1200">
+                <a:solidFill>
+                  <a:schemeClr val="tx1"/>
+                </a:solidFill>
+                <a:latin typeface="+mn-lt"/>
+                <a:ea typeface="+mn-ea"/>
+                <a:cs typeface="+mn-cs"/>
+              </a:defRPr>
+            </a:lvl5pPr>
+            <a:lvl6pPr marL="2514600" indent="-228600" algn="l" defTabSz="914400" rtl="0" eaLnBrk="1" latinLnBrk="0" hangingPunct="1">
+              <a:lnSpc>
+                <a:spcPct val="90000"/>
+              </a:lnSpc>
+              <a:spcBef>
+                <a:spcPts val="500"/>
+              </a:spcBef>
+              <a:buFont typeface="Arial" panose="020B0604020202020204" pitchFamily="34" charset="0"/>
+              <a:buChar char="•"/>
+              <a:defRPr sz="1800" kern="1200">
+                <a:solidFill>
+                  <a:schemeClr val="tx1"/>
+                </a:solidFill>
+                <a:latin typeface="+mn-lt"/>
+                <a:ea typeface="+mn-ea"/>
+                <a:cs typeface="+mn-cs"/>
+              </a:defRPr>
+            </a:lvl6pPr>
+            <a:lvl7pPr marL="2971800" indent="-228600" algn="l" defTabSz="914400" rtl="0" eaLnBrk="1" latinLnBrk="0" hangingPunct="1">
+              <a:lnSpc>
+                <a:spcPct val="90000"/>
+              </a:lnSpc>
+              <a:spcBef>
+                <a:spcPts val="500"/>
+              </a:spcBef>
+              <a:buFont typeface="Arial" panose="020B0604020202020204" pitchFamily="34" charset="0"/>
+              <a:buChar char="•"/>
+              <a:defRPr sz="1800" kern="1200">
+                <a:solidFill>
+                  <a:schemeClr val="tx1"/>
+                </a:solidFill>
+                <a:latin typeface="+mn-lt"/>
+                <a:ea typeface="+mn-ea"/>
+                <a:cs typeface="+mn-cs"/>
+              </a:defRPr>
+            </a:lvl7pPr>
+            <a:lvl8pPr marL="3429000" indent="-228600" algn="l" defTabSz="914400" rtl="0" eaLnBrk="1" latinLnBrk="0" hangingPunct="1">
+              <a:lnSpc>
+                <a:spcPct val="90000"/>
+              </a:lnSpc>
+              <a:spcBef>
+                <a:spcPts val="500"/>
+              </a:spcBef>
+              <a:buFont typeface="Arial" panose="020B0604020202020204" pitchFamily="34" charset="0"/>
+              <a:buChar char="•"/>
+              <a:defRPr sz="1800" kern="1200">
+                <a:solidFill>
+                  <a:schemeClr val="tx1"/>
+                </a:solidFill>
+                <a:latin typeface="+mn-lt"/>
+                <a:ea typeface="+mn-ea"/>
+                <a:cs typeface="+mn-cs"/>
+              </a:defRPr>
+            </a:lvl8pPr>
+            <a:lvl9pPr marL="3886200" indent="-228600" algn="l" defTabSz="914400" rtl="0" eaLnBrk="1" latinLnBrk="0" hangingPunct="1">
+              <a:lnSpc>
+                <a:spcPct val="90000"/>
+              </a:lnSpc>
+              <a:spcBef>
+                <a:spcPts val="500"/>
+              </a:spcBef>
+              <a:buFont typeface="Arial" panose="020B0604020202020204" pitchFamily="34" charset="0"/>
+              <a:buChar char="•"/>
+              <a:defRPr sz="1800" kern="1200">
+                <a:solidFill>
+                  <a:schemeClr val="tx1"/>
+                </a:solidFill>
+                <a:latin typeface="+mn-lt"/>
+                <a:ea typeface="+mn-ea"/>
+                <a:cs typeface="+mn-cs"/>
+              </a:defRPr>
+            </a:lvl9pPr>
+          </a:lstStyle>
+          <a:p>
+            <a:r>
+              <a:rPr lang="zh-TW" altLang="en-US"/>
+              <a:t>所有</a:t>
+            </a:r>
+            <a:r>
+              <a:rPr lang="zh-TW" altLang="en-US">
+                <a:solidFill>
+                  <a:srgbClr val="00B0F0"/>
+                </a:solidFill>
+              </a:rPr>
+              <a:t>已修改</a:t>
+            </a:r>
+            <a:r>
+              <a:rPr lang="zh-TW" altLang="en-US"/>
+              <a:t>檔案：</a:t>
+            </a:r>
+            <a:endParaRPr lang="en-US" altLang="zh-TW"/>
+          </a:p>
+        </p:txBody>
+      </p:sp>
+    </p:spTree>
+    <p:extLst>
+      <p:ext uri="{BB962C8B-B14F-4D97-AF65-F5344CB8AC3E}">
+        <p14:creationId xmlns:p14="http://schemas.microsoft.com/office/powerpoint/2010/main" val="629472455"/>
+      </p:ext>
+    </p:extLst>
+  </p:cSld>
+  <p:clrMapOvr>
+    <a:masterClrMapping/>
+  </p:clrMapOvr>
+  <p:transition spd="slow">
+    <p:push dir="u"/>
+  </p:transition>
+</p:sld>
+</file>
+
+<file path=ppt/slides/slide15.xml><?xml version="1.0" encoding="utf-8"?>
+<p:sld xmlns:a="http://schemas.openxmlformats.org/drawingml/2006/main" xmlns:r="http://schemas.openxmlformats.org/officeDocument/2006/relationships" xmlns:p="http://schemas.openxmlformats.org/presentationml/2006/main">
+  <p:cSld>
+    <p:spTree>
+      <p:nvGrpSpPr>
+        <p:cNvPr id="1" name=""/>
+        <p:cNvGrpSpPr/>
+        <p:nvPr/>
+      </p:nvGrpSpPr>
+      <p:grpSpPr>
+        <a:xfrm>
+          <a:off x="0" y="0"/>
+          <a:ext cx="0" cy="0"/>
+          <a:chOff x="0" y="0"/>
+          <a:chExt cx="0" cy="0"/>
+        </a:xfrm>
+      </p:grpSpPr>
+      <p:sp>
+        <p:nvSpPr>
+          <p:cNvPr id="2" name="標題 1">
+            <a:extLst>
+              <a:ext uri="{FF2B5EF4-FFF2-40B4-BE49-F238E27FC236}">
+                <a16:creationId xmlns:a16="http://schemas.microsoft.com/office/drawing/2014/main" id="{DE74BDF4-0CE4-40B3-8D77-5E6743E409C6}"/>
+              </a:ext>
+            </a:extLst>
+          </p:cNvPr>
+          <p:cNvSpPr>
+            <a:spLocks noGrp="1"/>
+          </p:cNvSpPr>
+          <p:nvPr>
+            <p:ph type="title"/>
+          </p:nvPr>
+        </p:nvSpPr>
+        <p:spPr>
+          <a:xfrm>
+            <a:off x="838200" y="0"/>
+            <a:ext cx="10515600" cy="1325563"/>
+          </a:xfrm>
+        </p:spPr>
+        <p:txBody>
+          <a:bodyPr/>
+          <a:lstStyle/>
+          <a:p>
+            <a:r>
+              <a:rPr lang="en-US" altLang="zh-TW"/>
+              <a:t>Git </a:t>
+            </a:r>
+            <a:r>
+              <a:rPr lang="zh-TW" altLang="en-US"/>
+              <a:t>檔案狀態</a:t>
+            </a:r>
+          </a:p>
+        </p:txBody>
+      </p:sp>
+      <p:pic>
+        <p:nvPicPr>
+          <p:cNvPr id="7" name="圖片 6">
+            <a:extLst>
+              <a:ext uri="{FF2B5EF4-FFF2-40B4-BE49-F238E27FC236}">
+                <a16:creationId xmlns:a16="http://schemas.microsoft.com/office/drawing/2014/main" id="{B1B4D17C-B83E-4113-8E33-C7ACE3DA5E00}"/>
+              </a:ext>
+            </a:extLst>
+          </p:cNvPr>
+          <p:cNvPicPr>
+            <a:picLocks noChangeAspect="1"/>
+          </p:cNvPicPr>
+          <p:nvPr/>
+        </p:nvPicPr>
+        <p:blipFill>
+          <a:blip r:embed="rId2"/>
+          <a:stretch>
+            <a:fillRect/>
+          </a:stretch>
+        </p:blipFill>
+        <p:spPr>
+          <a:xfrm>
+            <a:off x="1571625" y="1056816"/>
+            <a:ext cx="9048750" cy="5487318"/>
+          </a:xfrm>
+          <a:prstGeom prst="rect">
+            <a:avLst/>
+          </a:prstGeom>
+          <a:ln>
+            <a:solidFill>
+              <a:schemeClr val="tx1"/>
+            </a:solidFill>
+          </a:ln>
+        </p:spPr>
+      </p:pic>
+    </p:spTree>
+    <p:extLst>
+      <p:ext uri="{BB962C8B-B14F-4D97-AF65-F5344CB8AC3E}">
+        <p14:creationId xmlns:p14="http://schemas.microsoft.com/office/powerpoint/2010/main" val="3938467373"/>
+      </p:ext>
+    </p:extLst>
+  </p:cSld>
+  <p:clrMapOvr>
+    <a:masterClrMapping/>
+  </p:clrMapOvr>
+  <p:transition spd="slow">
+    <p:push dir="u"/>
+  </p:transition>
+</p:sld>
+</file>
+
+<file path=ppt/slides/slide16.xml><?xml version="1.0" encoding="utf-8"?>
+<p:sld xmlns:a="http://schemas.openxmlformats.org/drawingml/2006/main" xmlns:r="http://schemas.openxmlformats.org/officeDocument/2006/relationships" xmlns:p="http://schemas.openxmlformats.org/presentationml/2006/main">
+  <p:cSld>
+    <p:spTree>
+      <p:nvGrpSpPr>
+        <p:cNvPr id="1" name=""/>
+        <p:cNvGrpSpPr/>
+        <p:nvPr/>
+      </p:nvGrpSpPr>
+      <p:grpSpPr>
+        <a:xfrm>
+          <a:off x="0" y="0"/>
+          <a:ext cx="0" cy="0"/>
+          <a:chOff x="0" y="0"/>
+          <a:chExt cx="0" cy="0"/>
+        </a:xfrm>
+      </p:grpSpPr>
+      <p:sp>
+        <p:nvSpPr>
+          <p:cNvPr id="2" name="標題 1">
+            <a:extLst>
+              <a:ext uri="{FF2B5EF4-FFF2-40B4-BE49-F238E27FC236}">
+                <a16:creationId xmlns:a16="http://schemas.microsoft.com/office/drawing/2014/main" id="{50B767F7-2317-4D4F-B0C5-2621D8562361}"/>
+              </a:ext>
+            </a:extLst>
+          </p:cNvPr>
+          <p:cNvSpPr>
+            <a:spLocks noGrp="1"/>
+          </p:cNvSpPr>
+          <p:nvPr>
+            <p:ph type="title"/>
+          </p:nvPr>
+        </p:nvSpPr>
+        <p:spPr>
+          <a:xfrm>
+            <a:off x="838200" y="3115"/>
+            <a:ext cx="10515600" cy="1325563"/>
+          </a:xfrm>
+        </p:spPr>
+        <p:txBody>
+          <a:bodyPr/>
+          <a:lstStyle/>
+          <a:p>
+            <a:r>
+              <a:rPr lang="zh-TW" altLang="en-US"/>
+              <a:t>提交與推送</a:t>
+            </a:r>
+          </a:p>
+        </p:txBody>
+      </p:sp>
+      <p:sp>
+        <p:nvSpPr>
+          <p:cNvPr id="3" name="內容版面配置區 2">
+            <a:extLst>
+              <a:ext uri="{FF2B5EF4-FFF2-40B4-BE49-F238E27FC236}">
+                <a16:creationId xmlns:a16="http://schemas.microsoft.com/office/drawing/2014/main" id="{F18946B4-703A-4664-A3C1-81ACE31F945E}"/>
+              </a:ext>
+            </a:extLst>
+          </p:cNvPr>
+          <p:cNvSpPr>
+            <a:spLocks noGrp="1"/>
+          </p:cNvSpPr>
+          <p:nvPr>
+            <p:ph idx="1"/>
+          </p:nvPr>
+        </p:nvSpPr>
+        <p:spPr>
+          <a:xfrm>
+            <a:off x="838200" y="989265"/>
+            <a:ext cx="10515600" cy="1016462"/>
+          </a:xfrm>
+        </p:spPr>
+        <p:txBody>
+          <a:bodyPr/>
+          <a:lstStyle/>
+          <a:p>
+            <a:r>
+              <a:rPr lang="zh-TW" altLang="en-US">
+                <a:solidFill>
+                  <a:srgbClr val="FFC000"/>
+                </a:solidFill>
+              </a:rPr>
+              <a:t>提交</a:t>
+            </a:r>
+            <a:r>
+              <a:rPr lang="zh-TW" altLang="en-US"/>
+              <a:t>就是將</a:t>
+            </a:r>
+            <a:r>
+              <a:rPr lang="zh-TW" altLang="en-US">
+                <a:solidFill>
+                  <a:srgbClr val="00B0F0"/>
+                </a:solidFill>
+              </a:rPr>
+              <a:t>本地倉庫</a:t>
+            </a:r>
+            <a:r>
+              <a:rPr lang="zh-TW" altLang="en-US"/>
+              <a:t>的變更加入到新版本</a:t>
+            </a:r>
+            <a:endParaRPr lang="en-US" altLang="zh-TW"/>
+          </a:p>
+          <a:p>
+            <a:r>
+              <a:rPr lang="zh-TW" altLang="en-US"/>
+              <a:t>使用右方 </a:t>
+            </a:r>
+            <a:r>
+              <a:rPr lang="en-US" altLang="zh-TW">
+                <a:solidFill>
+                  <a:srgbClr val="00B0F0"/>
+                </a:solidFill>
+              </a:rPr>
+              <a:t>Git </a:t>
+            </a:r>
+            <a:r>
+              <a:rPr lang="zh-TW" altLang="en-US">
+                <a:solidFill>
+                  <a:srgbClr val="00B0F0"/>
+                </a:solidFill>
+              </a:rPr>
+              <a:t>指令</a:t>
+            </a:r>
+            <a:r>
+              <a:rPr lang="zh-TW" altLang="en-US"/>
+              <a:t>進行</a:t>
+            </a:r>
+            <a:r>
+              <a:rPr lang="zh-TW" altLang="en-US">
+                <a:solidFill>
+                  <a:srgbClr val="FFC000"/>
+                </a:solidFill>
+              </a:rPr>
+              <a:t>提交</a:t>
+            </a:r>
+            <a:r>
+              <a:rPr lang="zh-TW" altLang="en-US"/>
+              <a:t>：</a:t>
+            </a:r>
+            <a:endParaRPr lang="en-US" altLang="zh-TW"/>
+          </a:p>
+        </p:txBody>
+      </p:sp>
+      <p:grpSp>
+        <p:nvGrpSpPr>
+          <p:cNvPr id="4" name="群組 3">
+            <a:extLst>
+              <a:ext uri="{FF2B5EF4-FFF2-40B4-BE49-F238E27FC236}">
+                <a16:creationId xmlns:a16="http://schemas.microsoft.com/office/drawing/2014/main" id="{B068D5BC-B00C-4C30-B781-2527DE634DFC}"/>
+              </a:ext>
+            </a:extLst>
+          </p:cNvPr>
+          <p:cNvGrpSpPr/>
+          <p:nvPr/>
+        </p:nvGrpSpPr>
+        <p:grpSpPr>
+          <a:xfrm>
+            <a:off x="5838824" y="1496436"/>
+            <a:ext cx="5514976" cy="461665"/>
+            <a:chOff x="5838824" y="3114311"/>
+            <a:chExt cx="5514976" cy="461665"/>
+          </a:xfrm>
+        </p:grpSpPr>
+        <p:sp>
+          <p:nvSpPr>
+            <p:cNvPr id="5" name="Rectangle 1">
+              <a:extLst>
+                <a:ext uri="{FF2B5EF4-FFF2-40B4-BE49-F238E27FC236}">
+                  <a16:creationId xmlns:a16="http://schemas.microsoft.com/office/drawing/2014/main" id="{60C2D3F2-4A69-44DA-9E07-A2732817EC13}"/>
+                </a:ext>
+              </a:extLst>
+            </p:cNvPr>
+            <p:cNvSpPr>
+              <a:spLocks noChangeArrowheads="1"/>
+            </p:cNvSpPr>
+            <p:nvPr/>
+          </p:nvSpPr>
+          <p:spPr bwMode="auto">
+            <a:xfrm>
+              <a:off x="5838824" y="3114311"/>
+              <a:ext cx="5514975" cy="461665"/>
+            </a:xfrm>
+            <a:prstGeom prst="rect">
+              <a:avLst/>
+            </a:prstGeom>
+            <a:solidFill>
+              <a:srgbClr val="1E1F22"/>
+            </a:solidFill>
+            <a:ln>
+              <a:noFill/>
+            </a:ln>
+            <a:effectLst/>
+            <a:extLst>
+              <a:ext uri="{91240B29-F687-4F45-9708-019B960494DF}">
+                <a14:hiddenLine xmlns:a14="http://schemas.microsoft.com/office/drawing/2010/main" w="9525">
+                  <a:solidFill>
+                    <a:schemeClr val="tx1"/>
+                  </a:solidFill>
+                  <a:miter lim="800000"/>
+                  <a:headEnd/>
+                  <a:tailEnd/>
+                </a14:hiddenLine>
+              </a:ext>
+              <a:ext uri="{AF507438-7753-43E0-B8FC-AC1667EBCBE1}">
+                <a14:hiddenEffects xmlns:a14="http://schemas.microsoft.com/office/drawing/2010/main">
+                  <a:effectLst>
+                    <a:outerShdw dist="35921" dir="2700000" algn="ctr" rotWithShape="0">
+                      <a:schemeClr val="bg2"/>
+                    </a:outerShdw>
+                  </a:effectLst>
+                </a14:hiddenEffects>
+              </a:ext>
+            </a:extLst>
+          </p:spPr>
+          <p:txBody>
+            <a:bodyPr vert="horz" wrap="square" lIns="91440" tIns="45720" rIns="91440" bIns="45720" numCol="1" anchor="ctr" anchorCtr="0" compatLnSpc="1">
+              <a:prstTxWarp prst="textNoShape">
+                <a:avLst/>
+              </a:prstTxWarp>
+              <a:spAutoFit/>
+            </a:bodyPr>
+            <a:lstStyle/>
+            <a:p>
+              <a:pPr marL="0" marR="0" lvl="0" indent="0" algn="l" defTabSz="914400" rtl="0" eaLnBrk="0" fontAlgn="base" latinLnBrk="0" hangingPunct="0">
+                <a:lnSpc>
+                  <a:spcPct val="100000"/>
+                </a:lnSpc>
+                <a:spcBef>
+                  <a:spcPct val="0"/>
+                </a:spcBef>
+                <a:spcAft>
+                  <a:spcPct val="0"/>
+                </a:spcAft>
+                <a:buClrTx/>
+                <a:buSzTx/>
+                <a:buFontTx/>
+                <a:buNone/>
+                <a:tabLst/>
+              </a:pPr>
+              <a:r>
+                <a:rPr lang="en-US" altLang="zh-TW" sz="2400">
+                  <a:solidFill>
+                    <a:srgbClr val="00B0F0"/>
+                  </a:solidFill>
+                  <a:latin typeface="+mj-lt"/>
+                  <a:cs typeface="JetBrains Mono" panose="02000009000000000000" pitchFamily="49" charset="0"/>
+                </a:rPr>
+                <a:t>git</a:t>
+              </a:r>
+              <a:r>
+                <a:rPr kumimoji="0" lang="en-US" altLang="zh-TW" sz="2400" b="0" i="0" u="none" strike="noStrike" cap="none" normalizeH="0" baseline="0">
+                  <a:ln>
+                    <a:noFill/>
+                  </a:ln>
+                  <a:solidFill>
+                    <a:srgbClr val="BCBEC4"/>
+                  </a:solidFill>
+                  <a:effectLst/>
+                  <a:latin typeface="+mj-lt"/>
+                  <a:cs typeface="JetBrains Mono" panose="02000009000000000000" pitchFamily="49" charset="0"/>
+                </a:rPr>
+                <a:t> commit –m </a:t>
+              </a:r>
+              <a:r>
+                <a:rPr kumimoji="0" lang="en-US" altLang="zh-TW" sz="2400" b="0" i="0" u="none" strike="noStrike" cap="none" normalizeH="0" baseline="0">
+                  <a:ln>
+                    <a:noFill/>
+                  </a:ln>
+                  <a:solidFill>
+                    <a:srgbClr val="92D050"/>
+                  </a:solidFill>
+                  <a:effectLst/>
+                  <a:latin typeface="+mj-lt"/>
+                  <a:cs typeface="JetBrains Mono" panose="02000009000000000000" pitchFamily="49" charset="0"/>
+                </a:rPr>
+                <a:t>"</a:t>
+              </a:r>
+              <a:r>
+                <a:rPr kumimoji="0" lang="zh-TW" altLang="en-US" sz="2400" b="0" i="0" u="none" strike="noStrike" cap="none" normalizeH="0" baseline="0">
+                  <a:ln>
+                    <a:noFill/>
+                  </a:ln>
+                  <a:solidFill>
+                    <a:srgbClr val="92D050"/>
+                  </a:solidFill>
+                  <a:effectLst/>
+                  <a:latin typeface="+mj-lt"/>
+                  <a:cs typeface="JetBrains Mono" panose="02000009000000000000" pitchFamily="49" charset="0"/>
+                </a:rPr>
+                <a:t>提交訊息</a:t>
+              </a:r>
+              <a:r>
+                <a:rPr kumimoji="0" lang="en-US" altLang="zh-TW" sz="2400" b="0" i="0" u="none" strike="noStrike" cap="none" normalizeH="0" baseline="0">
+                  <a:ln>
+                    <a:noFill/>
+                  </a:ln>
+                  <a:solidFill>
+                    <a:srgbClr val="92D050"/>
+                  </a:solidFill>
+                  <a:effectLst/>
+                  <a:latin typeface="+mj-lt"/>
+                  <a:cs typeface="JetBrains Mono" panose="02000009000000000000" pitchFamily="49" charset="0"/>
+                </a:rPr>
+                <a:t>"</a:t>
+              </a:r>
+              <a:endParaRPr kumimoji="0" lang="zh-TW" altLang="zh-TW" sz="3600" b="0" i="0" u="none" strike="noStrike" cap="none" normalizeH="0" baseline="0">
+                <a:ln>
+                  <a:noFill/>
+                </a:ln>
+                <a:solidFill>
+                  <a:srgbClr val="92D050"/>
+                </a:solidFill>
+                <a:effectLst/>
+                <a:latin typeface="+mj-lt"/>
+              </a:endParaRPr>
+            </a:p>
+          </p:txBody>
+        </p:sp>
+        <p:sp>
+          <p:nvSpPr>
+            <p:cNvPr id="6" name="文字方塊 5">
+              <a:extLst>
+                <a:ext uri="{FF2B5EF4-FFF2-40B4-BE49-F238E27FC236}">
+                  <a16:creationId xmlns:a16="http://schemas.microsoft.com/office/drawing/2014/main" id="{249F1876-DE1D-4BF1-9E19-9091777552CC}"/>
+                </a:ext>
+              </a:extLst>
+            </p:cNvPr>
+            <p:cNvSpPr txBox="1"/>
+            <p:nvPr/>
+          </p:nvSpPr>
+          <p:spPr>
+            <a:xfrm>
+              <a:off x="10662585" y="3206644"/>
+              <a:ext cx="691215" cy="369332"/>
+            </a:xfrm>
+            <a:prstGeom prst="rect">
+              <a:avLst/>
+            </a:prstGeom>
+            <a:noFill/>
+          </p:spPr>
+          <p:txBody>
+            <a:bodyPr wrap="none" rtlCol="0">
+              <a:spAutoFit/>
+            </a:bodyPr>
+            <a:lstStyle/>
+            <a:p>
+              <a:r>
+                <a:rPr lang="en-US" altLang="zh-TW">
+                  <a:solidFill>
+                    <a:schemeClr val="accent3"/>
+                  </a:solidFill>
+                </a:rPr>
+                <a:t>bash</a:t>
+              </a:r>
+              <a:endParaRPr lang="zh-TW" altLang="en-US">
+                <a:solidFill>
+                  <a:schemeClr val="accent3"/>
+                </a:solidFill>
+              </a:endParaRPr>
+            </a:p>
+          </p:txBody>
+        </p:sp>
+      </p:grpSp>
+      <p:sp>
+        <p:nvSpPr>
+          <p:cNvPr id="7" name="內容版面配置區 2">
+            <a:extLst>
+              <a:ext uri="{FF2B5EF4-FFF2-40B4-BE49-F238E27FC236}">
+                <a16:creationId xmlns:a16="http://schemas.microsoft.com/office/drawing/2014/main" id="{33CA1127-64D5-49D0-B9C2-4A2168BE81A8}"/>
+              </a:ext>
+            </a:extLst>
+          </p:cNvPr>
+          <p:cNvSpPr txBox="1">
+            <a:spLocks/>
+          </p:cNvSpPr>
+          <p:nvPr/>
+        </p:nvSpPr>
+        <p:spPr>
+          <a:xfrm>
+            <a:off x="838200" y="2002498"/>
+            <a:ext cx="10515600" cy="989380"/>
+          </a:xfrm>
+          <a:prstGeom prst="rect">
+            <a:avLst/>
+          </a:prstGeom>
+        </p:spPr>
+        <p:txBody>
+          <a:bodyPr vert="horz" lIns="91440" tIns="45720" rIns="91440" bIns="45720" rtlCol="0">
+            <a:normAutofit/>
+          </a:bodyPr>
+          <a:lstStyle>
+            <a:lvl1pPr marL="0" indent="0" algn="l" defTabSz="914400" rtl="0" eaLnBrk="1" latinLnBrk="0" hangingPunct="1">
+              <a:lnSpc>
+                <a:spcPct val="90000"/>
+              </a:lnSpc>
+              <a:spcBef>
+                <a:spcPts val="1000"/>
+              </a:spcBef>
+              <a:buFont typeface="Arial" panose="020B0604020202020204" pitchFamily="34" charset="0"/>
+              <a:buNone/>
+              <a:defRPr sz="2800" kern="1200">
+                <a:solidFill>
+                  <a:schemeClr val="tx1"/>
+                </a:solidFill>
+                <a:latin typeface="+mn-lt"/>
+                <a:ea typeface="+mn-ea"/>
+                <a:cs typeface="+mn-cs"/>
+              </a:defRPr>
+            </a:lvl1pPr>
+            <a:lvl2pPr marL="457200" indent="0" algn="l" defTabSz="914400" rtl="0" eaLnBrk="1" latinLnBrk="0" hangingPunct="1">
+              <a:lnSpc>
+                <a:spcPct val="90000"/>
+              </a:lnSpc>
+              <a:spcBef>
+                <a:spcPts val="500"/>
+              </a:spcBef>
+              <a:buFont typeface="Arial" panose="020B0604020202020204" pitchFamily="34" charset="0"/>
+              <a:buNone/>
+              <a:defRPr sz="2400" kern="1200">
+                <a:solidFill>
+                  <a:schemeClr val="tx1"/>
+                </a:solidFill>
+                <a:latin typeface="+mn-lt"/>
+                <a:ea typeface="+mn-ea"/>
+                <a:cs typeface="+mn-cs"/>
+              </a:defRPr>
+            </a:lvl2pPr>
+            <a:lvl3pPr marL="914400" indent="0" algn="l" defTabSz="914400" rtl="0" eaLnBrk="1" latinLnBrk="0" hangingPunct="1">
+              <a:lnSpc>
+                <a:spcPct val="90000"/>
+              </a:lnSpc>
+              <a:spcBef>
+                <a:spcPts val="500"/>
+              </a:spcBef>
+              <a:buFont typeface="Arial" panose="020B0604020202020204" pitchFamily="34" charset="0"/>
+              <a:buNone/>
+              <a:defRPr sz="2000" kern="1200">
+                <a:solidFill>
+                  <a:schemeClr val="tx1"/>
+                </a:solidFill>
+                <a:latin typeface="+mn-lt"/>
+                <a:ea typeface="+mn-ea"/>
+                <a:cs typeface="+mn-cs"/>
+              </a:defRPr>
+            </a:lvl3pPr>
+            <a:lvl4pPr marL="1371600" indent="0" algn="l" defTabSz="914400" rtl="0" eaLnBrk="1" latinLnBrk="0" hangingPunct="1">
+              <a:lnSpc>
+                <a:spcPct val="90000"/>
+              </a:lnSpc>
+              <a:spcBef>
+                <a:spcPts val="500"/>
+              </a:spcBef>
+              <a:buFont typeface="Arial" panose="020B0604020202020204" pitchFamily="34" charset="0"/>
+              <a:buNone/>
+              <a:defRPr sz="1800" kern="1200">
+                <a:solidFill>
+                  <a:schemeClr val="tx1"/>
+                </a:solidFill>
+                <a:latin typeface="+mn-lt"/>
+                <a:ea typeface="+mn-ea"/>
+                <a:cs typeface="+mn-cs"/>
+              </a:defRPr>
+            </a:lvl4pPr>
+            <a:lvl5pPr marL="1828800" indent="0" algn="l" defTabSz="914400" rtl="0" eaLnBrk="1" latinLnBrk="0" hangingPunct="1">
+              <a:lnSpc>
+                <a:spcPct val="90000"/>
+              </a:lnSpc>
+              <a:spcBef>
+                <a:spcPts val="500"/>
+              </a:spcBef>
+              <a:buFont typeface="Arial" panose="020B0604020202020204" pitchFamily="34" charset="0"/>
+              <a:buNone/>
+              <a:defRPr sz="1800" kern="1200">
+                <a:solidFill>
+                  <a:schemeClr val="tx1"/>
+                </a:solidFill>
+                <a:latin typeface="+mn-lt"/>
+                <a:ea typeface="+mn-ea"/>
+                <a:cs typeface="+mn-cs"/>
+              </a:defRPr>
+            </a:lvl5pPr>
+            <a:lvl6pPr marL="2514600" indent="-228600" algn="l" defTabSz="914400" rtl="0" eaLnBrk="1" latinLnBrk="0" hangingPunct="1">
+              <a:lnSpc>
+                <a:spcPct val="90000"/>
+              </a:lnSpc>
+              <a:spcBef>
+                <a:spcPts val="500"/>
+              </a:spcBef>
+              <a:buFont typeface="Arial" panose="020B0604020202020204" pitchFamily="34" charset="0"/>
+              <a:buChar char="•"/>
+              <a:defRPr sz="1800" kern="1200">
+                <a:solidFill>
+                  <a:schemeClr val="tx1"/>
+                </a:solidFill>
+                <a:latin typeface="+mn-lt"/>
+                <a:ea typeface="+mn-ea"/>
+                <a:cs typeface="+mn-cs"/>
+              </a:defRPr>
+            </a:lvl6pPr>
+            <a:lvl7pPr marL="2971800" indent="-228600" algn="l" defTabSz="914400" rtl="0" eaLnBrk="1" latinLnBrk="0" hangingPunct="1">
+              <a:lnSpc>
+                <a:spcPct val="90000"/>
+              </a:lnSpc>
+              <a:spcBef>
+                <a:spcPts val="500"/>
+              </a:spcBef>
+              <a:buFont typeface="Arial" panose="020B0604020202020204" pitchFamily="34" charset="0"/>
+              <a:buChar char="•"/>
+              <a:defRPr sz="1800" kern="1200">
+                <a:solidFill>
+                  <a:schemeClr val="tx1"/>
+                </a:solidFill>
+                <a:latin typeface="+mn-lt"/>
+                <a:ea typeface="+mn-ea"/>
+                <a:cs typeface="+mn-cs"/>
+              </a:defRPr>
+            </a:lvl7pPr>
+            <a:lvl8pPr marL="3429000" indent="-228600" algn="l" defTabSz="914400" rtl="0" eaLnBrk="1" latinLnBrk="0" hangingPunct="1">
+              <a:lnSpc>
+                <a:spcPct val="90000"/>
+              </a:lnSpc>
+              <a:spcBef>
+                <a:spcPts val="500"/>
+              </a:spcBef>
+              <a:buFont typeface="Arial" panose="020B0604020202020204" pitchFamily="34" charset="0"/>
+              <a:buChar char="•"/>
+              <a:defRPr sz="1800" kern="1200">
+                <a:solidFill>
+                  <a:schemeClr val="tx1"/>
+                </a:solidFill>
+                <a:latin typeface="+mn-lt"/>
+                <a:ea typeface="+mn-ea"/>
+                <a:cs typeface="+mn-cs"/>
+              </a:defRPr>
+            </a:lvl8pPr>
+            <a:lvl9pPr marL="3886200" indent="-228600" algn="l" defTabSz="914400" rtl="0" eaLnBrk="1" latinLnBrk="0" hangingPunct="1">
+              <a:lnSpc>
+                <a:spcPct val="90000"/>
+              </a:lnSpc>
+              <a:spcBef>
+                <a:spcPts val="500"/>
+              </a:spcBef>
+              <a:buFont typeface="Arial" panose="020B0604020202020204" pitchFamily="34" charset="0"/>
+              <a:buChar char="•"/>
+              <a:defRPr sz="1800" kern="1200">
+                <a:solidFill>
+                  <a:schemeClr val="tx1"/>
+                </a:solidFill>
+                <a:latin typeface="+mn-lt"/>
+                <a:ea typeface="+mn-ea"/>
+                <a:cs typeface="+mn-cs"/>
+              </a:defRPr>
+            </a:lvl9pPr>
+          </a:lstStyle>
+          <a:p>
+            <a:r>
+              <a:rPr lang="zh-TW" altLang="en-US">
+                <a:solidFill>
+                  <a:srgbClr val="00B0F0"/>
+                </a:solidFill>
+              </a:rPr>
+              <a:t>提交</a:t>
+            </a:r>
+            <a:r>
+              <a:rPr lang="zh-TW" altLang="en-US"/>
+              <a:t>只會儲存在</a:t>
+            </a:r>
+            <a:r>
+              <a:rPr lang="zh-TW" altLang="en-US">
+                <a:solidFill>
+                  <a:srgbClr val="00B0F0"/>
+                </a:solidFill>
+              </a:rPr>
+              <a:t>本地倉庫</a:t>
+            </a:r>
+            <a:r>
+              <a:rPr lang="zh-TW" altLang="en-US"/>
+              <a:t>，不會自動</a:t>
+            </a:r>
+            <a:r>
+              <a:rPr lang="zh-TW" altLang="en-US">
+                <a:solidFill>
+                  <a:srgbClr val="FFC000"/>
+                </a:solidFill>
+              </a:rPr>
+              <a:t>推送</a:t>
+            </a:r>
+            <a:r>
+              <a:rPr lang="en-US" altLang="zh-TW">
+                <a:solidFill>
+                  <a:srgbClr val="FFC000"/>
+                </a:solidFill>
+              </a:rPr>
+              <a:t>(push)</a:t>
+            </a:r>
+            <a:r>
+              <a:rPr lang="zh-TW" altLang="en-US"/>
+              <a:t>到</a:t>
+            </a:r>
+            <a:r>
+              <a:rPr lang="zh-TW" altLang="en-US">
+                <a:solidFill>
+                  <a:srgbClr val="00B0F0"/>
+                </a:solidFill>
+              </a:rPr>
+              <a:t>遠端倉庫</a:t>
+            </a:r>
+            <a:endParaRPr lang="en-US" altLang="zh-TW">
+              <a:solidFill>
+                <a:srgbClr val="00B0F0"/>
+              </a:solidFill>
+            </a:endParaRPr>
+          </a:p>
+          <a:p>
+            <a:r>
+              <a:rPr lang="zh-TW" altLang="en-US"/>
+              <a:t>要</a:t>
+            </a:r>
+            <a:r>
+              <a:rPr lang="zh-TW" altLang="en-US">
+                <a:solidFill>
+                  <a:srgbClr val="FFC000"/>
+                </a:solidFill>
+              </a:rPr>
+              <a:t>推送</a:t>
+            </a:r>
+            <a:r>
+              <a:rPr lang="zh-TW" altLang="en-US">
+                <a:solidFill>
+                  <a:srgbClr val="00B0F0"/>
+                </a:solidFill>
+              </a:rPr>
+              <a:t>提交</a:t>
+            </a:r>
+            <a:r>
+              <a:rPr lang="zh-TW" altLang="en-US"/>
+              <a:t>到</a:t>
+            </a:r>
+            <a:r>
+              <a:rPr lang="zh-TW" altLang="en-US">
+                <a:solidFill>
+                  <a:srgbClr val="00B0F0"/>
+                </a:solidFill>
+              </a:rPr>
+              <a:t>遠端倉庫</a:t>
+            </a:r>
+            <a:r>
+              <a:rPr lang="zh-TW" altLang="en-US"/>
+              <a:t>，須使用下方</a:t>
+            </a:r>
+            <a:r>
+              <a:rPr lang="zh-TW" altLang="en-US">
+                <a:solidFill>
+                  <a:srgbClr val="FFC000"/>
+                </a:solidFill>
+              </a:rPr>
+              <a:t> </a:t>
+            </a:r>
+            <a:r>
+              <a:rPr lang="en-US" altLang="zh-TW">
+                <a:solidFill>
+                  <a:srgbClr val="00B0F0"/>
+                </a:solidFill>
+              </a:rPr>
+              <a:t>Git </a:t>
+            </a:r>
+            <a:r>
+              <a:rPr lang="zh-TW" altLang="en-US">
+                <a:solidFill>
+                  <a:srgbClr val="00B0F0"/>
+                </a:solidFill>
+              </a:rPr>
+              <a:t>指令</a:t>
+            </a:r>
+            <a:r>
+              <a:rPr lang="zh-TW" altLang="en-US"/>
+              <a:t>：</a:t>
+            </a:r>
+            <a:endParaRPr lang="en-US" altLang="zh-TW"/>
+          </a:p>
+        </p:txBody>
+      </p:sp>
+      <p:grpSp>
+        <p:nvGrpSpPr>
+          <p:cNvPr id="8" name="群組 7">
+            <a:extLst>
+              <a:ext uri="{FF2B5EF4-FFF2-40B4-BE49-F238E27FC236}">
+                <a16:creationId xmlns:a16="http://schemas.microsoft.com/office/drawing/2014/main" id="{80EF0688-BE69-40B1-8F05-757789F59DBA}"/>
+              </a:ext>
+            </a:extLst>
+          </p:cNvPr>
+          <p:cNvGrpSpPr/>
+          <p:nvPr/>
+        </p:nvGrpSpPr>
+        <p:grpSpPr>
+          <a:xfrm>
+            <a:off x="838200" y="2991877"/>
+            <a:ext cx="10515600" cy="461665"/>
+            <a:chOff x="838200" y="3114311"/>
+            <a:chExt cx="10515600" cy="461665"/>
+          </a:xfrm>
+        </p:grpSpPr>
+        <p:sp>
+          <p:nvSpPr>
+            <p:cNvPr id="9" name="Rectangle 1">
+              <a:extLst>
+                <a:ext uri="{FF2B5EF4-FFF2-40B4-BE49-F238E27FC236}">
+                  <a16:creationId xmlns:a16="http://schemas.microsoft.com/office/drawing/2014/main" id="{08CF5DC6-FA07-475F-AB4B-FB4E915B8924}"/>
+                </a:ext>
+              </a:extLst>
+            </p:cNvPr>
+            <p:cNvSpPr>
+              <a:spLocks noChangeArrowheads="1"/>
+            </p:cNvSpPr>
+            <p:nvPr/>
+          </p:nvSpPr>
+          <p:spPr bwMode="auto">
+            <a:xfrm>
+              <a:off x="838200" y="3114311"/>
+              <a:ext cx="10515600" cy="461665"/>
+            </a:xfrm>
+            <a:prstGeom prst="rect">
+              <a:avLst/>
+            </a:prstGeom>
+            <a:solidFill>
+              <a:srgbClr val="1E1F22"/>
+            </a:solidFill>
+            <a:ln>
+              <a:noFill/>
+            </a:ln>
+            <a:effectLst/>
+            <a:extLst>
+              <a:ext uri="{91240B29-F687-4F45-9708-019B960494DF}">
+                <a14:hiddenLine xmlns:a14="http://schemas.microsoft.com/office/drawing/2010/main" w="9525">
+                  <a:solidFill>
+                    <a:schemeClr val="tx1"/>
+                  </a:solidFill>
+                  <a:miter lim="800000"/>
+                  <a:headEnd/>
+                  <a:tailEnd/>
+                </a14:hiddenLine>
+              </a:ext>
+              <a:ext uri="{AF507438-7753-43E0-B8FC-AC1667EBCBE1}">
+                <a14:hiddenEffects xmlns:a14="http://schemas.microsoft.com/office/drawing/2010/main">
+                  <a:effectLst>
+                    <a:outerShdw dist="35921" dir="2700000" algn="ctr" rotWithShape="0">
+                      <a:schemeClr val="bg2"/>
+                    </a:outerShdw>
+                  </a:effectLst>
+                </a14:hiddenEffects>
+              </a:ext>
+            </a:extLst>
+          </p:spPr>
+          <p:txBody>
+            <a:bodyPr vert="horz" wrap="square" lIns="91440" tIns="45720" rIns="91440" bIns="45720" numCol="1" anchor="ctr" anchorCtr="0" compatLnSpc="1">
+              <a:prstTxWarp prst="textNoShape">
+                <a:avLst/>
+              </a:prstTxWarp>
+              <a:spAutoFit/>
+            </a:bodyPr>
+            <a:lstStyle/>
+            <a:p>
+              <a:pPr marL="0" marR="0" lvl="0" indent="0" algn="l" defTabSz="914400" rtl="0" eaLnBrk="0" fontAlgn="base" latinLnBrk="0" hangingPunct="0">
+                <a:lnSpc>
+                  <a:spcPct val="100000"/>
+                </a:lnSpc>
+                <a:spcBef>
+                  <a:spcPct val="0"/>
+                </a:spcBef>
+                <a:spcAft>
+                  <a:spcPct val="0"/>
+                </a:spcAft>
+                <a:buClrTx/>
+                <a:buSzTx/>
+                <a:buFontTx/>
+                <a:buNone/>
+                <a:tabLst/>
+              </a:pPr>
+              <a:r>
+                <a:rPr lang="en-US" altLang="zh-TW" sz="2400">
+                  <a:solidFill>
+                    <a:srgbClr val="00B0F0"/>
+                  </a:solidFill>
+                  <a:latin typeface="+mj-lt"/>
+                  <a:cs typeface="JetBrains Mono" panose="02000009000000000000" pitchFamily="49" charset="0"/>
+                </a:rPr>
+                <a:t>git</a:t>
+              </a:r>
+              <a:r>
+                <a:rPr kumimoji="0" lang="en-US" altLang="zh-TW" sz="2400" b="0" i="0" u="none" strike="noStrike" cap="none" normalizeH="0" baseline="0">
+                  <a:ln>
+                    <a:noFill/>
+                  </a:ln>
+                  <a:solidFill>
+                    <a:srgbClr val="BCBEC4"/>
+                  </a:solidFill>
+                  <a:effectLst/>
+                  <a:latin typeface="+mj-lt"/>
+                  <a:cs typeface="JetBrains Mono" panose="02000009000000000000" pitchFamily="49" charset="0"/>
+                </a:rPr>
+                <a:t> push</a:t>
+              </a:r>
+              <a:endParaRPr kumimoji="0" lang="zh-TW" altLang="zh-TW" sz="3600" b="0" i="0" u="none" strike="noStrike" cap="none" normalizeH="0" baseline="0">
+                <a:ln>
+                  <a:noFill/>
+                </a:ln>
+                <a:solidFill>
+                  <a:srgbClr val="92D050"/>
+                </a:solidFill>
+                <a:effectLst/>
+                <a:latin typeface="+mj-lt"/>
+              </a:endParaRPr>
+            </a:p>
+          </p:txBody>
+        </p:sp>
+        <p:sp>
+          <p:nvSpPr>
+            <p:cNvPr id="10" name="文字方塊 9">
+              <a:extLst>
+                <a:ext uri="{FF2B5EF4-FFF2-40B4-BE49-F238E27FC236}">
+                  <a16:creationId xmlns:a16="http://schemas.microsoft.com/office/drawing/2014/main" id="{3B5FEF9E-6856-4110-8A6A-058A5A67F732}"/>
+                </a:ext>
+              </a:extLst>
+            </p:cNvPr>
+            <p:cNvSpPr txBox="1"/>
+            <p:nvPr/>
+          </p:nvSpPr>
+          <p:spPr>
+            <a:xfrm>
+              <a:off x="10662585" y="3206644"/>
+              <a:ext cx="691215" cy="369332"/>
+            </a:xfrm>
+            <a:prstGeom prst="rect">
+              <a:avLst/>
+            </a:prstGeom>
+            <a:noFill/>
+          </p:spPr>
+          <p:txBody>
+            <a:bodyPr wrap="none" rtlCol="0">
+              <a:spAutoFit/>
+            </a:bodyPr>
+            <a:lstStyle/>
+            <a:p>
+              <a:r>
+                <a:rPr lang="en-US" altLang="zh-TW">
+                  <a:solidFill>
+                    <a:schemeClr val="accent3"/>
+                  </a:solidFill>
+                </a:rPr>
+                <a:t>bash</a:t>
+              </a:r>
+              <a:endParaRPr lang="zh-TW" altLang="en-US">
+                <a:solidFill>
+                  <a:schemeClr val="accent3"/>
+                </a:solidFill>
+              </a:endParaRPr>
+            </a:p>
+          </p:txBody>
+        </p:sp>
+      </p:grpSp>
+      <p:pic>
+        <p:nvPicPr>
+          <p:cNvPr id="17" name="圖片 16">
+            <a:extLst>
+              <a:ext uri="{FF2B5EF4-FFF2-40B4-BE49-F238E27FC236}">
+                <a16:creationId xmlns:a16="http://schemas.microsoft.com/office/drawing/2014/main" id="{4BA5606B-B790-46A5-BCFB-A7FB036CF794}"/>
+              </a:ext>
+            </a:extLst>
+          </p:cNvPr>
+          <p:cNvPicPr>
+            <a:picLocks noChangeAspect="1"/>
+          </p:cNvPicPr>
+          <p:nvPr/>
+        </p:nvPicPr>
+        <p:blipFill>
+          <a:blip r:embed="rId2"/>
+          <a:stretch>
+            <a:fillRect/>
+          </a:stretch>
+        </p:blipFill>
+        <p:spPr>
+          <a:xfrm>
+            <a:off x="2327525" y="3562350"/>
+            <a:ext cx="7536950" cy="3110344"/>
+          </a:xfrm>
+          <a:prstGeom prst="rect">
+            <a:avLst/>
+          </a:prstGeom>
+          <a:ln>
+            <a:solidFill>
+              <a:schemeClr val="tx1"/>
+            </a:solidFill>
+          </a:ln>
+        </p:spPr>
+      </p:pic>
+    </p:spTree>
+    <p:extLst>
+      <p:ext uri="{BB962C8B-B14F-4D97-AF65-F5344CB8AC3E}">
+        <p14:creationId xmlns:p14="http://schemas.microsoft.com/office/powerpoint/2010/main" val="84259418"/>
+      </p:ext>
+    </p:extLst>
+  </p:cSld>
+  <p:clrMapOvr>
+    <a:masterClrMapping/>
+  </p:clrMapOvr>
+  <p:transition spd="slow">
+    <p:push dir="u"/>
+  </p:transition>
+</p:sld>
+</file>
+
+<file path=ppt/slides/slide17.xml><?xml version="1.0" encoding="utf-8"?>
+<p:sld xmlns:a="http://schemas.openxmlformats.org/drawingml/2006/main" xmlns:r="http://schemas.openxmlformats.org/officeDocument/2006/relationships" xmlns:p="http://schemas.openxmlformats.org/presentationml/2006/main">
+  <p:cSld>
+    <p:spTree>
+      <p:nvGrpSpPr>
+        <p:cNvPr id="1" name=""/>
+        <p:cNvGrpSpPr/>
+        <p:nvPr/>
+      </p:nvGrpSpPr>
+      <p:grpSpPr>
+        <a:xfrm>
+          <a:off x="0" y="0"/>
+          <a:ext cx="0" cy="0"/>
+          <a:chOff x="0" y="0"/>
+          <a:chExt cx="0" cy="0"/>
+        </a:xfrm>
+      </p:grpSpPr>
+      <p:sp>
+        <p:nvSpPr>
+          <p:cNvPr id="2" name="標題 1">
+            <a:extLst>
+              <a:ext uri="{FF2B5EF4-FFF2-40B4-BE49-F238E27FC236}">
+                <a16:creationId xmlns:a16="http://schemas.microsoft.com/office/drawing/2014/main" id="{89D3C3F4-1C08-4E71-A95C-F14A7771A308}"/>
+              </a:ext>
+            </a:extLst>
+          </p:cNvPr>
+          <p:cNvSpPr>
+            <a:spLocks noGrp="1"/>
+          </p:cNvSpPr>
+          <p:nvPr>
+            <p:ph type="title"/>
+          </p:nvPr>
+        </p:nvSpPr>
+        <p:spPr/>
+        <p:txBody>
+          <a:bodyPr/>
+          <a:lstStyle/>
+          <a:p>
+            <a:r>
+              <a:rPr lang="zh-TW" altLang="en-US"/>
+              <a:t>提交訊息</a:t>
+            </a:r>
+          </a:p>
+        </p:txBody>
+      </p:sp>
+      <p:sp>
+        <p:nvSpPr>
+          <p:cNvPr id="3" name="內容版面配置區 2">
+            <a:extLst>
+              <a:ext uri="{FF2B5EF4-FFF2-40B4-BE49-F238E27FC236}">
+                <a16:creationId xmlns:a16="http://schemas.microsoft.com/office/drawing/2014/main" id="{B8499653-F511-4ACE-8CA4-0B51B2398D42}"/>
+              </a:ext>
+            </a:extLst>
+          </p:cNvPr>
+          <p:cNvSpPr>
+            <a:spLocks noGrp="1"/>
+          </p:cNvSpPr>
+          <p:nvPr>
+            <p:ph idx="1"/>
+          </p:nvPr>
+        </p:nvSpPr>
+        <p:spPr>
+          <a:xfrm>
+            <a:off x="838200" y="1942166"/>
+            <a:ext cx="10515600" cy="3571128"/>
+          </a:xfrm>
+        </p:spPr>
+        <p:txBody>
+          <a:bodyPr>
+            <a:normAutofit/>
+          </a:bodyPr>
+          <a:lstStyle/>
+          <a:p>
+            <a:r>
+              <a:rPr lang="zh-TW" altLang="en-US">
+                <a:solidFill>
+                  <a:srgbClr val="00B0F0"/>
+                </a:solidFill>
+              </a:rPr>
+              <a:t>提交訊息</a:t>
+            </a:r>
+            <a:r>
+              <a:rPr lang="zh-TW" altLang="en-US"/>
+              <a:t>最好要寫清楚該</a:t>
+            </a:r>
+            <a:r>
+              <a:rPr lang="zh-TW" altLang="en-US">
+                <a:solidFill>
+                  <a:srgbClr val="00B0F0"/>
+                </a:solidFill>
+              </a:rPr>
+              <a:t>提交</a:t>
+            </a:r>
+            <a:r>
+              <a:rPr lang="zh-TW" altLang="en-US"/>
+              <a:t>到底做了什麼</a:t>
+            </a:r>
+            <a:endParaRPr lang="en-US" altLang="zh-TW"/>
+          </a:p>
+          <a:p>
+            <a:r>
+              <a:rPr lang="zh-TW" altLang="en-US"/>
+              <a:t>但也必須保持精簡</a:t>
+            </a:r>
+            <a:endParaRPr lang="en-US" altLang="zh-TW"/>
+          </a:p>
+          <a:p>
+            <a:r>
+              <a:rPr lang="zh-TW" altLang="en-US"/>
+              <a:t>常見的寫法是 </a:t>
+            </a:r>
+            <a:r>
+              <a:rPr lang="en-US" altLang="zh-TW"/>
+              <a:t>"</a:t>
+            </a:r>
+            <a:r>
+              <a:rPr lang="zh-TW" altLang="en-US">
+                <a:solidFill>
+                  <a:srgbClr val="FFFF00"/>
+                </a:solidFill>
+              </a:rPr>
+              <a:t>提交種類</a:t>
+            </a:r>
+            <a:r>
+              <a:rPr lang="en-US" altLang="zh-TW">
+                <a:solidFill>
+                  <a:srgbClr val="00B0F0"/>
+                </a:solidFill>
+              </a:rPr>
+              <a:t>:</a:t>
+            </a:r>
+            <a:r>
+              <a:rPr lang="zh-TW" altLang="en-US"/>
+              <a:t> </a:t>
+            </a:r>
+            <a:r>
+              <a:rPr lang="zh-TW" altLang="en-US">
+                <a:solidFill>
+                  <a:srgbClr val="92D050"/>
+                </a:solidFill>
+              </a:rPr>
+              <a:t>簡單說明</a:t>
+            </a:r>
+            <a:r>
+              <a:rPr lang="en-US" altLang="zh-TW"/>
+              <a:t>"</a:t>
+            </a:r>
+          </a:p>
+          <a:p>
+            <a:r>
+              <a:rPr lang="zh-TW" altLang="en-US">
+                <a:solidFill>
+                  <a:srgbClr val="FFFF00"/>
+                </a:solidFill>
+              </a:rPr>
+              <a:t>提交種類</a:t>
+            </a:r>
+            <a:r>
+              <a:rPr lang="zh-TW" altLang="en-US"/>
+              <a:t>有：</a:t>
+            </a:r>
+            <a:r>
+              <a:rPr lang="en-US" altLang="zh-TW">
+                <a:solidFill>
+                  <a:srgbClr val="00B0F0"/>
+                </a:solidFill>
+              </a:rPr>
+              <a:t>feat(feature</a:t>
+            </a:r>
+            <a:r>
+              <a:rPr lang="zh-TW" altLang="en-US">
+                <a:solidFill>
+                  <a:srgbClr val="00B0F0"/>
+                </a:solidFill>
+              </a:rPr>
+              <a:t>，新功能</a:t>
+            </a:r>
+            <a:r>
+              <a:rPr lang="en-US" altLang="zh-TW">
+                <a:solidFill>
+                  <a:srgbClr val="00B0F0"/>
+                </a:solidFill>
+              </a:rPr>
+              <a:t>)</a:t>
+            </a:r>
+            <a:r>
+              <a:rPr lang="zh-TW" altLang="en-US"/>
+              <a:t>、</a:t>
+            </a:r>
+            <a:r>
+              <a:rPr lang="en-US" altLang="zh-TW">
+                <a:solidFill>
+                  <a:srgbClr val="00B0F0"/>
+                </a:solidFill>
+              </a:rPr>
+              <a:t>fix(</a:t>
+            </a:r>
+            <a:r>
+              <a:rPr lang="zh-TW" altLang="en-US">
+                <a:solidFill>
+                  <a:srgbClr val="00B0F0"/>
+                </a:solidFill>
+              </a:rPr>
+              <a:t>修復錯誤</a:t>
+            </a:r>
+            <a:r>
+              <a:rPr lang="en-US" altLang="zh-TW">
+                <a:solidFill>
+                  <a:srgbClr val="00B0F0"/>
+                </a:solidFill>
+              </a:rPr>
+              <a:t>)</a:t>
+            </a:r>
+          </a:p>
+          <a:p>
+            <a:r>
+              <a:rPr lang="en-US" altLang="zh-TW">
+                <a:solidFill>
+                  <a:srgbClr val="00B0F0"/>
+                </a:solidFill>
+              </a:rPr>
+              <a:t>docs(documentation</a:t>
+            </a:r>
+            <a:r>
+              <a:rPr lang="zh-TW" altLang="en-US">
+                <a:solidFill>
+                  <a:srgbClr val="00B0F0"/>
+                </a:solidFill>
+              </a:rPr>
+              <a:t>，更新說明</a:t>
+            </a:r>
+            <a:r>
+              <a:rPr lang="en-US" altLang="zh-TW">
+                <a:solidFill>
+                  <a:srgbClr val="00B0F0"/>
+                </a:solidFill>
+              </a:rPr>
+              <a:t>)</a:t>
+            </a:r>
+            <a:r>
+              <a:rPr lang="zh-TW" altLang="en-US"/>
+              <a:t>、</a:t>
+            </a:r>
+            <a:r>
+              <a:rPr lang="en-US" altLang="zh-TW">
+                <a:solidFill>
+                  <a:srgbClr val="00B0F0"/>
+                </a:solidFill>
+              </a:rPr>
+              <a:t>style(</a:t>
+            </a:r>
+            <a:r>
+              <a:rPr lang="zh-TW" altLang="en-US">
+                <a:solidFill>
+                  <a:srgbClr val="00B0F0"/>
+                </a:solidFill>
+              </a:rPr>
+              <a:t>格式變更</a:t>
+            </a:r>
+            <a:r>
+              <a:rPr lang="en-US" altLang="zh-TW">
+                <a:solidFill>
+                  <a:srgbClr val="00B0F0"/>
+                </a:solidFill>
+              </a:rPr>
+              <a:t>)</a:t>
+            </a:r>
+          </a:p>
+          <a:p>
+            <a:r>
+              <a:rPr lang="en-US" altLang="zh-TW">
+                <a:solidFill>
+                  <a:srgbClr val="00B0F0"/>
+                </a:solidFill>
+              </a:rPr>
+              <a:t>refactor(</a:t>
+            </a:r>
+            <a:r>
+              <a:rPr lang="zh-TW" altLang="en-US">
+                <a:solidFill>
+                  <a:srgbClr val="00B0F0"/>
+                </a:solidFill>
+              </a:rPr>
+              <a:t>重構</a:t>
+            </a:r>
+            <a:r>
+              <a:rPr lang="en-US" altLang="zh-TW">
+                <a:solidFill>
+                  <a:srgbClr val="00B0F0"/>
+                </a:solidFill>
+              </a:rPr>
+              <a:t>)</a:t>
+            </a:r>
+            <a:r>
+              <a:rPr lang="zh-TW" altLang="en-US"/>
+              <a:t>、</a:t>
+            </a:r>
+            <a:r>
+              <a:rPr lang="en-US" altLang="zh-TW">
+                <a:solidFill>
+                  <a:srgbClr val="00B0F0"/>
+                </a:solidFill>
+              </a:rPr>
+              <a:t>chore(</a:t>
+            </a:r>
+            <a:r>
+              <a:rPr lang="zh-TW" altLang="en-US">
+                <a:solidFill>
+                  <a:srgbClr val="00B0F0"/>
+                </a:solidFill>
+              </a:rPr>
+              <a:t>雜項</a:t>
+            </a:r>
+            <a:r>
+              <a:rPr lang="en-US" altLang="zh-TW">
+                <a:solidFill>
+                  <a:srgbClr val="00B0F0"/>
+                </a:solidFill>
+              </a:rPr>
+              <a:t>)</a:t>
+            </a:r>
+            <a:r>
+              <a:rPr lang="zh-TW" altLang="en-US"/>
+              <a:t>、</a:t>
+            </a:r>
+            <a:r>
+              <a:rPr lang="en-US" altLang="zh-TW">
+                <a:solidFill>
+                  <a:srgbClr val="00B0F0"/>
+                </a:solidFill>
+              </a:rPr>
+              <a:t>revert(</a:t>
+            </a:r>
+            <a:r>
+              <a:rPr lang="zh-TW" altLang="en-US">
+                <a:solidFill>
+                  <a:srgbClr val="00B0F0"/>
+                </a:solidFill>
+              </a:rPr>
+              <a:t>撤回提交</a:t>
+            </a:r>
+            <a:r>
+              <a:rPr lang="en-US" altLang="zh-TW">
+                <a:solidFill>
+                  <a:srgbClr val="00B0F0"/>
+                </a:solidFill>
+              </a:rPr>
+              <a:t>)</a:t>
+            </a:r>
+            <a:r>
+              <a:rPr lang="zh-TW" altLang="en-US">
+                <a:solidFill>
+                  <a:srgbClr val="00B0F0"/>
+                </a:solidFill>
+              </a:rPr>
+              <a:t> </a:t>
+            </a:r>
+            <a:r>
+              <a:rPr lang="zh-TW" altLang="en-US"/>
+              <a:t>等</a:t>
+            </a:r>
+            <a:endParaRPr lang="en-US" altLang="zh-TW"/>
+          </a:p>
+          <a:p>
+            <a:r>
+              <a:rPr lang="zh-TW" altLang="en-US"/>
+              <a:t>但在首次</a:t>
+            </a:r>
+            <a:r>
+              <a:rPr lang="zh-TW" altLang="en-US">
+                <a:solidFill>
+                  <a:srgbClr val="00B0F0"/>
+                </a:solidFill>
+              </a:rPr>
+              <a:t>提交</a:t>
+            </a:r>
+            <a:r>
+              <a:rPr lang="zh-TW" altLang="en-US"/>
+              <a:t>，常常使用 </a:t>
+            </a:r>
+            <a:r>
+              <a:rPr lang="en-US" altLang="zh-TW">
+                <a:solidFill>
+                  <a:srgbClr val="92D050"/>
+                </a:solidFill>
+              </a:rPr>
+              <a:t>"init"</a:t>
+            </a:r>
+            <a:r>
+              <a:rPr lang="zh-TW" altLang="en-US">
+                <a:solidFill>
+                  <a:srgbClr val="92D050"/>
+                </a:solidFill>
+              </a:rPr>
+              <a:t> </a:t>
+            </a:r>
+            <a:r>
+              <a:rPr lang="zh-TW" altLang="en-US"/>
+              <a:t>或 </a:t>
+            </a:r>
+            <a:r>
+              <a:rPr lang="en-US" altLang="zh-TW">
+                <a:solidFill>
+                  <a:srgbClr val="92D050"/>
+                </a:solidFill>
+              </a:rPr>
+              <a:t>"initial commit"</a:t>
+            </a:r>
+            <a:endParaRPr lang="zh-TW" altLang="en-US">
+              <a:solidFill>
+                <a:srgbClr val="92D050"/>
+              </a:solidFill>
+            </a:endParaRPr>
+          </a:p>
+        </p:txBody>
+      </p:sp>
+    </p:spTree>
+    <p:extLst>
+      <p:ext uri="{BB962C8B-B14F-4D97-AF65-F5344CB8AC3E}">
+        <p14:creationId xmlns:p14="http://schemas.microsoft.com/office/powerpoint/2010/main" val="1339099283"/>
+      </p:ext>
+    </p:extLst>
+  </p:cSld>
+  <p:clrMapOvr>
+    <a:masterClrMapping/>
+  </p:clrMapOvr>
+  <p:transition spd="slow">
+    <p:push dir="u"/>
+  </p:transition>
+</p:sld>
+</file>
+
+<file path=ppt/slides/slide18.xml><?xml version="1.0" encoding="utf-8"?>
+<p:sld xmlns:a="http://schemas.openxmlformats.org/drawingml/2006/main" xmlns:r="http://schemas.openxmlformats.org/officeDocument/2006/relationships" xmlns:p="http://schemas.openxmlformats.org/presentationml/2006/main">
+  <p:cSld>
+    <p:spTree>
+      <p:nvGrpSpPr>
+        <p:cNvPr id="1" name=""/>
+        <p:cNvGrpSpPr/>
+        <p:nvPr/>
+      </p:nvGrpSpPr>
+      <p:grpSpPr>
+        <a:xfrm>
+          <a:off x="0" y="0"/>
+          <a:ext cx="0" cy="0"/>
+          <a:chOff x="0" y="0"/>
+          <a:chExt cx="0" cy="0"/>
+        </a:xfrm>
+      </p:grpSpPr>
+      <p:sp>
+        <p:nvSpPr>
+          <p:cNvPr id="2" name="標題 1">
+            <a:extLst>
+              <a:ext uri="{FF2B5EF4-FFF2-40B4-BE49-F238E27FC236}">
+                <a16:creationId xmlns:a16="http://schemas.microsoft.com/office/drawing/2014/main" id="{4AB9F3A1-62FA-4616-AEDA-E46552550D27}"/>
+              </a:ext>
+            </a:extLst>
+          </p:cNvPr>
+          <p:cNvSpPr>
+            <a:spLocks noGrp="1"/>
+          </p:cNvSpPr>
+          <p:nvPr>
+            <p:ph type="title"/>
+          </p:nvPr>
+        </p:nvSpPr>
+        <p:spPr>
+          <a:xfrm>
+            <a:off x="838200" y="0"/>
+            <a:ext cx="10515600" cy="1325563"/>
+          </a:xfrm>
+        </p:spPr>
+        <p:txBody>
+          <a:bodyPr/>
+          <a:lstStyle/>
+          <a:p>
+            <a:r>
+              <a:rPr lang="zh-TW" altLang="en-US"/>
+              <a:t>提交與推送</a:t>
+            </a:r>
+          </a:p>
+        </p:txBody>
+      </p:sp>
+      <p:pic>
+        <p:nvPicPr>
+          <p:cNvPr id="6" name="圖片 5">
+            <a:extLst>
+              <a:ext uri="{FF2B5EF4-FFF2-40B4-BE49-F238E27FC236}">
+                <a16:creationId xmlns:a16="http://schemas.microsoft.com/office/drawing/2014/main" id="{A79EF038-F459-44AB-A0E1-083FD5745251}"/>
+              </a:ext>
+            </a:extLst>
+          </p:cNvPr>
+          <p:cNvPicPr>
+            <a:picLocks noChangeAspect="1"/>
+          </p:cNvPicPr>
+          <p:nvPr/>
+        </p:nvPicPr>
+        <p:blipFill>
+          <a:blip r:embed="rId2"/>
+          <a:stretch>
+            <a:fillRect/>
+          </a:stretch>
+        </p:blipFill>
+        <p:spPr>
+          <a:xfrm>
+            <a:off x="346147" y="987425"/>
+            <a:ext cx="11499706" cy="5429250"/>
           </a:xfrm>
           <a:prstGeom prst="rect">
             <a:avLst/>
           </a:prstGeom>
         </p:spPr>
       </p:pic>
+      <p:sp>
+        <p:nvSpPr>
+          <p:cNvPr id="8" name="矩形: 圓角 7">
+            <a:extLst>
+              <a:ext uri="{FF2B5EF4-FFF2-40B4-BE49-F238E27FC236}">
+                <a16:creationId xmlns:a16="http://schemas.microsoft.com/office/drawing/2014/main" id="{FF17DBFF-0B9F-4A31-AE89-2659A62F0A5B}"/>
+              </a:ext>
+            </a:extLst>
+          </p:cNvPr>
+          <p:cNvSpPr/>
+          <p:nvPr/>
+        </p:nvSpPr>
+        <p:spPr>
+          <a:xfrm>
+            <a:off x="1476375" y="3590925"/>
+            <a:ext cx="6848475" cy="1133475"/>
+          </a:xfrm>
+          <a:prstGeom prst="roundRect">
+            <a:avLst>
+              <a:gd name="adj" fmla="val 6847"/>
+            </a:avLst>
+          </a:prstGeom>
+          <a:noFill/>
+          <a:ln w="19050">
+            <a:solidFill>
+              <a:srgbClr val="FFC000"/>
+            </a:solidFill>
+          </a:ln>
+        </p:spPr>
+        <p:style>
+          <a:lnRef idx="2">
+            <a:schemeClr val="accent1">
+              <a:shade val="50000"/>
+            </a:schemeClr>
+          </a:lnRef>
+          <a:fillRef idx="1">
+            <a:schemeClr val="accent1"/>
+          </a:fillRef>
+          <a:effectRef idx="0">
+            <a:schemeClr val="accent1"/>
+          </a:effectRef>
+          <a:fontRef idx="minor">
+            <a:schemeClr val="lt1"/>
+          </a:fontRef>
+        </p:style>
+        <p:txBody>
+          <a:bodyPr rtlCol="0" anchor="ctr"/>
+          <a:lstStyle/>
+          <a:p>
+            <a:pPr algn="ctr"/>
+            <a:endParaRPr lang="zh-TW" altLang="en-US"/>
+          </a:p>
+        </p:txBody>
+      </p:sp>
+      <p:sp>
+        <p:nvSpPr>
+          <p:cNvPr id="9" name="矩形: 圓角 8">
+            <a:extLst>
+              <a:ext uri="{FF2B5EF4-FFF2-40B4-BE49-F238E27FC236}">
+                <a16:creationId xmlns:a16="http://schemas.microsoft.com/office/drawing/2014/main" id="{A0D89EE6-12D2-4042-9BB3-91BA97E22114}"/>
+              </a:ext>
+            </a:extLst>
+          </p:cNvPr>
+          <p:cNvSpPr/>
+          <p:nvPr/>
+        </p:nvSpPr>
+        <p:spPr>
+          <a:xfrm>
+            <a:off x="1476375" y="3167064"/>
+            <a:ext cx="6848475" cy="345280"/>
+          </a:xfrm>
+          <a:prstGeom prst="roundRect">
+            <a:avLst>
+              <a:gd name="adj" fmla="val 17859"/>
+            </a:avLst>
+          </a:prstGeom>
+          <a:noFill/>
+          <a:ln w="19050">
+            <a:solidFill>
+              <a:srgbClr val="FFFF00"/>
+            </a:solidFill>
+          </a:ln>
+        </p:spPr>
+        <p:style>
+          <a:lnRef idx="2">
+            <a:schemeClr val="accent1">
+              <a:shade val="50000"/>
+            </a:schemeClr>
+          </a:lnRef>
+          <a:fillRef idx="1">
+            <a:schemeClr val="accent1"/>
+          </a:fillRef>
+          <a:effectRef idx="0">
+            <a:schemeClr val="accent1"/>
+          </a:effectRef>
+          <a:fontRef idx="minor">
+            <a:schemeClr val="lt1"/>
+          </a:fontRef>
+        </p:style>
+        <p:txBody>
+          <a:bodyPr rtlCol="0" anchor="ctr"/>
+          <a:lstStyle/>
+          <a:p>
+            <a:pPr algn="ctr"/>
+            <a:endParaRPr lang="zh-TW" altLang="en-US"/>
+          </a:p>
+        </p:txBody>
+      </p:sp>
+      <p:sp>
+        <p:nvSpPr>
+          <p:cNvPr id="10" name="矩形: 圓角 9">
+            <a:extLst>
+              <a:ext uri="{FF2B5EF4-FFF2-40B4-BE49-F238E27FC236}">
+                <a16:creationId xmlns:a16="http://schemas.microsoft.com/office/drawing/2014/main" id="{D7FF209A-DA11-45D2-AD95-93C7B5496339}"/>
+              </a:ext>
+            </a:extLst>
+          </p:cNvPr>
+          <p:cNvSpPr/>
+          <p:nvPr/>
+        </p:nvSpPr>
+        <p:spPr>
+          <a:xfrm>
+            <a:off x="1476375" y="2801467"/>
+            <a:ext cx="6848475" cy="323849"/>
+          </a:xfrm>
+          <a:prstGeom prst="roundRect">
+            <a:avLst>
+              <a:gd name="adj" fmla="val 15680"/>
+            </a:avLst>
+          </a:prstGeom>
+          <a:noFill/>
+          <a:ln w="19050">
+            <a:solidFill>
+              <a:srgbClr val="92D050"/>
+            </a:solidFill>
+          </a:ln>
+        </p:spPr>
+        <p:style>
+          <a:lnRef idx="2">
+            <a:schemeClr val="accent1">
+              <a:shade val="50000"/>
+            </a:schemeClr>
+          </a:lnRef>
+          <a:fillRef idx="1">
+            <a:schemeClr val="accent1"/>
+          </a:fillRef>
+          <a:effectRef idx="0">
+            <a:schemeClr val="accent1"/>
+          </a:effectRef>
+          <a:fontRef idx="minor">
+            <a:schemeClr val="lt1"/>
+          </a:fontRef>
+        </p:style>
+        <p:txBody>
+          <a:bodyPr rtlCol="0" anchor="ctr"/>
+          <a:lstStyle/>
+          <a:p>
+            <a:pPr algn="ctr"/>
+            <a:endParaRPr lang="zh-TW" altLang="en-US"/>
+          </a:p>
+        </p:txBody>
+      </p:sp>
+      <p:sp>
+        <p:nvSpPr>
+          <p:cNvPr id="11" name="文字方塊 10">
+            <a:extLst>
+              <a:ext uri="{FF2B5EF4-FFF2-40B4-BE49-F238E27FC236}">
+                <a16:creationId xmlns:a16="http://schemas.microsoft.com/office/drawing/2014/main" id="{A3770EDC-0FCD-4E77-AF4D-31718C46FA44}"/>
+              </a:ext>
+            </a:extLst>
+          </p:cNvPr>
+          <p:cNvSpPr txBox="1"/>
+          <p:nvPr/>
+        </p:nvSpPr>
+        <p:spPr>
+          <a:xfrm>
+            <a:off x="3305056" y="2342356"/>
+            <a:ext cx="2031325" cy="461665"/>
+          </a:xfrm>
+          <a:prstGeom prst="rect">
+            <a:avLst/>
+          </a:prstGeom>
+          <a:noFill/>
+        </p:spPr>
+        <p:txBody>
+          <a:bodyPr wrap="none" rtlCol="0">
+            <a:spAutoFit/>
+          </a:bodyPr>
+          <a:lstStyle/>
+          <a:p>
+            <a:r>
+              <a:rPr lang="zh-TW" altLang="en-US" sz="2400">
+                <a:solidFill>
+                  <a:srgbClr val="92D050"/>
+                </a:solidFill>
+              </a:rPr>
+              <a:t>最近一筆提交</a:t>
+            </a:r>
+          </a:p>
+        </p:txBody>
+      </p:sp>
+      <p:sp>
+        <p:nvSpPr>
+          <p:cNvPr id="14" name="文字方塊 13">
+            <a:extLst>
+              <a:ext uri="{FF2B5EF4-FFF2-40B4-BE49-F238E27FC236}">
+                <a16:creationId xmlns:a16="http://schemas.microsoft.com/office/drawing/2014/main" id="{94D77045-8950-48E6-8A77-33C1C2048BBF}"/>
+              </a:ext>
+            </a:extLst>
+          </p:cNvPr>
+          <p:cNvSpPr txBox="1"/>
+          <p:nvPr/>
+        </p:nvSpPr>
+        <p:spPr>
+          <a:xfrm>
+            <a:off x="8324850" y="3089969"/>
+            <a:ext cx="1415772" cy="461665"/>
+          </a:xfrm>
+          <a:prstGeom prst="rect">
+            <a:avLst/>
+          </a:prstGeom>
+          <a:noFill/>
+        </p:spPr>
+        <p:txBody>
+          <a:bodyPr wrap="none" rtlCol="0">
+            <a:spAutoFit/>
+          </a:bodyPr>
+          <a:lstStyle/>
+          <a:p>
+            <a:r>
+              <a:rPr lang="zh-TW" altLang="en-US" sz="2400">
+                <a:solidFill>
+                  <a:srgbClr val="FFFF00"/>
+                </a:solidFill>
+              </a:rPr>
+              <a:t>倉庫內容</a:t>
+            </a:r>
+          </a:p>
+        </p:txBody>
+      </p:sp>
+      <p:sp>
+        <p:nvSpPr>
+          <p:cNvPr id="15" name="文字方塊 14">
+            <a:extLst>
+              <a:ext uri="{FF2B5EF4-FFF2-40B4-BE49-F238E27FC236}">
+                <a16:creationId xmlns:a16="http://schemas.microsoft.com/office/drawing/2014/main" id="{010DE748-209A-4934-A53D-70F4D66A1B18}"/>
+              </a:ext>
+            </a:extLst>
+          </p:cNvPr>
+          <p:cNvSpPr txBox="1"/>
+          <p:nvPr/>
+        </p:nvSpPr>
+        <p:spPr>
+          <a:xfrm>
+            <a:off x="3510796" y="4724400"/>
+            <a:ext cx="3211135" cy="461665"/>
+          </a:xfrm>
+          <a:prstGeom prst="rect">
+            <a:avLst/>
+          </a:prstGeom>
+          <a:noFill/>
+        </p:spPr>
+        <p:txBody>
+          <a:bodyPr wrap="none" rtlCol="0">
+            <a:spAutoFit/>
+          </a:bodyPr>
+          <a:lstStyle/>
+          <a:p>
+            <a:r>
+              <a:rPr lang="en-US" altLang="zh-TW" sz="2400">
+                <a:solidFill>
+                  <a:srgbClr val="FFC000"/>
+                </a:solidFill>
+              </a:rPr>
+              <a:t>README</a:t>
+            </a:r>
+            <a:r>
+              <a:rPr lang="zh-TW" altLang="en-US" sz="2400">
+                <a:solidFill>
+                  <a:srgbClr val="FFC000"/>
+                </a:solidFill>
+              </a:rPr>
+              <a:t>、</a:t>
+            </a:r>
+            <a:r>
+              <a:rPr lang="en-US" altLang="zh-TW" sz="2400">
+                <a:solidFill>
+                  <a:srgbClr val="FFC000"/>
+                </a:solidFill>
+              </a:rPr>
+              <a:t>LICENSE </a:t>
+            </a:r>
+            <a:r>
+              <a:rPr lang="zh-TW" altLang="en-US" sz="2400">
+                <a:solidFill>
+                  <a:srgbClr val="FFC000"/>
+                </a:solidFill>
+              </a:rPr>
+              <a:t>等</a:t>
+            </a:r>
+          </a:p>
+        </p:txBody>
+      </p:sp>
     </p:spTree>
     <p:extLst>
       <p:ext uri="{BB962C8B-B14F-4D97-AF65-F5344CB8AC3E}">
-        <p14:creationId xmlns:p14="http://schemas.microsoft.com/office/powerpoint/2010/main" val="3957633886"/>
+        <p14:creationId xmlns:p14="http://schemas.microsoft.com/office/powerpoint/2010/main" val="964203938"/>
+      </p:ext>
+    </p:extLst>
+  </p:cSld>
+  <p:clrMapOvr>
+    <a:masterClrMapping/>
+  </p:clrMapOvr>
+  <p:transition spd="slow">
+    <p:push dir="u"/>
+  </p:transition>
+</p:sld>
+</file>
+
+<file path=ppt/slides/slide19.xml><?xml version="1.0" encoding="utf-8"?>
+<p:sld xmlns:a="http://schemas.openxmlformats.org/drawingml/2006/main" xmlns:r="http://schemas.openxmlformats.org/officeDocument/2006/relationships" xmlns:p="http://schemas.openxmlformats.org/presentationml/2006/main">
+  <p:cSld>
+    <p:spTree>
+      <p:nvGrpSpPr>
+        <p:cNvPr id="1" name=""/>
+        <p:cNvGrpSpPr/>
+        <p:nvPr/>
+      </p:nvGrpSpPr>
+      <p:grpSpPr>
+        <a:xfrm>
+          <a:off x="0" y="0"/>
+          <a:ext cx="0" cy="0"/>
+          <a:chOff x="0" y="0"/>
+          <a:chExt cx="0" cy="0"/>
+        </a:xfrm>
+      </p:grpSpPr>
+      <p:pic>
+        <p:nvPicPr>
+          <p:cNvPr id="14" name="圖片 13">
+            <a:extLst>
+              <a:ext uri="{FF2B5EF4-FFF2-40B4-BE49-F238E27FC236}">
+                <a16:creationId xmlns:a16="http://schemas.microsoft.com/office/drawing/2014/main" id="{F4185BFF-D7A7-432B-B896-63EA2DD67B74}"/>
+              </a:ext>
+            </a:extLst>
+          </p:cNvPr>
+          <p:cNvPicPr>
+            <a:picLocks noChangeAspect="1"/>
+          </p:cNvPicPr>
+          <p:nvPr/>
+        </p:nvPicPr>
+        <p:blipFill>
+          <a:blip r:embed="rId2">
+            <a:extLst>
+              <a:ext uri="{28A0092B-C50C-407E-A947-70E740481C1C}">
+                <a14:useLocalDpi xmlns:a14="http://schemas.microsoft.com/office/drawing/2010/main" val="0"/>
+              </a:ext>
+            </a:extLst>
+          </a:blip>
+          <a:stretch>
+            <a:fillRect/>
+          </a:stretch>
+        </p:blipFill>
+        <p:spPr>
+          <a:xfrm>
+            <a:off x="179296" y="1192904"/>
+            <a:ext cx="5871302" cy="4995171"/>
+          </a:xfrm>
+          <a:prstGeom prst="rect">
+            <a:avLst/>
+          </a:prstGeom>
+          <a:ln>
+            <a:solidFill>
+              <a:schemeClr val="tx1"/>
+            </a:solidFill>
+          </a:ln>
+        </p:spPr>
+      </p:pic>
+      <p:sp>
+        <p:nvSpPr>
+          <p:cNvPr id="2" name="標題 1">
+            <a:extLst>
+              <a:ext uri="{FF2B5EF4-FFF2-40B4-BE49-F238E27FC236}">
+                <a16:creationId xmlns:a16="http://schemas.microsoft.com/office/drawing/2014/main" id="{B6DC8715-EF8F-4409-96D4-711E3FA88F51}"/>
+              </a:ext>
+            </a:extLst>
+          </p:cNvPr>
+          <p:cNvSpPr>
+            <a:spLocks noGrp="1"/>
+          </p:cNvSpPr>
+          <p:nvPr>
+            <p:ph type="title"/>
+          </p:nvPr>
+        </p:nvSpPr>
+        <p:spPr>
+          <a:xfrm>
+            <a:off x="838200" y="0"/>
+            <a:ext cx="10515600" cy="1325563"/>
+          </a:xfrm>
+        </p:spPr>
+        <p:txBody>
+          <a:bodyPr/>
+          <a:lstStyle/>
+          <a:p>
+            <a:r>
+              <a:rPr lang="zh-TW" altLang="en-US"/>
+              <a:t>提交與推送</a:t>
+            </a:r>
+          </a:p>
+        </p:txBody>
+      </p:sp>
+      <p:pic>
+        <p:nvPicPr>
+          <p:cNvPr id="9" name="圖片 8">
+            <a:extLst>
+              <a:ext uri="{FF2B5EF4-FFF2-40B4-BE49-F238E27FC236}">
+                <a16:creationId xmlns:a16="http://schemas.microsoft.com/office/drawing/2014/main" id="{E6282381-5EC1-4D1D-A4EE-3FBBC1AB961C}"/>
+              </a:ext>
+            </a:extLst>
+          </p:cNvPr>
+          <p:cNvPicPr>
+            <a:picLocks noChangeAspect="1"/>
+          </p:cNvPicPr>
+          <p:nvPr/>
+        </p:nvPicPr>
+        <p:blipFill>
+          <a:blip r:embed="rId3"/>
+          <a:stretch>
+            <a:fillRect/>
+          </a:stretch>
+        </p:blipFill>
+        <p:spPr>
+          <a:xfrm>
+            <a:off x="6173423" y="2225280"/>
+            <a:ext cx="5880844" cy="2753282"/>
+          </a:xfrm>
+          <a:prstGeom prst="rect">
+            <a:avLst/>
+          </a:prstGeom>
+          <a:ln>
+            <a:solidFill>
+              <a:schemeClr val="tx1"/>
+            </a:solidFill>
+          </a:ln>
+        </p:spPr>
+      </p:pic>
+    </p:spTree>
+    <p:extLst>
+      <p:ext uri="{BB962C8B-B14F-4D97-AF65-F5344CB8AC3E}">
+        <p14:creationId xmlns:p14="http://schemas.microsoft.com/office/powerpoint/2010/main" val="1562475264"/>
       </p:ext>
     </p:extLst>
   </p:cSld>

--- a/ppt/16_Git 與 Github.pptx
+++ b/ppt/16_Git 與 Github.pptx
@@ -5,7 +5,7 @@
     <p:sldMasterId id="2147483660" r:id="rId1"/>
   </p:sldMasterIdLst>
   <p:notesMasterIdLst>
-    <p:notesMasterId r:id="rId41"/>
+    <p:notesMasterId r:id="rId45"/>
   </p:notesMasterIdLst>
   <p:sldIdLst>
     <p:sldId id="256" r:id="rId2"/>
@@ -17,39 +17,46 @@
     <p:sldId id="262" r:id="rId8"/>
     <p:sldId id="263" r:id="rId9"/>
     <p:sldId id="264" r:id="rId10"/>
-    <p:sldId id="265" r:id="rId11"/>
-    <p:sldId id="266" r:id="rId12"/>
-    <p:sldId id="267" r:id="rId13"/>
-    <p:sldId id="268" r:id="rId14"/>
-    <p:sldId id="269" r:id="rId15"/>
-    <p:sldId id="270" r:id="rId16"/>
-    <p:sldId id="271" r:id="rId17"/>
-    <p:sldId id="276" r:id="rId18"/>
-    <p:sldId id="273" r:id="rId19"/>
-    <p:sldId id="272" r:id="rId20"/>
-    <p:sldId id="274" r:id="rId21"/>
-    <p:sldId id="275" r:id="rId22"/>
-    <p:sldId id="277" r:id="rId23"/>
-    <p:sldId id="278" r:id="rId24"/>
-    <p:sldId id="279" r:id="rId25"/>
-    <p:sldId id="280" r:id="rId26"/>
-    <p:sldId id="281" r:id="rId27"/>
-    <p:sldId id="287" r:id="rId28"/>
-    <p:sldId id="282" r:id="rId29"/>
-    <p:sldId id="283" r:id="rId30"/>
-    <p:sldId id="284" r:id="rId31"/>
-    <p:sldId id="286" r:id="rId32"/>
-    <p:sldId id="288" r:id="rId33"/>
-    <p:sldId id="289" r:id="rId34"/>
-    <p:sldId id="290" r:id="rId35"/>
-    <p:sldId id="291" r:id="rId36"/>
-    <p:sldId id="292" r:id="rId37"/>
-    <p:sldId id="293" r:id="rId38"/>
-    <p:sldId id="294" r:id="rId39"/>
-    <p:sldId id="295" r:id="rId40"/>
+    <p:sldId id="296" r:id="rId11"/>
+    <p:sldId id="265" r:id="rId12"/>
+    <p:sldId id="266" r:id="rId13"/>
+    <p:sldId id="267" r:id="rId14"/>
+    <p:sldId id="268" r:id="rId15"/>
+    <p:sldId id="269" r:id="rId16"/>
+    <p:sldId id="270" r:id="rId17"/>
+    <p:sldId id="271" r:id="rId18"/>
+    <p:sldId id="276" r:id="rId19"/>
+    <p:sldId id="273" r:id="rId20"/>
+    <p:sldId id="272" r:id="rId21"/>
+    <p:sldId id="274" r:id="rId22"/>
+    <p:sldId id="275" r:id="rId23"/>
+    <p:sldId id="277" r:id="rId24"/>
+    <p:sldId id="278" r:id="rId25"/>
+    <p:sldId id="279" r:id="rId26"/>
+    <p:sldId id="280" r:id="rId27"/>
+    <p:sldId id="281" r:id="rId28"/>
+    <p:sldId id="287" r:id="rId29"/>
+    <p:sldId id="282" r:id="rId30"/>
+    <p:sldId id="283" r:id="rId31"/>
+    <p:sldId id="284" r:id="rId32"/>
+    <p:sldId id="286" r:id="rId33"/>
+    <p:sldId id="288" r:id="rId34"/>
+    <p:sldId id="289" r:id="rId35"/>
+    <p:sldId id="290" r:id="rId36"/>
+    <p:sldId id="291" r:id="rId37"/>
+    <p:sldId id="292" r:id="rId38"/>
+    <p:sldId id="293" r:id="rId39"/>
+    <p:sldId id="294" r:id="rId40"/>
+    <p:sldId id="295" r:id="rId41"/>
+    <p:sldId id="297" r:id="rId42"/>
+    <p:sldId id="298" r:id="rId43"/>
+    <p:sldId id="299" r:id="rId44"/>
   </p:sldIdLst>
   <p:sldSz cx="12192000" cy="6858000"/>
   <p:notesSz cx="6858000" cy="9144000"/>
+  <p:custDataLst>
+    <p:tags r:id="rId46"/>
+  </p:custDataLst>
   <p:defaultTextStyle>
     <a:defPPr>
       <a:defRPr lang="zh-TW"/>
@@ -235,7 +242,7 @@
           <a:p>
             <a:fld id="{4C3E8E4F-B94C-4931-8E26-37EF94800EBC}" type="datetimeFigureOut">
               <a:rPr lang="zh-TW" altLang="en-US" smtClean="0"/>
-              <a:t>2024/9/14</a:t>
+              <a:t>2024/9/15</a:t>
             </a:fld>
             <a:endParaRPr lang="zh-TW" altLang="en-US"/>
           </a:p>
@@ -567,7 +574,7 @@
           <a:p>
             <a:fld id="{3F45FBC2-7713-465C-958B-B5DBC57735DF}" type="slidenum">
               <a:rPr lang="zh-TW" altLang="en-US" smtClean="0"/>
-              <a:t>26</a:t>
+              <a:t>27</a:t>
             </a:fld>
             <a:endParaRPr lang="zh-TW" altLang="en-US"/>
           </a:p>
@@ -651,7 +658,7 @@
           <a:p>
             <a:fld id="{3F45FBC2-7713-465C-958B-B5DBC57735DF}" type="slidenum">
               <a:rPr lang="zh-TW" altLang="en-US" smtClean="0"/>
-              <a:t>35</a:t>
+              <a:t>36</a:t>
             </a:fld>
             <a:endParaRPr lang="zh-TW" altLang="en-US"/>
           </a:p>
@@ -2461,6 +2468,812 @@
           <p:cNvPr id="2" name="標題 1">
             <a:extLst>
               <a:ext uri="{FF2B5EF4-FFF2-40B4-BE49-F238E27FC236}">
+                <a16:creationId xmlns:a16="http://schemas.microsoft.com/office/drawing/2014/main" id="{0A39FA16-D34D-4BE4-8654-0E4E529B39D4}"/>
+              </a:ext>
+            </a:extLst>
+          </p:cNvPr>
+          <p:cNvSpPr>
+            <a:spLocks noGrp="1"/>
+          </p:cNvSpPr>
+          <p:nvPr>
+            <p:ph type="title"/>
+          </p:nvPr>
+        </p:nvSpPr>
+        <p:spPr>
+          <a:xfrm>
+            <a:off x="838200" y="2481"/>
+            <a:ext cx="10515600" cy="1325563"/>
+          </a:xfrm>
+        </p:spPr>
+        <p:txBody>
+          <a:bodyPr/>
+          <a:lstStyle/>
+          <a:p>
+            <a:r>
+              <a:rPr lang="en-US" altLang="zh-TW"/>
+              <a:t>Git </a:t>
+            </a:r>
+            <a:r>
+              <a:rPr lang="zh-TW" altLang="en-US"/>
+              <a:t>登入</a:t>
+            </a:r>
+          </a:p>
+        </p:txBody>
+      </p:sp>
+      <p:sp>
+        <p:nvSpPr>
+          <p:cNvPr id="3" name="內容版面配置區 2">
+            <a:extLst>
+              <a:ext uri="{FF2B5EF4-FFF2-40B4-BE49-F238E27FC236}">
+                <a16:creationId xmlns:a16="http://schemas.microsoft.com/office/drawing/2014/main" id="{4A0F087F-E10C-49A2-A100-867F8257C363}"/>
+              </a:ext>
+            </a:extLst>
+          </p:cNvPr>
+          <p:cNvSpPr>
+            <a:spLocks noGrp="1"/>
+          </p:cNvSpPr>
+          <p:nvPr>
+            <p:ph idx="1"/>
+          </p:nvPr>
+        </p:nvSpPr>
+        <p:spPr>
+          <a:xfrm>
+            <a:off x="838200" y="1328044"/>
+            <a:ext cx="10515600" cy="1054279"/>
+          </a:xfrm>
+        </p:spPr>
+        <p:txBody>
+          <a:bodyPr/>
+          <a:lstStyle/>
+          <a:p>
+            <a:r>
+              <a:rPr lang="zh-TW" altLang="en-US"/>
+              <a:t>在第一次使用 </a:t>
+            </a:r>
+            <a:r>
+              <a:rPr lang="en-US" altLang="zh-TW">
+                <a:solidFill>
+                  <a:srgbClr val="00B0F0"/>
+                </a:solidFill>
+              </a:rPr>
+              <a:t>Git</a:t>
+            </a:r>
+            <a:r>
+              <a:rPr lang="en-US" altLang="zh-TW"/>
+              <a:t> </a:t>
+            </a:r>
+            <a:r>
+              <a:rPr lang="zh-TW" altLang="en-US"/>
+              <a:t>之前，我們必須先告訴 </a:t>
+            </a:r>
+            <a:r>
+              <a:rPr lang="en-US" altLang="zh-TW">
+                <a:solidFill>
+                  <a:srgbClr val="00B0F0"/>
+                </a:solidFill>
+              </a:rPr>
+              <a:t>Git</a:t>
+            </a:r>
+            <a:r>
+              <a:rPr lang="en-US" altLang="zh-TW"/>
+              <a:t> </a:t>
+            </a:r>
+            <a:r>
+              <a:rPr lang="zh-TW" altLang="en-US"/>
+              <a:t>我們是誰</a:t>
+            </a:r>
+            <a:endParaRPr lang="en-US" altLang="zh-TW"/>
+          </a:p>
+          <a:p>
+            <a:r>
+              <a:rPr lang="zh-TW" altLang="en-US"/>
+              <a:t>使用下方 </a:t>
+            </a:r>
+            <a:r>
+              <a:rPr lang="en-US" altLang="zh-TW">
+                <a:solidFill>
+                  <a:srgbClr val="00B0F0"/>
+                </a:solidFill>
+              </a:rPr>
+              <a:t>Git</a:t>
+            </a:r>
+            <a:r>
+              <a:rPr lang="zh-TW" altLang="en-US">
+                <a:solidFill>
+                  <a:srgbClr val="00B0F0"/>
+                </a:solidFill>
+              </a:rPr>
+              <a:t> 指令</a:t>
+            </a:r>
+            <a:r>
+              <a:rPr lang="zh-TW" altLang="en-US"/>
+              <a:t>用 </a:t>
+            </a:r>
+            <a:r>
+              <a:rPr lang="en-US" altLang="zh-TW">
+                <a:solidFill>
+                  <a:srgbClr val="00B0F0"/>
+                </a:solidFill>
+              </a:rPr>
+              <a:t>Github</a:t>
+            </a:r>
+            <a:r>
+              <a:rPr lang="en-US" altLang="zh-TW"/>
+              <a:t> </a:t>
+            </a:r>
+            <a:r>
+              <a:rPr lang="zh-TW" altLang="en-US"/>
+              <a:t>登入 </a:t>
+            </a:r>
+            <a:r>
+              <a:rPr lang="en-US" altLang="zh-TW">
+                <a:solidFill>
+                  <a:srgbClr val="00B0F0"/>
+                </a:solidFill>
+              </a:rPr>
+              <a:t>Git</a:t>
+            </a:r>
+            <a:r>
+              <a:rPr lang="zh-TW" altLang="en-US"/>
+              <a:t>：</a:t>
+            </a:r>
+          </a:p>
+        </p:txBody>
+      </p:sp>
+      <p:grpSp>
+        <p:nvGrpSpPr>
+          <p:cNvPr id="4" name="群組 3">
+            <a:extLst>
+              <a:ext uri="{FF2B5EF4-FFF2-40B4-BE49-F238E27FC236}">
+                <a16:creationId xmlns:a16="http://schemas.microsoft.com/office/drawing/2014/main" id="{338F1F0F-A53F-4589-B8C8-9B714D27AE0B}"/>
+              </a:ext>
+            </a:extLst>
+          </p:cNvPr>
+          <p:cNvGrpSpPr/>
+          <p:nvPr/>
+        </p:nvGrpSpPr>
+        <p:grpSpPr>
+          <a:xfrm>
+            <a:off x="838200" y="2382323"/>
+            <a:ext cx="10515600" cy="461665"/>
+            <a:chOff x="838200" y="3114311"/>
+            <a:chExt cx="10515600" cy="461665"/>
+          </a:xfrm>
+        </p:grpSpPr>
+        <p:sp>
+          <p:nvSpPr>
+            <p:cNvPr id="5" name="Rectangle 1">
+              <a:extLst>
+                <a:ext uri="{FF2B5EF4-FFF2-40B4-BE49-F238E27FC236}">
+                  <a16:creationId xmlns:a16="http://schemas.microsoft.com/office/drawing/2014/main" id="{7E11757D-4A57-4921-B1A8-44FFED4E1467}"/>
+                </a:ext>
+              </a:extLst>
+            </p:cNvPr>
+            <p:cNvSpPr>
+              <a:spLocks noChangeArrowheads="1"/>
+            </p:cNvSpPr>
+            <p:nvPr/>
+          </p:nvSpPr>
+          <p:spPr bwMode="auto">
+            <a:xfrm>
+              <a:off x="838200" y="3114311"/>
+              <a:ext cx="10515600" cy="461665"/>
+            </a:xfrm>
+            <a:prstGeom prst="rect">
+              <a:avLst/>
+            </a:prstGeom>
+            <a:solidFill>
+              <a:srgbClr val="1E1F22"/>
+            </a:solidFill>
+            <a:ln>
+              <a:noFill/>
+            </a:ln>
+            <a:effectLst/>
+            <a:extLst>
+              <a:ext uri="{91240B29-F687-4F45-9708-019B960494DF}">
+                <a14:hiddenLine xmlns:a14="http://schemas.microsoft.com/office/drawing/2010/main" w="9525">
+                  <a:solidFill>
+                    <a:schemeClr val="tx1"/>
+                  </a:solidFill>
+                  <a:miter lim="800000"/>
+                  <a:headEnd/>
+                  <a:tailEnd/>
+                </a14:hiddenLine>
+              </a:ext>
+              <a:ext uri="{AF507438-7753-43E0-B8FC-AC1667EBCBE1}">
+                <a14:hiddenEffects xmlns:a14="http://schemas.microsoft.com/office/drawing/2010/main">
+                  <a:effectLst>
+                    <a:outerShdw dist="35921" dir="2700000" algn="ctr" rotWithShape="0">
+                      <a:schemeClr val="bg2"/>
+                    </a:outerShdw>
+                  </a:effectLst>
+                </a14:hiddenEffects>
+              </a:ext>
+            </a:extLst>
+          </p:spPr>
+          <p:txBody>
+            <a:bodyPr vert="horz" wrap="square" lIns="91440" tIns="45720" rIns="91440" bIns="45720" numCol="1" anchor="ctr" anchorCtr="0" compatLnSpc="1">
+              <a:prstTxWarp prst="textNoShape">
+                <a:avLst/>
+              </a:prstTxWarp>
+              <a:spAutoFit/>
+            </a:bodyPr>
+            <a:lstStyle/>
+            <a:p>
+              <a:pPr marL="0" marR="0" lvl="0" indent="0" algn="l" defTabSz="914400" rtl="0" eaLnBrk="0" fontAlgn="base" latinLnBrk="0" hangingPunct="0">
+                <a:lnSpc>
+                  <a:spcPct val="100000"/>
+                </a:lnSpc>
+                <a:spcBef>
+                  <a:spcPct val="0"/>
+                </a:spcBef>
+                <a:spcAft>
+                  <a:spcPct val="0"/>
+                </a:spcAft>
+                <a:buClrTx/>
+                <a:buSzTx/>
+                <a:buFontTx/>
+                <a:buNone/>
+                <a:tabLst/>
+              </a:pPr>
+              <a:r>
+                <a:rPr kumimoji="0" lang="en-US" altLang="zh-TW" sz="2400" b="0" i="0" u="none" strike="noStrike" cap="none" normalizeH="0" baseline="0">
+                  <a:ln>
+                    <a:noFill/>
+                  </a:ln>
+                  <a:solidFill>
+                    <a:srgbClr val="00B0F0"/>
+                  </a:solidFill>
+                  <a:effectLst/>
+                  <a:latin typeface="+mj-lt"/>
+                  <a:cs typeface="JetBrains Mono" panose="02000009000000000000" pitchFamily="49" charset="0"/>
+                </a:rPr>
+                <a:t>git</a:t>
+              </a:r>
+              <a:r>
+                <a:rPr kumimoji="0" lang="en-US" altLang="zh-TW" sz="2400" b="0" i="0" u="none" strike="noStrike" cap="none" normalizeH="0" baseline="0">
+                  <a:ln>
+                    <a:noFill/>
+                  </a:ln>
+                  <a:solidFill>
+                    <a:srgbClr val="BCBEC4"/>
+                  </a:solidFill>
+                  <a:effectLst/>
+                  <a:latin typeface="+mj-lt"/>
+                  <a:cs typeface="JetBrains Mono" panose="02000009000000000000" pitchFamily="49" charset="0"/>
+                </a:rPr>
+                <a:t> credential-manager github login</a:t>
+              </a:r>
+              <a:endParaRPr kumimoji="0" lang="zh-TW" altLang="zh-TW" sz="3600" b="0" i="0" u="none" strike="noStrike" cap="none" normalizeH="0" baseline="0">
+                <a:ln>
+                  <a:noFill/>
+                </a:ln>
+                <a:solidFill>
+                  <a:srgbClr val="BCBEC4"/>
+                </a:solidFill>
+                <a:effectLst/>
+                <a:latin typeface="+mj-lt"/>
+              </a:endParaRPr>
+            </a:p>
+          </p:txBody>
+        </p:sp>
+        <p:sp>
+          <p:nvSpPr>
+            <p:cNvPr id="6" name="文字方塊 5">
+              <a:extLst>
+                <a:ext uri="{FF2B5EF4-FFF2-40B4-BE49-F238E27FC236}">
+                  <a16:creationId xmlns:a16="http://schemas.microsoft.com/office/drawing/2014/main" id="{83CA2E20-3666-4BEF-8414-F7946F3931A2}"/>
+                </a:ext>
+              </a:extLst>
+            </p:cNvPr>
+            <p:cNvSpPr txBox="1"/>
+            <p:nvPr/>
+          </p:nvSpPr>
+          <p:spPr>
+            <a:xfrm>
+              <a:off x="10662585" y="3206644"/>
+              <a:ext cx="691215" cy="369332"/>
+            </a:xfrm>
+            <a:prstGeom prst="rect">
+              <a:avLst/>
+            </a:prstGeom>
+            <a:noFill/>
+          </p:spPr>
+          <p:txBody>
+            <a:bodyPr wrap="none" rtlCol="0">
+              <a:spAutoFit/>
+            </a:bodyPr>
+            <a:lstStyle/>
+            <a:p>
+              <a:r>
+                <a:rPr lang="en-US" altLang="zh-TW">
+                  <a:solidFill>
+                    <a:schemeClr val="accent3"/>
+                  </a:solidFill>
+                </a:rPr>
+                <a:t>bash</a:t>
+              </a:r>
+              <a:endParaRPr lang="zh-TW" altLang="en-US">
+                <a:solidFill>
+                  <a:schemeClr val="accent3"/>
+                </a:solidFill>
+              </a:endParaRPr>
+            </a:p>
+          </p:txBody>
+        </p:sp>
+      </p:grpSp>
+      <p:grpSp>
+        <p:nvGrpSpPr>
+          <p:cNvPr id="13" name="群組 12">
+            <a:extLst>
+              <a:ext uri="{FF2B5EF4-FFF2-40B4-BE49-F238E27FC236}">
+                <a16:creationId xmlns:a16="http://schemas.microsoft.com/office/drawing/2014/main" id="{787AC6FF-DFB4-4D0E-9999-80D434C710A8}"/>
+              </a:ext>
+            </a:extLst>
+          </p:cNvPr>
+          <p:cNvGrpSpPr/>
+          <p:nvPr/>
+        </p:nvGrpSpPr>
+        <p:grpSpPr>
+          <a:xfrm>
+            <a:off x="7403660" y="2957760"/>
+            <a:ext cx="3950140" cy="3384800"/>
+            <a:chOff x="4120930" y="3320404"/>
+            <a:chExt cx="3950140" cy="3384800"/>
+          </a:xfrm>
+        </p:grpSpPr>
+        <p:pic>
+          <p:nvPicPr>
+            <p:cNvPr id="8" name="圖片 7">
+              <a:extLst>
+                <a:ext uri="{FF2B5EF4-FFF2-40B4-BE49-F238E27FC236}">
+                  <a16:creationId xmlns:a16="http://schemas.microsoft.com/office/drawing/2014/main" id="{8FA7992D-AD08-4DFA-A424-0B3B9AB78415}"/>
+                </a:ext>
+              </a:extLst>
+            </p:cNvPr>
+            <p:cNvPicPr>
+              <a:picLocks noChangeAspect="1"/>
+            </p:cNvPicPr>
+            <p:nvPr/>
+          </p:nvPicPr>
+          <p:blipFill rotWithShape="1">
+            <a:blip r:embed="rId2"/>
+            <a:srcRect l="636" t="1059" r="636" b="1059"/>
+            <a:stretch/>
+          </p:blipFill>
+          <p:spPr>
+            <a:xfrm>
+              <a:off x="4120930" y="3320404"/>
+              <a:ext cx="3950140" cy="3384800"/>
+            </a:xfrm>
+            <a:prstGeom prst="rect">
+              <a:avLst/>
+            </a:prstGeom>
+            <a:ln>
+              <a:solidFill>
+                <a:schemeClr val="tx1"/>
+              </a:solidFill>
+            </a:ln>
+          </p:spPr>
+        </p:pic>
+        <p:sp>
+          <p:nvSpPr>
+            <p:cNvPr id="9" name="矩形: 圓角 8">
+              <a:extLst>
+                <a:ext uri="{FF2B5EF4-FFF2-40B4-BE49-F238E27FC236}">
+                  <a16:creationId xmlns:a16="http://schemas.microsoft.com/office/drawing/2014/main" id="{16CDFA8D-0CBA-4D98-ACD0-53E3B5159F33}"/>
+                </a:ext>
+              </a:extLst>
+            </p:cNvPr>
+            <p:cNvSpPr/>
+            <p:nvPr/>
+          </p:nvSpPr>
+          <p:spPr>
+            <a:xfrm>
+              <a:off x="5194300" y="5048249"/>
+              <a:ext cx="1785923" cy="392883"/>
+            </a:xfrm>
+            <a:prstGeom prst="roundRect">
+              <a:avLst>
+                <a:gd name="adj" fmla="val 13759"/>
+              </a:avLst>
+            </a:prstGeom>
+            <a:noFill/>
+            <a:ln w="38100">
+              <a:solidFill>
+                <a:srgbClr val="FFFF00"/>
+              </a:solidFill>
+            </a:ln>
+          </p:spPr>
+          <p:style>
+            <a:lnRef idx="2">
+              <a:schemeClr val="accent1">
+                <a:shade val="50000"/>
+              </a:schemeClr>
+            </a:lnRef>
+            <a:fillRef idx="1">
+              <a:schemeClr val="accent1"/>
+            </a:fillRef>
+            <a:effectRef idx="0">
+              <a:schemeClr val="accent1"/>
+            </a:effectRef>
+            <a:fontRef idx="minor">
+              <a:schemeClr val="lt1"/>
+            </a:fontRef>
+          </p:style>
+          <p:txBody>
+            <a:bodyPr rtlCol="0" anchor="ctr"/>
+            <a:lstStyle/>
+            <a:p>
+              <a:pPr algn="ctr"/>
+              <a:endParaRPr lang="zh-TW" altLang="en-US">
+                <a:solidFill>
+                  <a:srgbClr val="00B0F0"/>
+                </a:solidFill>
+              </a:endParaRPr>
+            </a:p>
+          </p:txBody>
+        </p:sp>
+        <p:sp>
+          <p:nvSpPr>
+            <p:cNvPr id="12" name="矩形: 圓角 11">
+              <a:extLst>
+                <a:ext uri="{FF2B5EF4-FFF2-40B4-BE49-F238E27FC236}">
+                  <a16:creationId xmlns:a16="http://schemas.microsoft.com/office/drawing/2014/main" id="{BFEE26C2-DC5C-4F61-B7CC-400F233A048B}"/>
+                </a:ext>
+              </a:extLst>
+            </p:cNvPr>
+            <p:cNvSpPr/>
+            <p:nvPr/>
+          </p:nvSpPr>
+          <p:spPr>
+            <a:xfrm>
+              <a:off x="4311650" y="5554904"/>
+              <a:ext cx="3568700" cy="400110"/>
+            </a:xfrm>
+            <a:prstGeom prst="roundRect">
+              <a:avLst/>
+            </a:prstGeom>
+            <a:solidFill>
+              <a:srgbClr val="FFFF00"/>
+            </a:solidFill>
+            <a:ln>
+              <a:noFill/>
+            </a:ln>
+          </p:spPr>
+          <p:style>
+            <a:lnRef idx="2">
+              <a:schemeClr val="accent1">
+                <a:shade val="50000"/>
+              </a:schemeClr>
+            </a:lnRef>
+            <a:fillRef idx="1">
+              <a:schemeClr val="accent1"/>
+            </a:fillRef>
+            <a:effectRef idx="0">
+              <a:schemeClr val="accent1"/>
+            </a:effectRef>
+            <a:fontRef idx="minor">
+              <a:schemeClr val="lt1"/>
+            </a:fontRef>
+          </p:style>
+          <p:txBody>
+            <a:bodyPr rtlCol="0" anchor="ctr"/>
+            <a:lstStyle/>
+            <a:p>
+              <a:pPr algn="ctr"/>
+              <a:r>
+                <a:rPr lang="zh-TW" altLang="en-US" sz="2400">
+                  <a:solidFill>
+                    <a:schemeClr val="bg1"/>
+                  </a:solidFill>
+                </a:rPr>
+                <a:t>透過瀏覽器登入 </a:t>
+              </a:r>
+              <a:r>
+                <a:rPr lang="en-US" altLang="zh-TW" sz="2400">
+                  <a:solidFill>
+                    <a:schemeClr val="bg1"/>
+                  </a:solidFill>
+                </a:rPr>
+                <a:t>Github</a:t>
+              </a:r>
+            </a:p>
+          </p:txBody>
+        </p:sp>
+      </p:grpSp>
+      <p:sp>
+        <p:nvSpPr>
+          <p:cNvPr id="14" name="內容版面配置區 2">
+            <a:extLst>
+              <a:ext uri="{FF2B5EF4-FFF2-40B4-BE49-F238E27FC236}">
+                <a16:creationId xmlns:a16="http://schemas.microsoft.com/office/drawing/2014/main" id="{743419E0-BB6E-424E-A76F-985474B511C8}"/>
+              </a:ext>
+            </a:extLst>
+          </p:cNvPr>
+          <p:cNvSpPr txBox="1">
+            <a:spLocks/>
+          </p:cNvSpPr>
+          <p:nvPr/>
+        </p:nvSpPr>
+        <p:spPr>
+          <a:xfrm>
+            <a:off x="838200" y="3590679"/>
+            <a:ext cx="6565460" cy="2118961"/>
+          </a:xfrm>
+          <a:prstGeom prst="rect">
+            <a:avLst/>
+          </a:prstGeom>
+        </p:spPr>
+        <p:txBody>
+          <a:bodyPr vert="horz" lIns="91440" tIns="45720" rIns="91440" bIns="45720" rtlCol="0">
+            <a:normAutofit/>
+          </a:bodyPr>
+          <a:lstStyle>
+            <a:lvl1pPr marL="0" indent="0" algn="l" defTabSz="914400" rtl="0" eaLnBrk="1" latinLnBrk="0" hangingPunct="1">
+              <a:lnSpc>
+                <a:spcPct val="90000"/>
+              </a:lnSpc>
+              <a:spcBef>
+                <a:spcPts val="1000"/>
+              </a:spcBef>
+              <a:buFont typeface="Arial" panose="020B0604020202020204" pitchFamily="34" charset="0"/>
+              <a:buNone/>
+              <a:defRPr sz="2800" kern="1200">
+                <a:solidFill>
+                  <a:schemeClr val="tx1"/>
+                </a:solidFill>
+                <a:latin typeface="+mn-lt"/>
+                <a:ea typeface="+mn-ea"/>
+                <a:cs typeface="+mn-cs"/>
+              </a:defRPr>
+            </a:lvl1pPr>
+            <a:lvl2pPr marL="457200" indent="0" algn="l" defTabSz="914400" rtl="0" eaLnBrk="1" latinLnBrk="0" hangingPunct="1">
+              <a:lnSpc>
+                <a:spcPct val="90000"/>
+              </a:lnSpc>
+              <a:spcBef>
+                <a:spcPts val="500"/>
+              </a:spcBef>
+              <a:buFont typeface="Arial" panose="020B0604020202020204" pitchFamily="34" charset="0"/>
+              <a:buNone/>
+              <a:defRPr sz="2400" kern="1200">
+                <a:solidFill>
+                  <a:schemeClr val="tx1"/>
+                </a:solidFill>
+                <a:latin typeface="+mn-lt"/>
+                <a:ea typeface="+mn-ea"/>
+                <a:cs typeface="+mn-cs"/>
+              </a:defRPr>
+            </a:lvl2pPr>
+            <a:lvl3pPr marL="914400" indent="0" algn="l" defTabSz="914400" rtl="0" eaLnBrk="1" latinLnBrk="0" hangingPunct="1">
+              <a:lnSpc>
+                <a:spcPct val="90000"/>
+              </a:lnSpc>
+              <a:spcBef>
+                <a:spcPts val="500"/>
+              </a:spcBef>
+              <a:buFont typeface="Arial" panose="020B0604020202020204" pitchFamily="34" charset="0"/>
+              <a:buNone/>
+              <a:defRPr sz="2000" kern="1200">
+                <a:solidFill>
+                  <a:schemeClr val="tx1"/>
+                </a:solidFill>
+                <a:latin typeface="+mn-lt"/>
+                <a:ea typeface="+mn-ea"/>
+                <a:cs typeface="+mn-cs"/>
+              </a:defRPr>
+            </a:lvl3pPr>
+            <a:lvl4pPr marL="1371600" indent="0" algn="l" defTabSz="914400" rtl="0" eaLnBrk="1" latinLnBrk="0" hangingPunct="1">
+              <a:lnSpc>
+                <a:spcPct val="90000"/>
+              </a:lnSpc>
+              <a:spcBef>
+                <a:spcPts val="500"/>
+              </a:spcBef>
+              <a:buFont typeface="Arial" panose="020B0604020202020204" pitchFamily="34" charset="0"/>
+              <a:buNone/>
+              <a:defRPr sz="1800" kern="1200">
+                <a:solidFill>
+                  <a:schemeClr val="tx1"/>
+                </a:solidFill>
+                <a:latin typeface="+mn-lt"/>
+                <a:ea typeface="+mn-ea"/>
+                <a:cs typeface="+mn-cs"/>
+              </a:defRPr>
+            </a:lvl4pPr>
+            <a:lvl5pPr marL="1828800" indent="0" algn="l" defTabSz="914400" rtl="0" eaLnBrk="1" latinLnBrk="0" hangingPunct="1">
+              <a:lnSpc>
+                <a:spcPct val="90000"/>
+              </a:lnSpc>
+              <a:spcBef>
+                <a:spcPts val="500"/>
+              </a:spcBef>
+              <a:buFont typeface="Arial" panose="020B0604020202020204" pitchFamily="34" charset="0"/>
+              <a:buNone/>
+              <a:defRPr sz="1800" kern="1200">
+                <a:solidFill>
+                  <a:schemeClr val="tx1"/>
+                </a:solidFill>
+                <a:latin typeface="+mn-lt"/>
+                <a:ea typeface="+mn-ea"/>
+                <a:cs typeface="+mn-cs"/>
+              </a:defRPr>
+            </a:lvl5pPr>
+            <a:lvl6pPr marL="2514600" indent="-228600" algn="l" defTabSz="914400" rtl="0" eaLnBrk="1" latinLnBrk="0" hangingPunct="1">
+              <a:lnSpc>
+                <a:spcPct val="90000"/>
+              </a:lnSpc>
+              <a:spcBef>
+                <a:spcPts val="500"/>
+              </a:spcBef>
+              <a:buFont typeface="Arial" panose="020B0604020202020204" pitchFamily="34" charset="0"/>
+              <a:buChar char="•"/>
+              <a:defRPr sz="1800" kern="1200">
+                <a:solidFill>
+                  <a:schemeClr val="tx1"/>
+                </a:solidFill>
+                <a:latin typeface="+mn-lt"/>
+                <a:ea typeface="+mn-ea"/>
+                <a:cs typeface="+mn-cs"/>
+              </a:defRPr>
+            </a:lvl6pPr>
+            <a:lvl7pPr marL="2971800" indent="-228600" algn="l" defTabSz="914400" rtl="0" eaLnBrk="1" latinLnBrk="0" hangingPunct="1">
+              <a:lnSpc>
+                <a:spcPct val="90000"/>
+              </a:lnSpc>
+              <a:spcBef>
+                <a:spcPts val="500"/>
+              </a:spcBef>
+              <a:buFont typeface="Arial" panose="020B0604020202020204" pitchFamily="34" charset="0"/>
+              <a:buChar char="•"/>
+              <a:defRPr sz="1800" kern="1200">
+                <a:solidFill>
+                  <a:schemeClr val="tx1"/>
+                </a:solidFill>
+                <a:latin typeface="+mn-lt"/>
+                <a:ea typeface="+mn-ea"/>
+                <a:cs typeface="+mn-cs"/>
+              </a:defRPr>
+            </a:lvl7pPr>
+            <a:lvl8pPr marL="3429000" indent="-228600" algn="l" defTabSz="914400" rtl="0" eaLnBrk="1" latinLnBrk="0" hangingPunct="1">
+              <a:lnSpc>
+                <a:spcPct val="90000"/>
+              </a:lnSpc>
+              <a:spcBef>
+                <a:spcPts val="500"/>
+              </a:spcBef>
+              <a:buFont typeface="Arial" panose="020B0604020202020204" pitchFamily="34" charset="0"/>
+              <a:buChar char="•"/>
+              <a:defRPr sz="1800" kern="1200">
+                <a:solidFill>
+                  <a:schemeClr val="tx1"/>
+                </a:solidFill>
+                <a:latin typeface="+mn-lt"/>
+                <a:ea typeface="+mn-ea"/>
+                <a:cs typeface="+mn-cs"/>
+              </a:defRPr>
+            </a:lvl8pPr>
+            <a:lvl9pPr marL="3886200" indent="-228600" algn="l" defTabSz="914400" rtl="0" eaLnBrk="1" latinLnBrk="0" hangingPunct="1">
+              <a:lnSpc>
+                <a:spcPct val="90000"/>
+              </a:lnSpc>
+              <a:spcBef>
+                <a:spcPts val="500"/>
+              </a:spcBef>
+              <a:buFont typeface="Arial" panose="020B0604020202020204" pitchFamily="34" charset="0"/>
+              <a:buChar char="•"/>
+              <a:defRPr sz="1800" kern="1200">
+                <a:solidFill>
+                  <a:schemeClr val="tx1"/>
+                </a:solidFill>
+                <a:latin typeface="+mn-lt"/>
+                <a:ea typeface="+mn-ea"/>
+                <a:cs typeface="+mn-cs"/>
+              </a:defRPr>
+            </a:lvl9pPr>
+          </a:lstStyle>
+          <a:p>
+            <a:r>
+              <a:rPr lang="zh-TW" altLang="en-US"/>
+              <a:t>接著會彈出一個視窗</a:t>
+            </a:r>
+            <a:endParaRPr lang="en-US" altLang="zh-TW"/>
+          </a:p>
+          <a:p>
+            <a:r>
+              <a:rPr lang="zh-TW" altLang="en-US"/>
+              <a:t>選擇 </a:t>
+            </a:r>
+            <a:r>
+              <a:rPr lang="en-US" altLang="zh-TW"/>
+              <a:t>"</a:t>
+            </a:r>
+            <a:r>
+              <a:rPr lang="en-US" altLang="zh-TW">
+                <a:solidFill>
+                  <a:srgbClr val="92D050"/>
+                </a:solidFill>
+              </a:rPr>
+              <a:t>Sign in with your brower</a:t>
+            </a:r>
+            <a:r>
+              <a:rPr lang="en-US" altLang="zh-TW"/>
+              <a:t>"</a:t>
+            </a:r>
+          </a:p>
+          <a:p>
+            <a:r>
+              <a:rPr lang="zh-TW" altLang="en-US"/>
+              <a:t>然後在瀏覽器中登入 </a:t>
+            </a:r>
+            <a:r>
+              <a:rPr lang="en-US" altLang="zh-TW">
+                <a:solidFill>
+                  <a:srgbClr val="00B0F0"/>
+                </a:solidFill>
+              </a:rPr>
+              <a:t>Github</a:t>
+            </a:r>
+          </a:p>
+          <a:p>
+            <a:r>
+              <a:rPr lang="zh-TW" altLang="en-US"/>
+              <a:t>或進行 </a:t>
+            </a:r>
+            <a:r>
+              <a:rPr lang="en-US" altLang="zh-TW">
+                <a:solidFill>
+                  <a:srgbClr val="00B0F0"/>
+                </a:solidFill>
+              </a:rPr>
+              <a:t>Github</a:t>
+            </a:r>
+            <a:r>
+              <a:rPr lang="zh-TW" altLang="en-US"/>
+              <a:t> 帳號授權</a:t>
+            </a:r>
+          </a:p>
+        </p:txBody>
+      </p:sp>
+    </p:spTree>
+    <p:extLst>
+      <p:ext uri="{BB962C8B-B14F-4D97-AF65-F5344CB8AC3E}">
+        <p14:creationId xmlns:p14="http://schemas.microsoft.com/office/powerpoint/2010/main" val="132929879"/>
+      </p:ext>
+    </p:extLst>
+  </p:cSld>
+  <p:clrMapOvr>
+    <a:masterClrMapping/>
+  </p:clrMapOvr>
+  <p:transition spd="slow">
+    <p:push dir="u"/>
+  </p:transition>
+</p:sld>
+</file>
+
+<file path=ppt/slides/slide11.xml><?xml version="1.0" encoding="utf-8"?>
+<p:sld xmlns:a="http://schemas.openxmlformats.org/drawingml/2006/main" xmlns:r="http://schemas.openxmlformats.org/officeDocument/2006/relationships" xmlns:p="http://schemas.openxmlformats.org/presentationml/2006/main">
+  <p:cSld>
+    <p:spTree>
+      <p:nvGrpSpPr>
+        <p:cNvPr id="1" name=""/>
+        <p:cNvGrpSpPr/>
+        <p:nvPr/>
+      </p:nvGrpSpPr>
+      <p:grpSpPr>
+        <a:xfrm>
+          <a:off x="0" y="0"/>
+          <a:ext cx="0" cy="0"/>
+          <a:chOff x="0" y="0"/>
+          <a:chExt cx="0" cy="0"/>
+        </a:xfrm>
+      </p:grpSpPr>
+      <p:sp>
+        <p:nvSpPr>
+          <p:cNvPr id="2" name="標題 1">
+            <a:extLst>
+              <a:ext uri="{FF2B5EF4-FFF2-40B4-BE49-F238E27FC236}">
                 <a16:creationId xmlns:a16="http://schemas.microsoft.com/office/drawing/2014/main" id="{7CECD2C9-D300-4460-8415-9054BE762863}"/>
               </a:ext>
             </a:extLst>
@@ -2477,6 +3290,10 @@
           <a:bodyPr/>
           <a:lstStyle/>
           <a:p>
+            <a:r>
+              <a:rPr lang="zh-TW" altLang="en-US"/>
+              <a:t>使用 </a:t>
+            </a:r>
             <a:r>
               <a:rPr lang="en-US" altLang="zh-TW"/>
               <a:t>Git</a:t>
@@ -2741,7 +3558,7 @@
 </p:sld>
 </file>
 
-<file path=ppt/slides/slide11.xml><?xml version="1.0" encoding="utf-8"?>
+<file path=ppt/slides/slide12.xml><?xml version="1.0" encoding="utf-8"?>
 <p:sld xmlns:a="http://schemas.openxmlformats.org/drawingml/2006/main" xmlns:r="http://schemas.openxmlformats.org/officeDocument/2006/relationships" xmlns:p="http://schemas.openxmlformats.org/presentationml/2006/main">
   <p:cSld>
     <p:spTree>
@@ -2809,7 +3626,7 @@
         </p:nvSpPr>
         <p:spPr>
           <a:xfrm>
-            <a:off x="838200" y="1690688"/>
+            <a:off x="838200" y="1500566"/>
             <a:ext cx="10515600" cy="528393"/>
           </a:xfrm>
         </p:spPr>
@@ -2890,7 +3707,7 @@
         </p:nvGrpSpPr>
         <p:grpSpPr>
           <a:xfrm>
-            <a:off x="838200" y="2202081"/>
+            <a:off x="838200" y="2011959"/>
             <a:ext cx="10515600" cy="461665"/>
             <a:chOff x="838200" y="3114311"/>
             <a:chExt cx="10515600" cy="461665"/>
@@ -3098,7 +3915,7 @@
         </p:nvSpPr>
         <p:spPr>
           <a:xfrm>
-            <a:off x="838199" y="4017345"/>
+            <a:off x="838199" y="3827223"/>
             <a:ext cx="5392271" cy="2521060"/>
           </a:xfrm>
           <a:prstGeom prst="rect">
@@ -3369,7 +4186,7 @@
         </p:nvGrpSpPr>
         <p:grpSpPr>
           <a:xfrm>
-            <a:off x="838200" y="2743924"/>
+            <a:off x="838200" y="2553802"/>
             <a:ext cx="10515600" cy="1150105"/>
             <a:chOff x="838200" y="2743924"/>
             <a:chExt cx="10515600" cy="1150105"/>
@@ -3567,7 +4384,7 @@
         </p:nvGrpSpPr>
         <p:grpSpPr>
           <a:xfrm>
-            <a:off x="6230470" y="4294093"/>
+            <a:off x="6230470" y="4103971"/>
             <a:ext cx="5123328" cy="1967564"/>
             <a:chOff x="6230470" y="4068987"/>
             <a:chExt cx="5123328" cy="1967564"/>
@@ -3721,7 +4538,7 @@
 </p:sld>
 </file>
 
-<file path=ppt/slides/slide12.xml><?xml version="1.0" encoding="utf-8"?>
+<file path=ppt/slides/slide13.xml><?xml version="1.0" encoding="utf-8"?>
 <p:sld xmlns:a="http://schemas.openxmlformats.org/drawingml/2006/main" xmlns:r="http://schemas.openxmlformats.org/officeDocument/2006/relationships" xmlns:p="http://schemas.openxmlformats.org/presentationml/2006/main">
   <p:cSld>
     <p:spTree>
@@ -4189,7 +5006,7 @@
 </p:sld>
 </file>
 
-<file path=ppt/slides/slide13.xml><?xml version="1.0" encoding="utf-8"?>
+<file path=ppt/slides/slide14.xml><?xml version="1.0" encoding="utf-8"?>
 <p:sld xmlns:a="http://schemas.openxmlformats.org/drawingml/2006/main" xmlns:r="http://schemas.openxmlformats.org/officeDocument/2006/relationships" xmlns:p="http://schemas.openxmlformats.org/presentationml/2006/main">
   <p:cSld>
     <p:spTree>
@@ -4561,7 +5378,7 @@
 </p:sld>
 </file>
 
-<file path=ppt/slides/slide14.xml><?xml version="1.0" encoding="utf-8"?>
+<file path=ppt/slides/slide15.xml><?xml version="1.0" encoding="utf-8"?>
 <p:sld xmlns:a="http://schemas.openxmlformats.org/drawingml/2006/main" xmlns:r="http://schemas.openxmlformats.org/officeDocument/2006/relationships" xmlns:p="http://schemas.openxmlformats.org/presentationml/2006/main">
   <p:cSld>
     <p:spTree>
@@ -6466,7 +7283,7 @@
 </p:sld>
 </file>
 
-<file path=ppt/slides/slide15.xml><?xml version="1.0" encoding="utf-8"?>
+<file path=ppt/slides/slide16.xml><?xml version="1.0" encoding="utf-8"?>
 <p:sld xmlns:a="http://schemas.openxmlformats.org/drawingml/2006/main" xmlns:r="http://schemas.openxmlformats.org/officeDocument/2006/relationships" xmlns:p="http://schemas.openxmlformats.org/presentationml/2006/main">
   <p:cSld>
     <p:spTree>
@@ -6571,7 +7388,7 @@
 </p:sld>
 </file>
 
-<file path=ppt/slides/slide16.xml><?xml version="1.0" encoding="utf-8"?>
+<file path=ppt/slides/slide17.xml><?xml version="1.0" encoding="utf-8"?>
 <p:sld xmlns:a="http://schemas.openxmlformats.org/drawingml/2006/main" xmlns:r="http://schemas.openxmlformats.org/officeDocument/2006/relationships" xmlns:p="http://schemas.openxmlformats.org/presentationml/2006/main">
   <p:cSld>
     <p:spTree>
@@ -7577,7 +8394,7 @@
 </p:sld>
 </file>
 
-<file path=ppt/slides/slide17.xml><?xml version="1.0" encoding="utf-8"?>
+<file path=ppt/slides/slide18.xml><?xml version="1.0" encoding="utf-8"?>
 <p:sld xmlns:a="http://schemas.openxmlformats.org/drawingml/2006/main" xmlns:r="http://schemas.openxmlformats.org/officeDocument/2006/relationships" xmlns:p="http://schemas.openxmlformats.org/presentationml/2006/main">
   <p:cSld>
     <p:spTree>
@@ -7673,7 +8490,7 @@
 </p:sld>
 </file>
 
-<file path=ppt/slides/slide18.xml><?xml version="1.0" encoding="utf-8"?>
+<file path=ppt/slides/slide19.xml><?xml version="1.0" encoding="utf-8"?>
 <p:sld xmlns:a="http://schemas.openxmlformats.org/drawingml/2006/main" xmlns:r="http://schemas.openxmlformats.org/officeDocument/2006/relationships" xmlns:p="http://schemas.openxmlformats.org/presentationml/2006/main">
   <p:cSld>
     <p:spTree>
@@ -8105,7 +8922,357 @@
 </p:sld>
 </file>
 
-<file path=ppt/slides/slide19.xml><?xml version="1.0" encoding="utf-8"?>
+<file path=ppt/slides/slide2.xml><?xml version="1.0" encoding="utf-8"?>
+<p:sld xmlns:a="http://schemas.openxmlformats.org/drawingml/2006/main" xmlns:r="http://schemas.openxmlformats.org/officeDocument/2006/relationships" xmlns:p="http://schemas.openxmlformats.org/presentationml/2006/main">
+  <p:cSld>
+    <p:spTree>
+      <p:nvGrpSpPr>
+        <p:cNvPr id="1" name=""/>
+        <p:cNvGrpSpPr/>
+        <p:nvPr/>
+      </p:nvGrpSpPr>
+      <p:grpSpPr>
+        <a:xfrm>
+          <a:off x="0" y="0"/>
+          <a:ext cx="0" cy="0"/>
+          <a:chOff x="0" y="0"/>
+          <a:chExt cx="0" cy="0"/>
+        </a:xfrm>
+      </p:grpSpPr>
+      <p:sp>
+        <p:nvSpPr>
+          <p:cNvPr id="2" name="標題 1">
+            <a:extLst>
+              <a:ext uri="{FF2B5EF4-FFF2-40B4-BE49-F238E27FC236}">
+                <a16:creationId xmlns:a16="http://schemas.microsoft.com/office/drawing/2014/main" id="{A8B0780D-B31B-4D08-8CCF-770A03F3F2C5}"/>
+              </a:ext>
+            </a:extLst>
+          </p:cNvPr>
+          <p:cNvSpPr>
+            <a:spLocks noGrp="1"/>
+          </p:cNvSpPr>
+          <p:nvPr>
+            <p:ph type="title"/>
+          </p:nvPr>
+        </p:nvSpPr>
+        <p:spPr>
+          <a:xfrm>
+            <a:off x="838200" y="365125"/>
+            <a:ext cx="10515600" cy="1325563"/>
+          </a:xfrm>
+        </p:spPr>
+        <p:txBody>
+          <a:bodyPr/>
+          <a:lstStyle/>
+          <a:p>
+            <a:r>
+              <a:rPr lang="en-US" altLang="zh-TW"/>
+              <a:t>Git</a:t>
+            </a:r>
+            <a:endParaRPr lang="zh-TW" altLang="en-US"/>
+          </a:p>
+        </p:txBody>
+      </p:sp>
+      <p:sp>
+        <p:nvSpPr>
+          <p:cNvPr id="9" name="內容版面配置區 8">
+            <a:extLst>
+              <a:ext uri="{FF2B5EF4-FFF2-40B4-BE49-F238E27FC236}">
+                <a16:creationId xmlns:a16="http://schemas.microsoft.com/office/drawing/2014/main" id="{85905E40-5B0B-4118-83F1-F7606A0A5C59}"/>
+              </a:ext>
+            </a:extLst>
+          </p:cNvPr>
+          <p:cNvSpPr>
+            <a:spLocks noGrp="1"/>
+          </p:cNvSpPr>
+          <p:nvPr>
+            <p:ph idx="1"/>
+          </p:nvPr>
+        </p:nvSpPr>
+        <p:spPr/>
+        <p:txBody>
+          <a:bodyPr/>
+          <a:lstStyle/>
+          <a:p>
+            <a:r>
+              <a:rPr lang="en-US" altLang="zh-TW">
+                <a:solidFill>
+                  <a:srgbClr val="00B0F0"/>
+                </a:solidFill>
+              </a:rPr>
+              <a:t>Git</a:t>
+            </a:r>
+            <a:r>
+              <a:rPr lang="en-US" altLang="zh-TW"/>
+              <a:t> </a:t>
+            </a:r>
+            <a:r>
+              <a:rPr lang="zh-TW" altLang="en-US"/>
+              <a:t>是個</a:t>
+            </a:r>
+            <a:r>
+              <a:rPr lang="zh-TW" altLang="en-US">
+                <a:solidFill>
+                  <a:srgbClr val="00B0F0"/>
+                </a:solidFill>
+              </a:rPr>
+              <a:t>版本控制系統</a:t>
+            </a:r>
+            <a:r>
+              <a:rPr lang="en-US" altLang="zh-TW">
+                <a:solidFill>
+                  <a:srgbClr val="00B0F0"/>
+                </a:solidFill>
+              </a:rPr>
+              <a:t>(Version Control System</a:t>
+            </a:r>
+            <a:r>
+              <a:rPr lang="zh-TW" altLang="en-US">
+                <a:solidFill>
+                  <a:srgbClr val="00B0F0"/>
+                </a:solidFill>
+              </a:rPr>
+              <a:t>，簡稱 </a:t>
+            </a:r>
+            <a:r>
+              <a:rPr lang="en-US" altLang="zh-TW">
+                <a:solidFill>
+                  <a:srgbClr val="00B0F0"/>
+                </a:solidFill>
+              </a:rPr>
+              <a:t>VCS)</a:t>
+            </a:r>
+          </a:p>
+          <a:p>
+            <a:r>
+              <a:rPr lang="en-US" altLang="zh-TW">
+                <a:solidFill>
+                  <a:srgbClr val="00B0F0"/>
+                </a:solidFill>
+              </a:rPr>
+              <a:t>Git </a:t>
+            </a:r>
+            <a:r>
+              <a:rPr lang="zh-TW" altLang="en-US"/>
+              <a:t>是由</a:t>
+            </a:r>
+            <a:r>
+              <a:rPr lang="zh-TW" altLang="en-US">
+                <a:solidFill>
+                  <a:srgbClr val="00B0F0"/>
+                </a:solidFill>
+              </a:rPr>
+              <a:t> </a:t>
+            </a:r>
+            <a:r>
+              <a:rPr lang="en-US" altLang="zh-TW">
+                <a:solidFill>
+                  <a:srgbClr val="00B0F0"/>
+                </a:solidFill>
+              </a:rPr>
+              <a:t>Linux </a:t>
+            </a:r>
+            <a:r>
+              <a:rPr lang="zh-TW" altLang="en-US"/>
+              <a:t>之父</a:t>
+            </a:r>
+            <a:r>
+              <a:rPr lang="zh-TW" altLang="en-US">
+                <a:solidFill>
+                  <a:srgbClr val="92D050"/>
+                </a:solidFill>
+              </a:rPr>
+              <a:t>林納斯</a:t>
+            </a:r>
+            <a:r>
+              <a:rPr lang="en-US" altLang="zh-TW">
+                <a:solidFill>
+                  <a:srgbClr val="92D050"/>
+                </a:solidFill>
+              </a:rPr>
+              <a:t>·</a:t>
+            </a:r>
+            <a:r>
+              <a:rPr lang="zh-TW" altLang="en-US">
+                <a:solidFill>
+                  <a:srgbClr val="92D050"/>
+                </a:solidFill>
+              </a:rPr>
+              <a:t>托瓦茲</a:t>
+            </a:r>
+            <a:r>
+              <a:rPr lang="en-US" altLang="zh-TW">
+                <a:solidFill>
+                  <a:srgbClr val="92D050"/>
+                </a:solidFill>
+              </a:rPr>
+              <a:t>(Linus Torvalds)</a:t>
+            </a:r>
+            <a:r>
+              <a:rPr lang="zh-TW" altLang="en-US"/>
+              <a:t>開發</a:t>
+            </a:r>
+            <a:endParaRPr lang="en-US" altLang="zh-TW"/>
+          </a:p>
+          <a:p>
+            <a:r>
+              <a:rPr lang="zh-TW" altLang="en-US"/>
+              <a:t>開發的目的就是用來管理 </a:t>
+            </a:r>
+            <a:r>
+              <a:rPr lang="en-US" altLang="zh-TW">
+                <a:solidFill>
+                  <a:srgbClr val="00B0F0"/>
+                </a:solidFill>
+              </a:rPr>
+              <a:t>Linux</a:t>
+            </a:r>
+            <a:r>
+              <a:rPr lang="en-US" altLang="zh-TW"/>
+              <a:t> </a:t>
+            </a:r>
+            <a:r>
+              <a:rPr lang="zh-TW" altLang="en-US"/>
+              <a:t>的程式碼</a:t>
+            </a:r>
+            <a:endParaRPr lang="en-US" altLang="zh-TW"/>
+          </a:p>
+          <a:p>
+            <a:endParaRPr lang="en-US" altLang="zh-TW"/>
+          </a:p>
+          <a:p>
+            <a:r>
+              <a:rPr lang="zh-TW" altLang="en-US">
+                <a:solidFill>
+                  <a:srgbClr val="00B0F0"/>
+                </a:solidFill>
+              </a:rPr>
+              <a:t>版本控制系統</a:t>
+            </a:r>
+            <a:r>
+              <a:rPr lang="zh-TW" altLang="en-US"/>
+              <a:t>，顧名思義，就是能控制版本</a:t>
+            </a:r>
+            <a:endParaRPr lang="en-US" altLang="zh-TW"/>
+          </a:p>
+          <a:p>
+            <a:r>
+              <a:rPr lang="zh-TW" altLang="en-US"/>
+              <a:t>每筆</a:t>
+            </a:r>
+            <a:r>
+              <a:rPr lang="zh-TW" altLang="en-US">
+                <a:solidFill>
+                  <a:srgbClr val="00B0F0"/>
+                </a:solidFill>
+              </a:rPr>
+              <a:t>提交</a:t>
+            </a:r>
+            <a:r>
+              <a:rPr lang="en-US" altLang="zh-TW">
+                <a:solidFill>
+                  <a:srgbClr val="00B0F0"/>
+                </a:solidFill>
+              </a:rPr>
+              <a:t>(commit)</a:t>
+            </a:r>
+            <a:r>
+              <a:rPr lang="zh-TW" altLang="en-US"/>
+              <a:t>都會被紀錄下來，隨時可檢視和</a:t>
+            </a:r>
+            <a:r>
+              <a:rPr lang="zh-TW" altLang="en-US">
+                <a:solidFill>
+                  <a:srgbClr val="FFC000"/>
+                </a:solidFill>
+              </a:rPr>
+              <a:t>復原</a:t>
+            </a:r>
+            <a:r>
+              <a:rPr lang="en-US" altLang="zh-TW">
+                <a:solidFill>
+                  <a:srgbClr val="FFC000"/>
+                </a:solidFill>
+              </a:rPr>
+              <a:t>(revert)</a:t>
+            </a:r>
+          </a:p>
+          <a:p>
+            <a:r>
+              <a:rPr lang="zh-TW" altLang="en-US"/>
+              <a:t>也可以建立</a:t>
+            </a:r>
+            <a:r>
+              <a:rPr lang="zh-TW" altLang="en-US">
+                <a:solidFill>
+                  <a:srgbClr val="00B0F0"/>
+                </a:solidFill>
+              </a:rPr>
+              <a:t>分支</a:t>
+            </a:r>
+            <a:r>
+              <a:rPr lang="en-US" altLang="zh-TW">
+                <a:solidFill>
+                  <a:srgbClr val="00B0F0"/>
+                </a:solidFill>
+              </a:rPr>
+              <a:t>(branch)</a:t>
+            </a:r>
+            <a:r>
+              <a:rPr lang="zh-TW" altLang="en-US"/>
+              <a:t>，進行獨立修改</a:t>
+            </a:r>
+            <a:endParaRPr lang="en-US" altLang="zh-TW"/>
+          </a:p>
+          <a:p>
+            <a:r>
+              <a:rPr lang="zh-TW" altLang="en-US"/>
+              <a:t>並在必要時將</a:t>
+            </a:r>
+            <a:r>
+              <a:rPr lang="zh-TW" altLang="en-US">
+                <a:solidFill>
+                  <a:srgbClr val="00B0F0"/>
+                </a:solidFill>
+              </a:rPr>
+              <a:t>分支</a:t>
+            </a:r>
+            <a:r>
+              <a:rPr lang="zh-TW" altLang="en-US">
+                <a:solidFill>
+                  <a:srgbClr val="FFC000"/>
+                </a:solidFill>
+              </a:rPr>
+              <a:t>合併</a:t>
+            </a:r>
+            <a:r>
+              <a:rPr lang="en-US" altLang="zh-TW">
+                <a:solidFill>
+                  <a:srgbClr val="FFC000"/>
+                </a:solidFill>
+              </a:rPr>
+              <a:t>(merge)</a:t>
+            </a:r>
+          </a:p>
+        </p:txBody>
+      </p:sp>
+    </p:spTree>
+    <p:extLst>
+      <p:ext uri="{BB962C8B-B14F-4D97-AF65-F5344CB8AC3E}">
+        <p14:creationId xmlns:p14="http://schemas.microsoft.com/office/powerpoint/2010/main" val="2684442325"/>
+      </p:ext>
+    </p:extLst>
+  </p:cSld>
+  <p:clrMapOvr>
+    <a:masterClrMapping/>
+  </p:clrMapOvr>
+  <p:transition spd="slow">
+    <p:push dir="u"/>
+  </p:transition>
+</p:sld>
+</file>
+
+<file path=ppt/slides/slide20.xml><?xml version="1.0" encoding="utf-8"?>
 <p:sld xmlns:a="http://schemas.openxmlformats.org/drawingml/2006/main" xmlns:r="http://schemas.openxmlformats.org/officeDocument/2006/relationships" xmlns:p="http://schemas.openxmlformats.org/presentationml/2006/main">
   <p:cSld>
     <p:spTree>
@@ -8623,357 +9790,7 @@
 </p:sld>
 </file>
 
-<file path=ppt/slides/slide2.xml><?xml version="1.0" encoding="utf-8"?>
-<p:sld xmlns:a="http://schemas.openxmlformats.org/drawingml/2006/main" xmlns:r="http://schemas.openxmlformats.org/officeDocument/2006/relationships" xmlns:p="http://schemas.openxmlformats.org/presentationml/2006/main">
-  <p:cSld>
-    <p:spTree>
-      <p:nvGrpSpPr>
-        <p:cNvPr id="1" name=""/>
-        <p:cNvGrpSpPr/>
-        <p:nvPr/>
-      </p:nvGrpSpPr>
-      <p:grpSpPr>
-        <a:xfrm>
-          <a:off x="0" y="0"/>
-          <a:ext cx="0" cy="0"/>
-          <a:chOff x="0" y="0"/>
-          <a:chExt cx="0" cy="0"/>
-        </a:xfrm>
-      </p:grpSpPr>
-      <p:sp>
-        <p:nvSpPr>
-          <p:cNvPr id="2" name="標題 1">
-            <a:extLst>
-              <a:ext uri="{FF2B5EF4-FFF2-40B4-BE49-F238E27FC236}">
-                <a16:creationId xmlns:a16="http://schemas.microsoft.com/office/drawing/2014/main" id="{A8B0780D-B31B-4D08-8CCF-770A03F3F2C5}"/>
-              </a:ext>
-            </a:extLst>
-          </p:cNvPr>
-          <p:cNvSpPr>
-            <a:spLocks noGrp="1"/>
-          </p:cNvSpPr>
-          <p:nvPr>
-            <p:ph type="title"/>
-          </p:nvPr>
-        </p:nvSpPr>
-        <p:spPr>
-          <a:xfrm>
-            <a:off x="838200" y="365125"/>
-            <a:ext cx="10515600" cy="1325563"/>
-          </a:xfrm>
-        </p:spPr>
-        <p:txBody>
-          <a:bodyPr/>
-          <a:lstStyle/>
-          <a:p>
-            <a:r>
-              <a:rPr lang="en-US" altLang="zh-TW"/>
-              <a:t>Git</a:t>
-            </a:r>
-            <a:endParaRPr lang="zh-TW" altLang="en-US"/>
-          </a:p>
-        </p:txBody>
-      </p:sp>
-      <p:sp>
-        <p:nvSpPr>
-          <p:cNvPr id="9" name="內容版面配置區 8">
-            <a:extLst>
-              <a:ext uri="{FF2B5EF4-FFF2-40B4-BE49-F238E27FC236}">
-                <a16:creationId xmlns:a16="http://schemas.microsoft.com/office/drawing/2014/main" id="{85905E40-5B0B-4118-83F1-F7606A0A5C59}"/>
-              </a:ext>
-            </a:extLst>
-          </p:cNvPr>
-          <p:cNvSpPr>
-            <a:spLocks noGrp="1"/>
-          </p:cNvSpPr>
-          <p:nvPr>
-            <p:ph idx="1"/>
-          </p:nvPr>
-        </p:nvSpPr>
-        <p:spPr/>
-        <p:txBody>
-          <a:bodyPr/>
-          <a:lstStyle/>
-          <a:p>
-            <a:r>
-              <a:rPr lang="en-US" altLang="zh-TW">
-                <a:solidFill>
-                  <a:srgbClr val="00B0F0"/>
-                </a:solidFill>
-              </a:rPr>
-              <a:t>Git</a:t>
-            </a:r>
-            <a:r>
-              <a:rPr lang="en-US" altLang="zh-TW"/>
-              <a:t> </a:t>
-            </a:r>
-            <a:r>
-              <a:rPr lang="zh-TW" altLang="en-US"/>
-              <a:t>是個</a:t>
-            </a:r>
-            <a:r>
-              <a:rPr lang="zh-TW" altLang="en-US">
-                <a:solidFill>
-                  <a:srgbClr val="00B0F0"/>
-                </a:solidFill>
-              </a:rPr>
-              <a:t>版本控制系統</a:t>
-            </a:r>
-            <a:r>
-              <a:rPr lang="en-US" altLang="zh-TW">
-                <a:solidFill>
-                  <a:srgbClr val="00B0F0"/>
-                </a:solidFill>
-              </a:rPr>
-              <a:t>(Version Control System</a:t>
-            </a:r>
-            <a:r>
-              <a:rPr lang="zh-TW" altLang="en-US">
-                <a:solidFill>
-                  <a:srgbClr val="00B0F0"/>
-                </a:solidFill>
-              </a:rPr>
-              <a:t>，簡稱 </a:t>
-            </a:r>
-            <a:r>
-              <a:rPr lang="en-US" altLang="zh-TW">
-                <a:solidFill>
-                  <a:srgbClr val="00B0F0"/>
-                </a:solidFill>
-              </a:rPr>
-              <a:t>VCS)</a:t>
-            </a:r>
-          </a:p>
-          <a:p>
-            <a:r>
-              <a:rPr lang="en-US" altLang="zh-TW">
-                <a:solidFill>
-                  <a:srgbClr val="00B0F0"/>
-                </a:solidFill>
-              </a:rPr>
-              <a:t>Git </a:t>
-            </a:r>
-            <a:r>
-              <a:rPr lang="zh-TW" altLang="en-US"/>
-              <a:t>是由</a:t>
-            </a:r>
-            <a:r>
-              <a:rPr lang="zh-TW" altLang="en-US">
-                <a:solidFill>
-                  <a:srgbClr val="00B0F0"/>
-                </a:solidFill>
-              </a:rPr>
-              <a:t> </a:t>
-            </a:r>
-            <a:r>
-              <a:rPr lang="en-US" altLang="zh-TW">
-                <a:solidFill>
-                  <a:srgbClr val="00B0F0"/>
-                </a:solidFill>
-              </a:rPr>
-              <a:t>Linux </a:t>
-            </a:r>
-            <a:r>
-              <a:rPr lang="zh-TW" altLang="en-US"/>
-              <a:t>之父</a:t>
-            </a:r>
-            <a:r>
-              <a:rPr lang="zh-TW" altLang="en-US">
-                <a:solidFill>
-                  <a:srgbClr val="92D050"/>
-                </a:solidFill>
-              </a:rPr>
-              <a:t>林納斯</a:t>
-            </a:r>
-            <a:r>
-              <a:rPr lang="en-US" altLang="zh-TW">
-                <a:solidFill>
-                  <a:srgbClr val="92D050"/>
-                </a:solidFill>
-              </a:rPr>
-              <a:t>·</a:t>
-            </a:r>
-            <a:r>
-              <a:rPr lang="zh-TW" altLang="en-US">
-                <a:solidFill>
-                  <a:srgbClr val="92D050"/>
-                </a:solidFill>
-              </a:rPr>
-              <a:t>托瓦茲</a:t>
-            </a:r>
-            <a:r>
-              <a:rPr lang="en-US" altLang="zh-TW">
-                <a:solidFill>
-                  <a:srgbClr val="92D050"/>
-                </a:solidFill>
-              </a:rPr>
-              <a:t>(Linus Torvalds)</a:t>
-            </a:r>
-            <a:r>
-              <a:rPr lang="zh-TW" altLang="en-US"/>
-              <a:t>開發</a:t>
-            </a:r>
-            <a:endParaRPr lang="en-US" altLang="zh-TW"/>
-          </a:p>
-          <a:p>
-            <a:r>
-              <a:rPr lang="zh-TW" altLang="en-US"/>
-              <a:t>開發的目的就是用來管理 </a:t>
-            </a:r>
-            <a:r>
-              <a:rPr lang="en-US" altLang="zh-TW">
-                <a:solidFill>
-                  <a:srgbClr val="00B0F0"/>
-                </a:solidFill>
-              </a:rPr>
-              <a:t>Linux</a:t>
-            </a:r>
-            <a:r>
-              <a:rPr lang="en-US" altLang="zh-TW"/>
-              <a:t> </a:t>
-            </a:r>
-            <a:r>
-              <a:rPr lang="zh-TW" altLang="en-US"/>
-              <a:t>的程式碼</a:t>
-            </a:r>
-            <a:endParaRPr lang="en-US" altLang="zh-TW"/>
-          </a:p>
-          <a:p>
-            <a:endParaRPr lang="en-US" altLang="zh-TW"/>
-          </a:p>
-          <a:p>
-            <a:r>
-              <a:rPr lang="zh-TW" altLang="en-US">
-                <a:solidFill>
-                  <a:srgbClr val="00B0F0"/>
-                </a:solidFill>
-              </a:rPr>
-              <a:t>版本控制系統</a:t>
-            </a:r>
-            <a:r>
-              <a:rPr lang="zh-TW" altLang="en-US"/>
-              <a:t>，顧名思義，就是能控制版本</a:t>
-            </a:r>
-            <a:endParaRPr lang="en-US" altLang="zh-TW"/>
-          </a:p>
-          <a:p>
-            <a:r>
-              <a:rPr lang="zh-TW" altLang="en-US"/>
-              <a:t>每筆</a:t>
-            </a:r>
-            <a:r>
-              <a:rPr lang="zh-TW" altLang="en-US">
-                <a:solidFill>
-                  <a:srgbClr val="00B0F0"/>
-                </a:solidFill>
-              </a:rPr>
-              <a:t>提交</a:t>
-            </a:r>
-            <a:r>
-              <a:rPr lang="en-US" altLang="zh-TW">
-                <a:solidFill>
-                  <a:srgbClr val="00B0F0"/>
-                </a:solidFill>
-              </a:rPr>
-              <a:t>(commit)</a:t>
-            </a:r>
-            <a:r>
-              <a:rPr lang="zh-TW" altLang="en-US"/>
-              <a:t>都會被紀錄下來，隨時可檢視和</a:t>
-            </a:r>
-            <a:r>
-              <a:rPr lang="zh-TW" altLang="en-US">
-                <a:solidFill>
-                  <a:srgbClr val="FFC000"/>
-                </a:solidFill>
-              </a:rPr>
-              <a:t>復原</a:t>
-            </a:r>
-            <a:r>
-              <a:rPr lang="en-US" altLang="zh-TW">
-                <a:solidFill>
-                  <a:srgbClr val="FFC000"/>
-                </a:solidFill>
-              </a:rPr>
-              <a:t>(revert)</a:t>
-            </a:r>
-          </a:p>
-          <a:p>
-            <a:r>
-              <a:rPr lang="zh-TW" altLang="en-US"/>
-              <a:t>也可以建立</a:t>
-            </a:r>
-            <a:r>
-              <a:rPr lang="zh-TW" altLang="en-US">
-                <a:solidFill>
-                  <a:srgbClr val="00B0F0"/>
-                </a:solidFill>
-              </a:rPr>
-              <a:t>分支</a:t>
-            </a:r>
-            <a:r>
-              <a:rPr lang="en-US" altLang="zh-TW">
-                <a:solidFill>
-                  <a:srgbClr val="00B0F0"/>
-                </a:solidFill>
-              </a:rPr>
-              <a:t>(branch)</a:t>
-            </a:r>
-            <a:r>
-              <a:rPr lang="zh-TW" altLang="en-US"/>
-              <a:t>，進行獨立修改</a:t>
-            </a:r>
-            <a:endParaRPr lang="en-US" altLang="zh-TW"/>
-          </a:p>
-          <a:p>
-            <a:r>
-              <a:rPr lang="zh-TW" altLang="en-US"/>
-              <a:t>並在必要時將</a:t>
-            </a:r>
-            <a:r>
-              <a:rPr lang="zh-TW" altLang="en-US">
-                <a:solidFill>
-                  <a:srgbClr val="00B0F0"/>
-                </a:solidFill>
-              </a:rPr>
-              <a:t>分支</a:t>
-            </a:r>
-            <a:r>
-              <a:rPr lang="zh-TW" altLang="en-US">
-                <a:solidFill>
-                  <a:srgbClr val="FFC000"/>
-                </a:solidFill>
-              </a:rPr>
-              <a:t>合併</a:t>
-            </a:r>
-            <a:r>
-              <a:rPr lang="en-US" altLang="zh-TW">
-                <a:solidFill>
-                  <a:srgbClr val="FFC000"/>
-                </a:solidFill>
-              </a:rPr>
-              <a:t>(merge)</a:t>
-            </a:r>
-          </a:p>
-        </p:txBody>
-      </p:sp>
-    </p:spTree>
-    <p:extLst>
-      <p:ext uri="{BB962C8B-B14F-4D97-AF65-F5344CB8AC3E}">
-        <p14:creationId xmlns:p14="http://schemas.microsoft.com/office/powerpoint/2010/main" val="2684442325"/>
-      </p:ext>
-    </p:extLst>
-  </p:cSld>
-  <p:clrMapOvr>
-    <a:masterClrMapping/>
-  </p:clrMapOvr>
-  <p:transition spd="slow">
-    <p:push dir="u"/>
-  </p:transition>
-</p:sld>
-</file>
-
-<file path=ppt/slides/slide20.xml><?xml version="1.0" encoding="utf-8"?>
+<file path=ppt/slides/slide21.xml><?xml version="1.0" encoding="utf-8"?>
 <p:sld xmlns:a="http://schemas.openxmlformats.org/drawingml/2006/main" xmlns:r="http://schemas.openxmlformats.org/officeDocument/2006/relationships" xmlns:p="http://schemas.openxmlformats.org/presentationml/2006/main">
   <p:cSld>
     <p:spTree>
@@ -9150,7 +9967,7 @@
 </p:sld>
 </file>
 
-<file path=ppt/slides/slide21.xml><?xml version="1.0" encoding="utf-8"?>
+<file path=ppt/slides/slide22.xml><?xml version="1.0" encoding="utf-8"?>
 <p:sld xmlns:a="http://schemas.openxmlformats.org/drawingml/2006/main" xmlns:r="http://schemas.openxmlformats.org/officeDocument/2006/relationships" xmlns:p="http://schemas.openxmlformats.org/presentationml/2006/main">
   <p:cSld>
     <p:spTree>
@@ -9651,7 +10468,7 @@
 </p:sld>
 </file>
 
-<file path=ppt/slides/slide22.xml><?xml version="1.0" encoding="utf-8"?>
+<file path=ppt/slides/slide23.xml><?xml version="1.0" encoding="utf-8"?>
 <p:sld xmlns:a="http://schemas.openxmlformats.org/drawingml/2006/main" xmlns:r="http://schemas.openxmlformats.org/officeDocument/2006/relationships" xmlns:p="http://schemas.openxmlformats.org/presentationml/2006/main">
   <p:cSld>
     <p:spTree>
@@ -10974,7 +11791,7 @@
 </p:sld>
 </file>
 
-<file path=ppt/slides/slide23.xml><?xml version="1.0" encoding="utf-8"?>
+<file path=ppt/slides/slide24.xml><?xml version="1.0" encoding="utf-8"?>
 <p:sld xmlns:a="http://schemas.openxmlformats.org/drawingml/2006/main" xmlns:r="http://schemas.openxmlformats.org/officeDocument/2006/relationships" xmlns:p="http://schemas.openxmlformats.org/presentationml/2006/main">
   <p:cSld>
     <p:spTree>
@@ -12516,7 +13333,7 @@
 </p:sld>
 </file>
 
-<file path=ppt/slides/slide24.xml><?xml version="1.0" encoding="utf-8"?>
+<file path=ppt/slides/slide25.xml><?xml version="1.0" encoding="utf-8"?>
 <p:sld xmlns:a="http://schemas.openxmlformats.org/drawingml/2006/main" xmlns:r="http://schemas.openxmlformats.org/officeDocument/2006/relationships" xmlns:p="http://schemas.openxmlformats.org/presentationml/2006/main">
   <p:cSld>
     <p:spTree>
@@ -13987,7 +14804,7 @@
 </p:sld>
 </file>
 
-<file path=ppt/slides/slide25.xml><?xml version="1.0" encoding="utf-8"?>
+<file path=ppt/slides/slide26.xml><?xml version="1.0" encoding="utf-8"?>
 <p:sld xmlns:a="http://schemas.openxmlformats.org/drawingml/2006/main" xmlns:r="http://schemas.openxmlformats.org/officeDocument/2006/relationships" xmlns:p="http://schemas.openxmlformats.org/presentationml/2006/main">
   <p:cSld>
     <p:spTree>
@@ -15070,7 +15887,7 @@
 </p:sld>
 </file>
 
-<file path=ppt/slides/slide26.xml><?xml version="1.0" encoding="utf-8"?>
+<file path=ppt/slides/slide27.xml><?xml version="1.0" encoding="utf-8"?>
 <p:sld xmlns:a="http://schemas.openxmlformats.org/drawingml/2006/main" xmlns:r="http://schemas.openxmlformats.org/officeDocument/2006/relationships" xmlns:p="http://schemas.openxmlformats.org/presentationml/2006/main">
   <p:cSld>
     <p:spTree>
@@ -15240,7 +16057,7 @@
 </p:sld>
 </file>
 
-<file path=ppt/slides/slide27.xml><?xml version="1.0" encoding="utf-8"?>
+<file path=ppt/slides/slide28.xml><?xml version="1.0" encoding="utf-8"?>
 <p:sld xmlns:a="http://schemas.openxmlformats.org/drawingml/2006/main" xmlns:r="http://schemas.openxmlformats.org/officeDocument/2006/relationships" xmlns:p="http://schemas.openxmlformats.org/presentationml/2006/main">
   <p:cSld>
     <p:spTree>
@@ -15411,7 +16228,7 @@
 </p:sld>
 </file>
 
-<file path=ppt/slides/slide28.xml><?xml version="1.0" encoding="utf-8"?>
+<file path=ppt/slides/slide29.xml><?xml version="1.0" encoding="utf-8"?>
 <p:sld xmlns:a="http://schemas.openxmlformats.org/drawingml/2006/main" xmlns:r="http://schemas.openxmlformats.org/officeDocument/2006/relationships" xmlns:p="http://schemas.openxmlformats.org/presentationml/2006/main">
   <p:cSld>
     <p:spTree>
@@ -16284,7 +17101,954 @@
 </p:sld>
 </file>
 
-<file path=ppt/slides/slide29.xml><?xml version="1.0" encoding="utf-8"?>
+<file path=ppt/slides/slide3.xml><?xml version="1.0" encoding="utf-8"?>
+<p:sld xmlns:a="http://schemas.openxmlformats.org/drawingml/2006/main" xmlns:r="http://schemas.openxmlformats.org/officeDocument/2006/relationships" xmlns:p="http://schemas.openxmlformats.org/presentationml/2006/main">
+  <p:cSld>
+    <p:spTree>
+      <p:nvGrpSpPr>
+        <p:cNvPr id="1" name=""/>
+        <p:cNvGrpSpPr/>
+        <p:nvPr/>
+      </p:nvGrpSpPr>
+      <p:grpSpPr>
+        <a:xfrm>
+          <a:off x="0" y="0"/>
+          <a:ext cx="0" cy="0"/>
+          <a:chOff x="0" y="0"/>
+          <a:chExt cx="0" cy="0"/>
+        </a:xfrm>
+      </p:grpSpPr>
+      <p:sp>
+        <p:nvSpPr>
+          <p:cNvPr id="2" name="標題 1">
+            <a:extLst>
+              <a:ext uri="{FF2B5EF4-FFF2-40B4-BE49-F238E27FC236}">
+                <a16:creationId xmlns:a16="http://schemas.microsoft.com/office/drawing/2014/main" id="{DD82A862-E179-42C4-BC83-75B1188D2825}"/>
+              </a:ext>
+            </a:extLst>
+          </p:cNvPr>
+          <p:cNvSpPr>
+            <a:spLocks noGrp="1"/>
+          </p:cNvSpPr>
+          <p:nvPr>
+            <p:ph type="title"/>
+          </p:nvPr>
+        </p:nvSpPr>
+        <p:spPr>
+          <a:xfrm>
+            <a:off x="838200" y="0"/>
+            <a:ext cx="10515600" cy="1325563"/>
+          </a:xfrm>
+        </p:spPr>
+        <p:txBody>
+          <a:bodyPr/>
+          <a:lstStyle/>
+          <a:p>
+            <a:r>
+              <a:rPr lang="en-US" altLang="zh-TW"/>
+              <a:t>Git</a:t>
+            </a:r>
+            <a:endParaRPr lang="zh-TW" altLang="en-US"/>
+          </a:p>
+        </p:txBody>
+      </p:sp>
+      <p:sp>
+        <p:nvSpPr>
+          <p:cNvPr id="3" name="內容版面配置區 2">
+            <a:extLst>
+              <a:ext uri="{FF2B5EF4-FFF2-40B4-BE49-F238E27FC236}">
+                <a16:creationId xmlns:a16="http://schemas.microsoft.com/office/drawing/2014/main" id="{EF7FD445-DE5C-4F07-BEDA-3FC9C28F642A}"/>
+              </a:ext>
+            </a:extLst>
+          </p:cNvPr>
+          <p:cNvSpPr>
+            <a:spLocks noGrp="1"/>
+          </p:cNvSpPr>
+          <p:nvPr>
+            <p:ph idx="1"/>
+          </p:nvPr>
+        </p:nvSpPr>
+        <p:spPr>
+          <a:xfrm>
+            <a:off x="838200" y="1019693"/>
+            <a:ext cx="10515600" cy="579797"/>
+          </a:xfrm>
+        </p:spPr>
+        <p:txBody>
+          <a:bodyPr/>
+          <a:lstStyle/>
+          <a:p>
+            <a:r>
+              <a:rPr lang="en-US" altLang="zh-TW">
+                <a:solidFill>
+                  <a:srgbClr val="00B0F0"/>
+                </a:solidFill>
+              </a:rPr>
+              <a:t>Git</a:t>
+            </a:r>
+            <a:r>
+              <a:rPr lang="en-US" altLang="zh-TW"/>
+              <a:t> </a:t>
+            </a:r>
+            <a:r>
+              <a:rPr lang="zh-TW" altLang="en-US"/>
+              <a:t>的第一版 </a:t>
+            </a:r>
+            <a:r>
+              <a:rPr lang="en-US" altLang="zh-TW">
+                <a:solidFill>
+                  <a:srgbClr val="00B0F0"/>
+                </a:solidFill>
+              </a:rPr>
+              <a:t>README(</a:t>
+            </a:r>
+            <a:r>
+              <a:rPr lang="zh-TW" altLang="en-US">
+                <a:solidFill>
+                  <a:srgbClr val="00B0F0"/>
+                </a:solidFill>
+              </a:rPr>
+              <a:t>讀我</a:t>
+            </a:r>
+            <a:r>
+              <a:rPr lang="en-US" altLang="zh-TW">
+                <a:solidFill>
+                  <a:srgbClr val="00B0F0"/>
+                </a:solidFill>
+              </a:rPr>
+              <a:t>)</a:t>
+            </a:r>
+            <a:r>
+              <a:rPr lang="en-US" altLang="zh-TW"/>
+              <a:t> </a:t>
+            </a:r>
+            <a:r>
+              <a:rPr lang="zh-TW" altLang="en-US"/>
+              <a:t>中寫道：</a:t>
+            </a:r>
+          </a:p>
+        </p:txBody>
+      </p:sp>
+      <p:sp>
+        <p:nvSpPr>
+          <p:cNvPr id="4" name="文字方塊 3">
+            <a:extLst>
+              <a:ext uri="{FF2B5EF4-FFF2-40B4-BE49-F238E27FC236}">
+                <a16:creationId xmlns:a16="http://schemas.microsoft.com/office/drawing/2014/main" id="{6624F478-A90E-434C-8648-38F181103765}"/>
+              </a:ext>
+            </a:extLst>
+          </p:cNvPr>
+          <p:cNvSpPr txBox="1"/>
+          <p:nvPr/>
+        </p:nvSpPr>
+        <p:spPr>
+          <a:xfrm>
+            <a:off x="838200" y="1599491"/>
+            <a:ext cx="10515600" cy="4809073"/>
+          </a:xfrm>
+          <a:prstGeom prst="rect">
+            <a:avLst/>
+          </a:prstGeom>
+          <a:noFill/>
+          <a:ln>
+            <a:solidFill>
+              <a:schemeClr val="accent1"/>
+            </a:solidFill>
+          </a:ln>
+        </p:spPr>
+        <p:txBody>
+          <a:bodyPr wrap="square">
+            <a:spAutoFit/>
+          </a:bodyPr>
+          <a:lstStyle/>
+          <a:p>
+            <a:pPr marL="0" marR="0" lvl="0" indent="0" algn="ctr" defTabSz="914400" rtl="0" eaLnBrk="1" fontAlgn="auto" latinLnBrk="0" hangingPunct="1">
+              <a:lnSpc>
+                <a:spcPct val="60000"/>
+              </a:lnSpc>
+              <a:spcBef>
+                <a:spcPts val="1000"/>
+              </a:spcBef>
+              <a:spcAft>
+                <a:spcPts val="0"/>
+              </a:spcAft>
+              <a:buClrTx/>
+              <a:buSzTx/>
+              <a:buFont typeface="Arial" panose="020B0604020202020204" pitchFamily="34" charset="0"/>
+              <a:buNone/>
+              <a:tabLst/>
+              <a:defRPr/>
+            </a:pPr>
+            <a:endParaRPr kumimoji="0" lang="en-US" altLang="zh-TW" sz="100" b="0" i="1" u="none" strike="noStrike" kern="1200" cap="none" spc="0" normalizeH="0" baseline="0" noProof="0">
+              <a:ln>
+                <a:noFill/>
+              </a:ln>
+              <a:solidFill>
+                <a:srgbClr val="FFFFFF"/>
+              </a:solidFill>
+              <a:effectLst/>
+              <a:uLnTx/>
+              <a:uFillTx/>
+              <a:latin typeface="Times New Roman" panose="02020603050405020304" pitchFamily="18" charset="0"/>
+              <a:ea typeface="微軟正黑體 Light"/>
+              <a:cs typeface="Times New Roman" panose="02020603050405020304" pitchFamily="18" charset="0"/>
+            </a:endParaRPr>
+          </a:p>
+          <a:p>
+            <a:pPr marL="0" marR="0" lvl="0" indent="0" algn="ctr" defTabSz="914400" rtl="0" eaLnBrk="1" fontAlgn="auto" latinLnBrk="0" hangingPunct="1">
+              <a:lnSpc>
+                <a:spcPct val="60000"/>
+              </a:lnSpc>
+              <a:spcBef>
+                <a:spcPts val="1000"/>
+              </a:spcBef>
+              <a:spcAft>
+                <a:spcPts val="0"/>
+              </a:spcAft>
+              <a:buClrTx/>
+              <a:buSzTx/>
+              <a:buFont typeface="Arial" panose="020B0604020202020204" pitchFamily="34" charset="0"/>
+              <a:buNone/>
+              <a:tabLst/>
+              <a:defRPr/>
+            </a:pPr>
+            <a:r>
+              <a:rPr kumimoji="0" lang="en-US" altLang="zh-TW" sz="2000" b="0" i="1" u="none" strike="noStrike" kern="1200" cap="none" spc="0" normalizeH="0" baseline="0" noProof="0">
+                <a:ln>
+                  <a:noFill/>
+                </a:ln>
+                <a:solidFill>
+                  <a:srgbClr val="FFFFFF"/>
+                </a:solidFill>
+                <a:effectLst/>
+                <a:uLnTx/>
+                <a:uFillTx/>
+                <a:latin typeface="Times New Roman" panose="02020603050405020304" pitchFamily="18" charset="0"/>
+                <a:ea typeface="微軟正黑體 Light"/>
+                <a:cs typeface="Times New Roman" panose="02020603050405020304" pitchFamily="18" charset="0"/>
+              </a:rPr>
+              <a:t>GIT - the stupid content tracker</a:t>
+            </a:r>
+          </a:p>
+          <a:p>
+            <a:pPr marL="0" marR="0" lvl="0" indent="0" algn="ctr" defTabSz="914400" rtl="0" eaLnBrk="1" fontAlgn="auto" latinLnBrk="0" hangingPunct="1">
+              <a:lnSpc>
+                <a:spcPct val="60000"/>
+              </a:lnSpc>
+              <a:spcBef>
+                <a:spcPts val="1000"/>
+              </a:spcBef>
+              <a:spcAft>
+                <a:spcPts val="0"/>
+              </a:spcAft>
+              <a:buClrTx/>
+              <a:buSzTx/>
+              <a:buFont typeface="Arial" panose="020B0604020202020204" pitchFamily="34" charset="0"/>
+              <a:buNone/>
+              <a:tabLst/>
+              <a:defRPr/>
+            </a:pPr>
+            <a:endParaRPr kumimoji="0" lang="en-US" altLang="zh-TW" sz="2000" b="0" i="1" u="none" strike="noStrike" kern="1200" cap="none" spc="0" normalizeH="0" baseline="0" noProof="0">
+              <a:ln>
+                <a:noFill/>
+              </a:ln>
+              <a:solidFill>
+                <a:srgbClr val="FFFFFF"/>
+              </a:solidFill>
+              <a:effectLst/>
+              <a:uLnTx/>
+              <a:uFillTx/>
+              <a:latin typeface="Times New Roman" panose="02020603050405020304" pitchFamily="18" charset="0"/>
+              <a:ea typeface="微軟正黑體 Light"/>
+              <a:cs typeface="Times New Roman" panose="02020603050405020304" pitchFamily="18" charset="0"/>
+            </a:endParaRPr>
+          </a:p>
+          <a:p>
+            <a:pPr marL="0" marR="0" lvl="0" indent="0" algn="ctr" defTabSz="914400" rtl="0" eaLnBrk="1" fontAlgn="auto" latinLnBrk="0" hangingPunct="1">
+              <a:lnSpc>
+                <a:spcPct val="60000"/>
+              </a:lnSpc>
+              <a:spcBef>
+                <a:spcPts val="1000"/>
+              </a:spcBef>
+              <a:spcAft>
+                <a:spcPts val="0"/>
+              </a:spcAft>
+              <a:buClrTx/>
+              <a:buSzTx/>
+              <a:buFont typeface="Arial" panose="020B0604020202020204" pitchFamily="34" charset="0"/>
+              <a:buNone/>
+              <a:tabLst/>
+              <a:defRPr/>
+            </a:pPr>
+            <a:r>
+              <a:rPr kumimoji="0" lang="en-US" altLang="zh-TW" sz="2000" b="0" i="1" u="none" strike="noStrike" kern="1200" cap="none" spc="0" normalizeH="0" baseline="0" noProof="0">
+                <a:ln>
+                  <a:noFill/>
+                </a:ln>
+                <a:solidFill>
+                  <a:srgbClr val="FFFFFF"/>
+                </a:solidFill>
+                <a:effectLst/>
+                <a:uLnTx/>
+                <a:uFillTx/>
+                <a:latin typeface="Times New Roman" panose="02020603050405020304" pitchFamily="18" charset="0"/>
+                <a:ea typeface="微軟正黑體 Light"/>
+                <a:cs typeface="Times New Roman" panose="02020603050405020304" pitchFamily="18" charset="0"/>
+              </a:rPr>
+              <a:t>"git" can mean anything, depending on your mood.</a:t>
+            </a:r>
+          </a:p>
+          <a:p>
+            <a:pPr marL="0" marR="0" lvl="0" indent="0" algn="ctr" defTabSz="914400" rtl="0" eaLnBrk="1" fontAlgn="auto" latinLnBrk="0" hangingPunct="1">
+              <a:lnSpc>
+                <a:spcPct val="60000"/>
+              </a:lnSpc>
+              <a:spcBef>
+                <a:spcPts val="1000"/>
+              </a:spcBef>
+              <a:spcAft>
+                <a:spcPts val="0"/>
+              </a:spcAft>
+              <a:buClrTx/>
+              <a:buSzTx/>
+              <a:buFont typeface="Arial" panose="020B0604020202020204" pitchFamily="34" charset="0"/>
+              <a:buNone/>
+              <a:tabLst/>
+              <a:defRPr/>
+            </a:pPr>
+            <a:endParaRPr kumimoji="0" lang="en-US" altLang="zh-TW" sz="2000" b="0" i="1" u="none" strike="noStrike" kern="1200" cap="none" spc="0" normalizeH="0" baseline="0" noProof="0">
+              <a:ln>
+                <a:noFill/>
+              </a:ln>
+              <a:solidFill>
+                <a:srgbClr val="FFFFFF"/>
+              </a:solidFill>
+              <a:effectLst/>
+              <a:uLnTx/>
+              <a:uFillTx/>
+              <a:latin typeface="Times New Roman" panose="02020603050405020304" pitchFamily="18" charset="0"/>
+              <a:ea typeface="微軟正黑體 Light"/>
+              <a:cs typeface="Times New Roman" panose="02020603050405020304" pitchFamily="18" charset="0"/>
+            </a:endParaRPr>
+          </a:p>
+          <a:p>
+            <a:pPr marL="0" marR="0" lvl="0" indent="0" algn="ctr" defTabSz="914400" rtl="0" eaLnBrk="1" fontAlgn="auto" latinLnBrk="0" hangingPunct="1">
+              <a:lnSpc>
+                <a:spcPct val="60000"/>
+              </a:lnSpc>
+              <a:spcBef>
+                <a:spcPts val="1000"/>
+              </a:spcBef>
+              <a:spcAft>
+                <a:spcPts val="0"/>
+              </a:spcAft>
+              <a:buClrTx/>
+              <a:buSzTx/>
+              <a:buFont typeface="Arial" panose="020B0604020202020204" pitchFamily="34" charset="0"/>
+              <a:buNone/>
+              <a:tabLst/>
+              <a:defRPr/>
+            </a:pPr>
+            <a:r>
+              <a:rPr kumimoji="0" lang="en-US" altLang="zh-TW" sz="2000" b="0" i="1" u="none" strike="noStrike" kern="1200" cap="none" spc="0" normalizeH="0" baseline="0" noProof="0">
+                <a:ln>
+                  <a:noFill/>
+                </a:ln>
+                <a:solidFill>
+                  <a:srgbClr val="FFFFFF"/>
+                </a:solidFill>
+                <a:effectLst/>
+                <a:uLnTx/>
+                <a:uFillTx/>
+                <a:latin typeface="Times New Roman" panose="02020603050405020304" pitchFamily="18" charset="0"/>
+                <a:ea typeface="微軟正黑體 Light"/>
+                <a:cs typeface="Times New Roman" panose="02020603050405020304" pitchFamily="18" charset="0"/>
+              </a:rPr>
+              <a:t> - random three-letter combination that is pronounceable,</a:t>
+            </a:r>
+          </a:p>
+          <a:p>
+            <a:pPr marL="0" marR="0" lvl="0" indent="0" algn="ctr" defTabSz="914400" rtl="0" eaLnBrk="1" fontAlgn="auto" latinLnBrk="0" hangingPunct="1">
+              <a:lnSpc>
+                <a:spcPct val="60000"/>
+              </a:lnSpc>
+              <a:spcBef>
+                <a:spcPts val="1000"/>
+              </a:spcBef>
+              <a:spcAft>
+                <a:spcPts val="0"/>
+              </a:spcAft>
+              <a:buClrTx/>
+              <a:buSzTx/>
+              <a:buFont typeface="Arial" panose="020B0604020202020204" pitchFamily="34" charset="0"/>
+              <a:buNone/>
+              <a:tabLst/>
+              <a:defRPr/>
+            </a:pPr>
+            <a:r>
+              <a:rPr kumimoji="0" lang="en-US" altLang="zh-TW" sz="2000" b="0" i="1" u="none" strike="noStrike" kern="1200" cap="none" spc="0" normalizeH="0" baseline="0" noProof="0">
+                <a:ln>
+                  <a:noFill/>
+                </a:ln>
+                <a:solidFill>
+                  <a:srgbClr val="FFFFFF"/>
+                </a:solidFill>
+                <a:effectLst/>
+                <a:uLnTx/>
+                <a:uFillTx/>
+                <a:latin typeface="Times New Roman" panose="02020603050405020304" pitchFamily="18" charset="0"/>
+                <a:ea typeface="微軟正黑體 Light"/>
+                <a:cs typeface="Times New Roman" panose="02020603050405020304" pitchFamily="18" charset="0"/>
+              </a:rPr>
+              <a:t>and not</a:t>
+            </a:r>
+            <a:r>
+              <a:rPr kumimoji="0" lang="zh-TW" altLang="en-US" sz="2000" b="0" i="1" u="none" strike="noStrike" kern="1200" cap="none" spc="0" normalizeH="0" baseline="0" noProof="0">
+                <a:ln>
+                  <a:noFill/>
+                </a:ln>
+                <a:solidFill>
+                  <a:srgbClr val="FFFFFF"/>
+                </a:solidFill>
+                <a:effectLst/>
+                <a:uLnTx/>
+                <a:uFillTx/>
+                <a:latin typeface="Times New Roman" panose="02020603050405020304" pitchFamily="18" charset="0"/>
+                <a:ea typeface="微軟正黑體 Light"/>
+                <a:cs typeface="Times New Roman" panose="02020603050405020304" pitchFamily="18" charset="0"/>
+              </a:rPr>
+              <a:t> </a:t>
+            </a:r>
+            <a:r>
+              <a:rPr kumimoji="0" lang="en-US" altLang="zh-TW" sz="2000" b="0" i="1" u="none" strike="noStrike" kern="1200" cap="none" spc="0" normalizeH="0" baseline="0" noProof="0">
+                <a:ln>
+                  <a:noFill/>
+                </a:ln>
+                <a:solidFill>
+                  <a:srgbClr val="FFFFFF"/>
+                </a:solidFill>
+                <a:effectLst/>
+                <a:uLnTx/>
+                <a:uFillTx/>
+                <a:latin typeface="Times New Roman" panose="02020603050405020304" pitchFamily="18" charset="0"/>
+                <a:ea typeface="微軟正黑體 Light"/>
+                <a:cs typeface="Times New Roman" panose="02020603050405020304" pitchFamily="18" charset="0"/>
+              </a:rPr>
+              <a:t>actually used by any common UNIX command.</a:t>
+            </a:r>
+          </a:p>
+          <a:p>
+            <a:pPr marL="0" marR="0" lvl="0" indent="0" algn="ctr" defTabSz="914400" rtl="0" eaLnBrk="1" fontAlgn="auto" latinLnBrk="0" hangingPunct="1">
+              <a:lnSpc>
+                <a:spcPct val="60000"/>
+              </a:lnSpc>
+              <a:spcBef>
+                <a:spcPts val="1000"/>
+              </a:spcBef>
+              <a:spcAft>
+                <a:spcPts val="0"/>
+              </a:spcAft>
+              <a:buClrTx/>
+              <a:buSzTx/>
+              <a:buFont typeface="Arial" panose="020B0604020202020204" pitchFamily="34" charset="0"/>
+              <a:buNone/>
+              <a:tabLst/>
+              <a:defRPr/>
+            </a:pPr>
+            <a:r>
+              <a:rPr kumimoji="0" lang="en-US" altLang="zh-TW" sz="2000" b="0" i="1" u="none" strike="noStrike" kern="1200" cap="none" spc="0" normalizeH="0" baseline="0" noProof="0">
+                <a:ln>
+                  <a:noFill/>
+                </a:ln>
+                <a:solidFill>
+                  <a:srgbClr val="FFFFFF"/>
+                </a:solidFill>
+                <a:effectLst/>
+                <a:uLnTx/>
+                <a:uFillTx/>
+                <a:latin typeface="Times New Roman" panose="02020603050405020304" pitchFamily="18" charset="0"/>
+                <a:ea typeface="微軟正黑體 Light"/>
+                <a:cs typeface="Times New Roman" panose="02020603050405020304" pitchFamily="18" charset="0"/>
+              </a:rPr>
+              <a:t>The fact that it is a</a:t>
+            </a:r>
+            <a:r>
+              <a:rPr kumimoji="0" lang="zh-TW" altLang="en-US" sz="2000" b="0" i="1" u="none" strike="noStrike" kern="1200" cap="none" spc="0" normalizeH="0" baseline="0" noProof="0">
+                <a:ln>
+                  <a:noFill/>
+                </a:ln>
+                <a:solidFill>
+                  <a:srgbClr val="FFFFFF"/>
+                </a:solidFill>
+                <a:effectLst/>
+                <a:uLnTx/>
+                <a:uFillTx/>
+                <a:latin typeface="Times New Roman" panose="02020603050405020304" pitchFamily="18" charset="0"/>
+                <a:ea typeface="微軟正黑體 Light"/>
+                <a:cs typeface="Times New Roman" panose="02020603050405020304" pitchFamily="18" charset="0"/>
+              </a:rPr>
+              <a:t> </a:t>
+            </a:r>
+            <a:r>
+              <a:rPr kumimoji="0" lang="en-US" altLang="zh-TW" sz="2000" b="0" i="1" u="none" strike="noStrike" kern="1200" cap="none" spc="0" normalizeH="0" baseline="0" noProof="0">
+                <a:ln>
+                  <a:noFill/>
+                </a:ln>
+                <a:solidFill>
+                  <a:srgbClr val="FFFFFF"/>
+                </a:solidFill>
+                <a:effectLst/>
+                <a:uLnTx/>
+                <a:uFillTx/>
+                <a:latin typeface="Times New Roman" panose="02020603050405020304" pitchFamily="18" charset="0"/>
+                <a:ea typeface="微軟正黑體 Light"/>
+                <a:cs typeface="Times New Roman" panose="02020603050405020304" pitchFamily="18" charset="0"/>
+              </a:rPr>
+              <a:t>mispronounciation of "get" may or may not be relevant.</a:t>
+            </a:r>
+          </a:p>
+          <a:p>
+            <a:pPr marL="0" marR="0" lvl="0" indent="0" algn="ctr" defTabSz="914400" rtl="0" eaLnBrk="1" fontAlgn="auto" latinLnBrk="0" hangingPunct="1">
+              <a:lnSpc>
+                <a:spcPct val="60000"/>
+              </a:lnSpc>
+              <a:spcBef>
+                <a:spcPts val="1000"/>
+              </a:spcBef>
+              <a:spcAft>
+                <a:spcPts val="0"/>
+              </a:spcAft>
+              <a:buClrTx/>
+              <a:buSzTx/>
+              <a:buFont typeface="Arial" panose="020B0604020202020204" pitchFamily="34" charset="0"/>
+              <a:buNone/>
+              <a:tabLst/>
+              <a:defRPr/>
+            </a:pPr>
+            <a:r>
+              <a:rPr kumimoji="0" lang="en-US" altLang="zh-TW" sz="2000" b="0" i="1" u="none" strike="noStrike" kern="1200" cap="none" spc="0" normalizeH="0" baseline="0" noProof="0">
+                <a:ln>
+                  <a:noFill/>
+                </a:ln>
+                <a:solidFill>
+                  <a:srgbClr val="FFFFFF"/>
+                </a:solidFill>
+                <a:effectLst/>
+                <a:uLnTx/>
+                <a:uFillTx/>
+                <a:latin typeface="Times New Roman" panose="02020603050405020304" pitchFamily="18" charset="0"/>
+                <a:ea typeface="微軟正黑體 Light"/>
+                <a:cs typeface="Times New Roman" panose="02020603050405020304" pitchFamily="18" charset="0"/>
+              </a:rPr>
+              <a:t> - stupid. contemptible and despicable. simple. Take your pick from the dictionary of slang.</a:t>
+            </a:r>
+          </a:p>
+          <a:p>
+            <a:pPr marL="0" marR="0" lvl="0" indent="0" algn="ctr" defTabSz="914400" rtl="0" eaLnBrk="1" fontAlgn="auto" latinLnBrk="0" hangingPunct="1">
+              <a:lnSpc>
+                <a:spcPct val="60000"/>
+              </a:lnSpc>
+              <a:spcBef>
+                <a:spcPts val="1000"/>
+              </a:spcBef>
+              <a:spcAft>
+                <a:spcPts val="0"/>
+              </a:spcAft>
+              <a:buClrTx/>
+              <a:buSzTx/>
+              <a:buFont typeface="Arial" panose="020B0604020202020204" pitchFamily="34" charset="0"/>
+              <a:buNone/>
+              <a:tabLst/>
+              <a:defRPr/>
+            </a:pPr>
+            <a:r>
+              <a:rPr kumimoji="0" lang="en-US" altLang="zh-TW" sz="2000" b="0" i="1" u="none" strike="noStrike" kern="1200" cap="none" spc="0" normalizeH="0" baseline="0" noProof="0">
+                <a:ln>
+                  <a:noFill/>
+                </a:ln>
+                <a:solidFill>
+                  <a:srgbClr val="FFFFFF"/>
+                </a:solidFill>
+                <a:effectLst/>
+                <a:uLnTx/>
+                <a:uFillTx/>
+                <a:latin typeface="Times New Roman" panose="02020603050405020304" pitchFamily="18" charset="0"/>
+                <a:ea typeface="微軟正黑體 Light"/>
+                <a:cs typeface="Times New Roman" panose="02020603050405020304" pitchFamily="18" charset="0"/>
+              </a:rPr>
+              <a:t> - "global information tracker": you're in a good mood, and it actually works for you.</a:t>
+            </a:r>
+          </a:p>
+          <a:p>
+            <a:pPr marL="0" marR="0" lvl="0" indent="0" algn="ctr" defTabSz="914400" rtl="0" eaLnBrk="1" fontAlgn="auto" latinLnBrk="0" hangingPunct="1">
+              <a:lnSpc>
+                <a:spcPct val="60000"/>
+              </a:lnSpc>
+              <a:spcBef>
+                <a:spcPts val="1000"/>
+              </a:spcBef>
+              <a:spcAft>
+                <a:spcPts val="0"/>
+              </a:spcAft>
+              <a:buClrTx/>
+              <a:buSzTx/>
+              <a:buFont typeface="Arial" panose="020B0604020202020204" pitchFamily="34" charset="0"/>
+              <a:buNone/>
+              <a:tabLst/>
+              <a:defRPr/>
+            </a:pPr>
+            <a:r>
+              <a:rPr kumimoji="0" lang="en-US" altLang="zh-TW" sz="2000" b="0" i="1" u="none" strike="noStrike" kern="1200" cap="none" spc="0" normalizeH="0" baseline="0" noProof="0">
+                <a:ln>
+                  <a:noFill/>
+                </a:ln>
+                <a:solidFill>
+                  <a:srgbClr val="FFFFFF"/>
+                </a:solidFill>
+                <a:effectLst/>
+                <a:uLnTx/>
+                <a:uFillTx/>
+                <a:latin typeface="Times New Roman" panose="02020603050405020304" pitchFamily="18" charset="0"/>
+                <a:ea typeface="微軟正黑體 Light"/>
+                <a:cs typeface="Times New Roman" panose="02020603050405020304" pitchFamily="18" charset="0"/>
+              </a:rPr>
+              <a:t>Angels sing, and a light suddenly fills the room. </a:t>
+            </a:r>
+          </a:p>
+          <a:p>
+            <a:pPr marL="0" marR="0" lvl="0" indent="0" algn="ctr" defTabSz="914400" rtl="0" eaLnBrk="1" fontAlgn="auto" latinLnBrk="0" hangingPunct="1">
+              <a:lnSpc>
+                <a:spcPct val="60000"/>
+              </a:lnSpc>
+              <a:spcBef>
+                <a:spcPts val="1000"/>
+              </a:spcBef>
+              <a:spcAft>
+                <a:spcPts val="0"/>
+              </a:spcAft>
+              <a:buClrTx/>
+              <a:buSzTx/>
+              <a:buFont typeface="Arial" panose="020B0604020202020204" pitchFamily="34" charset="0"/>
+              <a:buNone/>
+              <a:tabLst/>
+              <a:defRPr/>
+            </a:pPr>
+            <a:r>
+              <a:rPr kumimoji="0" lang="en-US" altLang="zh-TW" sz="2000" b="0" i="1" u="none" strike="noStrike" kern="1200" cap="none" spc="0" normalizeH="0" baseline="0" noProof="0">
+                <a:ln>
+                  <a:noFill/>
+                </a:ln>
+                <a:solidFill>
+                  <a:srgbClr val="FFFFFF"/>
+                </a:solidFill>
+                <a:effectLst/>
+                <a:uLnTx/>
+                <a:uFillTx/>
+                <a:latin typeface="Times New Roman" panose="02020603050405020304" pitchFamily="18" charset="0"/>
+                <a:ea typeface="微軟正黑體 Light"/>
+                <a:cs typeface="Times New Roman" panose="02020603050405020304" pitchFamily="18" charset="0"/>
+              </a:rPr>
+              <a:t> - "goddamn idiotic truckload of sh*t": when it breaks</a:t>
+            </a:r>
+          </a:p>
+          <a:p>
+            <a:pPr marL="0" marR="0" lvl="0" indent="0" algn="ctr" defTabSz="914400" rtl="0" eaLnBrk="1" fontAlgn="auto" latinLnBrk="0" hangingPunct="1">
+              <a:lnSpc>
+                <a:spcPct val="60000"/>
+              </a:lnSpc>
+              <a:spcBef>
+                <a:spcPts val="1000"/>
+              </a:spcBef>
+              <a:spcAft>
+                <a:spcPts val="0"/>
+              </a:spcAft>
+              <a:buClrTx/>
+              <a:buSzTx/>
+              <a:buFont typeface="Arial" panose="020B0604020202020204" pitchFamily="34" charset="0"/>
+              <a:buNone/>
+              <a:tabLst/>
+              <a:defRPr/>
+            </a:pPr>
+            <a:endParaRPr kumimoji="0" lang="en-US" altLang="zh-TW" sz="2000" b="0" i="1" u="none" strike="noStrike" kern="1200" cap="none" spc="0" normalizeH="0" baseline="0" noProof="0">
+              <a:ln>
+                <a:noFill/>
+              </a:ln>
+              <a:solidFill>
+                <a:srgbClr val="FFFFFF"/>
+              </a:solidFill>
+              <a:effectLst/>
+              <a:uLnTx/>
+              <a:uFillTx/>
+              <a:latin typeface="Times New Roman" panose="02020603050405020304" pitchFamily="18" charset="0"/>
+              <a:ea typeface="微軟正黑體 Light"/>
+              <a:cs typeface="Times New Roman" panose="02020603050405020304" pitchFamily="18" charset="0"/>
+            </a:endParaRPr>
+          </a:p>
+          <a:p>
+            <a:pPr marL="0" marR="0" lvl="0" indent="0" algn="ctr" defTabSz="914400" rtl="0" eaLnBrk="1" fontAlgn="auto" latinLnBrk="0" hangingPunct="1">
+              <a:lnSpc>
+                <a:spcPct val="60000"/>
+              </a:lnSpc>
+              <a:spcBef>
+                <a:spcPts val="1000"/>
+              </a:spcBef>
+              <a:spcAft>
+                <a:spcPts val="0"/>
+              </a:spcAft>
+              <a:buClrTx/>
+              <a:buSzTx/>
+              <a:buFont typeface="Arial" panose="020B0604020202020204" pitchFamily="34" charset="0"/>
+              <a:buNone/>
+              <a:tabLst/>
+              <a:defRPr/>
+            </a:pPr>
+            <a:r>
+              <a:rPr kumimoji="0" lang="en-US" altLang="zh-TW" sz="2000" b="0" i="1" u="none" strike="noStrike" kern="1200" cap="none" spc="0" normalizeH="0" baseline="0" noProof="0">
+                <a:ln>
+                  <a:noFill/>
+                </a:ln>
+                <a:solidFill>
+                  <a:srgbClr val="FFFFFF"/>
+                </a:solidFill>
+                <a:effectLst/>
+                <a:uLnTx/>
+                <a:uFillTx/>
+                <a:latin typeface="Times New Roman" panose="02020603050405020304" pitchFamily="18" charset="0"/>
+                <a:ea typeface="微軟正黑體 Light"/>
+                <a:cs typeface="Times New Roman" panose="02020603050405020304" pitchFamily="18" charset="0"/>
+              </a:rPr>
+              <a:t>This is a stupid (but extremely fast) directory content manager.</a:t>
+            </a:r>
+          </a:p>
+          <a:p>
+            <a:pPr marL="0" marR="0" lvl="0" indent="0" algn="ctr" defTabSz="914400" rtl="0" eaLnBrk="1" fontAlgn="auto" latinLnBrk="0" hangingPunct="1">
+              <a:lnSpc>
+                <a:spcPct val="60000"/>
+              </a:lnSpc>
+              <a:spcBef>
+                <a:spcPts val="1000"/>
+              </a:spcBef>
+              <a:spcAft>
+                <a:spcPts val="0"/>
+              </a:spcAft>
+              <a:buClrTx/>
+              <a:buSzTx/>
+              <a:buFont typeface="Arial" panose="020B0604020202020204" pitchFamily="34" charset="0"/>
+              <a:buNone/>
+              <a:tabLst/>
+              <a:defRPr/>
+            </a:pPr>
+            <a:r>
+              <a:rPr kumimoji="0" lang="en-US" altLang="zh-TW" sz="2000" b="0" i="1" u="none" strike="noStrike" kern="1200" cap="none" spc="0" normalizeH="0" baseline="0" noProof="0">
+                <a:ln>
+                  <a:noFill/>
+                </a:ln>
+                <a:solidFill>
+                  <a:srgbClr val="FFFFFF"/>
+                </a:solidFill>
+                <a:effectLst/>
+                <a:uLnTx/>
+                <a:uFillTx/>
+                <a:latin typeface="Times New Roman" panose="02020603050405020304" pitchFamily="18" charset="0"/>
+                <a:ea typeface="微軟正黑體 Light"/>
+                <a:cs typeface="Times New Roman" panose="02020603050405020304" pitchFamily="18" charset="0"/>
+              </a:rPr>
+              <a:t>It doesn't do a whole lot, but what it _does_ do is track directory contents efficiently.</a:t>
+            </a:r>
+          </a:p>
+          <a:p>
+            <a:pPr marL="0" marR="0" lvl="0" indent="0" algn="r" defTabSz="914400" rtl="0" eaLnBrk="1" fontAlgn="auto" latinLnBrk="0" hangingPunct="1">
+              <a:lnSpc>
+                <a:spcPct val="60000"/>
+              </a:lnSpc>
+              <a:spcBef>
+                <a:spcPts val="1000"/>
+              </a:spcBef>
+              <a:spcAft>
+                <a:spcPts val="0"/>
+              </a:spcAft>
+              <a:buClrTx/>
+              <a:buSzTx/>
+              <a:buFont typeface="Arial" panose="020B0604020202020204" pitchFamily="34" charset="0"/>
+              <a:buNone/>
+              <a:tabLst/>
+              <a:defRPr/>
+            </a:pPr>
+            <a:r>
+              <a:rPr kumimoji="0" lang="en-US" altLang="zh-TW" sz="2000" b="0" u="none" strike="noStrike" kern="1200" cap="none" spc="0" normalizeH="0" baseline="0" noProof="0">
+                <a:ln>
+                  <a:noFill/>
+                </a:ln>
+                <a:solidFill>
+                  <a:srgbClr val="FFFFFF"/>
+                </a:solidFill>
+                <a:effectLst/>
+                <a:uLnTx/>
+                <a:uFillTx/>
+                <a:latin typeface="Times New Roman" panose="02020603050405020304" pitchFamily="18" charset="0"/>
+                <a:ea typeface="微軟正黑體 Light"/>
+                <a:cs typeface="Times New Roman" panose="02020603050405020304" pitchFamily="18" charset="0"/>
+              </a:rPr>
+              <a:t>-</a:t>
+            </a:r>
+            <a:r>
+              <a:rPr kumimoji="0" lang="zh-TW" altLang="en-US" sz="2000" b="0" u="none" strike="noStrike" kern="1200" cap="none" spc="0" normalizeH="0" baseline="0" noProof="0">
+                <a:ln>
+                  <a:noFill/>
+                </a:ln>
+                <a:solidFill>
+                  <a:srgbClr val="FFFFFF"/>
+                </a:solidFill>
+                <a:effectLst/>
+                <a:uLnTx/>
+                <a:uFillTx/>
+                <a:latin typeface="Times New Roman" panose="02020603050405020304" pitchFamily="18" charset="0"/>
+                <a:ea typeface="微軟正黑體 Light"/>
+                <a:cs typeface="Times New Roman" panose="02020603050405020304" pitchFamily="18" charset="0"/>
+              </a:rPr>
+              <a:t> </a:t>
+            </a:r>
+            <a:r>
+              <a:rPr kumimoji="0" lang="en-US" altLang="zh-TW" sz="2000" b="0" u="none" strike="noStrike" kern="1200" cap="none" spc="0" normalizeH="0" baseline="0" noProof="0">
+                <a:ln>
+                  <a:noFill/>
+                </a:ln>
+                <a:solidFill>
+                  <a:srgbClr val="FFFFFF"/>
+                </a:solidFill>
+                <a:effectLst/>
+                <a:uLnTx/>
+                <a:uFillTx/>
+                <a:latin typeface="Times New Roman" panose="02020603050405020304" pitchFamily="18" charset="0"/>
+                <a:ea typeface="微軟正黑體 Light"/>
+                <a:cs typeface="Times New Roman" panose="02020603050405020304" pitchFamily="18" charset="0"/>
+              </a:rPr>
+              <a:t>Linus Torvalds</a:t>
+            </a:r>
+          </a:p>
+        </p:txBody>
+      </p:sp>
+      <p:grpSp>
+        <p:nvGrpSpPr>
+          <p:cNvPr id="5" name="群組 4">
+            <a:extLst>
+              <a:ext uri="{FF2B5EF4-FFF2-40B4-BE49-F238E27FC236}">
+                <a16:creationId xmlns:a16="http://schemas.microsoft.com/office/drawing/2014/main" id="{2D03070A-B664-4559-A447-42880EBE0E79}"/>
+              </a:ext>
+            </a:extLst>
+          </p:cNvPr>
+          <p:cNvGrpSpPr/>
+          <p:nvPr/>
+        </p:nvGrpSpPr>
+        <p:grpSpPr>
+          <a:xfrm>
+            <a:off x="8377620" y="1038691"/>
+            <a:ext cx="2931355" cy="430305"/>
+            <a:chOff x="7570590" y="5784663"/>
+            <a:chExt cx="2931355" cy="430305"/>
+          </a:xfrm>
+        </p:grpSpPr>
+        <p:pic>
+          <p:nvPicPr>
+            <p:cNvPr id="6" name="圖片 5">
+              <a:hlinkClick r:id="rId2"/>
+              <a:extLst>
+                <a:ext uri="{FF2B5EF4-FFF2-40B4-BE49-F238E27FC236}">
+                  <a16:creationId xmlns:a16="http://schemas.microsoft.com/office/drawing/2014/main" id="{715F59A4-AB1D-4B57-913A-7356CB004A02}"/>
+                </a:ext>
+              </a:extLst>
+            </p:cNvPr>
+            <p:cNvPicPr>
+              <a:picLocks noChangeAspect="1"/>
+            </p:cNvPicPr>
+            <p:nvPr/>
+          </p:nvPicPr>
+          <p:blipFill>
+            <a:blip r:embed="rId3">
+              <a:extLst>
+                <a:ext uri="{28A0092B-C50C-407E-A947-70E740481C1C}">
+                  <a14:useLocalDpi xmlns:a14="http://schemas.microsoft.com/office/drawing/2010/main" val="0"/>
+                </a:ext>
+              </a:extLst>
+            </a:blip>
+            <a:stretch>
+              <a:fillRect/>
+            </a:stretch>
+          </p:blipFill>
+          <p:spPr>
+            <a:xfrm>
+              <a:off x="7570590" y="5784663"/>
+              <a:ext cx="430305" cy="430305"/>
+            </a:xfrm>
+            <a:prstGeom prst="rect">
+              <a:avLst/>
+            </a:prstGeom>
+          </p:spPr>
+        </p:pic>
+        <p:sp>
+          <p:nvSpPr>
+            <p:cNvPr id="7" name="文字方塊 6">
+              <a:extLst>
+                <a:ext uri="{FF2B5EF4-FFF2-40B4-BE49-F238E27FC236}">
+                  <a16:creationId xmlns:a16="http://schemas.microsoft.com/office/drawing/2014/main" id="{507BF9F4-A354-41CE-B2BB-589DF0884414}"/>
+                </a:ext>
+              </a:extLst>
+            </p:cNvPr>
+            <p:cNvSpPr txBox="1"/>
+            <p:nvPr/>
+          </p:nvSpPr>
+          <p:spPr>
+            <a:xfrm>
+              <a:off x="8000895" y="5815149"/>
+              <a:ext cx="2501050" cy="369332"/>
+            </a:xfrm>
+            <a:prstGeom prst="rect">
+              <a:avLst/>
+            </a:prstGeom>
+            <a:noFill/>
+          </p:spPr>
+          <p:txBody>
+            <a:bodyPr wrap="square" rtlCol="0">
+              <a:spAutoFit/>
+            </a:bodyPr>
+            <a:lstStyle/>
+            <a:p>
+              <a:pPr algn="ctr"/>
+              <a:r>
+                <a:rPr lang="en-US" altLang="zh-TW"/>
+                <a:t>Git </a:t>
+              </a:r>
+              <a:r>
+                <a:rPr lang="zh-TW" altLang="en-US"/>
+                <a:t>的第一版 </a:t>
+              </a:r>
+              <a:r>
+                <a:rPr lang="en-US" altLang="zh-TW"/>
+                <a:t>README</a:t>
+              </a:r>
+              <a:endParaRPr lang="zh-TW" altLang="en-US"/>
+            </a:p>
+          </p:txBody>
+        </p:sp>
+      </p:grpSp>
+    </p:spTree>
+    <p:extLst>
+      <p:ext uri="{BB962C8B-B14F-4D97-AF65-F5344CB8AC3E}">
+        <p14:creationId xmlns:p14="http://schemas.microsoft.com/office/powerpoint/2010/main" val="16665829"/>
+      </p:ext>
+    </p:extLst>
+  </p:cSld>
+  <p:clrMapOvr>
+    <a:masterClrMapping/>
+  </p:clrMapOvr>
+  <p:transition spd="slow">
+    <p:push dir="u"/>
+  </p:transition>
+</p:sld>
+</file>
+
+<file path=ppt/slides/slide30.xml><?xml version="1.0" encoding="utf-8"?>
 <p:sld xmlns:a="http://schemas.openxmlformats.org/drawingml/2006/main" xmlns:r="http://schemas.openxmlformats.org/officeDocument/2006/relationships" xmlns:p="http://schemas.openxmlformats.org/presentationml/2006/main">
   <p:cSld>
     <p:spTree>
@@ -17465,954 +19229,7 @@
 </p:sld>
 </file>
 
-<file path=ppt/slides/slide3.xml><?xml version="1.0" encoding="utf-8"?>
-<p:sld xmlns:a="http://schemas.openxmlformats.org/drawingml/2006/main" xmlns:r="http://schemas.openxmlformats.org/officeDocument/2006/relationships" xmlns:p="http://schemas.openxmlformats.org/presentationml/2006/main">
-  <p:cSld>
-    <p:spTree>
-      <p:nvGrpSpPr>
-        <p:cNvPr id="1" name=""/>
-        <p:cNvGrpSpPr/>
-        <p:nvPr/>
-      </p:nvGrpSpPr>
-      <p:grpSpPr>
-        <a:xfrm>
-          <a:off x="0" y="0"/>
-          <a:ext cx="0" cy="0"/>
-          <a:chOff x="0" y="0"/>
-          <a:chExt cx="0" cy="0"/>
-        </a:xfrm>
-      </p:grpSpPr>
-      <p:sp>
-        <p:nvSpPr>
-          <p:cNvPr id="2" name="標題 1">
-            <a:extLst>
-              <a:ext uri="{FF2B5EF4-FFF2-40B4-BE49-F238E27FC236}">
-                <a16:creationId xmlns:a16="http://schemas.microsoft.com/office/drawing/2014/main" id="{DD82A862-E179-42C4-BC83-75B1188D2825}"/>
-              </a:ext>
-            </a:extLst>
-          </p:cNvPr>
-          <p:cNvSpPr>
-            <a:spLocks noGrp="1"/>
-          </p:cNvSpPr>
-          <p:nvPr>
-            <p:ph type="title"/>
-          </p:nvPr>
-        </p:nvSpPr>
-        <p:spPr>
-          <a:xfrm>
-            <a:off x="838200" y="0"/>
-            <a:ext cx="10515600" cy="1325563"/>
-          </a:xfrm>
-        </p:spPr>
-        <p:txBody>
-          <a:bodyPr/>
-          <a:lstStyle/>
-          <a:p>
-            <a:r>
-              <a:rPr lang="en-US" altLang="zh-TW"/>
-              <a:t>Git</a:t>
-            </a:r>
-            <a:endParaRPr lang="zh-TW" altLang="en-US"/>
-          </a:p>
-        </p:txBody>
-      </p:sp>
-      <p:sp>
-        <p:nvSpPr>
-          <p:cNvPr id="3" name="內容版面配置區 2">
-            <a:extLst>
-              <a:ext uri="{FF2B5EF4-FFF2-40B4-BE49-F238E27FC236}">
-                <a16:creationId xmlns:a16="http://schemas.microsoft.com/office/drawing/2014/main" id="{EF7FD445-DE5C-4F07-BEDA-3FC9C28F642A}"/>
-              </a:ext>
-            </a:extLst>
-          </p:cNvPr>
-          <p:cNvSpPr>
-            <a:spLocks noGrp="1"/>
-          </p:cNvSpPr>
-          <p:nvPr>
-            <p:ph idx="1"/>
-          </p:nvPr>
-        </p:nvSpPr>
-        <p:spPr>
-          <a:xfrm>
-            <a:off x="838200" y="1019693"/>
-            <a:ext cx="10515600" cy="579797"/>
-          </a:xfrm>
-        </p:spPr>
-        <p:txBody>
-          <a:bodyPr/>
-          <a:lstStyle/>
-          <a:p>
-            <a:r>
-              <a:rPr lang="en-US" altLang="zh-TW">
-                <a:solidFill>
-                  <a:srgbClr val="00B0F0"/>
-                </a:solidFill>
-              </a:rPr>
-              <a:t>Git</a:t>
-            </a:r>
-            <a:r>
-              <a:rPr lang="en-US" altLang="zh-TW"/>
-              <a:t> </a:t>
-            </a:r>
-            <a:r>
-              <a:rPr lang="zh-TW" altLang="en-US"/>
-              <a:t>的第一版 </a:t>
-            </a:r>
-            <a:r>
-              <a:rPr lang="en-US" altLang="zh-TW">
-                <a:solidFill>
-                  <a:srgbClr val="00B0F0"/>
-                </a:solidFill>
-              </a:rPr>
-              <a:t>README(</a:t>
-            </a:r>
-            <a:r>
-              <a:rPr lang="zh-TW" altLang="en-US">
-                <a:solidFill>
-                  <a:srgbClr val="00B0F0"/>
-                </a:solidFill>
-              </a:rPr>
-              <a:t>讀我</a:t>
-            </a:r>
-            <a:r>
-              <a:rPr lang="en-US" altLang="zh-TW">
-                <a:solidFill>
-                  <a:srgbClr val="00B0F0"/>
-                </a:solidFill>
-              </a:rPr>
-              <a:t>)</a:t>
-            </a:r>
-            <a:r>
-              <a:rPr lang="en-US" altLang="zh-TW"/>
-              <a:t> </a:t>
-            </a:r>
-            <a:r>
-              <a:rPr lang="zh-TW" altLang="en-US"/>
-              <a:t>中寫道：</a:t>
-            </a:r>
-          </a:p>
-        </p:txBody>
-      </p:sp>
-      <p:sp>
-        <p:nvSpPr>
-          <p:cNvPr id="4" name="文字方塊 3">
-            <a:extLst>
-              <a:ext uri="{FF2B5EF4-FFF2-40B4-BE49-F238E27FC236}">
-                <a16:creationId xmlns:a16="http://schemas.microsoft.com/office/drawing/2014/main" id="{6624F478-A90E-434C-8648-38F181103765}"/>
-              </a:ext>
-            </a:extLst>
-          </p:cNvPr>
-          <p:cNvSpPr txBox="1"/>
-          <p:nvPr/>
-        </p:nvSpPr>
-        <p:spPr>
-          <a:xfrm>
-            <a:off x="838200" y="1599491"/>
-            <a:ext cx="10515600" cy="4809073"/>
-          </a:xfrm>
-          <a:prstGeom prst="rect">
-            <a:avLst/>
-          </a:prstGeom>
-          <a:noFill/>
-          <a:ln>
-            <a:solidFill>
-              <a:schemeClr val="accent1"/>
-            </a:solidFill>
-          </a:ln>
-        </p:spPr>
-        <p:txBody>
-          <a:bodyPr wrap="square">
-            <a:spAutoFit/>
-          </a:bodyPr>
-          <a:lstStyle/>
-          <a:p>
-            <a:pPr marL="0" marR="0" lvl="0" indent="0" algn="ctr" defTabSz="914400" rtl="0" eaLnBrk="1" fontAlgn="auto" latinLnBrk="0" hangingPunct="1">
-              <a:lnSpc>
-                <a:spcPct val="60000"/>
-              </a:lnSpc>
-              <a:spcBef>
-                <a:spcPts val="1000"/>
-              </a:spcBef>
-              <a:spcAft>
-                <a:spcPts val="0"/>
-              </a:spcAft>
-              <a:buClrTx/>
-              <a:buSzTx/>
-              <a:buFont typeface="Arial" panose="020B0604020202020204" pitchFamily="34" charset="0"/>
-              <a:buNone/>
-              <a:tabLst/>
-              <a:defRPr/>
-            </a:pPr>
-            <a:endParaRPr kumimoji="0" lang="en-US" altLang="zh-TW" sz="100" b="0" i="1" u="none" strike="noStrike" kern="1200" cap="none" spc="0" normalizeH="0" baseline="0" noProof="0">
-              <a:ln>
-                <a:noFill/>
-              </a:ln>
-              <a:solidFill>
-                <a:srgbClr val="FFFFFF"/>
-              </a:solidFill>
-              <a:effectLst/>
-              <a:uLnTx/>
-              <a:uFillTx/>
-              <a:latin typeface="Times New Roman" panose="02020603050405020304" pitchFamily="18" charset="0"/>
-              <a:ea typeface="微軟正黑體 Light"/>
-              <a:cs typeface="Times New Roman" panose="02020603050405020304" pitchFamily="18" charset="0"/>
-            </a:endParaRPr>
-          </a:p>
-          <a:p>
-            <a:pPr marL="0" marR="0" lvl="0" indent="0" algn="ctr" defTabSz="914400" rtl="0" eaLnBrk="1" fontAlgn="auto" latinLnBrk="0" hangingPunct="1">
-              <a:lnSpc>
-                <a:spcPct val="60000"/>
-              </a:lnSpc>
-              <a:spcBef>
-                <a:spcPts val="1000"/>
-              </a:spcBef>
-              <a:spcAft>
-                <a:spcPts val="0"/>
-              </a:spcAft>
-              <a:buClrTx/>
-              <a:buSzTx/>
-              <a:buFont typeface="Arial" panose="020B0604020202020204" pitchFamily="34" charset="0"/>
-              <a:buNone/>
-              <a:tabLst/>
-              <a:defRPr/>
-            </a:pPr>
-            <a:r>
-              <a:rPr kumimoji="0" lang="en-US" altLang="zh-TW" sz="2000" b="0" i="1" u="none" strike="noStrike" kern="1200" cap="none" spc="0" normalizeH="0" baseline="0" noProof="0">
-                <a:ln>
-                  <a:noFill/>
-                </a:ln>
-                <a:solidFill>
-                  <a:srgbClr val="FFFFFF"/>
-                </a:solidFill>
-                <a:effectLst/>
-                <a:uLnTx/>
-                <a:uFillTx/>
-                <a:latin typeface="Times New Roman" panose="02020603050405020304" pitchFamily="18" charset="0"/>
-                <a:ea typeface="微軟正黑體 Light"/>
-                <a:cs typeface="Times New Roman" panose="02020603050405020304" pitchFamily="18" charset="0"/>
-              </a:rPr>
-              <a:t>GIT - the stupid content tracker</a:t>
-            </a:r>
-          </a:p>
-          <a:p>
-            <a:pPr marL="0" marR="0" lvl="0" indent="0" algn="ctr" defTabSz="914400" rtl="0" eaLnBrk="1" fontAlgn="auto" latinLnBrk="0" hangingPunct="1">
-              <a:lnSpc>
-                <a:spcPct val="60000"/>
-              </a:lnSpc>
-              <a:spcBef>
-                <a:spcPts val="1000"/>
-              </a:spcBef>
-              <a:spcAft>
-                <a:spcPts val="0"/>
-              </a:spcAft>
-              <a:buClrTx/>
-              <a:buSzTx/>
-              <a:buFont typeface="Arial" panose="020B0604020202020204" pitchFamily="34" charset="0"/>
-              <a:buNone/>
-              <a:tabLst/>
-              <a:defRPr/>
-            </a:pPr>
-            <a:endParaRPr kumimoji="0" lang="en-US" altLang="zh-TW" sz="2000" b="0" i="1" u="none" strike="noStrike" kern="1200" cap="none" spc="0" normalizeH="0" baseline="0" noProof="0">
-              <a:ln>
-                <a:noFill/>
-              </a:ln>
-              <a:solidFill>
-                <a:srgbClr val="FFFFFF"/>
-              </a:solidFill>
-              <a:effectLst/>
-              <a:uLnTx/>
-              <a:uFillTx/>
-              <a:latin typeface="Times New Roman" panose="02020603050405020304" pitchFamily="18" charset="0"/>
-              <a:ea typeface="微軟正黑體 Light"/>
-              <a:cs typeface="Times New Roman" panose="02020603050405020304" pitchFamily="18" charset="0"/>
-            </a:endParaRPr>
-          </a:p>
-          <a:p>
-            <a:pPr marL="0" marR="0" lvl="0" indent="0" algn="ctr" defTabSz="914400" rtl="0" eaLnBrk="1" fontAlgn="auto" latinLnBrk="0" hangingPunct="1">
-              <a:lnSpc>
-                <a:spcPct val="60000"/>
-              </a:lnSpc>
-              <a:spcBef>
-                <a:spcPts val="1000"/>
-              </a:spcBef>
-              <a:spcAft>
-                <a:spcPts val="0"/>
-              </a:spcAft>
-              <a:buClrTx/>
-              <a:buSzTx/>
-              <a:buFont typeface="Arial" panose="020B0604020202020204" pitchFamily="34" charset="0"/>
-              <a:buNone/>
-              <a:tabLst/>
-              <a:defRPr/>
-            </a:pPr>
-            <a:r>
-              <a:rPr kumimoji="0" lang="en-US" altLang="zh-TW" sz="2000" b="0" i="1" u="none" strike="noStrike" kern="1200" cap="none" spc="0" normalizeH="0" baseline="0" noProof="0">
-                <a:ln>
-                  <a:noFill/>
-                </a:ln>
-                <a:solidFill>
-                  <a:srgbClr val="FFFFFF"/>
-                </a:solidFill>
-                <a:effectLst/>
-                <a:uLnTx/>
-                <a:uFillTx/>
-                <a:latin typeface="Times New Roman" panose="02020603050405020304" pitchFamily="18" charset="0"/>
-                <a:ea typeface="微軟正黑體 Light"/>
-                <a:cs typeface="Times New Roman" panose="02020603050405020304" pitchFamily="18" charset="0"/>
-              </a:rPr>
-              <a:t>"git" can mean anything, depending on your mood.</a:t>
-            </a:r>
-          </a:p>
-          <a:p>
-            <a:pPr marL="0" marR="0" lvl="0" indent="0" algn="ctr" defTabSz="914400" rtl="0" eaLnBrk="1" fontAlgn="auto" latinLnBrk="0" hangingPunct="1">
-              <a:lnSpc>
-                <a:spcPct val="60000"/>
-              </a:lnSpc>
-              <a:spcBef>
-                <a:spcPts val="1000"/>
-              </a:spcBef>
-              <a:spcAft>
-                <a:spcPts val="0"/>
-              </a:spcAft>
-              <a:buClrTx/>
-              <a:buSzTx/>
-              <a:buFont typeface="Arial" panose="020B0604020202020204" pitchFamily="34" charset="0"/>
-              <a:buNone/>
-              <a:tabLst/>
-              <a:defRPr/>
-            </a:pPr>
-            <a:endParaRPr kumimoji="0" lang="en-US" altLang="zh-TW" sz="2000" b="0" i="1" u="none" strike="noStrike" kern="1200" cap="none" spc="0" normalizeH="0" baseline="0" noProof="0">
-              <a:ln>
-                <a:noFill/>
-              </a:ln>
-              <a:solidFill>
-                <a:srgbClr val="FFFFFF"/>
-              </a:solidFill>
-              <a:effectLst/>
-              <a:uLnTx/>
-              <a:uFillTx/>
-              <a:latin typeface="Times New Roman" panose="02020603050405020304" pitchFamily="18" charset="0"/>
-              <a:ea typeface="微軟正黑體 Light"/>
-              <a:cs typeface="Times New Roman" panose="02020603050405020304" pitchFamily="18" charset="0"/>
-            </a:endParaRPr>
-          </a:p>
-          <a:p>
-            <a:pPr marL="0" marR="0" lvl="0" indent="0" algn="ctr" defTabSz="914400" rtl="0" eaLnBrk="1" fontAlgn="auto" latinLnBrk="0" hangingPunct="1">
-              <a:lnSpc>
-                <a:spcPct val="60000"/>
-              </a:lnSpc>
-              <a:spcBef>
-                <a:spcPts val="1000"/>
-              </a:spcBef>
-              <a:spcAft>
-                <a:spcPts val="0"/>
-              </a:spcAft>
-              <a:buClrTx/>
-              <a:buSzTx/>
-              <a:buFont typeface="Arial" panose="020B0604020202020204" pitchFamily="34" charset="0"/>
-              <a:buNone/>
-              <a:tabLst/>
-              <a:defRPr/>
-            </a:pPr>
-            <a:r>
-              <a:rPr kumimoji="0" lang="en-US" altLang="zh-TW" sz="2000" b="0" i="1" u="none" strike="noStrike" kern="1200" cap="none" spc="0" normalizeH="0" baseline="0" noProof="0">
-                <a:ln>
-                  <a:noFill/>
-                </a:ln>
-                <a:solidFill>
-                  <a:srgbClr val="FFFFFF"/>
-                </a:solidFill>
-                <a:effectLst/>
-                <a:uLnTx/>
-                <a:uFillTx/>
-                <a:latin typeface="Times New Roman" panose="02020603050405020304" pitchFamily="18" charset="0"/>
-                <a:ea typeface="微軟正黑體 Light"/>
-                <a:cs typeface="Times New Roman" panose="02020603050405020304" pitchFamily="18" charset="0"/>
-              </a:rPr>
-              <a:t> - random three-letter combination that is pronounceable,</a:t>
-            </a:r>
-          </a:p>
-          <a:p>
-            <a:pPr marL="0" marR="0" lvl="0" indent="0" algn="ctr" defTabSz="914400" rtl="0" eaLnBrk="1" fontAlgn="auto" latinLnBrk="0" hangingPunct="1">
-              <a:lnSpc>
-                <a:spcPct val="60000"/>
-              </a:lnSpc>
-              <a:spcBef>
-                <a:spcPts val="1000"/>
-              </a:spcBef>
-              <a:spcAft>
-                <a:spcPts val="0"/>
-              </a:spcAft>
-              <a:buClrTx/>
-              <a:buSzTx/>
-              <a:buFont typeface="Arial" panose="020B0604020202020204" pitchFamily="34" charset="0"/>
-              <a:buNone/>
-              <a:tabLst/>
-              <a:defRPr/>
-            </a:pPr>
-            <a:r>
-              <a:rPr kumimoji="0" lang="en-US" altLang="zh-TW" sz="2000" b="0" i="1" u="none" strike="noStrike" kern="1200" cap="none" spc="0" normalizeH="0" baseline="0" noProof="0">
-                <a:ln>
-                  <a:noFill/>
-                </a:ln>
-                <a:solidFill>
-                  <a:srgbClr val="FFFFFF"/>
-                </a:solidFill>
-                <a:effectLst/>
-                <a:uLnTx/>
-                <a:uFillTx/>
-                <a:latin typeface="Times New Roman" panose="02020603050405020304" pitchFamily="18" charset="0"/>
-                <a:ea typeface="微軟正黑體 Light"/>
-                <a:cs typeface="Times New Roman" panose="02020603050405020304" pitchFamily="18" charset="0"/>
-              </a:rPr>
-              <a:t>and not</a:t>
-            </a:r>
-            <a:r>
-              <a:rPr kumimoji="0" lang="zh-TW" altLang="en-US" sz="2000" b="0" i="1" u="none" strike="noStrike" kern="1200" cap="none" spc="0" normalizeH="0" baseline="0" noProof="0">
-                <a:ln>
-                  <a:noFill/>
-                </a:ln>
-                <a:solidFill>
-                  <a:srgbClr val="FFFFFF"/>
-                </a:solidFill>
-                <a:effectLst/>
-                <a:uLnTx/>
-                <a:uFillTx/>
-                <a:latin typeface="Times New Roman" panose="02020603050405020304" pitchFamily="18" charset="0"/>
-                <a:ea typeface="微軟正黑體 Light"/>
-                <a:cs typeface="Times New Roman" panose="02020603050405020304" pitchFamily="18" charset="0"/>
-              </a:rPr>
-              <a:t> </a:t>
-            </a:r>
-            <a:r>
-              <a:rPr kumimoji="0" lang="en-US" altLang="zh-TW" sz="2000" b="0" i="1" u="none" strike="noStrike" kern="1200" cap="none" spc="0" normalizeH="0" baseline="0" noProof="0">
-                <a:ln>
-                  <a:noFill/>
-                </a:ln>
-                <a:solidFill>
-                  <a:srgbClr val="FFFFFF"/>
-                </a:solidFill>
-                <a:effectLst/>
-                <a:uLnTx/>
-                <a:uFillTx/>
-                <a:latin typeface="Times New Roman" panose="02020603050405020304" pitchFamily="18" charset="0"/>
-                <a:ea typeface="微軟正黑體 Light"/>
-                <a:cs typeface="Times New Roman" panose="02020603050405020304" pitchFamily="18" charset="0"/>
-              </a:rPr>
-              <a:t>actually used by any common UNIX command.</a:t>
-            </a:r>
-          </a:p>
-          <a:p>
-            <a:pPr marL="0" marR="0" lvl="0" indent="0" algn="ctr" defTabSz="914400" rtl="0" eaLnBrk="1" fontAlgn="auto" latinLnBrk="0" hangingPunct="1">
-              <a:lnSpc>
-                <a:spcPct val="60000"/>
-              </a:lnSpc>
-              <a:spcBef>
-                <a:spcPts val="1000"/>
-              </a:spcBef>
-              <a:spcAft>
-                <a:spcPts val="0"/>
-              </a:spcAft>
-              <a:buClrTx/>
-              <a:buSzTx/>
-              <a:buFont typeface="Arial" panose="020B0604020202020204" pitchFamily="34" charset="0"/>
-              <a:buNone/>
-              <a:tabLst/>
-              <a:defRPr/>
-            </a:pPr>
-            <a:r>
-              <a:rPr kumimoji="0" lang="en-US" altLang="zh-TW" sz="2000" b="0" i="1" u="none" strike="noStrike" kern="1200" cap="none" spc="0" normalizeH="0" baseline="0" noProof="0">
-                <a:ln>
-                  <a:noFill/>
-                </a:ln>
-                <a:solidFill>
-                  <a:srgbClr val="FFFFFF"/>
-                </a:solidFill>
-                <a:effectLst/>
-                <a:uLnTx/>
-                <a:uFillTx/>
-                <a:latin typeface="Times New Roman" panose="02020603050405020304" pitchFamily="18" charset="0"/>
-                <a:ea typeface="微軟正黑體 Light"/>
-                <a:cs typeface="Times New Roman" panose="02020603050405020304" pitchFamily="18" charset="0"/>
-              </a:rPr>
-              <a:t>The fact that it is a</a:t>
-            </a:r>
-            <a:r>
-              <a:rPr kumimoji="0" lang="zh-TW" altLang="en-US" sz="2000" b="0" i="1" u="none" strike="noStrike" kern="1200" cap="none" spc="0" normalizeH="0" baseline="0" noProof="0">
-                <a:ln>
-                  <a:noFill/>
-                </a:ln>
-                <a:solidFill>
-                  <a:srgbClr val="FFFFFF"/>
-                </a:solidFill>
-                <a:effectLst/>
-                <a:uLnTx/>
-                <a:uFillTx/>
-                <a:latin typeface="Times New Roman" panose="02020603050405020304" pitchFamily="18" charset="0"/>
-                <a:ea typeface="微軟正黑體 Light"/>
-                <a:cs typeface="Times New Roman" panose="02020603050405020304" pitchFamily="18" charset="0"/>
-              </a:rPr>
-              <a:t> </a:t>
-            </a:r>
-            <a:r>
-              <a:rPr kumimoji="0" lang="en-US" altLang="zh-TW" sz="2000" b="0" i="1" u="none" strike="noStrike" kern="1200" cap="none" spc="0" normalizeH="0" baseline="0" noProof="0">
-                <a:ln>
-                  <a:noFill/>
-                </a:ln>
-                <a:solidFill>
-                  <a:srgbClr val="FFFFFF"/>
-                </a:solidFill>
-                <a:effectLst/>
-                <a:uLnTx/>
-                <a:uFillTx/>
-                <a:latin typeface="Times New Roman" panose="02020603050405020304" pitchFamily="18" charset="0"/>
-                <a:ea typeface="微軟正黑體 Light"/>
-                <a:cs typeface="Times New Roman" panose="02020603050405020304" pitchFamily="18" charset="0"/>
-              </a:rPr>
-              <a:t>mispronounciation of "get" may or may not be relevant.</a:t>
-            </a:r>
-          </a:p>
-          <a:p>
-            <a:pPr marL="0" marR="0" lvl="0" indent="0" algn="ctr" defTabSz="914400" rtl="0" eaLnBrk="1" fontAlgn="auto" latinLnBrk="0" hangingPunct="1">
-              <a:lnSpc>
-                <a:spcPct val="60000"/>
-              </a:lnSpc>
-              <a:spcBef>
-                <a:spcPts val="1000"/>
-              </a:spcBef>
-              <a:spcAft>
-                <a:spcPts val="0"/>
-              </a:spcAft>
-              <a:buClrTx/>
-              <a:buSzTx/>
-              <a:buFont typeface="Arial" panose="020B0604020202020204" pitchFamily="34" charset="0"/>
-              <a:buNone/>
-              <a:tabLst/>
-              <a:defRPr/>
-            </a:pPr>
-            <a:r>
-              <a:rPr kumimoji="0" lang="en-US" altLang="zh-TW" sz="2000" b="0" i="1" u="none" strike="noStrike" kern="1200" cap="none" spc="0" normalizeH="0" baseline="0" noProof="0">
-                <a:ln>
-                  <a:noFill/>
-                </a:ln>
-                <a:solidFill>
-                  <a:srgbClr val="FFFFFF"/>
-                </a:solidFill>
-                <a:effectLst/>
-                <a:uLnTx/>
-                <a:uFillTx/>
-                <a:latin typeface="Times New Roman" panose="02020603050405020304" pitchFamily="18" charset="0"/>
-                <a:ea typeface="微軟正黑體 Light"/>
-                <a:cs typeface="Times New Roman" panose="02020603050405020304" pitchFamily="18" charset="0"/>
-              </a:rPr>
-              <a:t> - stupid. contemptible and despicable. simple. Take your pick from the dictionary of slang.</a:t>
-            </a:r>
-          </a:p>
-          <a:p>
-            <a:pPr marL="0" marR="0" lvl="0" indent="0" algn="ctr" defTabSz="914400" rtl="0" eaLnBrk="1" fontAlgn="auto" latinLnBrk="0" hangingPunct="1">
-              <a:lnSpc>
-                <a:spcPct val="60000"/>
-              </a:lnSpc>
-              <a:spcBef>
-                <a:spcPts val="1000"/>
-              </a:spcBef>
-              <a:spcAft>
-                <a:spcPts val="0"/>
-              </a:spcAft>
-              <a:buClrTx/>
-              <a:buSzTx/>
-              <a:buFont typeface="Arial" panose="020B0604020202020204" pitchFamily="34" charset="0"/>
-              <a:buNone/>
-              <a:tabLst/>
-              <a:defRPr/>
-            </a:pPr>
-            <a:r>
-              <a:rPr kumimoji="0" lang="en-US" altLang="zh-TW" sz="2000" b="0" i="1" u="none" strike="noStrike" kern="1200" cap="none" spc="0" normalizeH="0" baseline="0" noProof="0">
-                <a:ln>
-                  <a:noFill/>
-                </a:ln>
-                <a:solidFill>
-                  <a:srgbClr val="FFFFFF"/>
-                </a:solidFill>
-                <a:effectLst/>
-                <a:uLnTx/>
-                <a:uFillTx/>
-                <a:latin typeface="Times New Roman" panose="02020603050405020304" pitchFamily="18" charset="0"/>
-                <a:ea typeface="微軟正黑體 Light"/>
-                <a:cs typeface="Times New Roman" panose="02020603050405020304" pitchFamily="18" charset="0"/>
-              </a:rPr>
-              <a:t> - "global information tracker": you're in a good mood, and it actually works for you.</a:t>
-            </a:r>
-          </a:p>
-          <a:p>
-            <a:pPr marL="0" marR="0" lvl="0" indent="0" algn="ctr" defTabSz="914400" rtl="0" eaLnBrk="1" fontAlgn="auto" latinLnBrk="0" hangingPunct="1">
-              <a:lnSpc>
-                <a:spcPct val="60000"/>
-              </a:lnSpc>
-              <a:spcBef>
-                <a:spcPts val="1000"/>
-              </a:spcBef>
-              <a:spcAft>
-                <a:spcPts val="0"/>
-              </a:spcAft>
-              <a:buClrTx/>
-              <a:buSzTx/>
-              <a:buFont typeface="Arial" panose="020B0604020202020204" pitchFamily="34" charset="0"/>
-              <a:buNone/>
-              <a:tabLst/>
-              <a:defRPr/>
-            </a:pPr>
-            <a:r>
-              <a:rPr kumimoji="0" lang="en-US" altLang="zh-TW" sz="2000" b="0" i="1" u="none" strike="noStrike" kern="1200" cap="none" spc="0" normalizeH="0" baseline="0" noProof="0">
-                <a:ln>
-                  <a:noFill/>
-                </a:ln>
-                <a:solidFill>
-                  <a:srgbClr val="FFFFFF"/>
-                </a:solidFill>
-                <a:effectLst/>
-                <a:uLnTx/>
-                <a:uFillTx/>
-                <a:latin typeface="Times New Roman" panose="02020603050405020304" pitchFamily="18" charset="0"/>
-                <a:ea typeface="微軟正黑體 Light"/>
-                <a:cs typeface="Times New Roman" panose="02020603050405020304" pitchFamily="18" charset="0"/>
-              </a:rPr>
-              <a:t>Angels sing, and a light suddenly fills the room. </a:t>
-            </a:r>
-          </a:p>
-          <a:p>
-            <a:pPr marL="0" marR="0" lvl="0" indent="0" algn="ctr" defTabSz="914400" rtl="0" eaLnBrk="1" fontAlgn="auto" latinLnBrk="0" hangingPunct="1">
-              <a:lnSpc>
-                <a:spcPct val="60000"/>
-              </a:lnSpc>
-              <a:spcBef>
-                <a:spcPts val="1000"/>
-              </a:spcBef>
-              <a:spcAft>
-                <a:spcPts val="0"/>
-              </a:spcAft>
-              <a:buClrTx/>
-              <a:buSzTx/>
-              <a:buFont typeface="Arial" panose="020B0604020202020204" pitchFamily="34" charset="0"/>
-              <a:buNone/>
-              <a:tabLst/>
-              <a:defRPr/>
-            </a:pPr>
-            <a:r>
-              <a:rPr kumimoji="0" lang="en-US" altLang="zh-TW" sz="2000" b="0" i="1" u="none" strike="noStrike" kern="1200" cap="none" spc="0" normalizeH="0" baseline="0" noProof="0">
-                <a:ln>
-                  <a:noFill/>
-                </a:ln>
-                <a:solidFill>
-                  <a:srgbClr val="FFFFFF"/>
-                </a:solidFill>
-                <a:effectLst/>
-                <a:uLnTx/>
-                <a:uFillTx/>
-                <a:latin typeface="Times New Roman" panose="02020603050405020304" pitchFamily="18" charset="0"/>
-                <a:ea typeface="微軟正黑體 Light"/>
-                <a:cs typeface="Times New Roman" panose="02020603050405020304" pitchFamily="18" charset="0"/>
-              </a:rPr>
-              <a:t> - "goddamn idiotic truckload of sh*t": when it breaks</a:t>
-            </a:r>
-          </a:p>
-          <a:p>
-            <a:pPr marL="0" marR="0" lvl="0" indent="0" algn="ctr" defTabSz="914400" rtl="0" eaLnBrk="1" fontAlgn="auto" latinLnBrk="0" hangingPunct="1">
-              <a:lnSpc>
-                <a:spcPct val="60000"/>
-              </a:lnSpc>
-              <a:spcBef>
-                <a:spcPts val="1000"/>
-              </a:spcBef>
-              <a:spcAft>
-                <a:spcPts val="0"/>
-              </a:spcAft>
-              <a:buClrTx/>
-              <a:buSzTx/>
-              <a:buFont typeface="Arial" panose="020B0604020202020204" pitchFamily="34" charset="0"/>
-              <a:buNone/>
-              <a:tabLst/>
-              <a:defRPr/>
-            </a:pPr>
-            <a:endParaRPr kumimoji="0" lang="en-US" altLang="zh-TW" sz="2000" b="0" i="1" u="none" strike="noStrike" kern="1200" cap="none" spc="0" normalizeH="0" baseline="0" noProof="0">
-              <a:ln>
-                <a:noFill/>
-              </a:ln>
-              <a:solidFill>
-                <a:srgbClr val="FFFFFF"/>
-              </a:solidFill>
-              <a:effectLst/>
-              <a:uLnTx/>
-              <a:uFillTx/>
-              <a:latin typeface="Times New Roman" panose="02020603050405020304" pitchFamily="18" charset="0"/>
-              <a:ea typeface="微軟正黑體 Light"/>
-              <a:cs typeface="Times New Roman" panose="02020603050405020304" pitchFamily="18" charset="0"/>
-            </a:endParaRPr>
-          </a:p>
-          <a:p>
-            <a:pPr marL="0" marR="0" lvl="0" indent="0" algn="ctr" defTabSz="914400" rtl="0" eaLnBrk="1" fontAlgn="auto" latinLnBrk="0" hangingPunct="1">
-              <a:lnSpc>
-                <a:spcPct val="60000"/>
-              </a:lnSpc>
-              <a:spcBef>
-                <a:spcPts val="1000"/>
-              </a:spcBef>
-              <a:spcAft>
-                <a:spcPts val="0"/>
-              </a:spcAft>
-              <a:buClrTx/>
-              <a:buSzTx/>
-              <a:buFont typeface="Arial" panose="020B0604020202020204" pitchFamily="34" charset="0"/>
-              <a:buNone/>
-              <a:tabLst/>
-              <a:defRPr/>
-            </a:pPr>
-            <a:r>
-              <a:rPr kumimoji="0" lang="en-US" altLang="zh-TW" sz="2000" b="0" i="1" u="none" strike="noStrike" kern="1200" cap="none" spc="0" normalizeH="0" baseline="0" noProof="0">
-                <a:ln>
-                  <a:noFill/>
-                </a:ln>
-                <a:solidFill>
-                  <a:srgbClr val="FFFFFF"/>
-                </a:solidFill>
-                <a:effectLst/>
-                <a:uLnTx/>
-                <a:uFillTx/>
-                <a:latin typeface="Times New Roman" panose="02020603050405020304" pitchFamily="18" charset="0"/>
-                <a:ea typeface="微軟正黑體 Light"/>
-                <a:cs typeface="Times New Roman" panose="02020603050405020304" pitchFamily="18" charset="0"/>
-              </a:rPr>
-              <a:t>This is a stupid (but extremely fast) directory content manager.</a:t>
-            </a:r>
-          </a:p>
-          <a:p>
-            <a:pPr marL="0" marR="0" lvl="0" indent="0" algn="ctr" defTabSz="914400" rtl="0" eaLnBrk="1" fontAlgn="auto" latinLnBrk="0" hangingPunct="1">
-              <a:lnSpc>
-                <a:spcPct val="60000"/>
-              </a:lnSpc>
-              <a:spcBef>
-                <a:spcPts val="1000"/>
-              </a:spcBef>
-              <a:spcAft>
-                <a:spcPts val="0"/>
-              </a:spcAft>
-              <a:buClrTx/>
-              <a:buSzTx/>
-              <a:buFont typeface="Arial" panose="020B0604020202020204" pitchFamily="34" charset="0"/>
-              <a:buNone/>
-              <a:tabLst/>
-              <a:defRPr/>
-            </a:pPr>
-            <a:r>
-              <a:rPr kumimoji="0" lang="en-US" altLang="zh-TW" sz="2000" b="0" i="1" u="none" strike="noStrike" kern="1200" cap="none" spc="0" normalizeH="0" baseline="0" noProof="0">
-                <a:ln>
-                  <a:noFill/>
-                </a:ln>
-                <a:solidFill>
-                  <a:srgbClr val="FFFFFF"/>
-                </a:solidFill>
-                <a:effectLst/>
-                <a:uLnTx/>
-                <a:uFillTx/>
-                <a:latin typeface="Times New Roman" panose="02020603050405020304" pitchFamily="18" charset="0"/>
-                <a:ea typeface="微軟正黑體 Light"/>
-                <a:cs typeface="Times New Roman" panose="02020603050405020304" pitchFamily="18" charset="0"/>
-              </a:rPr>
-              <a:t>It doesn't do a whole lot, but what it _does_ do is track directory contents efficiently.</a:t>
-            </a:r>
-          </a:p>
-          <a:p>
-            <a:pPr marL="0" marR="0" lvl="0" indent="0" algn="r" defTabSz="914400" rtl="0" eaLnBrk="1" fontAlgn="auto" latinLnBrk="0" hangingPunct="1">
-              <a:lnSpc>
-                <a:spcPct val="60000"/>
-              </a:lnSpc>
-              <a:spcBef>
-                <a:spcPts val="1000"/>
-              </a:spcBef>
-              <a:spcAft>
-                <a:spcPts val="0"/>
-              </a:spcAft>
-              <a:buClrTx/>
-              <a:buSzTx/>
-              <a:buFont typeface="Arial" panose="020B0604020202020204" pitchFamily="34" charset="0"/>
-              <a:buNone/>
-              <a:tabLst/>
-              <a:defRPr/>
-            </a:pPr>
-            <a:r>
-              <a:rPr kumimoji="0" lang="en-US" altLang="zh-TW" sz="2000" b="0" u="none" strike="noStrike" kern="1200" cap="none" spc="0" normalizeH="0" baseline="0" noProof="0">
-                <a:ln>
-                  <a:noFill/>
-                </a:ln>
-                <a:solidFill>
-                  <a:srgbClr val="FFFFFF"/>
-                </a:solidFill>
-                <a:effectLst/>
-                <a:uLnTx/>
-                <a:uFillTx/>
-                <a:latin typeface="Times New Roman" panose="02020603050405020304" pitchFamily="18" charset="0"/>
-                <a:ea typeface="微軟正黑體 Light"/>
-                <a:cs typeface="Times New Roman" panose="02020603050405020304" pitchFamily="18" charset="0"/>
-              </a:rPr>
-              <a:t>-</a:t>
-            </a:r>
-            <a:r>
-              <a:rPr kumimoji="0" lang="zh-TW" altLang="en-US" sz="2000" b="0" u="none" strike="noStrike" kern="1200" cap="none" spc="0" normalizeH="0" baseline="0" noProof="0">
-                <a:ln>
-                  <a:noFill/>
-                </a:ln>
-                <a:solidFill>
-                  <a:srgbClr val="FFFFFF"/>
-                </a:solidFill>
-                <a:effectLst/>
-                <a:uLnTx/>
-                <a:uFillTx/>
-                <a:latin typeface="Times New Roman" panose="02020603050405020304" pitchFamily="18" charset="0"/>
-                <a:ea typeface="微軟正黑體 Light"/>
-                <a:cs typeface="Times New Roman" panose="02020603050405020304" pitchFamily="18" charset="0"/>
-              </a:rPr>
-              <a:t> </a:t>
-            </a:r>
-            <a:r>
-              <a:rPr kumimoji="0" lang="en-US" altLang="zh-TW" sz="2000" b="0" u="none" strike="noStrike" kern="1200" cap="none" spc="0" normalizeH="0" baseline="0" noProof="0">
-                <a:ln>
-                  <a:noFill/>
-                </a:ln>
-                <a:solidFill>
-                  <a:srgbClr val="FFFFFF"/>
-                </a:solidFill>
-                <a:effectLst/>
-                <a:uLnTx/>
-                <a:uFillTx/>
-                <a:latin typeface="Times New Roman" panose="02020603050405020304" pitchFamily="18" charset="0"/>
-                <a:ea typeface="微軟正黑體 Light"/>
-                <a:cs typeface="Times New Roman" panose="02020603050405020304" pitchFamily="18" charset="0"/>
-              </a:rPr>
-              <a:t>Linus Torvalds</a:t>
-            </a:r>
-          </a:p>
-        </p:txBody>
-      </p:sp>
-      <p:grpSp>
-        <p:nvGrpSpPr>
-          <p:cNvPr id="5" name="群組 4">
-            <a:extLst>
-              <a:ext uri="{FF2B5EF4-FFF2-40B4-BE49-F238E27FC236}">
-                <a16:creationId xmlns:a16="http://schemas.microsoft.com/office/drawing/2014/main" id="{2D03070A-B664-4559-A447-42880EBE0E79}"/>
-              </a:ext>
-            </a:extLst>
-          </p:cNvPr>
-          <p:cNvGrpSpPr/>
-          <p:nvPr/>
-        </p:nvGrpSpPr>
-        <p:grpSpPr>
-          <a:xfrm>
-            <a:off x="8377620" y="1038691"/>
-            <a:ext cx="2931355" cy="430305"/>
-            <a:chOff x="7570590" y="5784663"/>
-            <a:chExt cx="2931355" cy="430305"/>
-          </a:xfrm>
-        </p:grpSpPr>
-        <p:pic>
-          <p:nvPicPr>
-            <p:cNvPr id="6" name="圖片 5">
-              <a:hlinkClick r:id="rId2"/>
-              <a:extLst>
-                <a:ext uri="{FF2B5EF4-FFF2-40B4-BE49-F238E27FC236}">
-                  <a16:creationId xmlns:a16="http://schemas.microsoft.com/office/drawing/2014/main" id="{715F59A4-AB1D-4B57-913A-7356CB004A02}"/>
-                </a:ext>
-              </a:extLst>
-            </p:cNvPr>
-            <p:cNvPicPr>
-              <a:picLocks noChangeAspect="1"/>
-            </p:cNvPicPr>
-            <p:nvPr/>
-          </p:nvPicPr>
-          <p:blipFill>
-            <a:blip r:embed="rId3">
-              <a:extLst>
-                <a:ext uri="{28A0092B-C50C-407E-A947-70E740481C1C}">
-                  <a14:useLocalDpi xmlns:a14="http://schemas.microsoft.com/office/drawing/2010/main" val="0"/>
-                </a:ext>
-              </a:extLst>
-            </a:blip>
-            <a:stretch>
-              <a:fillRect/>
-            </a:stretch>
-          </p:blipFill>
-          <p:spPr>
-            <a:xfrm>
-              <a:off x="7570590" y="5784663"/>
-              <a:ext cx="430305" cy="430305"/>
-            </a:xfrm>
-            <a:prstGeom prst="rect">
-              <a:avLst/>
-            </a:prstGeom>
-          </p:spPr>
-        </p:pic>
-        <p:sp>
-          <p:nvSpPr>
-            <p:cNvPr id="7" name="文字方塊 6">
-              <a:extLst>
-                <a:ext uri="{FF2B5EF4-FFF2-40B4-BE49-F238E27FC236}">
-                  <a16:creationId xmlns:a16="http://schemas.microsoft.com/office/drawing/2014/main" id="{507BF9F4-A354-41CE-B2BB-589DF0884414}"/>
-                </a:ext>
-              </a:extLst>
-            </p:cNvPr>
-            <p:cNvSpPr txBox="1"/>
-            <p:nvPr/>
-          </p:nvSpPr>
-          <p:spPr>
-            <a:xfrm>
-              <a:off x="8000895" y="5815149"/>
-              <a:ext cx="2501050" cy="369332"/>
-            </a:xfrm>
-            <a:prstGeom prst="rect">
-              <a:avLst/>
-            </a:prstGeom>
-            <a:noFill/>
-          </p:spPr>
-          <p:txBody>
-            <a:bodyPr wrap="square" rtlCol="0">
-              <a:spAutoFit/>
-            </a:bodyPr>
-            <a:lstStyle/>
-            <a:p>
-              <a:pPr algn="ctr"/>
-              <a:r>
-                <a:rPr lang="en-US" altLang="zh-TW"/>
-                <a:t>Git </a:t>
-              </a:r>
-              <a:r>
-                <a:rPr lang="zh-TW" altLang="en-US"/>
-                <a:t>的第一版 </a:t>
-              </a:r>
-              <a:r>
-                <a:rPr lang="en-US" altLang="zh-TW"/>
-                <a:t>README</a:t>
-              </a:r>
-              <a:endParaRPr lang="zh-TW" altLang="en-US"/>
-            </a:p>
-          </p:txBody>
-        </p:sp>
-      </p:grpSp>
-    </p:spTree>
-    <p:extLst>
-      <p:ext uri="{BB962C8B-B14F-4D97-AF65-F5344CB8AC3E}">
-        <p14:creationId xmlns:p14="http://schemas.microsoft.com/office/powerpoint/2010/main" val="16665829"/>
-      </p:ext>
-    </p:extLst>
-  </p:cSld>
-  <p:clrMapOvr>
-    <a:masterClrMapping/>
-  </p:clrMapOvr>
-  <p:transition spd="slow">
-    <p:push dir="u"/>
-  </p:transition>
-</p:sld>
-</file>
-
-<file path=ppt/slides/slide30.xml><?xml version="1.0" encoding="utf-8"?>
+<file path=ppt/slides/slide31.xml><?xml version="1.0" encoding="utf-8"?>
 <p:sld xmlns:a="http://schemas.openxmlformats.org/drawingml/2006/main" xmlns:r="http://schemas.openxmlformats.org/officeDocument/2006/relationships" xmlns:p="http://schemas.openxmlformats.org/presentationml/2006/main">
   <p:cSld>
     <p:spTree>
@@ -20504,7 +21321,7 @@
 </p:sld>
 </file>
 
-<file path=ppt/slides/slide31.xml><?xml version="1.0" encoding="utf-8"?>
+<file path=ppt/slides/slide32.xml><?xml version="1.0" encoding="utf-8"?>
 <p:sld xmlns:a="http://schemas.openxmlformats.org/drawingml/2006/main" xmlns:r="http://schemas.openxmlformats.org/officeDocument/2006/relationships" xmlns:p="http://schemas.openxmlformats.org/presentationml/2006/main">
   <p:cSld>
     <p:spTree>
@@ -20600,7 +21417,7 @@
 </p:sld>
 </file>
 
-<file path=ppt/slides/slide32.xml><?xml version="1.0" encoding="utf-8"?>
+<file path=ppt/slides/slide33.xml><?xml version="1.0" encoding="utf-8"?>
 <p:sld xmlns:a="http://schemas.openxmlformats.org/drawingml/2006/main" xmlns:r="http://schemas.openxmlformats.org/officeDocument/2006/relationships" xmlns:p="http://schemas.openxmlformats.org/presentationml/2006/main">
   <p:cSld>
     <p:spTree>
@@ -21391,7 +22208,7 @@
 </p:sld>
 </file>
 
-<file path=ppt/slides/slide33.xml><?xml version="1.0" encoding="utf-8"?>
+<file path=ppt/slides/slide34.xml><?xml version="1.0" encoding="utf-8"?>
 <p:sld xmlns:a="http://schemas.openxmlformats.org/drawingml/2006/main" xmlns:r="http://schemas.openxmlformats.org/officeDocument/2006/relationships" xmlns:p="http://schemas.openxmlformats.org/presentationml/2006/main">
   <p:cSld>
     <p:spTree>
@@ -21627,7 +22444,7 @@
 </p:sld>
 </file>
 
-<file path=ppt/slides/slide34.xml><?xml version="1.0" encoding="utf-8"?>
+<file path=ppt/slides/slide35.xml><?xml version="1.0" encoding="utf-8"?>
 <p:sld xmlns:a="http://schemas.openxmlformats.org/drawingml/2006/main" xmlns:r="http://schemas.openxmlformats.org/officeDocument/2006/relationships" xmlns:p="http://schemas.openxmlformats.org/presentationml/2006/main">
   <p:cSld>
     <p:spTree>
@@ -22897,7 +23714,7 @@
 </p:sld>
 </file>
 
-<file path=ppt/slides/slide35.xml><?xml version="1.0" encoding="utf-8"?>
+<file path=ppt/slides/slide36.xml><?xml version="1.0" encoding="utf-8"?>
 <p:sld xmlns:a="http://schemas.openxmlformats.org/drawingml/2006/main" xmlns:r="http://schemas.openxmlformats.org/officeDocument/2006/relationships" xmlns:p="http://schemas.openxmlformats.org/presentationml/2006/main">
   <p:cSld>
     <p:spTree>
@@ -23067,7 +23884,7 @@
 </p:sld>
 </file>
 
-<file path=ppt/slides/slide36.xml><?xml version="1.0" encoding="utf-8"?>
+<file path=ppt/slides/slide37.xml><?xml version="1.0" encoding="utf-8"?>
 <p:sld xmlns:a="http://schemas.openxmlformats.org/drawingml/2006/main" xmlns:r="http://schemas.openxmlformats.org/officeDocument/2006/relationships" xmlns:p="http://schemas.openxmlformats.org/presentationml/2006/main">
   <p:cSld>
     <p:spTree>
@@ -23621,7 +24438,7 @@
 </p:sld>
 </file>
 
-<file path=ppt/slides/slide37.xml><?xml version="1.0" encoding="utf-8"?>
+<file path=ppt/slides/slide38.xml><?xml version="1.0" encoding="utf-8"?>
 <p:sld xmlns:a="http://schemas.openxmlformats.org/drawingml/2006/main" xmlns:r="http://schemas.openxmlformats.org/officeDocument/2006/relationships" xmlns:p="http://schemas.openxmlformats.org/presentationml/2006/main">
   <p:cSld>
     <p:spTree>
@@ -24172,7 +24989,7 @@
 </p:sld>
 </file>
 
-<file path=ppt/slides/slide38.xml><?xml version="1.0" encoding="utf-8"?>
+<file path=ppt/slides/slide39.xml><?xml version="1.0" encoding="utf-8"?>
 <p:sld xmlns:a="http://schemas.openxmlformats.org/drawingml/2006/main" xmlns:r="http://schemas.openxmlformats.org/officeDocument/2006/relationships" xmlns:p="http://schemas.openxmlformats.org/presentationml/2006/main">
   <p:cSld>
     <p:spTree>
@@ -24308,7 +25125,430 @@
 </p:sld>
 </file>
 
-<file path=ppt/slides/slide39.xml><?xml version="1.0" encoding="utf-8"?>
+<file path=ppt/slides/slide4.xml><?xml version="1.0" encoding="utf-8"?>
+<p:sld xmlns:a="http://schemas.openxmlformats.org/drawingml/2006/main" xmlns:r="http://schemas.openxmlformats.org/officeDocument/2006/relationships" xmlns:p="http://schemas.openxmlformats.org/presentationml/2006/main">
+  <p:cSld>
+    <p:spTree>
+      <p:nvGrpSpPr>
+        <p:cNvPr id="1" name=""/>
+        <p:cNvGrpSpPr/>
+        <p:nvPr/>
+      </p:nvGrpSpPr>
+      <p:grpSpPr>
+        <a:xfrm>
+          <a:off x="0" y="0"/>
+          <a:ext cx="0" cy="0"/>
+          <a:chOff x="0" y="0"/>
+          <a:chExt cx="0" cy="0"/>
+        </a:xfrm>
+      </p:grpSpPr>
+      <p:sp>
+        <p:nvSpPr>
+          <p:cNvPr id="2" name="標題 1">
+            <a:extLst>
+              <a:ext uri="{FF2B5EF4-FFF2-40B4-BE49-F238E27FC236}">
+                <a16:creationId xmlns:a16="http://schemas.microsoft.com/office/drawing/2014/main" id="{F9B2464C-E0D2-4805-A702-8DF1EC7C988E}"/>
+              </a:ext>
+            </a:extLst>
+          </p:cNvPr>
+          <p:cNvSpPr>
+            <a:spLocks noGrp="1"/>
+          </p:cNvSpPr>
+          <p:nvPr>
+            <p:ph type="title"/>
+          </p:nvPr>
+        </p:nvSpPr>
+        <p:spPr/>
+        <p:txBody>
+          <a:bodyPr/>
+          <a:lstStyle/>
+          <a:p>
+            <a:r>
+              <a:rPr lang="en-US" altLang="zh-TW"/>
+              <a:t>Github </a:t>
+            </a:r>
+            <a:endParaRPr lang="zh-TW" altLang="en-US"/>
+          </a:p>
+        </p:txBody>
+      </p:sp>
+      <p:sp>
+        <p:nvSpPr>
+          <p:cNvPr id="3" name="內容版面配置區 2">
+            <a:extLst>
+              <a:ext uri="{FF2B5EF4-FFF2-40B4-BE49-F238E27FC236}">
+                <a16:creationId xmlns:a16="http://schemas.microsoft.com/office/drawing/2014/main" id="{160B3F3F-8A31-4551-B156-1B7D9A55B224}"/>
+              </a:ext>
+            </a:extLst>
+          </p:cNvPr>
+          <p:cNvSpPr>
+            <a:spLocks noGrp="1"/>
+          </p:cNvSpPr>
+          <p:nvPr>
+            <p:ph idx="1"/>
+          </p:nvPr>
+        </p:nvSpPr>
+        <p:spPr/>
+        <p:txBody>
+          <a:bodyPr>
+            <a:normAutofit/>
+          </a:bodyPr>
+          <a:lstStyle/>
+          <a:p>
+            <a:r>
+              <a:rPr lang="zh-TW" altLang="en-US"/>
+              <a:t>使用 </a:t>
+            </a:r>
+            <a:r>
+              <a:rPr lang="en-US" altLang="zh-TW">
+                <a:solidFill>
+                  <a:srgbClr val="00B0F0"/>
+                </a:solidFill>
+              </a:rPr>
+              <a:t>Git</a:t>
+            </a:r>
+            <a:r>
+              <a:rPr lang="en-US" altLang="zh-TW"/>
+              <a:t> </a:t>
+            </a:r>
+            <a:r>
+              <a:rPr lang="zh-TW" altLang="en-US"/>
+              <a:t>時，需要有地方可以存放檔案</a:t>
+            </a:r>
+            <a:endParaRPr lang="en-US" altLang="zh-TW"/>
+          </a:p>
+          <a:p>
+            <a:r>
+              <a:rPr lang="zh-TW" altLang="en-US"/>
+              <a:t>而當今最常見的就是 </a:t>
+            </a:r>
+            <a:r>
+              <a:rPr lang="en-US" altLang="zh-TW">
+                <a:solidFill>
+                  <a:srgbClr val="00B0F0"/>
+                </a:solidFill>
+              </a:rPr>
+              <a:t>Github</a:t>
+            </a:r>
+            <a:r>
+              <a:rPr lang="zh-TW" altLang="en-US"/>
+              <a:t>，網站為 </a:t>
+            </a:r>
+            <a:r>
+              <a:rPr lang="en-US" altLang="zh-TW">
+                <a:solidFill>
+                  <a:srgbClr val="FFC000"/>
+                </a:solidFill>
+                <a:hlinkClick r:id="rId2">
+                  <a:extLst>
+                    <a:ext uri="{A12FA001-AC4F-418D-AE19-62706E023703}">
+                      <ahyp:hlinkClr xmlns:ahyp="http://schemas.microsoft.com/office/drawing/2018/hyperlinkcolor" val="tx"/>
+                    </a:ext>
+                  </a:extLst>
+                </a:hlinkClick>
+              </a:rPr>
+              <a:t>https://github.com</a:t>
+            </a:r>
+            <a:endParaRPr lang="en-US" altLang="zh-TW">
+              <a:solidFill>
+                <a:srgbClr val="FFC000"/>
+              </a:solidFill>
+            </a:endParaRPr>
+          </a:p>
+          <a:p>
+            <a:r>
+              <a:rPr lang="en-US" altLang="zh-TW">
+                <a:solidFill>
+                  <a:srgbClr val="00B0F0"/>
+                </a:solidFill>
+              </a:rPr>
+              <a:t>Github</a:t>
+            </a:r>
+            <a:r>
+              <a:rPr lang="en-US" altLang="zh-TW"/>
+              <a:t> </a:t>
+            </a:r>
+            <a:r>
+              <a:rPr lang="zh-TW" altLang="en-US"/>
+              <a:t>除了提供</a:t>
+            </a:r>
+            <a:r>
+              <a:rPr lang="zh-TW" altLang="en-US">
+                <a:solidFill>
+                  <a:srgbClr val="00B0F0"/>
+                </a:solidFill>
+              </a:rPr>
+              <a:t>數據庫</a:t>
+            </a:r>
+            <a:r>
+              <a:rPr lang="en-US" altLang="zh-TW">
+                <a:solidFill>
+                  <a:srgbClr val="00B0F0"/>
+                </a:solidFill>
+              </a:rPr>
+              <a:t>(repository</a:t>
+            </a:r>
+            <a:r>
+              <a:rPr lang="zh-TW" altLang="en-US">
+                <a:solidFill>
+                  <a:srgbClr val="00B0F0"/>
+                </a:solidFill>
+              </a:rPr>
+              <a:t>，簡稱 </a:t>
+            </a:r>
+            <a:r>
+              <a:rPr lang="en-US" altLang="zh-TW">
+                <a:solidFill>
+                  <a:srgbClr val="00B0F0"/>
+                </a:solidFill>
+              </a:rPr>
+              <a:t>repo)</a:t>
+            </a:r>
+            <a:r>
+              <a:rPr lang="zh-TW" altLang="en-US"/>
+              <a:t>供檔案存取</a:t>
+            </a:r>
+            <a:endParaRPr lang="en-US" altLang="zh-TW"/>
+          </a:p>
+          <a:p>
+            <a:r>
+              <a:rPr lang="zh-TW" altLang="en-US"/>
+              <a:t>還提供了</a:t>
+            </a:r>
+            <a:r>
+              <a:rPr lang="zh-TW" altLang="en-US">
+                <a:solidFill>
+                  <a:srgbClr val="00B0F0"/>
+                </a:solidFill>
+              </a:rPr>
+              <a:t>問題</a:t>
+            </a:r>
+            <a:r>
+              <a:rPr lang="en-US" altLang="zh-TW">
+                <a:solidFill>
+                  <a:srgbClr val="00B0F0"/>
+                </a:solidFill>
+              </a:rPr>
+              <a:t>(issue)</a:t>
+            </a:r>
+            <a:r>
+              <a:rPr lang="zh-TW" altLang="en-US"/>
+              <a:t>、</a:t>
+            </a:r>
+            <a:r>
+              <a:rPr lang="zh-TW" altLang="en-US">
+                <a:solidFill>
+                  <a:srgbClr val="00B0F0"/>
+                </a:solidFill>
+              </a:rPr>
+              <a:t>動作</a:t>
+            </a:r>
+            <a:r>
+              <a:rPr lang="en-US" altLang="zh-TW">
+                <a:solidFill>
+                  <a:srgbClr val="00B0F0"/>
+                </a:solidFill>
+              </a:rPr>
+              <a:t>(action)</a:t>
+            </a:r>
+            <a:r>
+              <a:rPr lang="zh-TW" altLang="en-US"/>
+              <a:t>、</a:t>
+            </a:r>
+            <a:r>
+              <a:rPr lang="zh-TW" altLang="en-US">
+                <a:solidFill>
+                  <a:srgbClr val="00B0F0"/>
+                </a:solidFill>
+              </a:rPr>
+              <a:t>維基</a:t>
+            </a:r>
+            <a:r>
+              <a:rPr lang="en-US" altLang="zh-TW">
+                <a:solidFill>
+                  <a:srgbClr val="00B0F0"/>
+                </a:solidFill>
+              </a:rPr>
+              <a:t>(wiki)</a:t>
+            </a:r>
+          </a:p>
+          <a:p>
+            <a:r>
+              <a:rPr lang="zh-TW" altLang="en-US">
+                <a:solidFill>
+                  <a:srgbClr val="00B0F0"/>
+                </a:solidFill>
+              </a:rPr>
+              <a:t>分叉</a:t>
+            </a:r>
+            <a:r>
+              <a:rPr lang="en-US" altLang="zh-TW">
+                <a:solidFill>
+                  <a:srgbClr val="00B0F0"/>
+                </a:solidFill>
+              </a:rPr>
+              <a:t>(fork)</a:t>
+            </a:r>
+            <a:r>
+              <a:rPr lang="zh-TW" altLang="en-US"/>
+              <a:t>、</a:t>
+            </a:r>
+            <a:r>
+              <a:rPr lang="zh-TW" altLang="en-US">
+                <a:solidFill>
+                  <a:srgbClr val="00B0F0"/>
+                </a:solidFill>
+              </a:rPr>
+              <a:t>拉取請求</a:t>
+            </a:r>
+            <a:r>
+              <a:rPr lang="en-US" altLang="zh-TW">
+                <a:solidFill>
+                  <a:srgbClr val="00B0F0"/>
+                </a:solidFill>
+              </a:rPr>
+              <a:t>(pull request</a:t>
+            </a:r>
+            <a:r>
+              <a:rPr lang="zh-TW" altLang="en-US">
+                <a:solidFill>
+                  <a:srgbClr val="00B0F0"/>
+                </a:solidFill>
+              </a:rPr>
+              <a:t>，簡稱 </a:t>
+            </a:r>
+            <a:r>
+              <a:rPr lang="en-US" altLang="zh-TW">
+                <a:solidFill>
+                  <a:srgbClr val="00B0F0"/>
+                </a:solidFill>
+              </a:rPr>
+              <a:t>PR)</a:t>
+            </a:r>
+            <a:r>
+              <a:rPr lang="zh-TW" altLang="en-US"/>
+              <a:t>等服務</a:t>
+            </a:r>
+            <a:endParaRPr lang="en-US" altLang="zh-TW"/>
+          </a:p>
+          <a:p>
+            <a:r>
+              <a:rPr lang="zh-TW" altLang="en-US"/>
+              <a:t>使用</a:t>
+            </a:r>
+            <a:r>
+              <a:rPr lang="zh-TW" altLang="en-US">
+                <a:solidFill>
+                  <a:srgbClr val="00B0F0"/>
+                </a:solidFill>
+              </a:rPr>
+              <a:t> </a:t>
+            </a:r>
+            <a:r>
+              <a:rPr lang="en-US" altLang="zh-TW">
+                <a:solidFill>
+                  <a:srgbClr val="00B0F0"/>
+                </a:solidFill>
+              </a:rPr>
+              <a:t>Github </a:t>
+            </a:r>
+            <a:r>
+              <a:rPr lang="zh-TW" altLang="en-US"/>
+              <a:t>相比直接使用 </a:t>
+            </a:r>
+            <a:r>
+              <a:rPr lang="en-US" altLang="zh-TW">
+                <a:solidFill>
+                  <a:srgbClr val="00B0F0"/>
+                </a:solidFill>
+              </a:rPr>
+              <a:t>Git</a:t>
+            </a:r>
+          </a:p>
+          <a:p>
+            <a:r>
+              <a:rPr lang="zh-TW" altLang="en-US"/>
+              <a:t>更著重在一個網路上的第三者參與或</a:t>
+            </a:r>
+            <a:r>
+              <a:rPr lang="zh-TW" altLang="en-US">
+                <a:solidFill>
+                  <a:srgbClr val="FFC000"/>
+                </a:solidFill>
+              </a:rPr>
+              <a:t>貢獻</a:t>
+            </a:r>
+            <a:r>
+              <a:rPr lang="en-US" altLang="zh-TW">
+                <a:solidFill>
+                  <a:srgbClr val="FFC000"/>
+                </a:solidFill>
+              </a:rPr>
+              <a:t>(contribute)</a:t>
+            </a:r>
+            <a:r>
+              <a:rPr lang="zh-TW" altLang="en-US"/>
+              <a:t>該</a:t>
+            </a:r>
+            <a:r>
+              <a:rPr lang="zh-TW" altLang="en-US">
+                <a:solidFill>
+                  <a:srgbClr val="00B0F0"/>
+                </a:solidFill>
+              </a:rPr>
+              <a:t>數據庫</a:t>
+            </a:r>
+            <a:endParaRPr lang="en-US" altLang="zh-TW">
+              <a:solidFill>
+                <a:srgbClr val="00B0F0"/>
+              </a:solidFill>
+            </a:endParaRPr>
+          </a:p>
+          <a:p>
+            <a:r>
+              <a:rPr lang="zh-TW" altLang="en-US"/>
+              <a:t>而</a:t>
+            </a:r>
+            <a:r>
+              <a:rPr lang="zh-TW" altLang="en-US">
+                <a:solidFill>
+                  <a:srgbClr val="00B0F0"/>
+                </a:solidFill>
+              </a:rPr>
+              <a:t>數據庫擁有者</a:t>
+            </a:r>
+            <a:r>
+              <a:rPr lang="en-US" altLang="zh-TW">
+                <a:solidFill>
+                  <a:srgbClr val="00B0F0"/>
+                </a:solidFill>
+              </a:rPr>
+              <a:t>(owner)</a:t>
+            </a:r>
+            <a:r>
+              <a:rPr lang="zh-TW" altLang="en-US"/>
+              <a:t>則可以很方便的管理他人貢獻</a:t>
+            </a:r>
+            <a:endParaRPr lang="en-US" altLang="zh-TW"/>
+          </a:p>
+        </p:txBody>
+      </p:sp>
+    </p:spTree>
+    <p:extLst>
+      <p:ext uri="{BB962C8B-B14F-4D97-AF65-F5344CB8AC3E}">
+        <p14:creationId xmlns:p14="http://schemas.microsoft.com/office/powerpoint/2010/main" val="385820846"/>
+      </p:ext>
+    </p:extLst>
+  </p:cSld>
+  <p:clrMapOvr>
+    <a:masterClrMapping/>
+  </p:clrMapOvr>
+  <p:transition spd="slow">
+    <p:push dir="u"/>
+  </p:transition>
+</p:sld>
+</file>
+
+<file path=ppt/slides/slide40.xml><?xml version="1.0" encoding="utf-8"?>
 <p:sld xmlns:a="http://schemas.openxmlformats.org/drawingml/2006/main" xmlns:r="http://schemas.openxmlformats.org/officeDocument/2006/relationships" xmlns:p="http://schemas.openxmlformats.org/presentationml/2006/main">
   <p:cSld>
     <p:spTree>
@@ -24680,7 +25920,7 @@
 </p:sld>
 </file>
 
-<file path=ppt/slides/slide4.xml><?xml version="1.0" encoding="utf-8"?>
+<file path=ppt/slides/slide41.xml><?xml version="1.0" encoding="utf-8"?>
 <p:sld xmlns:a="http://schemas.openxmlformats.org/drawingml/2006/main" xmlns:r="http://schemas.openxmlformats.org/officeDocument/2006/relationships" xmlns:p="http://schemas.openxmlformats.org/presentationml/2006/main">
   <p:cSld>
     <p:spTree>
@@ -24702,7 +25942,7 @@
           <p:cNvPr id="2" name="標題 1">
             <a:extLst>
               <a:ext uri="{FF2B5EF4-FFF2-40B4-BE49-F238E27FC236}">
-                <a16:creationId xmlns:a16="http://schemas.microsoft.com/office/drawing/2014/main" id="{F9B2464C-E0D2-4805-A702-8DF1EC7C988E}"/>
+                <a16:creationId xmlns:a16="http://schemas.microsoft.com/office/drawing/2014/main" id="{8D595A62-1643-4157-87D6-147305AA7BFE}"/>
               </a:ext>
             </a:extLst>
           </p:cNvPr>
@@ -24720,7 +25960,7 @@
           <a:p>
             <a:r>
               <a:rPr lang="en-US" altLang="zh-TW"/>
-              <a:t>Github </a:t>
+              <a:t>.gitignore</a:t>
             </a:r>
             <a:endParaRPr lang="zh-TW" altLang="en-US"/>
           </a:p>
@@ -24731,7 +25971,7 @@
           <p:cNvPr id="3" name="內容版面配置區 2">
             <a:extLst>
               <a:ext uri="{FF2B5EF4-FFF2-40B4-BE49-F238E27FC236}">
-                <a16:creationId xmlns:a16="http://schemas.microsoft.com/office/drawing/2014/main" id="{160B3F3F-8A31-4551-B156-1B7D9A55B224}"/>
+                <a16:creationId xmlns:a16="http://schemas.microsoft.com/office/drawing/2014/main" id="{9652F665-4683-4C9F-BD2C-902F6DE2B844}"/>
               </a:ext>
             </a:extLst>
           </p:cNvPr>
@@ -24742,89 +25982,19 @@
             <p:ph idx="1"/>
           </p:nvPr>
         </p:nvSpPr>
-        <p:spPr/>
+        <p:spPr>
+          <a:xfrm>
+            <a:off x="838200" y="2063515"/>
+            <a:ext cx="10515600" cy="3730704"/>
+          </a:xfrm>
+        </p:spPr>
         <p:txBody>
-          <a:bodyPr>
-            <a:normAutofit/>
-          </a:bodyPr>
+          <a:bodyPr/>
           <a:lstStyle/>
           <a:p>
             <a:r>
               <a:rPr lang="zh-TW" altLang="en-US"/>
-              <a:t>使用 </a:t>
-            </a:r>
-            <a:r>
-              <a:rPr lang="en-US" altLang="zh-TW">
-                <a:solidFill>
-                  <a:srgbClr val="00B0F0"/>
-                </a:solidFill>
-              </a:rPr>
-              <a:t>Git</a:t>
-            </a:r>
-            <a:r>
-              <a:rPr lang="en-US" altLang="zh-TW"/>
-              <a:t> </a:t>
-            </a:r>
-            <a:r>
-              <a:rPr lang="zh-TW" altLang="en-US"/>
-              <a:t>時，需要有地方可以存放檔案</a:t>
-            </a:r>
-            <a:endParaRPr lang="en-US" altLang="zh-TW"/>
-          </a:p>
-          <a:p>
-            <a:r>
-              <a:rPr lang="zh-TW" altLang="en-US"/>
-              <a:t>而當今最常見的就是 </a:t>
-            </a:r>
-            <a:r>
-              <a:rPr lang="en-US" altLang="zh-TW">
-                <a:solidFill>
-                  <a:srgbClr val="00B0F0"/>
-                </a:solidFill>
-              </a:rPr>
-              <a:t>Github</a:t>
-            </a:r>
-            <a:r>
-              <a:rPr lang="zh-TW" altLang="en-US"/>
-              <a:t>，網站為 </a:t>
-            </a:r>
-            <a:r>
-              <a:rPr lang="en-US" altLang="zh-TW">
-                <a:solidFill>
-                  <a:srgbClr val="FFC000"/>
-                </a:solidFill>
-                <a:hlinkClick r:id="rId2">
-                  <a:extLst>
-                    <a:ext uri="{A12FA001-AC4F-418D-AE19-62706E023703}">
-                      <ahyp:hlinkClr xmlns:ahyp="http://schemas.microsoft.com/office/drawing/2018/hyperlinkcolor" val="tx"/>
-                    </a:ext>
-                  </a:extLst>
-                </a:hlinkClick>
-              </a:rPr>
-              <a:t>https://github.com</a:t>
-            </a:r>
-            <a:endParaRPr lang="en-US" altLang="zh-TW">
-              <a:solidFill>
-                <a:srgbClr val="FFC000"/>
-              </a:solidFill>
-            </a:endParaRPr>
-          </a:p>
-          <a:p>
-            <a:r>
-              <a:rPr lang="en-US" altLang="zh-TW">
-                <a:solidFill>
-                  <a:srgbClr val="00B0F0"/>
-                </a:solidFill>
-              </a:rPr>
-              <a:t>Github</a:t>
-            </a:r>
-            <a:r>
-              <a:rPr lang="en-US" altLang="zh-TW"/>
-              <a:t> </a:t>
-            </a:r>
-            <a:r>
-              <a:rPr lang="zh-TW" altLang="en-US"/>
-              <a:t>除了提供</a:t>
+              <a:t>若有些檔案只想留在</a:t>
             </a:r>
             <a:r>
               <a:rPr lang="zh-TW" altLang="en-US">
@@ -24832,225 +26002,7 @@
                   <a:srgbClr val="00B0F0"/>
                 </a:solidFill>
               </a:rPr>
-              <a:t>數據庫</a:t>
-            </a:r>
-            <a:r>
-              <a:rPr lang="en-US" altLang="zh-TW">
-                <a:solidFill>
-                  <a:srgbClr val="00B0F0"/>
-                </a:solidFill>
-              </a:rPr>
-              <a:t>(repository</a:t>
-            </a:r>
-            <a:r>
-              <a:rPr lang="zh-TW" altLang="en-US">
-                <a:solidFill>
-                  <a:srgbClr val="00B0F0"/>
-                </a:solidFill>
-              </a:rPr>
-              <a:t>，簡稱 </a:t>
-            </a:r>
-            <a:r>
-              <a:rPr lang="en-US" altLang="zh-TW">
-                <a:solidFill>
-                  <a:srgbClr val="00B0F0"/>
-                </a:solidFill>
-              </a:rPr>
-              <a:t>repo)</a:t>
-            </a:r>
-            <a:r>
-              <a:rPr lang="zh-TW" altLang="en-US"/>
-              <a:t>供檔案存取</a:t>
-            </a:r>
-            <a:endParaRPr lang="en-US" altLang="zh-TW"/>
-          </a:p>
-          <a:p>
-            <a:r>
-              <a:rPr lang="zh-TW" altLang="en-US"/>
-              <a:t>還提供了</a:t>
-            </a:r>
-            <a:r>
-              <a:rPr lang="zh-TW" altLang="en-US">
-                <a:solidFill>
-                  <a:srgbClr val="00B0F0"/>
-                </a:solidFill>
-              </a:rPr>
-              <a:t>問題</a:t>
-            </a:r>
-            <a:r>
-              <a:rPr lang="en-US" altLang="zh-TW">
-                <a:solidFill>
-                  <a:srgbClr val="00B0F0"/>
-                </a:solidFill>
-              </a:rPr>
-              <a:t>(issue)</a:t>
-            </a:r>
-            <a:r>
-              <a:rPr lang="zh-TW" altLang="en-US"/>
-              <a:t>、</a:t>
-            </a:r>
-            <a:r>
-              <a:rPr lang="zh-TW" altLang="en-US">
-                <a:solidFill>
-                  <a:srgbClr val="00B0F0"/>
-                </a:solidFill>
-              </a:rPr>
-              <a:t>動作</a:t>
-            </a:r>
-            <a:r>
-              <a:rPr lang="en-US" altLang="zh-TW">
-                <a:solidFill>
-                  <a:srgbClr val="00B0F0"/>
-                </a:solidFill>
-              </a:rPr>
-              <a:t>(action)</a:t>
-            </a:r>
-            <a:r>
-              <a:rPr lang="zh-TW" altLang="en-US"/>
-              <a:t>、</a:t>
-            </a:r>
-            <a:r>
-              <a:rPr lang="zh-TW" altLang="en-US">
-                <a:solidFill>
-                  <a:srgbClr val="00B0F0"/>
-                </a:solidFill>
-              </a:rPr>
-              <a:t>維基</a:t>
-            </a:r>
-            <a:r>
-              <a:rPr lang="en-US" altLang="zh-TW">
-                <a:solidFill>
-                  <a:srgbClr val="00B0F0"/>
-                </a:solidFill>
-              </a:rPr>
-              <a:t>(wiki)</a:t>
-            </a:r>
-          </a:p>
-          <a:p>
-            <a:r>
-              <a:rPr lang="zh-TW" altLang="en-US">
-                <a:solidFill>
-                  <a:srgbClr val="00B0F0"/>
-                </a:solidFill>
-              </a:rPr>
-              <a:t>分叉</a:t>
-            </a:r>
-            <a:r>
-              <a:rPr lang="en-US" altLang="zh-TW">
-                <a:solidFill>
-                  <a:srgbClr val="00B0F0"/>
-                </a:solidFill>
-              </a:rPr>
-              <a:t>(fork)</a:t>
-            </a:r>
-            <a:r>
-              <a:rPr lang="zh-TW" altLang="en-US"/>
-              <a:t>、</a:t>
-            </a:r>
-            <a:r>
-              <a:rPr lang="zh-TW" altLang="en-US">
-                <a:solidFill>
-                  <a:srgbClr val="00B0F0"/>
-                </a:solidFill>
-              </a:rPr>
-              <a:t>拉取請求</a:t>
-            </a:r>
-            <a:r>
-              <a:rPr lang="en-US" altLang="zh-TW">
-                <a:solidFill>
-                  <a:srgbClr val="00B0F0"/>
-                </a:solidFill>
-              </a:rPr>
-              <a:t>(pull request</a:t>
-            </a:r>
-            <a:r>
-              <a:rPr lang="zh-TW" altLang="en-US">
-                <a:solidFill>
-                  <a:srgbClr val="00B0F0"/>
-                </a:solidFill>
-              </a:rPr>
-              <a:t>，簡稱 </a:t>
-            </a:r>
-            <a:r>
-              <a:rPr lang="en-US" altLang="zh-TW">
-                <a:solidFill>
-                  <a:srgbClr val="00B0F0"/>
-                </a:solidFill>
-              </a:rPr>
-              <a:t>PR)</a:t>
-            </a:r>
-            <a:r>
-              <a:rPr lang="zh-TW" altLang="en-US"/>
-              <a:t>等服務</a:t>
-            </a:r>
-            <a:endParaRPr lang="en-US" altLang="zh-TW"/>
-          </a:p>
-          <a:p>
-            <a:r>
-              <a:rPr lang="zh-TW" altLang="en-US"/>
-              <a:t>使用</a:t>
-            </a:r>
-            <a:r>
-              <a:rPr lang="zh-TW" altLang="en-US">
-                <a:solidFill>
-                  <a:srgbClr val="00B0F0"/>
-                </a:solidFill>
-              </a:rPr>
-              <a:t> </a:t>
-            </a:r>
-            <a:r>
-              <a:rPr lang="en-US" altLang="zh-TW">
-                <a:solidFill>
-                  <a:srgbClr val="00B0F0"/>
-                </a:solidFill>
-              </a:rPr>
-              <a:t>Github </a:t>
-            </a:r>
-            <a:r>
-              <a:rPr lang="zh-TW" altLang="en-US"/>
-              <a:t>相比直接使用 </a:t>
-            </a:r>
-            <a:r>
-              <a:rPr lang="en-US" altLang="zh-TW">
-                <a:solidFill>
-                  <a:srgbClr val="00B0F0"/>
-                </a:solidFill>
-              </a:rPr>
-              <a:t>Git</a:t>
-            </a:r>
-          </a:p>
-          <a:p>
-            <a:r>
-              <a:rPr lang="zh-TW" altLang="en-US"/>
-              <a:t>更著重在一個網路上的第三者參與或</a:t>
-            </a:r>
-            <a:r>
-              <a:rPr lang="zh-TW" altLang="en-US">
-                <a:solidFill>
-                  <a:srgbClr val="FFC000"/>
-                </a:solidFill>
-              </a:rPr>
-              <a:t>貢獻</a:t>
-            </a:r>
-            <a:r>
-              <a:rPr lang="en-US" altLang="zh-TW">
-                <a:solidFill>
-                  <a:srgbClr val="FFC000"/>
-                </a:solidFill>
-              </a:rPr>
-              <a:t>(contribute)</a:t>
-            </a:r>
-            <a:r>
-              <a:rPr lang="zh-TW" altLang="en-US"/>
-              <a:t>該</a:t>
-            </a:r>
-            <a:r>
-              <a:rPr lang="zh-TW" altLang="en-US">
-                <a:solidFill>
-                  <a:srgbClr val="00B0F0"/>
-                </a:solidFill>
-              </a:rPr>
-              <a:t>數據庫</a:t>
+              <a:t>本地數據庫</a:t>
             </a:r>
             <a:endParaRPr lang="en-US" altLang="zh-TW">
               <a:solidFill>
@@ -25061,7 +26013,7 @@
           <a:p>
             <a:r>
               <a:rPr lang="zh-TW" altLang="en-US"/>
-              <a:t>而</a:t>
+              <a:t>而不想被上傳到</a:t>
             </a:r>
             <a:r>
               <a:rPr lang="zh-TW" altLang="en-US">
@@ -25069,28 +26021,1700 @@
                   <a:srgbClr val="00B0F0"/>
                 </a:solidFill>
               </a:rPr>
-              <a:t>數據庫擁有者</a:t>
+              <a:t>遠端數據庫</a:t>
+            </a:r>
+            <a:endParaRPr lang="en-US" altLang="zh-TW">
+              <a:solidFill>
+                <a:srgbClr val="00B0F0"/>
+              </a:solidFill>
+            </a:endParaRPr>
+          </a:p>
+          <a:p>
+            <a:r>
+              <a:rPr lang="zh-TW" altLang="en-US"/>
+              <a:t>可以創建 </a:t>
             </a:r>
             <a:r>
               <a:rPr lang="en-US" altLang="zh-TW">
                 <a:solidFill>
-                  <a:srgbClr val="00B0F0"/>
-                </a:solidFill>
-              </a:rPr>
-              <a:t>(owner)</a:t>
-            </a:r>
-            <a:r>
-              <a:rPr lang="zh-TW" altLang="en-US"/>
-              <a:t>則可以很方便的管理他人貢獻</a:t>
+                  <a:srgbClr val="92D050"/>
+                </a:solidFill>
+              </a:rPr>
+              <a:t>.gitignore</a:t>
+            </a:r>
+            <a:r>
+              <a:rPr lang="zh-TW" altLang="en-US">
+                <a:solidFill>
+                  <a:srgbClr val="92D050"/>
+                </a:solidFill>
+              </a:rPr>
+              <a:t> </a:t>
+            </a:r>
+            <a:r>
+              <a:rPr lang="zh-TW" altLang="en-US"/>
+              <a:t>檔案</a:t>
             </a:r>
             <a:endParaRPr lang="en-US" altLang="zh-TW"/>
+          </a:p>
+          <a:p>
+            <a:r>
+              <a:rPr lang="zh-TW" altLang="en-US"/>
+              <a:t>其就是一個名稱為 </a:t>
+            </a:r>
+            <a:r>
+              <a:rPr lang="en-US" altLang="zh-TW"/>
+              <a:t>"</a:t>
+            </a:r>
+            <a:r>
+              <a:rPr lang="en-US" altLang="zh-TW">
+                <a:solidFill>
+                  <a:srgbClr val="92D050"/>
+                </a:solidFill>
+              </a:rPr>
+              <a:t>.gitignore</a:t>
+            </a:r>
+            <a:r>
+              <a:rPr lang="en-US" altLang="zh-TW"/>
+              <a:t>" </a:t>
+            </a:r>
+            <a:r>
+              <a:rPr lang="zh-TW" altLang="en-US"/>
+              <a:t>的文字文件</a:t>
+            </a:r>
+            <a:endParaRPr lang="en-US" altLang="zh-TW"/>
+          </a:p>
+          <a:p>
+            <a:r>
+              <a:rPr lang="zh-TW" altLang="en-US"/>
+              <a:t>可以在其中定義排除的</a:t>
+            </a:r>
+            <a:r>
+              <a:rPr lang="zh-TW" altLang="en-US">
+                <a:solidFill>
+                  <a:srgbClr val="00B0F0"/>
+                </a:solidFill>
+              </a:rPr>
+              <a:t>路徑</a:t>
+            </a:r>
+            <a:r>
+              <a:rPr lang="zh-TW" altLang="en-US"/>
+              <a:t>，</a:t>
+            </a:r>
+            <a:r>
+              <a:rPr lang="zh-TW" altLang="en-US">
+                <a:solidFill>
+                  <a:srgbClr val="00B0F0"/>
+                </a:solidFill>
+              </a:rPr>
+              <a:t>路徑</a:t>
+            </a:r>
+            <a:r>
+              <a:rPr lang="zh-TW" altLang="en-US"/>
+              <a:t>可為</a:t>
+            </a:r>
+            <a:r>
+              <a:rPr lang="zh-TW" altLang="en-US">
+                <a:solidFill>
+                  <a:srgbClr val="00B0F0"/>
+                </a:solidFill>
+              </a:rPr>
+              <a:t>檔案</a:t>
+            </a:r>
+            <a:r>
+              <a:rPr lang="zh-TW" altLang="en-US"/>
+              <a:t>或</a:t>
+            </a:r>
+            <a:r>
+              <a:rPr lang="zh-TW" altLang="en-US">
+                <a:solidFill>
+                  <a:srgbClr val="00B0F0"/>
+                </a:solidFill>
+              </a:rPr>
+              <a:t>目錄</a:t>
+            </a:r>
+            <a:endParaRPr lang="en-US" altLang="zh-TW">
+              <a:solidFill>
+                <a:srgbClr val="00B0F0"/>
+              </a:solidFill>
+            </a:endParaRPr>
+          </a:p>
+          <a:p>
+            <a:r>
+              <a:rPr lang="zh-TW" altLang="en-US"/>
+              <a:t>但須注意，</a:t>
+            </a:r>
+            <a:r>
+              <a:rPr lang="en-US" altLang="zh-TW">
+                <a:solidFill>
+                  <a:srgbClr val="92D050"/>
+                </a:solidFill>
+              </a:rPr>
+              <a:t>.gitignore </a:t>
+            </a:r>
+            <a:r>
+              <a:rPr lang="zh-TW" altLang="en-US"/>
+              <a:t>檔案只能排除</a:t>
+            </a:r>
+            <a:r>
+              <a:rPr lang="zh-TW" altLang="en-US">
+                <a:solidFill>
+                  <a:srgbClr val="00B0F0"/>
+                </a:solidFill>
+              </a:rPr>
+              <a:t>未追蹤</a:t>
+            </a:r>
+            <a:r>
+              <a:rPr lang="zh-TW" altLang="en-US"/>
+              <a:t>的檔案</a:t>
+            </a:r>
+            <a:endParaRPr lang="en-US" altLang="zh-TW"/>
+          </a:p>
+          <a:p>
+            <a:r>
+              <a:rPr lang="zh-TW" altLang="en-US">
+                <a:solidFill>
+                  <a:srgbClr val="00B0F0"/>
+                </a:solidFill>
+              </a:rPr>
+              <a:t>已追蹤</a:t>
+            </a:r>
+            <a:r>
+              <a:rPr lang="zh-TW" altLang="en-US"/>
+              <a:t>的檔案是無法被排除的</a:t>
+            </a:r>
           </a:p>
         </p:txBody>
       </p:sp>
     </p:spTree>
     <p:extLst>
       <p:ext uri="{BB962C8B-B14F-4D97-AF65-F5344CB8AC3E}">
-        <p14:creationId xmlns:p14="http://schemas.microsoft.com/office/powerpoint/2010/main" val="385820846"/>
+        <p14:creationId xmlns:p14="http://schemas.microsoft.com/office/powerpoint/2010/main" val="1798412285"/>
+      </p:ext>
+    </p:extLst>
+  </p:cSld>
+  <p:clrMapOvr>
+    <a:masterClrMapping/>
+  </p:clrMapOvr>
+  <p:transition spd="slow">
+    <p:push dir="u"/>
+  </p:transition>
+</p:sld>
+</file>
+
+<file path=ppt/slides/slide42.xml><?xml version="1.0" encoding="utf-8"?>
+<p:sld xmlns:a="http://schemas.openxmlformats.org/drawingml/2006/main" xmlns:r="http://schemas.openxmlformats.org/officeDocument/2006/relationships" xmlns:p="http://schemas.openxmlformats.org/presentationml/2006/main">
+  <p:cSld>
+    <p:spTree>
+      <p:nvGrpSpPr>
+        <p:cNvPr id="1" name=""/>
+        <p:cNvGrpSpPr/>
+        <p:nvPr/>
+      </p:nvGrpSpPr>
+      <p:grpSpPr>
+        <a:xfrm>
+          <a:off x="0" y="0"/>
+          <a:ext cx="0" cy="0"/>
+          <a:chOff x="0" y="0"/>
+          <a:chExt cx="0" cy="0"/>
+        </a:xfrm>
+      </p:grpSpPr>
+      <p:sp>
+        <p:nvSpPr>
+          <p:cNvPr id="2" name="標題 1">
+            <a:extLst>
+              <a:ext uri="{FF2B5EF4-FFF2-40B4-BE49-F238E27FC236}">
+                <a16:creationId xmlns:a16="http://schemas.microsoft.com/office/drawing/2014/main" id="{F1ED64C2-6B4D-45F6-A57E-BF4E7C297268}"/>
+              </a:ext>
+            </a:extLst>
+          </p:cNvPr>
+          <p:cNvSpPr>
+            <a:spLocks noGrp="1"/>
+          </p:cNvSpPr>
+          <p:nvPr>
+            <p:ph type="title"/>
+          </p:nvPr>
+        </p:nvSpPr>
+        <p:spPr>
+          <a:xfrm>
+            <a:off x="838200" y="0"/>
+            <a:ext cx="10515600" cy="1325563"/>
+          </a:xfrm>
+        </p:spPr>
+        <p:txBody>
+          <a:bodyPr/>
+          <a:lstStyle/>
+          <a:p>
+            <a:r>
+              <a:rPr lang="en-US" altLang="zh-TW"/>
+              <a:t>.gitignore</a:t>
+            </a:r>
+            <a:endParaRPr lang="zh-TW" altLang="en-US"/>
+          </a:p>
+        </p:txBody>
+      </p:sp>
+      <p:sp>
+        <p:nvSpPr>
+          <p:cNvPr id="3" name="內容版面配置區 2">
+            <a:extLst>
+              <a:ext uri="{FF2B5EF4-FFF2-40B4-BE49-F238E27FC236}">
+                <a16:creationId xmlns:a16="http://schemas.microsoft.com/office/drawing/2014/main" id="{5964B0A6-889A-4EDF-B243-09C90EE5E4C6}"/>
+              </a:ext>
+            </a:extLst>
+          </p:cNvPr>
+          <p:cNvSpPr>
+            <a:spLocks noGrp="1"/>
+          </p:cNvSpPr>
+          <p:nvPr>
+            <p:ph idx="1"/>
+          </p:nvPr>
+        </p:nvSpPr>
+        <p:spPr>
+          <a:xfrm>
+            <a:off x="676275" y="1078430"/>
+            <a:ext cx="8763000" cy="5458172"/>
+          </a:xfrm>
+        </p:spPr>
+        <p:txBody>
+          <a:bodyPr>
+            <a:normAutofit/>
+          </a:bodyPr>
+          <a:lstStyle/>
+          <a:p>
+            <a:r>
+              <a:rPr lang="en-US" altLang="zh-TW" sz="2400">
+                <a:solidFill>
+                  <a:srgbClr val="92D050"/>
+                </a:solidFill>
+              </a:rPr>
+              <a:t>.gitignore</a:t>
+            </a:r>
+            <a:r>
+              <a:rPr lang="zh-TW" altLang="en-US" sz="2400">
+                <a:solidFill>
+                  <a:srgbClr val="92D050"/>
+                </a:solidFill>
+              </a:rPr>
+              <a:t> </a:t>
+            </a:r>
+            <a:r>
+              <a:rPr lang="zh-TW" altLang="en-US" sz="2400"/>
+              <a:t>檔案的格式如下：</a:t>
+            </a:r>
+            <a:endParaRPr lang="en-US" altLang="zh-TW" sz="2400"/>
+          </a:p>
+          <a:p>
+            <a:r>
+              <a:rPr lang="en-US" altLang="zh-TW" sz="2400"/>
+              <a:t>1.</a:t>
+            </a:r>
+            <a:r>
+              <a:rPr lang="zh-TW" altLang="en-US" sz="2400"/>
+              <a:t> 以 </a:t>
+            </a:r>
+            <a:r>
+              <a:rPr lang="en-US" altLang="zh-TW" sz="2400"/>
+              <a:t>'</a:t>
+            </a:r>
+            <a:r>
+              <a:rPr lang="en-US" altLang="zh-TW" sz="2400">
+                <a:solidFill>
+                  <a:srgbClr val="92D050"/>
+                </a:solidFill>
+              </a:rPr>
+              <a:t>#</a:t>
+            </a:r>
+            <a:r>
+              <a:rPr lang="en-US" altLang="zh-TW" sz="2400"/>
+              <a:t>' </a:t>
+            </a:r>
+            <a:r>
+              <a:rPr lang="zh-TW" altLang="en-US" sz="2400"/>
+              <a:t>開頭行為</a:t>
+            </a:r>
+            <a:r>
+              <a:rPr lang="zh-TW" altLang="en-US" sz="2400">
+                <a:solidFill>
+                  <a:srgbClr val="00B0F0"/>
+                </a:solidFill>
+              </a:rPr>
+              <a:t>註解</a:t>
+            </a:r>
+            <a:r>
+              <a:rPr lang="zh-TW" altLang="en-US" sz="2400"/>
+              <a:t>，否則為</a:t>
+            </a:r>
+            <a:r>
+              <a:rPr lang="zh-TW" altLang="en-US" sz="2400">
+                <a:solidFill>
+                  <a:srgbClr val="00B0F0"/>
+                </a:solidFill>
+              </a:rPr>
+              <a:t>排除路徑</a:t>
+            </a:r>
+            <a:endParaRPr lang="en-US" altLang="zh-TW" sz="2400">
+              <a:solidFill>
+                <a:srgbClr val="00B0F0"/>
+              </a:solidFill>
+            </a:endParaRPr>
+          </a:p>
+          <a:p>
+            <a:r>
+              <a:rPr lang="en-US" altLang="zh-TW" sz="2400"/>
+              <a:t>2.</a:t>
+            </a:r>
+            <a:r>
+              <a:rPr lang="zh-TW" altLang="en-US" sz="2400"/>
+              <a:t> </a:t>
+            </a:r>
+            <a:r>
+              <a:rPr lang="zh-TW" altLang="en-US" sz="2400">
+                <a:solidFill>
+                  <a:srgbClr val="00B0F0"/>
+                </a:solidFill>
+              </a:rPr>
+              <a:t>路徑</a:t>
+            </a:r>
+            <a:r>
+              <a:rPr lang="zh-TW" altLang="en-US" sz="2400"/>
+              <a:t>以 </a:t>
+            </a:r>
+            <a:r>
+              <a:rPr lang="en-US" altLang="zh-TW" sz="2400"/>
+              <a:t>'</a:t>
+            </a:r>
+            <a:r>
+              <a:rPr lang="en-US" altLang="zh-TW" sz="2400">
+                <a:solidFill>
+                  <a:srgbClr val="92D050"/>
+                </a:solidFill>
+              </a:rPr>
+              <a:t>/</a:t>
+            </a:r>
+            <a:r>
+              <a:rPr lang="en-US" altLang="zh-TW" sz="2400"/>
+              <a:t>'</a:t>
+            </a:r>
+            <a:r>
+              <a:rPr lang="zh-TW" altLang="en-US" sz="2400"/>
+              <a:t> 開頭表示</a:t>
+            </a:r>
+            <a:r>
+              <a:rPr lang="zh-TW" altLang="en-US" sz="2400">
+                <a:solidFill>
+                  <a:srgbClr val="00B0F0"/>
+                </a:solidFill>
+              </a:rPr>
+              <a:t>路徑</a:t>
+            </a:r>
+            <a:r>
+              <a:rPr lang="zh-TW" altLang="en-US" sz="2400"/>
+              <a:t>相對於此 </a:t>
+            </a:r>
+            <a:r>
+              <a:rPr lang="en-US" altLang="zh-TW" sz="2400">
+                <a:solidFill>
+                  <a:srgbClr val="92D050"/>
+                </a:solidFill>
+              </a:rPr>
+              <a:t>.gitignore </a:t>
+            </a:r>
+            <a:r>
+              <a:rPr lang="zh-TW" altLang="en-US" sz="2400"/>
+              <a:t>檔案</a:t>
+            </a:r>
+            <a:endParaRPr lang="en-US" altLang="zh-TW" sz="2400"/>
+          </a:p>
+          <a:p>
+            <a:r>
+              <a:rPr lang="zh-TW" altLang="en-US" sz="2400"/>
+              <a:t>   否則該</a:t>
+            </a:r>
+            <a:r>
+              <a:rPr lang="zh-TW" altLang="en-US" sz="2400">
+                <a:solidFill>
+                  <a:srgbClr val="00B0F0"/>
+                </a:solidFill>
+              </a:rPr>
+              <a:t>路徑</a:t>
+            </a:r>
+            <a:r>
+              <a:rPr lang="zh-TW" altLang="en-US" sz="2400"/>
+              <a:t>可以相對於任何位置</a:t>
+            </a:r>
+            <a:endParaRPr lang="en-US" altLang="zh-TW" sz="2400"/>
+          </a:p>
+          <a:p>
+            <a:r>
+              <a:rPr lang="en-US" altLang="zh-TW" sz="2400"/>
+              <a:t>4.</a:t>
+            </a:r>
+            <a:r>
+              <a:rPr lang="zh-TW" altLang="en-US" sz="2400"/>
+              <a:t> </a:t>
+            </a:r>
+            <a:r>
+              <a:rPr lang="zh-TW" altLang="en-US" sz="2400">
+                <a:solidFill>
+                  <a:srgbClr val="00B0F0"/>
+                </a:solidFill>
+              </a:rPr>
+              <a:t>路徑</a:t>
+            </a:r>
+            <a:r>
+              <a:rPr lang="zh-TW" altLang="en-US" sz="2400"/>
+              <a:t>中間的 </a:t>
+            </a:r>
+            <a:r>
+              <a:rPr lang="en-US" altLang="zh-TW" sz="2400"/>
+              <a:t>'</a:t>
+            </a:r>
+            <a:r>
+              <a:rPr lang="en-US" altLang="zh-TW" sz="2400">
+                <a:solidFill>
+                  <a:srgbClr val="92D050"/>
+                </a:solidFill>
+              </a:rPr>
+              <a:t>/</a:t>
+            </a:r>
+            <a:r>
+              <a:rPr lang="en-US" altLang="zh-TW" sz="2400"/>
+              <a:t>'</a:t>
+            </a:r>
+            <a:r>
+              <a:rPr lang="zh-TW" altLang="en-US" sz="2400"/>
+              <a:t> 用於分隔</a:t>
+            </a:r>
+            <a:r>
+              <a:rPr lang="zh-TW" altLang="en-US" sz="2400">
+                <a:solidFill>
+                  <a:srgbClr val="00B0F0"/>
+                </a:solidFill>
+              </a:rPr>
+              <a:t>目錄</a:t>
+            </a:r>
+            <a:endParaRPr lang="en-US" altLang="zh-TW" sz="2400">
+              <a:solidFill>
+                <a:srgbClr val="00B0F0"/>
+              </a:solidFill>
+            </a:endParaRPr>
+          </a:p>
+          <a:p>
+            <a:r>
+              <a:rPr lang="en-US" altLang="zh-TW" sz="2400"/>
+              <a:t>5.</a:t>
+            </a:r>
+            <a:r>
+              <a:rPr lang="zh-TW" altLang="en-US" sz="2400"/>
+              <a:t> </a:t>
+            </a:r>
+            <a:r>
+              <a:rPr lang="zh-TW" altLang="en-US" sz="2400">
+                <a:solidFill>
+                  <a:srgbClr val="00B0F0"/>
+                </a:solidFill>
+              </a:rPr>
+              <a:t>路徑</a:t>
+            </a:r>
+            <a:r>
+              <a:rPr lang="zh-TW" altLang="en-US" sz="2400"/>
+              <a:t>以 </a:t>
+            </a:r>
+            <a:r>
+              <a:rPr lang="en-US" altLang="zh-TW" sz="2400"/>
+              <a:t>'</a:t>
+            </a:r>
+            <a:r>
+              <a:rPr lang="en-US" altLang="zh-TW" sz="2400">
+                <a:solidFill>
+                  <a:srgbClr val="92D050"/>
+                </a:solidFill>
+              </a:rPr>
+              <a:t>/</a:t>
+            </a:r>
+            <a:r>
+              <a:rPr lang="en-US" altLang="zh-TW" sz="2400"/>
+              <a:t>' </a:t>
+            </a:r>
+            <a:r>
+              <a:rPr lang="zh-TW" altLang="en-US" sz="2400"/>
+              <a:t>結尾表示只會排除</a:t>
+            </a:r>
+            <a:r>
+              <a:rPr lang="zh-TW" altLang="en-US" sz="2400">
+                <a:solidFill>
+                  <a:srgbClr val="00B0F0"/>
+                </a:solidFill>
+              </a:rPr>
+              <a:t>目錄</a:t>
+            </a:r>
+            <a:endParaRPr lang="en-US" altLang="zh-TW" sz="2400">
+              <a:solidFill>
+                <a:srgbClr val="00B0F0"/>
+              </a:solidFill>
+            </a:endParaRPr>
+          </a:p>
+          <a:p>
+            <a:r>
+              <a:rPr lang="en-US" altLang="zh-TW" sz="2400"/>
+              <a:t>6.</a:t>
+            </a:r>
+            <a:r>
+              <a:rPr lang="zh-TW" altLang="en-US" sz="2400"/>
+              <a:t> </a:t>
+            </a:r>
+            <a:r>
+              <a:rPr lang="en-US" altLang="zh-TW" sz="2400"/>
+              <a:t>'</a:t>
+            </a:r>
+            <a:r>
+              <a:rPr lang="en-US" altLang="zh-TW" sz="2400">
+                <a:solidFill>
+                  <a:srgbClr val="92D050"/>
+                </a:solidFill>
+              </a:rPr>
+              <a:t>*</a:t>
+            </a:r>
+            <a:r>
+              <a:rPr lang="en-US" altLang="zh-TW" sz="2400"/>
+              <a:t>'</a:t>
+            </a:r>
+            <a:r>
+              <a:rPr lang="zh-TW" altLang="en-US" sz="2400">
+                <a:solidFill>
+                  <a:srgbClr val="00B0F0"/>
+                </a:solidFill>
+              </a:rPr>
+              <a:t> </a:t>
+            </a:r>
+            <a:r>
+              <a:rPr lang="zh-TW" altLang="en-US" sz="2400"/>
+              <a:t>可以表示任何不包含 </a:t>
+            </a:r>
+            <a:r>
+              <a:rPr lang="en-US" altLang="zh-TW" sz="2400"/>
+              <a:t>'</a:t>
+            </a:r>
+            <a:r>
+              <a:rPr lang="en-US" altLang="zh-TW" sz="2400">
+                <a:solidFill>
+                  <a:srgbClr val="92D050"/>
+                </a:solidFill>
+              </a:rPr>
+              <a:t>/</a:t>
+            </a:r>
+            <a:r>
+              <a:rPr lang="en-US" altLang="zh-TW" sz="2400"/>
+              <a:t>' </a:t>
+            </a:r>
+            <a:r>
+              <a:rPr lang="zh-TW" altLang="en-US" sz="2400"/>
+              <a:t>的文字</a:t>
+            </a:r>
+            <a:endParaRPr lang="en-US" altLang="zh-TW" sz="2400"/>
+          </a:p>
+          <a:p>
+            <a:r>
+              <a:rPr lang="en-US" altLang="zh-TW" sz="2400"/>
+              <a:t>7.</a:t>
+            </a:r>
+            <a:r>
+              <a:rPr lang="zh-TW" altLang="en-US" sz="2400"/>
+              <a:t> </a:t>
+            </a:r>
+            <a:r>
+              <a:rPr lang="en-US" altLang="zh-TW" sz="2400"/>
+              <a:t>'</a:t>
+            </a:r>
+            <a:r>
+              <a:rPr lang="en-US" altLang="zh-TW" sz="2400">
+                <a:solidFill>
+                  <a:srgbClr val="92D050"/>
+                </a:solidFill>
+              </a:rPr>
+              <a:t>?</a:t>
+            </a:r>
+            <a:r>
+              <a:rPr lang="en-US" altLang="zh-TW" sz="2400"/>
+              <a:t>'</a:t>
+            </a:r>
+            <a:r>
+              <a:rPr lang="zh-TW" altLang="en-US" sz="2400">
+                <a:solidFill>
+                  <a:srgbClr val="00B0F0"/>
+                </a:solidFill>
+              </a:rPr>
+              <a:t> </a:t>
+            </a:r>
+            <a:r>
+              <a:rPr lang="zh-TW" altLang="en-US" sz="2400"/>
+              <a:t>可以表示任何不包含 </a:t>
+            </a:r>
+            <a:r>
+              <a:rPr lang="en-US" altLang="zh-TW" sz="2400"/>
+              <a:t>'</a:t>
+            </a:r>
+            <a:r>
+              <a:rPr lang="en-US" altLang="zh-TW" sz="2400">
+                <a:solidFill>
+                  <a:srgbClr val="92D050"/>
+                </a:solidFill>
+              </a:rPr>
+              <a:t>/</a:t>
+            </a:r>
+            <a:r>
+              <a:rPr lang="en-US" altLang="zh-TW" sz="2400"/>
+              <a:t>' </a:t>
+            </a:r>
+            <a:r>
+              <a:rPr lang="zh-TW" altLang="en-US" sz="2400"/>
+              <a:t>的字元</a:t>
+            </a:r>
+            <a:r>
+              <a:rPr lang="en-US" altLang="zh-TW" sz="2400"/>
+              <a:t>(</a:t>
+            </a:r>
+            <a:r>
+              <a:rPr lang="zh-TW" altLang="en-US" sz="2400"/>
+              <a:t>一個字</a:t>
+            </a:r>
+            <a:r>
+              <a:rPr lang="en-US" altLang="zh-TW" sz="2400"/>
+              <a:t>)</a:t>
+            </a:r>
+          </a:p>
+          <a:p>
+            <a:r>
+              <a:rPr lang="en-US" altLang="zh-TW" sz="2400"/>
+              <a:t>8.</a:t>
+            </a:r>
+            <a:r>
+              <a:rPr lang="zh-TW" altLang="en-US" sz="2400"/>
+              <a:t> </a:t>
+            </a:r>
+            <a:r>
+              <a:rPr lang="en-US" altLang="zh-TW" sz="2400"/>
+              <a:t>"</a:t>
+            </a:r>
+            <a:r>
+              <a:rPr lang="en-US" altLang="zh-TW" sz="2400">
+                <a:solidFill>
+                  <a:srgbClr val="92D050"/>
+                </a:solidFill>
+              </a:rPr>
+              <a:t>[]</a:t>
+            </a:r>
+            <a:r>
+              <a:rPr lang="en-US" altLang="zh-TW" sz="2400"/>
+              <a:t>"</a:t>
+            </a:r>
+            <a:r>
+              <a:rPr lang="zh-TW" altLang="en-US" sz="2400">
+                <a:solidFill>
+                  <a:srgbClr val="00B0F0"/>
+                </a:solidFill>
+              </a:rPr>
+              <a:t> </a:t>
+            </a:r>
+            <a:r>
+              <a:rPr lang="zh-TW" altLang="en-US" sz="2400"/>
+              <a:t>可以表示中括號內的任一字元</a:t>
+            </a:r>
+            <a:r>
+              <a:rPr lang="en-US" altLang="zh-TW" sz="2400"/>
+              <a:t>(</a:t>
+            </a:r>
+            <a:r>
+              <a:rPr lang="zh-TW" altLang="en-US" sz="2400"/>
+              <a:t>一個字</a:t>
+            </a:r>
+            <a:r>
+              <a:rPr lang="en-US" altLang="zh-TW" sz="2400"/>
+              <a:t>)</a:t>
+            </a:r>
+          </a:p>
+          <a:p>
+            <a:r>
+              <a:rPr lang="en-US" altLang="zh-TW" sz="2400"/>
+              <a:t>9. </a:t>
+            </a:r>
+            <a:r>
+              <a:rPr lang="zh-TW" altLang="en-US" sz="2400">
+                <a:solidFill>
+                  <a:srgbClr val="00B0F0"/>
+                </a:solidFill>
+              </a:rPr>
+              <a:t>路徑</a:t>
+            </a:r>
+            <a:r>
+              <a:rPr lang="zh-TW" altLang="en-US" sz="2400"/>
+              <a:t>以 </a:t>
+            </a:r>
+            <a:r>
+              <a:rPr lang="en-US" altLang="zh-TW" sz="2400"/>
+              <a:t>"</a:t>
+            </a:r>
+            <a:r>
+              <a:rPr lang="en-US" altLang="zh-TW" sz="2400">
+                <a:solidFill>
+                  <a:srgbClr val="92D050"/>
+                </a:solidFill>
+              </a:rPr>
+              <a:t>**/</a:t>
+            </a:r>
+            <a:r>
+              <a:rPr lang="en-US" altLang="zh-TW" sz="2400"/>
+              <a:t>"</a:t>
+            </a:r>
+            <a:r>
+              <a:rPr lang="zh-TW" altLang="en-US" sz="2400"/>
+              <a:t> 開頭表示該</a:t>
+            </a:r>
+            <a:r>
+              <a:rPr lang="zh-TW" altLang="en-US" sz="2400">
+                <a:solidFill>
+                  <a:srgbClr val="00B0F0"/>
+                </a:solidFill>
+              </a:rPr>
+              <a:t>路徑</a:t>
+            </a:r>
+            <a:r>
+              <a:rPr lang="zh-TW" altLang="en-US" sz="2400"/>
+              <a:t>可以相對於任何位置</a:t>
+            </a:r>
+            <a:endParaRPr lang="en-US" altLang="zh-TW" sz="2400"/>
+          </a:p>
+          <a:p>
+            <a:r>
+              <a:rPr lang="en-US" altLang="zh-TW" sz="2400"/>
+              <a:t>10.</a:t>
+            </a:r>
+            <a:r>
+              <a:rPr lang="zh-TW" altLang="en-US" sz="2400"/>
+              <a:t> </a:t>
+            </a:r>
+            <a:r>
+              <a:rPr lang="zh-TW" altLang="en-US" sz="2400">
+                <a:solidFill>
+                  <a:srgbClr val="00B0F0"/>
+                </a:solidFill>
+              </a:rPr>
+              <a:t>路徑</a:t>
+            </a:r>
+            <a:r>
+              <a:rPr lang="zh-TW" altLang="en-US" sz="2400"/>
+              <a:t>以 </a:t>
+            </a:r>
+            <a:r>
+              <a:rPr lang="en-US" altLang="zh-TW" sz="2400"/>
+              <a:t>"</a:t>
+            </a:r>
+            <a:r>
+              <a:rPr lang="en-US" altLang="zh-TW" sz="2400">
+                <a:solidFill>
+                  <a:srgbClr val="92D050"/>
+                </a:solidFill>
+              </a:rPr>
+              <a:t>/**</a:t>
+            </a:r>
+            <a:r>
+              <a:rPr lang="en-US" altLang="zh-TW" sz="2400"/>
+              <a:t>"</a:t>
+            </a:r>
+            <a:r>
+              <a:rPr lang="zh-TW" altLang="en-US" sz="2400"/>
+              <a:t> 結尾表示該</a:t>
+            </a:r>
+            <a:r>
+              <a:rPr lang="zh-TW" altLang="en-US" sz="2400">
+                <a:solidFill>
+                  <a:srgbClr val="00B0F0"/>
+                </a:solidFill>
+              </a:rPr>
+              <a:t>路徑</a:t>
+            </a:r>
+            <a:r>
+              <a:rPr lang="zh-TW" altLang="en-US" sz="2400"/>
+              <a:t>指向的</a:t>
+            </a:r>
+            <a:r>
+              <a:rPr lang="zh-TW" altLang="en-US" sz="2400">
+                <a:solidFill>
+                  <a:srgbClr val="00B0F0"/>
+                </a:solidFill>
+              </a:rPr>
+              <a:t>目錄</a:t>
+            </a:r>
+            <a:r>
+              <a:rPr lang="zh-TW" altLang="en-US" sz="2400"/>
+              <a:t>內的任何東西</a:t>
+            </a:r>
+            <a:endParaRPr lang="en-US" altLang="zh-TW" sz="2400"/>
+          </a:p>
+          <a:p>
+            <a:r>
+              <a:rPr lang="en-US" altLang="zh-TW" sz="2400"/>
+              <a:t>11. </a:t>
+            </a:r>
+            <a:r>
+              <a:rPr lang="zh-TW" altLang="en-US" sz="2400">
+                <a:solidFill>
+                  <a:srgbClr val="00B0F0"/>
+                </a:solidFill>
+              </a:rPr>
+              <a:t>路徑</a:t>
+            </a:r>
+            <a:r>
+              <a:rPr lang="zh-TW" altLang="en-US" sz="2400"/>
+              <a:t>中間的 </a:t>
+            </a:r>
+            <a:r>
+              <a:rPr lang="en-US" altLang="zh-TW" sz="2400"/>
+              <a:t>"</a:t>
+            </a:r>
+            <a:r>
+              <a:rPr lang="en-US" altLang="zh-TW" sz="2400">
+                <a:solidFill>
+                  <a:srgbClr val="92D050"/>
+                </a:solidFill>
+              </a:rPr>
+              <a:t>/**/</a:t>
+            </a:r>
+            <a:r>
+              <a:rPr lang="en-US" altLang="zh-TW" sz="2400"/>
+              <a:t>"</a:t>
+            </a:r>
+            <a:r>
+              <a:rPr lang="zh-TW" altLang="en-US" sz="2400"/>
+              <a:t> 表示中間可以有任意多層任意</a:t>
+            </a:r>
+            <a:r>
+              <a:rPr lang="zh-TW" altLang="en-US" sz="2400">
+                <a:solidFill>
+                  <a:srgbClr val="00B0F0"/>
+                </a:solidFill>
+              </a:rPr>
+              <a:t>目錄</a:t>
+            </a:r>
+            <a:endParaRPr lang="en-US" altLang="zh-TW" sz="2400"/>
+          </a:p>
+        </p:txBody>
+      </p:sp>
+      <p:grpSp>
+        <p:nvGrpSpPr>
+          <p:cNvPr id="9" name="群組 8">
+            <a:extLst>
+              <a:ext uri="{FF2B5EF4-FFF2-40B4-BE49-F238E27FC236}">
+                <a16:creationId xmlns:a16="http://schemas.microsoft.com/office/drawing/2014/main" id="{EB101E28-D1E2-4E8A-8AB6-6043D0AD82BD}"/>
+              </a:ext>
+            </a:extLst>
+          </p:cNvPr>
+          <p:cNvGrpSpPr/>
+          <p:nvPr/>
+        </p:nvGrpSpPr>
+        <p:grpSpPr>
+          <a:xfrm>
+            <a:off x="9439275" y="81930"/>
+            <a:ext cx="2171699" cy="6694140"/>
+            <a:chOff x="9182100" y="-1933"/>
+            <a:chExt cx="2171699" cy="6694140"/>
+          </a:xfrm>
+        </p:grpSpPr>
+        <p:sp>
+          <p:nvSpPr>
+            <p:cNvPr id="10" name="Rectangle 1">
+              <a:extLst>
+                <a:ext uri="{FF2B5EF4-FFF2-40B4-BE49-F238E27FC236}">
+                  <a16:creationId xmlns:a16="http://schemas.microsoft.com/office/drawing/2014/main" id="{DEE24763-C748-4C74-8F55-F92B7C7358B6}"/>
+                </a:ext>
+              </a:extLst>
+            </p:cNvPr>
+            <p:cNvSpPr>
+              <a:spLocks noChangeArrowheads="1"/>
+            </p:cNvSpPr>
+            <p:nvPr/>
+          </p:nvSpPr>
+          <p:spPr bwMode="auto">
+            <a:xfrm>
+              <a:off x="9182100" y="-1933"/>
+              <a:ext cx="2171699" cy="6694140"/>
+            </a:xfrm>
+            <a:prstGeom prst="rect">
+              <a:avLst/>
+            </a:prstGeom>
+            <a:solidFill>
+              <a:srgbClr val="1E1F22"/>
+            </a:solidFill>
+            <a:ln>
+              <a:noFill/>
+            </a:ln>
+            <a:effectLst/>
+            <a:extLst>
+              <a:ext uri="{91240B29-F687-4F45-9708-019B960494DF}">
+                <a14:hiddenLine xmlns:a14="http://schemas.microsoft.com/office/drawing/2010/main" w="9525">
+                  <a:solidFill>
+                    <a:schemeClr val="tx1"/>
+                  </a:solidFill>
+                  <a:miter lim="800000"/>
+                  <a:headEnd/>
+                  <a:tailEnd/>
+                </a14:hiddenLine>
+              </a:ext>
+              <a:ext uri="{AF507438-7753-43E0-B8FC-AC1667EBCBE1}">
+                <a14:hiddenEffects xmlns:a14="http://schemas.microsoft.com/office/drawing/2010/main">
+                  <a:effectLst>
+                    <a:outerShdw dist="35921" dir="2700000" algn="ctr" rotWithShape="0">
+                      <a:schemeClr val="bg2"/>
+                    </a:outerShdw>
+                  </a:effectLst>
+                </a14:hiddenEffects>
+              </a:ext>
+            </a:extLst>
+          </p:spPr>
+          <p:txBody>
+            <a:bodyPr vert="horz" wrap="square" lIns="91440" tIns="45720" rIns="91440" bIns="45720" numCol="1" anchor="ctr" anchorCtr="0" compatLnSpc="1">
+              <a:prstTxWarp prst="textNoShape">
+                <a:avLst/>
+              </a:prstTxWarp>
+              <a:spAutoFit/>
+            </a:bodyPr>
+            <a:lstStyle/>
+            <a:p>
+              <a:r>
+                <a:rPr lang="en-US" altLang="zh-TW" sz="1300" b="0">
+                  <a:solidFill>
+                    <a:srgbClr val="6A9955"/>
+                  </a:solidFill>
+                  <a:effectLst/>
+                  <a:latin typeface="Consolas" panose="020B0609020204030204" pitchFamily="49" charset="0"/>
+                </a:rPr>
+                <a:t># gradle</a:t>
+              </a:r>
+              <a:br>
+                <a:rPr lang="en-US" altLang="zh-TW" sz="1300" b="0">
+                  <a:solidFill>
+                    <a:srgbClr val="CCCCCC"/>
+                  </a:solidFill>
+                  <a:effectLst/>
+                  <a:latin typeface="Consolas" panose="020B0609020204030204" pitchFamily="49" charset="0"/>
+                </a:rPr>
+              </a:br>
+              <a:r>
+                <a:rPr lang="en-US" altLang="zh-TW" sz="1300" b="0">
+                  <a:solidFill>
+                    <a:srgbClr val="CCCCCC"/>
+                  </a:solidFill>
+                  <a:effectLst/>
+                  <a:latin typeface="Consolas" panose="020B0609020204030204" pitchFamily="49" charset="0"/>
+                </a:rPr>
+                <a:t>.gradle/</a:t>
+              </a:r>
+            </a:p>
+            <a:p>
+              <a:r>
+                <a:rPr lang="en-US" altLang="zh-TW" sz="1300" b="0">
+                  <a:solidFill>
+                    <a:srgbClr val="CCCCCC"/>
+                  </a:solidFill>
+                  <a:effectLst/>
+                  <a:latin typeface="Consolas" panose="020B0609020204030204" pitchFamily="49" charset="0"/>
+                </a:rPr>
+                <a:t>build/</a:t>
+              </a:r>
+            </a:p>
+            <a:p>
+              <a:r>
+                <a:rPr lang="en-US" altLang="zh-TW" sz="1300" b="0">
+                  <a:solidFill>
+                    <a:srgbClr val="CCCCCC"/>
+                  </a:solidFill>
+                  <a:effectLst/>
+                  <a:latin typeface="Consolas" panose="020B0609020204030204" pitchFamily="49" charset="0"/>
+                </a:rPr>
+                <a:t>out/</a:t>
+              </a:r>
+            </a:p>
+            <a:p>
+              <a:r>
+                <a:rPr lang="en-US" altLang="zh-TW" sz="1300" b="0">
+                  <a:solidFill>
+                    <a:srgbClr val="CCCCCC"/>
+                  </a:solidFill>
+                  <a:effectLst/>
+                  <a:latin typeface="Consolas" panose="020B0609020204030204" pitchFamily="49" charset="0"/>
+                </a:rPr>
+                <a:t>classes/</a:t>
+              </a:r>
+            </a:p>
+            <a:p>
+              <a:br>
+                <a:rPr lang="en-US" altLang="zh-TW" sz="1300" b="0">
+                  <a:solidFill>
+                    <a:srgbClr val="CCCCCC"/>
+                  </a:solidFill>
+                  <a:effectLst/>
+                  <a:latin typeface="Consolas" panose="020B0609020204030204" pitchFamily="49" charset="0"/>
+                </a:rPr>
+              </a:br>
+              <a:r>
+                <a:rPr lang="en-US" altLang="zh-TW" sz="1300" b="0">
+                  <a:solidFill>
+                    <a:srgbClr val="6A9955"/>
+                  </a:solidFill>
+                  <a:effectLst/>
+                  <a:latin typeface="Consolas" panose="020B0609020204030204" pitchFamily="49" charset="0"/>
+                </a:rPr>
+                <a:t># eclipse</a:t>
+              </a:r>
+              <a:br>
+                <a:rPr lang="en-US" altLang="zh-TW" sz="1300" b="0">
+                  <a:solidFill>
+                    <a:srgbClr val="CCCCCC"/>
+                  </a:solidFill>
+                  <a:effectLst/>
+                  <a:latin typeface="Consolas" panose="020B0609020204030204" pitchFamily="49" charset="0"/>
+                </a:rPr>
+              </a:br>
+              <a:r>
+                <a:rPr lang="en-US" altLang="zh-TW" sz="1300" b="0">
+                  <a:solidFill>
+                    <a:srgbClr val="CCCCCC"/>
+                  </a:solidFill>
+                  <a:effectLst/>
+                  <a:latin typeface="Consolas" panose="020B0609020204030204" pitchFamily="49" charset="0"/>
+                </a:rPr>
+                <a:t>*.launch</a:t>
+              </a:r>
+            </a:p>
+            <a:p>
+              <a:br>
+                <a:rPr lang="en-US" altLang="zh-TW" sz="1300" b="0">
+                  <a:solidFill>
+                    <a:srgbClr val="CCCCCC"/>
+                  </a:solidFill>
+                  <a:effectLst/>
+                  <a:latin typeface="Consolas" panose="020B0609020204030204" pitchFamily="49" charset="0"/>
+                </a:rPr>
+              </a:br>
+              <a:r>
+                <a:rPr lang="en-US" altLang="zh-TW" sz="1300" b="0">
+                  <a:solidFill>
+                    <a:srgbClr val="6A9955"/>
+                  </a:solidFill>
+                  <a:effectLst/>
+                  <a:latin typeface="Consolas" panose="020B0609020204030204" pitchFamily="49" charset="0"/>
+                </a:rPr>
+                <a:t># idea</a:t>
+              </a:r>
+              <a:br>
+                <a:rPr lang="en-US" altLang="zh-TW" sz="1300" b="0">
+                  <a:solidFill>
+                    <a:srgbClr val="CCCCCC"/>
+                  </a:solidFill>
+                  <a:effectLst/>
+                  <a:latin typeface="Consolas" panose="020B0609020204030204" pitchFamily="49" charset="0"/>
+                </a:rPr>
+              </a:br>
+              <a:r>
+                <a:rPr lang="en-US" altLang="zh-TW" sz="1300" b="0">
+                  <a:solidFill>
+                    <a:srgbClr val="CCCCCC"/>
+                  </a:solidFill>
+                  <a:effectLst/>
+                  <a:latin typeface="Consolas" panose="020B0609020204030204" pitchFamily="49" charset="0"/>
+                </a:rPr>
+                <a:t>.idea/</a:t>
+              </a:r>
+            </a:p>
+            <a:p>
+              <a:r>
+                <a:rPr lang="en-US" altLang="zh-TW" sz="1300" b="0">
+                  <a:solidFill>
+                    <a:srgbClr val="CCCCCC"/>
+                  </a:solidFill>
+                  <a:effectLst/>
+                  <a:latin typeface="Consolas" panose="020B0609020204030204" pitchFamily="49" charset="0"/>
+                </a:rPr>
+                <a:t>*.iml</a:t>
+              </a:r>
+            </a:p>
+            <a:p>
+              <a:r>
+                <a:rPr lang="en-US" altLang="zh-TW" sz="1300" b="0">
+                  <a:solidFill>
+                    <a:srgbClr val="CCCCCC"/>
+                  </a:solidFill>
+                  <a:effectLst/>
+                  <a:latin typeface="Consolas" panose="020B0609020204030204" pitchFamily="49" charset="0"/>
+                </a:rPr>
+                <a:t>*.ipr</a:t>
+              </a:r>
+            </a:p>
+            <a:p>
+              <a:r>
+                <a:rPr lang="en-US" altLang="zh-TW" sz="1300" b="0">
+                  <a:solidFill>
+                    <a:srgbClr val="CCCCCC"/>
+                  </a:solidFill>
+                  <a:effectLst/>
+                  <a:latin typeface="Consolas" panose="020B0609020204030204" pitchFamily="49" charset="0"/>
+                </a:rPr>
+                <a:t>*.iws</a:t>
+              </a:r>
+            </a:p>
+            <a:p>
+              <a:br>
+                <a:rPr lang="en-US" altLang="zh-TW" sz="1300" b="0">
+                  <a:solidFill>
+                    <a:srgbClr val="CCCCCC"/>
+                  </a:solidFill>
+                  <a:effectLst/>
+                  <a:latin typeface="Consolas" panose="020B0609020204030204" pitchFamily="49" charset="0"/>
+                </a:rPr>
+              </a:br>
+              <a:r>
+                <a:rPr lang="en-US" altLang="zh-TW" sz="1300" b="0">
+                  <a:solidFill>
+                    <a:srgbClr val="6A9955"/>
+                  </a:solidFill>
+                  <a:effectLst/>
+                  <a:latin typeface="Consolas" panose="020B0609020204030204" pitchFamily="49" charset="0"/>
+                </a:rPr>
+                <a:t># vscode</a:t>
+              </a:r>
+              <a:br>
+                <a:rPr lang="en-US" altLang="zh-TW" sz="1300" b="0">
+                  <a:solidFill>
+                    <a:srgbClr val="CCCCCC"/>
+                  </a:solidFill>
+                  <a:effectLst/>
+                  <a:latin typeface="Consolas" panose="020B0609020204030204" pitchFamily="49" charset="0"/>
+                </a:rPr>
+              </a:br>
+              <a:r>
+                <a:rPr lang="en-US" altLang="zh-TW" sz="1300" b="0">
+                  <a:solidFill>
+                    <a:srgbClr val="CCCCCC"/>
+                  </a:solidFill>
+                  <a:effectLst/>
+                  <a:latin typeface="Consolas" panose="020B0609020204030204" pitchFamily="49" charset="0"/>
+                </a:rPr>
+                <a:t>.settings/</a:t>
+              </a:r>
+            </a:p>
+            <a:p>
+              <a:r>
+                <a:rPr lang="en-US" altLang="zh-TW" sz="1300" b="0">
+                  <a:solidFill>
+                    <a:srgbClr val="CCCCCC"/>
+                  </a:solidFill>
+                  <a:effectLst/>
+                  <a:latin typeface="Consolas" panose="020B0609020204030204" pitchFamily="49" charset="0"/>
+                </a:rPr>
+                <a:t>.vscode/</a:t>
+              </a:r>
+            </a:p>
+            <a:p>
+              <a:r>
+                <a:rPr lang="en-US" altLang="zh-TW" sz="1300" b="0">
+                  <a:solidFill>
+                    <a:srgbClr val="CCCCCC"/>
+                  </a:solidFill>
+                  <a:effectLst/>
+                  <a:latin typeface="Consolas" panose="020B0609020204030204" pitchFamily="49" charset="0"/>
+                </a:rPr>
+                <a:t>bin/</a:t>
+              </a:r>
+            </a:p>
+            <a:p>
+              <a:r>
+                <a:rPr lang="en-US" altLang="zh-TW" sz="1300" b="0">
+                  <a:solidFill>
+                    <a:srgbClr val="CCCCCC"/>
+                  </a:solidFill>
+                  <a:effectLst/>
+                  <a:latin typeface="Consolas" panose="020B0609020204030204" pitchFamily="49" charset="0"/>
+                </a:rPr>
+                <a:t>.classpath</a:t>
+              </a:r>
+            </a:p>
+            <a:p>
+              <a:r>
+                <a:rPr lang="en-US" altLang="zh-TW" sz="1300" b="0">
+                  <a:solidFill>
+                    <a:srgbClr val="CCCCCC"/>
+                  </a:solidFill>
+                  <a:effectLst/>
+                  <a:latin typeface="Consolas" panose="020B0609020204030204" pitchFamily="49" charset="0"/>
+                </a:rPr>
+                <a:t>.project</a:t>
+              </a:r>
+            </a:p>
+            <a:p>
+              <a:br>
+                <a:rPr lang="en-US" altLang="zh-TW" sz="1300" b="0">
+                  <a:solidFill>
+                    <a:srgbClr val="CCCCCC"/>
+                  </a:solidFill>
+                  <a:effectLst/>
+                  <a:latin typeface="Consolas" panose="020B0609020204030204" pitchFamily="49" charset="0"/>
+                </a:rPr>
+              </a:br>
+              <a:r>
+                <a:rPr lang="en-US" altLang="zh-TW" sz="1300" b="0">
+                  <a:solidFill>
+                    <a:srgbClr val="6A9955"/>
+                  </a:solidFill>
+                  <a:effectLst/>
+                  <a:latin typeface="Consolas" panose="020B0609020204030204" pitchFamily="49" charset="0"/>
+                </a:rPr>
+                <a:t># macos</a:t>
+              </a:r>
+              <a:br>
+                <a:rPr lang="en-US" altLang="zh-TW" sz="1300" b="0">
+                  <a:solidFill>
+                    <a:srgbClr val="CCCCCC"/>
+                  </a:solidFill>
+                  <a:effectLst/>
+                  <a:latin typeface="Consolas" panose="020B0609020204030204" pitchFamily="49" charset="0"/>
+                </a:rPr>
+              </a:br>
+              <a:r>
+                <a:rPr lang="en-US" altLang="zh-TW" sz="1300" b="0">
+                  <a:solidFill>
+                    <a:srgbClr val="CCCCCC"/>
+                  </a:solidFill>
+                  <a:effectLst/>
+                  <a:latin typeface="Consolas" panose="020B0609020204030204" pitchFamily="49" charset="0"/>
+                </a:rPr>
+                <a:t>*.DS_Store</a:t>
+              </a:r>
+            </a:p>
+            <a:p>
+              <a:br>
+                <a:rPr lang="en-US" altLang="zh-TW" sz="1300" b="0">
+                  <a:solidFill>
+                    <a:srgbClr val="CCCCCC"/>
+                  </a:solidFill>
+                  <a:effectLst/>
+                  <a:latin typeface="Consolas" panose="020B0609020204030204" pitchFamily="49" charset="0"/>
+                </a:rPr>
+              </a:br>
+              <a:r>
+                <a:rPr lang="en-US" altLang="zh-TW" sz="1300" b="0">
+                  <a:solidFill>
+                    <a:srgbClr val="6A9955"/>
+                  </a:solidFill>
+                  <a:effectLst/>
+                  <a:latin typeface="Consolas" panose="020B0609020204030204" pitchFamily="49" charset="0"/>
+                </a:rPr>
+                <a:t># fabric</a:t>
+              </a:r>
+              <a:br>
+                <a:rPr lang="en-US" altLang="zh-TW" sz="1300" b="0">
+                  <a:solidFill>
+                    <a:srgbClr val="CCCCCC"/>
+                  </a:solidFill>
+                  <a:effectLst/>
+                  <a:latin typeface="Consolas" panose="020B0609020204030204" pitchFamily="49" charset="0"/>
+                </a:rPr>
+              </a:br>
+              <a:r>
+                <a:rPr lang="en-US" altLang="zh-TW" sz="1300" b="0">
+                  <a:solidFill>
+                    <a:srgbClr val="CCCCCC"/>
+                  </a:solidFill>
+                  <a:effectLst/>
+                  <a:latin typeface="Consolas" panose="020B0609020204030204" pitchFamily="49" charset="0"/>
+                </a:rPr>
+                <a:t>run/</a:t>
+              </a:r>
+            </a:p>
+            <a:p>
+              <a:br>
+                <a:rPr lang="en-US" altLang="zh-TW" sz="1300" b="0">
+                  <a:solidFill>
+                    <a:srgbClr val="CCCCCC"/>
+                  </a:solidFill>
+                  <a:effectLst/>
+                  <a:latin typeface="Consolas" panose="020B0609020204030204" pitchFamily="49" charset="0"/>
+                </a:rPr>
+              </a:br>
+              <a:r>
+                <a:rPr lang="en-US" altLang="zh-TW" sz="1300" b="0">
+                  <a:solidFill>
+                    <a:srgbClr val="6A9955"/>
+                  </a:solidFill>
+                  <a:effectLst/>
+                  <a:latin typeface="Consolas" panose="020B0609020204030204" pitchFamily="49" charset="0"/>
+                </a:rPr>
+                <a:t># java</a:t>
+              </a:r>
+              <a:br>
+                <a:rPr lang="en-US" altLang="zh-TW" sz="1300" b="0">
+                  <a:solidFill>
+                    <a:srgbClr val="CCCCCC"/>
+                  </a:solidFill>
+                  <a:effectLst/>
+                  <a:latin typeface="Consolas" panose="020B0609020204030204" pitchFamily="49" charset="0"/>
+                </a:rPr>
+              </a:br>
+              <a:r>
+                <a:rPr lang="en-US" altLang="zh-TW" sz="1300" b="0">
+                  <a:solidFill>
+                    <a:srgbClr val="CCCCCC"/>
+                  </a:solidFill>
+                  <a:effectLst/>
+                  <a:latin typeface="Consolas" panose="020B0609020204030204" pitchFamily="49" charset="0"/>
+                </a:rPr>
+                <a:t>hs_err_*.log</a:t>
+              </a:r>
+            </a:p>
+            <a:p>
+              <a:r>
+                <a:rPr lang="en-US" altLang="zh-TW" sz="1300" b="0">
+                  <a:solidFill>
+                    <a:srgbClr val="CCCCCC"/>
+                  </a:solidFill>
+                  <a:effectLst/>
+                  <a:latin typeface="Consolas" panose="020B0609020204030204" pitchFamily="49" charset="0"/>
+                </a:rPr>
+                <a:t>replay_*.log</a:t>
+              </a:r>
+            </a:p>
+            <a:p>
+              <a:r>
+                <a:rPr lang="en-US" altLang="zh-TW" sz="1300" b="0">
+                  <a:solidFill>
+                    <a:srgbClr val="CCCCCC"/>
+                  </a:solidFill>
+                  <a:effectLst/>
+                  <a:latin typeface="Consolas" panose="020B0609020204030204" pitchFamily="49" charset="0"/>
+                </a:rPr>
+                <a:t>*.hprof</a:t>
+              </a:r>
+            </a:p>
+            <a:p>
+              <a:r>
+                <a:rPr lang="en-US" altLang="zh-TW" sz="1300" b="0">
+                  <a:solidFill>
+                    <a:srgbClr val="CCCCCC"/>
+                  </a:solidFill>
+                  <a:effectLst/>
+                  <a:latin typeface="Consolas" panose="020B0609020204030204" pitchFamily="49" charset="0"/>
+                </a:rPr>
+                <a:t>*.jfr</a:t>
+              </a:r>
+            </a:p>
+          </p:txBody>
+        </p:sp>
+        <p:sp>
+          <p:nvSpPr>
+            <p:cNvPr id="11" name="文字方塊 10">
+              <a:extLst>
+                <a:ext uri="{FF2B5EF4-FFF2-40B4-BE49-F238E27FC236}">
+                  <a16:creationId xmlns:a16="http://schemas.microsoft.com/office/drawing/2014/main" id="{B66E74F9-339A-4C88-AE94-BB9E746DEAD7}"/>
+                </a:ext>
+              </a:extLst>
+            </p:cNvPr>
+            <p:cNvSpPr txBox="1"/>
+            <p:nvPr/>
+          </p:nvSpPr>
+          <p:spPr>
+            <a:xfrm>
+              <a:off x="10319542" y="6415208"/>
+              <a:ext cx="1034257" cy="276999"/>
+            </a:xfrm>
+            <a:prstGeom prst="rect">
+              <a:avLst/>
+            </a:prstGeom>
+            <a:noFill/>
+          </p:spPr>
+          <p:txBody>
+            <a:bodyPr wrap="none" rtlCol="0">
+              <a:spAutoFit/>
+            </a:bodyPr>
+            <a:lstStyle/>
+            <a:p>
+              <a:r>
+                <a:rPr lang="en-US" altLang="zh-TW" sz="1200">
+                  <a:solidFill>
+                    <a:schemeClr val="accent3"/>
+                  </a:solidFill>
+                </a:rPr>
+                <a:t>.gitignore</a:t>
+              </a:r>
+              <a:endParaRPr lang="zh-TW" altLang="en-US" sz="1200">
+                <a:solidFill>
+                  <a:schemeClr val="accent3"/>
+                </a:solidFill>
+              </a:endParaRPr>
+            </a:p>
+          </p:txBody>
+        </p:sp>
+      </p:grpSp>
+    </p:spTree>
+    <p:extLst>
+      <p:ext uri="{BB962C8B-B14F-4D97-AF65-F5344CB8AC3E}">
+        <p14:creationId xmlns:p14="http://schemas.microsoft.com/office/powerpoint/2010/main" val="2132501907"/>
+      </p:ext>
+    </p:extLst>
+  </p:cSld>
+  <p:clrMapOvr>
+    <a:masterClrMapping/>
+  </p:clrMapOvr>
+  <p:transition spd="slow">
+    <p:push dir="u"/>
+  </p:transition>
+</p:sld>
+</file>
+
+<file path=ppt/slides/slide43.xml><?xml version="1.0" encoding="utf-8"?>
+<p:sld xmlns:a="http://schemas.openxmlformats.org/drawingml/2006/main" xmlns:r="http://schemas.openxmlformats.org/officeDocument/2006/relationships" xmlns:p="http://schemas.openxmlformats.org/presentationml/2006/main">
+  <p:cSld>
+    <p:spTree>
+      <p:nvGrpSpPr>
+        <p:cNvPr id="1" name=""/>
+        <p:cNvGrpSpPr/>
+        <p:nvPr/>
+      </p:nvGrpSpPr>
+      <p:grpSpPr>
+        <a:xfrm>
+          <a:off x="0" y="0"/>
+          <a:ext cx="0" cy="0"/>
+          <a:chOff x="0" y="0"/>
+          <a:chExt cx="0" cy="0"/>
+        </a:xfrm>
+      </p:grpSpPr>
+      <p:sp>
+        <p:nvSpPr>
+          <p:cNvPr id="2" name="標題 1">
+            <a:extLst>
+              <a:ext uri="{FF2B5EF4-FFF2-40B4-BE49-F238E27FC236}">
+                <a16:creationId xmlns:a16="http://schemas.microsoft.com/office/drawing/2014/main" id="{D112CCBD-D2BD-43AC-A0C5-1F4168EF0A30}"/>
+              </a:ext>
+            </a:extLst>
+          </p:cNvPr>
+          <p:cNvSpPr>
+            <a:spLocks noGrp="1"/>
+          </p:cNvSpPr>
+          <p:nvPr>
+            <p:ph type="title"/>
+          </p:nvPr>
+        </p:nvSpPr>
+        <p:spPr>
+          <a:xfrm>
+            <a:off x="1308981" y="1120328"/>
+            <a:ext cx="3480303" cy="1325563"/>
+          </a:xfrm>
+        </p:spPr>
+        <p:txBody>
+          <a:bodyPr/>
+          <a:lstStyle/>
+          <a:p>
+            <a:r>
+              <a:rPr lang="en-US" altLang="zh-TW"/>
+              <a:t>.gitignore</a:t>
+            </a:r>
+            <a:endParaRPr lang="zh-TW" altLang="en-US"/>
+          </a:p>
+        </p:txBody>
+      </p:sp>
+      <p:grpSp>
+        <p:nvGrpSpPr>
+          <p:cNvPr id="6" name="群組 5">
+            <a:extLst>
+              <a:ext uri="{FF2B5EF4-FFF2-40B4-BE49-F238E27FC236}">
+                <a16:creationId xmlns:a16="http://schemas.microsoft.com/office/drawing/2014/main" id="{D844653D-86E7-4738-8F9F-9D8735E4BBE1}"/>
+              </a:ext>
+            </a:extLst>
+          </p:cNvPr>
+          <p:cNvGrpSpPr/>
+          <p:nvPr/>
+        </p:nvGrpSpPr>
+        <p:grpSpPr>
+          <a:xfrm>
+            <a:off x="1308981" y="3354894"/>
+            <a:ext cx="3480303" cy="830997"/>
+            <a:chOff x="8081066" y="2929638"/>
+            <a:chExt cx="3480303" cy="830997"/>
+          </a:xfrm>
+        </p:grpSpPr>
+        <p:sp>
+          <p:nvSpPr>
+            <p:cNvPr id="7" name="Rectangle 1">
+              <a:extLst>
+                <a:ext uri="{FF2B5EF4-FFF2-40B4-BE49-F238E27FC236}">
+                  <a16:creationId xmlns:a16="http://schemas.microsoft.com/office/drawing/2014/main" id="{EA0A0B7C-7477-4816-8E54-0E3EB7D3711F}"/>
+                </a:ext>
+              </a:extLst>
+            </p:cNvPr>
+            <p:cNvSpPr>
+              <a:spLocks noChangeArrowheads="1"/>
+            </p:cNvSpPr>
+            <p:nvPr/>
+          </p:nvSpPr>
+          <p:spPr bwMode="auto">
+            <a:xfrm>
+              <a:off x="8081066" y="2929638"/>
+              <a:ext cx="3480303" cy="830997"/>
+            </a:xfrm>
+            <a:prstGeom prst="rect">
+              <a:avLst/>
+            </a:prstGeom>
+            <a:solidFill>
+              <a:srgbClr val="1E1F22"/>
+            </a:solidFill>
+            <a:ln>
+              <a:noFill/>
+            </a:ln>
+            <a:effectLst/>
+            <a:extLst>
+              <a:ext uri="{91240B29-F687-4F45-9708-019B960494DF}">
+                <a14:hiddenLine xmlns:a14="http://schemas.microsoft.com/office/drawing/2010/main" w="9525">
+                  <a:solidFill>
+                    <a:schemeClr val="tx1"/>
+                  </a:solidFill>
+                  <a:miter lim="800000"/>
+                  <a:headEnd/>
+                  <a:tailEnd/>
+                </a14:hiddenLine>
+              </a:ext>
+              <a:ext uri="{AF507438-7753-43E0-B8FC-AC1667EBCBE1}">
+                <a14:hiddenEffects xmlns:a14="http://schemas.microsoft.com/office/drawing/2010/main">
+                  <a:effectLst>
+                    <a:outerShdw dist="35921" dir="2700000" algn="ctr" rotWithShape="0">
+                      <a:schemeClr val="bg2"/>
+                    </a:outerShdw>
+                  </a:effectLst>
+                </a14:hiddenEffects>
+              </a:ext>
+            </a:extLst>
+          </p:spPr>
+          <p:txBody>
+            <a:bodyPr vert="horz" wrap="square" lIns="91440" tIns="45720" rIns="91440" bIns="45720" numCol="1" anchor="ctr" anchorCtr="0" compatLnSpc="1">
+              <a:prstTxWarp prst="textNoShape">
+                <a:avLst/>
+              </a:prstTxWarp>
+              <a:spAutoFit/>
+            </a:bodyPr>
+            <a:lstStyle/>
+            <a:p>
+              <a:r>
+                <a:rPr lang="en-US" altLang="zh-TW" sz="2400" b="0">
+                  <a:solidFill>
+                    <a:srgbClr val="6A9955"/>
+                  </a:solidFill>
+                  <a:effectLst/>
+                  <a:latin typeface="Consolas" panose="020B0609020204030204" pitchFamily="49" charset="0"/>
+                </a:rPr>
+                <a:t># .gitignore file</a:t>
+              </a:r>
+              <a:endParaRPr lang="en-US" altLang="zh-TW" sz="2400" b="0">
+                <a:solidFill>
+                  <a:srgbClr val="BCBEC4"/>
+                </a:solidFill>
+                <a:effectLst/>
+                <a:latin typeface="Consolas" panose="020B0609020204030204" pitchFamily="49" charset="0"/>
+              </a:endParaRPr>
+            </a:p>
+            <a:p>
+              <a:r>
+                <a:rPr lang="en-US" altLang="zh-TW" sz="2400" b="0">
+                  <a:solidFill>
+                    <a:srgbClr val="BCBEC4"/>
+                  </a:solidFill>
+                  <a:effectLst/>
+                  <a:latin typeface="Consolas" panose="020B0609020204030204" pitchFamily="49" charset="0"/>
+                </a:rPr>
+                <a:t>/hi.txt</a:t>
+              </a:r>
+            </a:p>
+          </p:txBody>
+        </p:sp>
+        <p:sp>
+          <p:nvSpPr>
+            <p:cNvPr id="8" name="文字方塊 7">
+              <a:extLst>
+                <a:ext uri="{FF2B5EF4-FFF2-40B4-BE49-F238E27FC236}">
+                  <a16:creationId xmlns:a16="http://schemas.microsoft.com/office/drawing/2014/main" id="{3A2CAB74-18BA-4F87-9028-B5A3D3139CC6}"/>
+                </a:ext>
+              </a:extLst>
+            </p:cNvPr>
+            <p:cNvSpPr txBox="1"/>
+            <p:nvPr/>
+          </p:nvSpPr>
+          <p:spPr>
+            <a:xfrm>
+              <a:off x="10254601" y="3422081"/>
+              <a:ext cx="1306768" cy="338554"/>
+            </a:xfrm>
+            <a:prstGeom prst="rect">
+              <a:avLst/>
+            </a:prstGeom>
+            <a:noFill/>
+          </p:spPr>
+          <p:txBody>
+            <a:bodyPr wrap="none" rtlCol="0">
+              <a:spAutoFit/>
+            </a:bodyPr>
+            <a:lstStyle/>
+            <a:p>
+              <a:r>
+                <a:rPr lang="en-US" altLang="zh-TW" sz="1600">
+                  <a:solidFill>
+                    <a:schemeClr val="accent3"/>
+                  </a:solidFill>
+                </a:rPr>
+                <a:t>.gitignore</a:t>
+              </a:r>
+              <a:endParaRPr lang="zh-TW" altLang="en-US" sz="1600">
+                <a:solidFill>
+                  <a:schemeClr val="accent3"/>
+                </a:solidFill>
+              </a:endParaRPr>
+            </a:p>
+          </p:txBody>
+        </p:sp>
+      </p:grpSp>
+      <p:pic>
+        <p:nvPicPr>
+          <p:cNvPr id="10" name="圖片 9">
+            <a:extLst>
+              <a:ext uri="{FF2B5EF4-FFF2-40B4-BE49-F238E27FC236}">
+                <a16:creationId xmlns:a16="http://schemas.microsoft.com/office/drawing/2014/main" id="{E2E45437-E4C7-476D-B3B2-F21AE1D42FFF}"/>
+              </a:ext>
+            </a:extLst>
+          </p:cNvPr>
+          <p:cNvPicPr>
+            <a:picLocks noChangeAspect="1"/>
+          </p:cNvPicPr>
+          <p:nvPr/>
+        </p:nvPicPr>
+        <p:blipFill>
+          <a:blip r:embed="rId2"/>
+          <a:stretch>
+            <a:fillRect/>
+          </a:stretch>
+        </p:blipFill>
+        <p:spPr>
+          <a:xfrm>
+            <a:off x="6096000" y="197192"/>
+            <a:ext cx="5156120" cy="6483904"/>
+          </a:xfrm>
+          <a:prstGeom prst="rect">
+            <a:avLst/>
+          </a:prstGeom>
+          <a:ln>
+            <a:solidFill>
+              <a:schemeClr val="accent1"/>
+            </a:solidFill>
+          </a:ln>
+        </p:spPr>
+      </p:pic>
+    </p:spTree>
+    <p:extLst>
+      <p:ext uri="{BB962C8B-B14F-4D97-AF65-F5344CB8AC3E}">
+        <p14:creationId xmlns:p14="http://schemas.microsoft.com/office/powerpoint/2010/main" val="2511502336"/>
       </p:ext>
     </p:extLst>
   </p:cSld>
@@ -27322,6 +29946,15 @@
     <p:push dir="u"/>
   </p:transition>
 </p:sld>
+</file>
+
+<file path=ppt/tags/tag1.xml><?xml version="1.0" encoding="utf-8"?>
+<p:tagLst xmlns:a="http://schemas.openxmlformats.org/drawingml/2006/main" xmlns:r="http://schemas.openxmlformats.org/officeDocument/2006/relationships" xmlns:p="http://schemas.openxmlformats.org/presentationml/2006/main">
+  <p:tag name="SLIDO_APP_VERSION" val="1.12.0.5522"/>
+  <p:tag name="SLIDO_PRESENTATION_ID" val="00000000-0000-0000-0000-000000000000"/>
+  <p:tag name="SLIDO_EVENT_UUID" val="e3c05716-5cd7-4500-8c92-45d07dfac98c"/>
+  <p:tag name="SLIDO_EVENT_SECTION_UUID" val="9f6ec251-de4b-4dbd-8775-f4e6cfbee316"/>
+</p:tagLst>
 </file>
 
 <file path=ppt/theme/theme1.xml><?xml version="1.0" encoding="utf-8"?>

--- a/ppt/16_Git 與 Github.pptx
+++ b/ppt/16_Git 與 Github.pptx
@@ -242,7 +242,7 @@
           <a:p>
             <a:fld id="{4C3E8E4F-B94C-4931-8E26-37EF94800EBC}" type="datetimeFigureOut">
               <a:rPr lang="zh-TW" altLang="en-US" smtClean="0"/>
-              <a:t>2024/9/15</a:t>
+              <a:t>2024/11/9</a:t>
             </a:fld>
             <a:endParaRPr lang="zh-TW" altLang="en-US"/>
           </a:p>
@@ -5446,11 +5446,13 @@
         <p:spPr>
           <a:xfrm>
             <a:off x="838200" y="1690688"/>
-            <a:ext cx="10515600" cy="1528412"/>
+            <a:ext cx="10515600" cy="2076516"/>
           </a:xfrm>
         </p:spPr>
         <p:txBody>
-          <a:bodyPr/>
+          <a:bodyPr>
+            <a:normAutofit/>
+          </a:bodyPr>
           <a:lstStyle/>
           <a:p>
             <a:r>
@@ -5463,7 +5465,7 @@
             </a:r>
             <a:r>
               <a:rPr lang="zh-TW" altLang="en-US"/>
-              <a:t> 將檔案分為四種狀態：</a:t>
+              <a:t> 有四種檔案狀態：</a:t>
             </a:r>
             <a:r>
               <a:rPr lang="zh-TW" altLang="en-US">
@@ -5481,6 +5483,31 @@
               </a:rPr>
               <a:t>(untrack)</a:t>
             </a:r>
+            <a:r>
+              <a:rPr lang="zh-TW" altLang="en-US"/>
+              <a:t>、</a:t>
+            </a:r>
+            <a:r>
+              <a:rPr lang="zh-TW" altLang="en-US">
+                <a:solidFill>
+                  <a:srgbClr val="00B0F0"/>
+                </a:solidFill>
+              </a:rPr>
+              <a:t>未修改</a:t>
+            </a:r>
+            <a:r>
+              <a:rPr lang="en-US" altLang="zh-TW">
+                <a:solidFill>
+                  <a:srgbClr val="00B0F0"/>
+                </a:solidFill>
+              </a:rPr>
+              <a:t>(unmodified)</a:t>
+            </a:r>
+            <a:r>
+              <a:rPr lang="zh-TW" altLang="en-US"/>
+              <a:t>、</a:t>
+            </a:r>
+            <a:endParaRPr lang="en-US" altLang="zh-TW"/>
           </a:p>
           <a:p>
             <a:r>
@@ -5489,7 +5516,7 @@
                   <a:srgbClr val="00B0F0"/>
                 </a:solidFill>
               </a:rPr>
-              <a:t>未修改</a:t>
+              <a:t>未暫存</a:t>
             </a:r>
             <a:r>
               <a:rPr lang="en-US" altLang="zh-TW">
@@ -5497,19 +5524,38 @@
                   <a:srgbClr val="00B0F0"/>
                 </a:solidFill>
               </a:rPr>
-              <a:t>(unmodified)</a:t>
-            </a:r>
-            <a:r>
-              <a:rPr lang="zh-TW" altLang="en-US"/>
+              <a:t>(unstaged</a:t>
+            </a:r>
+            <a:r>
+              <a:rPr lang="zh-TW" altLang="en-US">
+                <a:solidFill>
+                  <a:srgbClr val="00B0F0"/>
+                </a:solidFill>
+              </a:rPr>
               <a:t>、</a:t>
             </a:r>
             <a:r>
+              <a:rPr lang="en-US" altLang="zh-TW">
+                <a:solidFill>
+                  <a:srgbClr val="00B0F0"/>
+                </a:solidFill>
+              </a:rPr>
+              <a:t>Changes not staged for commit)</a:t>
+            </a:r>
+            <a:endParaRPr lang="en-US" altLang="zh-TW"/>
+          </a:p>
+          <a:p>
+            <a:r>
+              <a:rPr lang="zh-TW" altLang="en-US"/>
+              <a:t>、</a:t>
+            </a:r>
+            <a:r>
               <a:rPr lang="zh-TW" altLang="en-US">
                 <a:solidFill>
                   <a:srgbClr val="00B0F0"/>
                 </a:solidFill>
               </a:rPr>
-              <a:t>未暫存</a:t>
+              <a:t>已暫存</a:t>
             </a:r>
             <a:r>
               <a:rPr lang="en-US" altLang="zh-TW">
@@ -5517,27 +5563,23 @@
                   <a:srgbClr val="00B0F0"/>
                 </a:solidFill>
               </a:rPr>
-              <a:t>(modified)</a:t>
-            </a:r>
-            <a:r>
-              <a:rPr lang="zh-TW" altLang="en-US"/>
+              <a:t>(staged</a:t>
+            </a:r>
+            <a:r>
+              <a:rPr lang="zh-TW" altLang="en-US">
+                <a:solidFill>
+                  <a:srgbClr val="00B0F0"/>
+                </a:solidFill>
+              </a:rPr>
               <a:t>、</a:t>
             </a:r>
             <a:r>
-              <a:rPr lang="zh-TW" altLang="en-US">
-                <a:solidFill>
-                  <a:srgbClr val="00B0F0"/>
-                </a:solidFill>
-              </a:rPr>
-              <a:t>已暫存</a:t>
-            </a:r>
-            <a:r>
               <a:rPr lang="en-US" altLang="zh-TW">
                 <a:solidFill>
                   <a:srgbClr val="00B0F0"/>
                 </a:solidFill>
               </a:rPr>
-              <a:t>(staged)</a:t>
+              <a:t>Changes to be committed)</a:t>
             </a:r>
           </a:p>
           <a:p>
@@ -5585,7 +5627,7 @@
         </p:nvSpPr>
         <p:spPr>
           <a:xfrm>
-            <a:off x="838200" y="3941613"/>
+            <a:off x="838200" y="4286172"/>
             <a:ext cx="10515600" cy="1044913"/>
           </a:xfrm>
           <a:prstGeom prst="rect">
@@ -5910,7 +5952,7 @@
         </p:nvGrpSpPr>
         <p:grpSpPr>
           <a:xfrm>
-            <a:off x="838200" y="3327862"/>
+            <a:off x="838200" y="3732174"/>
             <a:ext cx="10515600" cy="461665"/>
             <a:chOff x="838200" y="3114311"/>
             <a:chExt cx="10515600" cy="461665"/>
@@ -6088,7 +6130,7 @@
         </p:nvGrpSpPr>
         <p:grpSpPr>
           <a:xfrm>
-            <a:off x="4143375" y="5073713"/>
+            <a:off x="4143375" y="5332116"/>
             <a:ext cx="7210425" cy="474232"/>
             <a:chOff x="-2286000" y="3114311"/>
             <a:chExt cx="7210425" cy="474232"/>
@@ -6313,7 +6355,7 @@
         </p:nvSpPr>
         <p:spPr>
           <a:xfrm>
-            <a:off x="838200" y="5061146"/>
+            <a:off x="838200" y="5319549"/>
             <a:ext cx="3305175" cy="486800"/>
           </a:xfrm>
           <a:prstGeom prst="rect">
@@ -6511,7 +6553,7 @@
         </p:nvGrpSpPr>
         <p:grpSpPr>
           <a:xfrm>
-            <a:off x="2743200" y="5714402"/>
+            <a:off x="2743200" y="5895471"/>
             <a:ext cx="2869674" cy="461665"/>
             <a:chOff x="838200" y="3114311"/>
             <a:chExt cx="2869674" cy="461665"/>
@@ -6692,7 +6734,7 @@
         </p:nvSpPr>
         <p:spPr>
           <a:xfrm>
-            <a:off x="838200" y="5701834"/>
+            <a:off x="838200" y="5882903"/>
             <a:ext cx="1905000" cy="486800"/>
           </a:xfrm>
           <a:prstGeom prst="rect">
@@ -6890,7 +6932,7 @@
         </p:nvGrpSpPr>
         <p:grpSpPr>
           <a:xfrm>
-            <a:off x="8524875" y="5714402"/>
+            <a:off x="8524875" y="5895471"/>
             <a:ext cx="2828925" cy="461665"/>
             <a:chOff x="605490" y="3114311"/>
             <a:chExt cx="2828925" cy="461665"/>
@@ -7071,7 +7113,7 @@
         </p:nvSpPr>
         <p:spPr>
           <a:xfrm>
-            <a:off x="5612873" y="5701834"/>
+            <a:off x="5612873" y="5882903"/>
             <a:ext cx="2912002" cy="486800"/>
           </a:xfrm>
           <a:prstGeom prst="rect">
@@ -18088,7 +18130,7 @@
           <a:p>
             <a:r>
               <a:rPr lang="zh-TW" altLang="en-US"/>
-              <a:t>合併衝突解決</a:t>
+              <a:t>補充：合併衝突解決</a:t>
             </a:r>
           </a:p>
         </p:txBody>

--- a/ppt/16_Git 與 Github.pptx
+++ b/ppt/16_Git 與 Github.pptx
@@ -242,7 +242,7 @@
           <a:p>
             <a:fld id="{4C3E8E4F-B94C-4931-8E26-37EF94800EBC}" type="datetimeFigureOut">
               <a:rPr lang="zh-TW" altLang="en-US" smtClean="0"/>
-              <a:t>2024/11/9</a:t>
+              <a:t>2024/11/30</a:t>
             </a:fld>
             <a:endParaRPr lang="zh-TW" altLang="en-US"/>
           </a:p>
@@ -25229,7 +25229,12 @@
             <p:ph idx="1"/>
           </p:nvPr>
         </p:nvSpPr>
-        <p:spPr/>
+        <p:spPr>
+          <a:xfrm>
+            <a:off x="838200" y="1635499"/>
+            <a:ext cx="10515600" cy="4105698"/>
+          </a:xfrm>
+        </p:spPr>
         <p:txBody>
           <a:bodyPr>
             <a:normAutofit/>
@@ -25574,6 +25579,101 @@
           </a:p>
         </p:txBody>
       </p:sp>
+      <p:grpSp>
+        <p:nvGrpSpPr>
+          <p:cNvPr id="4" name="群組 3">
+            <a:extLst>
+              <a:ext uri="{FF2B5EF4-FFF2-40B4-BE49-F238E27FC236}">
+                <a16:creationId xmlns:a16="http://schemas.microsoft.com/office/drawing/2014/main" id="{2B1C47C0-3539-4480-BF31-AB5DA2A1F30D}"/>
+              </a:ext>
+            </a:extLst>
+          </p:cNvPr>
+          <p:cNvGrpSpPr/>
+          <p:nvPr/>
+        </p:nvGrpSpPr>
+        <p:grpSpPr>
+          <a:xfrm>
+            <a:off x="8287841" y="5871276"/>
+            <a:ext cx="3065959" cy="430305"/>
+            <a:chOff x="7570590" y="5784663"/>
+            <a:chExt cx="3065959" cy="430305"/>
+          </a:xfrm>
+        </p:grpSpPr>
+        <p:pic>
+          <p:nvPicPr>
+            <p:cNvPr id="5" name="圖片 4">
+              <a:hlinkClick r:id="rId3"/>
+              <a:extLst>
+                <a:ext uri="{FF2B5EF4-FFF2-40B4-BE49-F238E27FC236}">
+                  <a16:creationId xmlns:a16="http://schemas.microsoft.com/office/drawing/2014/main" id="{A6364EFD-D3B2-4CF5-8442-73E0A406A9F8}"/>
+                </a:ext>
+              </a:extLst>
+            </p:cNvPr>
+            <p:cNvPicPr>
+              <a:picLocks noChangeAspect="1"/>
+            </p:cNvPicPr>
+            <p:nvPr/>
+          </p:nvPicPr>
+          <p:blipFill>
+            <a:blip r:embed="rId4">
+              <a:extLst>
+                <a:ext uri="{28A0092B-C50C-407E-A947-70E740481C1C}">
+                  <a14:useLocalDpi xmlns:a14="http://schemas.microsoft.com/office/drawing/2010/main" val="0"/>
+                </a:ext>
+              </a:extLst>
+            </a:blip>
+            <a:stretch>
+              <a:fillRect/>
+            </a:stretch>
+          </p:blipFill>
+          <p:spPr>
+            <a:xfrm>
+              <a:off x="7570590" y="5784663"/>
+              <a:ext cx="430305" cy="430305"/>
+            </a:xfrm>
+            <a:prstGeom prst="rect">
+              <a:avLst/>
+            </a:prstGeom>
+          </p:spPr>
+        </p:pic>
+        <p:sp>
+          <p:nvSpPr>
+            <p:cNvPr id="6" name="文字方塊 5">
+              <a:extLst>
+                <a:ext uri="{FF2B5EF4-FFF2-40B4-BE49-F238E27FC236}">
+                  <a16:creationId xmlns:a16="http://schemas.microsoft.com/office/drawing/2014/main" id="{260B7BD1-8A07-4BD7-AD92-A41C5B62846B}"/>
+                </a:ext>
+              </a:extLst>
+            </p:cNvPr>
+            <p:cNvSpPr txBox="1"/>
+            <p:nvPr/>
+          </p:nvSpPr>
+          <p:spPr>
+            <a:xfrm>
+              <a:off x="8000894" y="5815149"/>
+              <a:ext cx="2635655" cy="369332"/>
+            </a:xfrm>
+            <a:prstGeom prst="rect">
+              <a:avLst/>
+            </a:prstGeom>
+            <a:noFill/>
+          </p:spPr>
+          <p:txBody>
+            <a:bodyPr wrap="square" rtlCol="0">
+              <a:spAutoFit/>
+            </a:bodyPr>
+            <a:lstStyle/>
+            <a:p>
+              <a:pPr algn="ctr"/>
+              <a:r>
+                <a:rPr lang="en-US" altLang="zh-TW"/>
+                <a:t>https://guthib.com/</a:t>
+              </a:r>
+              <a:endParaRPr lang="zh-TW" altLang="en-US"/>
+            </a:p>
+          </p:txBody>
+        </p:sp>
+      </p:grpSp>
     </p:spTree>
     <p:extLst>
       <p:ext uri="{BB962C8B-B14F-4D97-AF65-F5344CB8AC3E}">
@@ -29731,7 +29831,7 @@
         </p:nvSpPr>
         <p:spPr>
           <a:xfrm>
-            <a:off x="106643" y="2892769"/>
+            <a:off x="224332" y="2892769"/>
             <a:ext cx="1671917" cy="1563034"/>
           </a:xfrm>
         </p:spPr>
@@ -29776,10 +29876,10 @@
         </p:nvGrpSpPr>
         <p:grpSpPr>
           <a:xfrm>
-            <a:off x="1679946" y="940869"/>
-            <a:ext cx="10338174" cy="5753704"/>
-            <a:chOff x="1787525" y="940869"/>
-            <a:chExt cx="10338174" cy="5753704"/>
+            <a:off x="1913284" y="1044517"/>
+            <a:ext cx="9998240" cy="5564514"/>
+            <a:chOff x="1957492" y="1035464"/>
+            <a:chExt cx="9998240" cy="5564514"/>
           </a:xfrm>
         </p:grpSpPr>
         <p:pic>
@@ -29804,8 +29904,8 @@
           </p:blipFill>
           <p:spPr>
             <a:xfrm>
-              <a:off x="1787525" y="940869"/>
-              <a:ext cx="10338174" cy="5753704"/>
+              <a:off x="1957492" y="1035464"/>
+              <a:ext cx="9998240" cy="5564514"/>
             </a:xfrm>
             <a:prstGeom prst="rect">
               <a:avLst/>
@@ -29831,7 +29931,7 @@
           </p:nvSpPr>
           <p:spPr>
             <a:xfrm>
-              <a:off x="4526508" y="3730944"/>
+              <a:off x="4595297" y="3730944"/>
               <a:ext cx="389434" cy="218439"/>
             </a:xfrm>
             <a:prstGeom prst="roundRect">
@@ -29883,8 +29983,8 @@
           </p:nvSpPr>
           <p:spPr>
             <a:xfrm>
-              <a:off x="5210598" y="3728563"/>
-              <a:ext cx="5337968" cy="218439"/>
+              <a:off x="5279654" y="3728563"/>
+              <a:ext cx="5159697" cy="218439"/>
             </a:xfrm>
             <a:prstGeom prst="roundRect">
               <a:avLst/>

--- a/ppt/16_Git 與 Github.pptx
+++ b/ppt/16_Git 與 Github.pptx
@@ -242,7 +242,7 @@
           <a:p>
             <a:fld id="{4C3E8E4F-B94C-4931-8E26-37EF94800EBC}" type="datetimeFigureOut">
               <a:rPr lang="zh-TW" altLang="en-US" smtClean="0"/>
-              <a:t>2024/11/30</a:t>
+              <a:t>2025/1/27</a:t>
             </a:fld>
             <a:endParaRPr lang="zh-TW" altLang="en-US"/>
           </a:p>
@@ -3333,7 +3333,7 @@
                   <a:srgbClr val="00B0F0"/>
                 </a:solidFill>
               </a:rPr>
-              <a:t>數據庫</a:t>
+              <a:t>儲存庫</a:t>
             </a:r>
             <a:r>
               <a:rPr lang="zh-TW" altLang="en-US"/>
@@ -3398,7 +3398,7 @@
                   <a:srgbClr val="00B0F0"/>
                 </a:solidFill>
               </a:rPr>
-              <a:t>遠端數據庫</a:t>
+              <a:t>遠端儲存庫</a:t>
             </a:r>
             <a:r>
               <a:rPr lang="en-US" altLang="zh-TW">
@@ -3468,7 +3468,7 @@
                   <a:srgbClr val="00B0F0"/>
                 </a:solidFill>
               </a:rPr>
-              <a:t>遠端數據庫</a:t>
+              <a:t>遠端儲存庫</a:t>
             </a:r>
             <a:r>
               <a:rPr lang="zh-TW" altLang="en-US"/>
@@ -3506,7 +3506,7 @@
                   <a:srgbClr val="00B0F0"/>
                 </a:solidFill>
               </a:rPr>
-              <a:t>本地數據庫</a:t>
+              <a:t>本地儲存庫</a:t>
             </a:r>
             <a:r>
               <a:rPr lang="en-US" altLang="zh-TW">
@@ -3532,7 +3532,7 @@
                   <a:srgbClr val="00B0F0"/>
                 </a:solidFill>
               </a:rPr>
-              <a:t>遠端數據庫</a:t>
+              <a:t>遠端儲存庫</a:t>
             </a:r>
             <a:endParaRPr lang="en-US" altLang="zh-TW">
               <a:solidFill>
@@ -3603,7 +3603,7 @@
           <a:p>
             <a:r>
               <a:rPr lang="zh-TW" altLang="en-US"/>
-              <a:t>複製遠端數據庫</a:t>
+              <a:t>複製遠端儲存庫</a:t>
             </a:r>
           </a:p>
         </p:txBody>
@@ -3664,7 +3664,7 @@
                   <a:srgbClr val="00B0F0"/>
                 </a:solidFill>
               </a:rPr>
-              <a:t>遠端數據庫</a:t>
+              <a:t>遠端儲存庫</a:t>
             </a:r>
             <a:r>
               <a:rPr lang="zh-TW" altLang="en-US"/>
@@ -3829,7 +3829,7 @@
                   <a:latin typeface="+mj-lt"/>
                   <a:cs typeface="JetBrains Mono" panose="02000009000000000000" pitchFamily="49" charset="0"/>
                 </a:rPr>
-                <a:t>數據庫</a:t>
+                <a:t>儲存庫</a:t>
               </a:r>
               <a:r>
                 <a:rPr lang="en-US" altLang="zh-TW" sz="2400">
@@ -4148,7 +4148,7 @@
                   <a:srgbClr val="00B0F0"/>
                 </a:solidFill>
               </a:rPr>
-              <a:t>數據庫</a:t>
+              <a:t>儲存庫</a:t>
             </a:r>
             <a:r>
               <a:rPr lang="zh-TW" altLang="en-US"/>
@@ -4167,7 +4167,7 @@
                   <a:srgbClr val="00B0F0"/>
                 </a:solidFill>
               </a:rPr>
-              <a:t>本地數據庫</a:t>
+              <a:t>本地儲存庫</a:t>
             </a:r>
           </a:p>
         </p:txBody>
@@ -4516,7 +4516,7 @@
                     <a:srgbClr val="FFFF00"/>
                   </a:solidFill>
                 </a:rPr>
-                <a:t>本地數據庫</a:t>
+                <a:t>本地儲存庫</a:t>
               </a:r>
             </a:p>
           </p:txBody>
@@ -4578,7 +4578,7 @@
           <a:p>
             <a:r>
               <a:rPr lang="zh-TW" altLang="en-US"/>
-              <a:t>進入本地數據庫</a:t>
+              <a:t>進入本地儲存庫</a:t>
             </a:r>
           </a:p>
         </p:txBody>
@@ -4621,7 +4621,7 @@
                   <a:srgbClr val="00B0F0"/>
                 </a:solidFill>
               </a:rPr>
-              <a:t>本地數據庫</a:t>
+              <a:t>本地儲存庫</a:t>
             </a:r>
             <a:r>
               <a:rPr lang="zh-TW" altLang="en-US"/>
@@ -4633,7 +4633,7 @@
                   <a:srgbClr val="00B0F0"/>
                 </a:solidFill>
               </a:rPr>
-              <a:t>本地數據庫</a:t>
+              <a:t>本地儲存庫</a:t>
             </a:r>
             <a:r>
               <a:rPr lang="zh-TW" altLang="en-US"/>
@@ -5046,7 +5046,7 @@
           <a:p>
             <a:r>
               <a:rPr lang="zh-TW" altLang="en-US"/>
-              <a:t>連線遠端數據庫</a:t>
+              <a:t>連線遠端儲存庫</a:t>
             </a:r>
           </a:p>
         </p:txBody>
@@ -5101,7 +5101,7 @@
                   <a:srgbClr val="00B0F0"/>
                 </a:solidFill>
               </a:rPr>
-              <a:t>本地數據庫</a:t>
+              <a:t>本地儲存庫</a:t>
             </a:r>
             <a:r>
               <a:rPr lang="zh-TW" altLang="en-US"/>
@@ -5140,7 +5140,7 @@
                   <a:srgbClr val="00B0F0"/>
                 </a:solidFill>
               </a:rPr>
-              <a:t>遠端數據庫</a:t>
+              <a:t>遠端儲存庫</a:t>
             </a:r>
             <a:r>
               <a:rPr lang="zh-TW" altLang="en-US"/>
@@ -7493,7 +7493,7 @@
                   <a:srgbClr val="00B0F0"/>
                 </a:solidFill>
               </a:rPr>
-              <a:t>本地數據庫</a:t>
+              <a:t>本地儲存庫</a:t>
             </a:r>
             <a:r>
               <a:rPr lang="zh-TW" altLang="en-US"/>
@@ -8214,7 +8214,7 @@
                   <a:srgbClr val="00B0F0"/>
                 </a:solidFill>
               </a:rPr>
-              <a:t>本地數據庫</a:t>
+              <a:t>本地儲存庫</a:t>
             </a:r>
             <a:r>
               <a:rPr lang="zh-TW" altLang="en-US"/>
@@ -8246,7 +8246,7 @@
                   <a:srgbClr val="00B0F0"/>
                 </a:solidFill>
               </a:rPr>
-              <a:t>遠端數據庫</a:t>
+              <a:t>遠端儲存庫</a:t>
             </a:r>
             <a:endParaRPr lang="en-US" altLang="zh-TW">
               <a:solidFill>
@@ -8285,7 +8285,7 @@
                   <a:srgbClr val="00B0F0"/>
                 </a:solidFill>
               </a:rPr>
-              <a:t>遠端數據庫</a:t>
+              <a:t>遠端儲存庫</a:t>
             </a:r>
             <a:r>
               <a:rPr lang="zh-TW" altLang="en-US"/>
@@ -9074,7 +9074,7 @@
                   <a:srgbClr val="00B0F0"/>
                 </a:solidFill>
               </a:rPr>
-              <a:t>，簡稱 </a:t>
+              <a:t>，</a:t>
             </a:r>
             <a:r>
               <a:rPr lang="en-US" altLang="zh-TW">
@@ -9654,7 +9654,7 @@
                     <a:srgbClr val="FFFF00"/>
                   </a:solidFill>
                 </a:rPr>
-                <a:t>數據庫內容</a:t>
+                <a:t>儲存庫內容</a:t>
               </a:r>
             </a:p>
           </p:txBody>
@@ -10231,7 +10231,7 @@
                   <a:srgbClr val="00B0F0"/>
                 </a:solidFill>
               </a:rPr>
-              <a:t>數據庫</a:t>
+              <a:t>儲存庫</a:t>
             </a:r>
             <a:r>
               <a:rPr lang="zh-TW" altLang="en-US"/>
@@ -14935,7 +14935,7 @@
                   <a:srgbClr val="00B0F0"/>
                 </a:solidFill>
               </a:rPr>
-              <a:t>本地數據庫</a:t>
+              <a:t>本地儲存庫</a:t>
             </a:r>
             <a:r>
               <a:rPr lang="zh-TW" altLang="en-US"/>
@@ -14971,7 +14971,7 @@
                   <a:srgbClr val="00B0F0"/>
                 </a:solidFill>
               </a:rPr>
-              <a:t>遠端數據庫</a:t>
+              <a:t>遠端儲存庫</a:t>
             </a:r>
             <a:r>
               <a:rPr lang="zh-TW" altLang="en-US"/>
@@ -15488,7 +15488,7 @@
                   <a:srgbClr val="00B0F0"/>
                 </a:solidFill>
               </a:rPr>
-              <a:t>本地數據庫</a:t>
+              <a:t>本地儲存庫</a:t>
             </a:r>
             <a:r>
               <a:rPr lang="zh-TW" altLang="en-US"/>
@@ -15516,7 +15516,7 @@
                   <a:srgbClr val="00B0F0"/>
                 </a:solidFill>
               </a:rPr>
-              <a:t>遠端數據庫</a:t>
+              <a:t>遠端儲存庫</a:t>
             </a:r>
             <a:r>
               <a:rPr lang="zh-TW" altLang="en-US"/>
@@ -15547,7 +15547,7 @@
                   <a:srgbClr val="00B0F0"/>
                 </a:solidFill>
               </a:rPr>
-              <a:t>遠端數據庫</a:t>
+              <a:t>遠端儲存庫</a:t>
             </a:r>
             <a:r>
               <a:rPr lang="zh-TW" altLang="en-US"/>
@@ -15571,7 +15571,7 @@
                   <a:srgbClr val="00B0F0"/>
                 </a:solidFill>
               </a:rPr>
-              <a:t>遠端數據庫</a:t>
+              <a:t>遠端儲存庫</a:t>
             </a:r>
             <a:r>
               <a:rPr lang="zh-TW" altLang="en-US"/>
@@ -21554,7 +21554,7 @@
                   <a:srgbClr val="00B0F0"/>
                 </a:solidFill>
               </a:rPr>
-              <a:t>遠端數據庫</a:t>
+              <a:t>遠端儲存庫</a:t>
             </a:r>
             <a:r>
               <a:rPr lang="zh-TW" altLang="en-US"/>
@@ -21581,7 +21581,7 @@
                   <a:srgbClr val="00B0F0"/>
                 </a:solidFill>
               </a:rPr>
-              <a:t>本地數據庫</a:t>
+              <a:t>本地儲存庫</a:t>
             </a:r>
             <a:r>
               <a:rPr lang="zh-TW" altLang="en-US"/>
@@ -22088,7 +22088,7 @@
                   <a:srgbClr val="00B0F0"/>
                 </a:solidFill>
               </a:rPr>
-              <a:t>本地數據庫</a:t>
+              <a:t>本地儲存庫</a:t>
             </a:r>
             <a:r>
               <a:rPr lang="zh-TW" altLang="en-US"/>
@@ -22112,7 +22112,7 @@
                   <a:srgbClr val="00B0F0"/>
                 </a:solidFill>
               </a:rPr>
-              <a:t>遠端數據庫</a:t>
+              <a:t>遠端儲存庫</a:t>
             </a:r>
             <a:endParaRPr lang="en-US" altLang="zh-TW">
               <a:solidFill>
@@ -22131,7 +22131,7 @@
                   <a:srgbClr val="00B0F0"/>
                 </a:solidFill>
               </a:rPr>
-              <a:t>本地數據庫</a:t>
+              <a:t>本地儲存庫</a:t>
             </a:r>
             <a:r>
               <a:rPr lang="zh-TW" altLang="en-US"/>
@@ -22174,7 +22174,7 @@
                   <a:srgbClr val="00B0F0"/>
                 </a:solidFill>
               </a:rPr>
-              <a:t>本地數據庫新提交</a:t>
+              <a:t>本地儲存庫新提交</a:t>
             </a:r>
             <a:r>
               <a:rPr lang="zh-TW" altLang="en-US"/>
@@ -22198,7 +22198,7 @@
                   <a:srgbClr val="00B0F0"/>
                 </a:solidFill>
               </a:rPr>
-              <a:t>遠端數據庫</a:t>
+              <a:t>遠端儲存庫</a:t>
             </a:r>
             <a:r>
               <a:rPr lang="zh-TW" altLang="en-US"/>
@@ -22334,7 +22334,7 @@
                   <a:srgbClr val="00B0F0"/>
                 </a:solidFill>
               </a:rPr>
-              <a:t>遠端數據庫</a:t>
+              <a:t>遠端儲存庫</a:t>
             </a:r>
             <a:endParaRPr lang="en-US" altLang="zh-TW" sz="2800">
               <a:solidFill>
@@ -22363,7 +22363,7 @@
                   <a:srgbClr val="00B0F0"/>
                 </a:solidFill>
               </a:rPr>
-              <a:t>本地數據庫</a:t>
+              <a:t>本地儲存庫</a:t>
             </a:r>
             <a:endParaRPr lang="en-US" altLang="zh-TW">
               <a:solidFill>
@@ -24035,7 +24035,7 @@
                   <a:srgbClr val="00B0F0"/>
                 </a:solidFill>
               </a:rPr>
-              <a:t>數據庫</a:t>
+              <a:t>儲存庫</a:t>
             </a:r>
             <a:endParaRPr lang="en-US" altLang="zh-TW">
               <a:solidFill>
@@ -24103,7 +24103,7 @@
                   <a:srgbClr val="00B0F0"/>
                 </a:solidFill>
               </a:rPr>
-              <a:t>數據庫</a:t>
+              <a:t>儲存庫</a:t>
             </a:r>
           </a:p>
         </p:txBody>
@@ -24635,7 +24635,7 @@
                   <a:srgbClr val="00B0F0"/>
                 </a:solidFill>
               </a:rPr>
-              <a:t>數據庫擁有者</a:t>
+              <a:t>儲存庫擁有者</a:t>
             </a:r>
             <a:r>
               <a:rPr lang="zh-TW" altLang="en-US">
@@ -24674,7 +24674,7 @@
                   <a:srgbClr val="00B0F0"/>
                 </a:solidFill>
               </a:rPr>
-              <a:t>數據庫</a:t>
+              <a:t>儲存庫</a:t>
             </a:r>
             <a:r>
               <a:rPr lang="zh-TW" altLang="en-US"/>
@@ -24698,7 +24698,7 @@
                   <a:srgbClr val="00B0F0"/>
                 </a:solidFill>
               </a:rPr>
-              <a:t>分叉數據庫</a:t>
+              <a:t>分叉儲存庫</a:t>
             </a:r>
             <a:r>
               <a:rPr lang="zh-TW" altLang="en-US"/>
@@ -25324,7 +25324,7 @@
                   <a:srgbClr val="00B0F0"/>
                 </a:solidFill>
               </a:rPr>
-              <a:t>數據庫</a:t>
+              <a:t>儲存庫</a:t>
             </a:r>
             <a:r>
               <a:rPr lang="en-US" altLang="zh-TW">
@@ -25340,7 +25340,7 @@
                   <a:srgbClr val="00B0F0"/>
                 </a:solidFill>
               </a:rPr>
-              <a:t>，簡稱 </a:t>
+              <a:t>，</a:t>
             </a:r>
             <a:r>
               <a:rPr lang="en-US" altLang="zh-TW">
@@ -25542,7 +25542,7 @@
                   <a:srgbClr val="00B0F0"/>
                 </a:solidFill>
               </a:rPr>
-              <a:t>數據庫</a:t>
+              <a:t>儲存庫</a:t>
             </a:r>
             <a:endParaRPr lang="en-US" altLang="zh-TW">
               <a:solidFill>
@@ -25561,7 +25561,7 @@
                   <a:srgbClr val="00B0F0"/>
                 </a:solidFill>
               </a:rPr>
-              <a:t>數據庫擁有者</a:t>
+              <a:t>儲存庫擁有者</a:t>
             </a:r>
             <a:r>
               <a:rPr lang="en-US" altLang="zh-TW">
@@ -25797,7 +25797,7 @@
                   <a:srgbClr val="00B0F0"/>
                 </a:solidFill>
               </a:rPr>
-              <a:t>數據庫擁有者</a:t>
+              <a:t>儲存庫擁有者</a:t>
             </a:r>
             <a:r>
               <a:rPr lang="zh-TW" altLang="en-US"/>
@@ -26144,7 +26144,7 @@
                   <a:srgbClr val="00B0F0"/>
                 </a:solidFill>
               </a:rPr>
-              <a:t>本地數據庫</a:t>
+              <a:t>本地儲存庫</a:t>
             </a:r>
             <a:endParaRPr lang="en-US" altLang="zh-TW">
               <a:solidFill>
@@ -26163,7 +26163,7 @@
                   <a:srgbClr val="00B0F0"/>
                 </a:solidFill>
               </a:rPr>
-              <a:t>遠端數據庫</a:t>
+              <a:t>遠端儲存庫</a:t>
             </a:r>
             <a:endParaRPr lang="en-US" altLang="zh-TW">
               <a:solidFill>
@@ -28168,7 +28168,7 @@
           <a:p>
             <a:r>
               <a:rPr lang="zh-TW" altLang="en-US"/>
-              <a:t>數據庫</a:t>
+              <a:t>儲存庫</a:t>
             </a:r>
           </a:p>
         </p:txBody>
@@ -28240,7 +28240,7 @@
                   <a:srgbClr val="00B0F0"/>
                 </a:solidFill>
               </a:rPr>
-              <a:t>數據庫</a:t>
+              <a:t>儲存庫</a:t>
             </a:r>
             <a:endParaRPr lang="en-US" altLang="zh-TW">
               <a:solidFill>
@@ -28279,7 +28279,7 @@
                   <a:srgbClr val="00B0F0"/>
                 </a:solidFill>
               </a:rPr>
-              <a:t>新數據庫</a:t>
+              <a:t>新儲存庫</a:t>
             </a:r>
           </a:p>
         </p:txBody>
@@ -28554,7 +28554,7 @@
           <a:p>
             <a:r>
               <a:rPr lang="zh-TW" altLang="en-US"/>
-              <a:t>創建數據庫</a:t>
+              <a:t>創建儲存庫</a:t>
             </a:r>
           </a:p>
         </p:txBody>
@@ -28637,7 +28637,7 @@
                   <a:srgbClr val="00B0F0"/>
                 </a:solidFill>
               </a:rPr>
-              <a:t>數據庫</a:t>
+              <a:t>儲存庫</a:t>
             </a:r>
             <a:r>
               <a:rPr lang="zh-TW" altLang="en-US"/>
@@ -28660,7 +28660,7 @@
                   <a:srgbClr val="00B0F0"/>
                 </a:solidFill>
               </a:rPr>
-              <a:t>數據庫名稱</a:t>
+              <a:t>儲存庫名稱</a:t>
             </a:r>
             <a:r>
               <a:rPr lang="zh-TW" altLang="en-US">
@@ -28691,7 +28691,7 @@
                   <a:srgbClr val="00B0F0"/>
                 </a:solidFill>
               </a:rPr>
-              <a:t>數據庫名稱</a:t>
+              <a:t>儲存庫名稱</a:t>
             </a:r>
             <a:endParaRPr lang="en-US" altLang="zh-TW">
               <a:solidFill>
@@ -28808,7 +28808,7 @@
                     <a:srgbClr val="FFC000"/>
                   </a:solidFill>
                 </a:rPr>
-                <a:t>數據庫名稱</a:t>
+                <a:t>儲存庫名稱</a:t>
               </a:r>
             </a:p>
           </p:txBody>
@@ -29091,7 +29091,7 @@
                     <a:srgbClr val="FFFF00"/>
                   </a:solidFill>
                 </a:rPr>
-                <a:t>數據庫說明</a:t>
+                <a:t>儲存庫說明</a:t>
               </a:r>
             </a:p>
           </p:txBody>
@@ -29207,7 +29207,7 @@
           <a:p>
             <a:r>
               <a:rPr lang="zh-TW" altLang="en-US"/>
-              <a:t>創建數據庫</a:t>
+              <a:t>創建儲存庫</a:t>
             </a:r>
           </a:p>
         </p:txBody>
@@ -29290,7 +29290,7 @@
                   <a:srgbClr val="00B0F0"/>
                 </a:solidFill>
               </a:rPr>
-              <a:t>數據庫</a:t>
+              <a:t>儲存庫</a:t>
             </a:r>
           </a:p>
         </p:txBody>
@@ -29741,7 +29741,7 @@
                     <a:srgbClr val="FFC000"/>
                   </a:solidFill>
                 </a:rPr>
-                <a:t>創建數據庫</a:t>
+                <a:t>創建儲存庫</a:t>
               </a:r>
             </a:p>
           </p:txBody>
@@ -29808,7 +29808,7 @@
           <a:p>
             <a:r>
               <a:rPr lang="zh-TW" altLang="en-US"/>
-              <a:t>創建數據庫</a:t>
+              <a:t>創建儲存庫</a:t>
             </a:r>
           </a:p>
         </p:txBody>
@@ -30055,7 +30055,7 @@
                     <a:srgbClr val="FFC000"/>
                   </a:solidFill>
                 </a:rPr>
-                <a:t>數據庫 </a:t>
+                <a:t>儲存庫 </a:t>
               </a:r>
               <a:r>
                 <a:rPr lang="en-US" altLang="zh-TW" sz="2400">

--- a/ppt/16_Git 與 Github.pptx
+++ b/ppt/16_Git 與 Github.pptx
@@ -2,7 +2,7 @@
 <file path=ppt/presentation.xml><?xml version="1.0" encoding="utf-8"?>
 <p:presentation xmlns:a="http://schemas.openxmlformats.org/drawingml/2006/main" xmlns:r="http://schemas.openxmlformats.org/officeDocument/2006/relationships" xmlns:p="http://schemas.openxmlformats.org/presentationml/2006/main" saveSubsetFonts="1">
   <p:sldMasterIdLst>
-    <p:sldMasterId id="2147483660" r:id="rId1"/>
+    <p:sldMasterId id="2147483665" r:id="rId1"/>
   </p:sldMasterIdLst>
   <p:notesMasterIdLst>
     <p:notesMasterId r:id="rId45"/>
@@ -242,7 +242,7 @@
           <a:p>
             <a:fld id="{4C3E8E4F-B94C-4931-8E26-37EF94800EBC}" type="datetimeFigureOut">
               <a:rPr lang="zh-TW" altLang="en-US" smtClean="0"/>
-              <a:t>2025/1/27</a:t>
+              <a:t>2025/2/11</a:t>
             </a:fld>
             <a:endParaRPr lang="zh-TW" altLang="en-US"/>
           </a:p>
@@ -804,7 +804,7 @@
     </p:spTree>
     <p:extLst>
       <p:ext uri="{BB962C8B-B14F-4D97-AF65-F5344CB8AC3E}">
-        <p14:creationId xmlns:p14="http://schemas.microsoft.com/office/powerpoint/2010/main" val="1347136166"/>
+        <p14:creationId xmlns:p14="http://schemas.microsoft.com/office/powerpoint/2010/main" val="2769619117"/>
       </p:ext>
     </p:extLst>
   </p:cSld>
@@ -1188,7 +1188,7 @@
     </p:spTree>
     <p:extLst>
       <p:ext uri="{BB962C8B-B14F-4D97-AF65-F5344CB8AC3E}">
-        <p14:creationId xmlns:p14="http://schemas.microsoft.com/office/powerpoint/2010/main" val="1152939092"/>
+        <p14:creationId xmlns:p14="http://schemas.microsoft.com/office/powerpoint/2010/main" val="918015473"/>
       </p:ext>
     </p:extLst>
   </p:cSld>
@@ -1515,7 +1515,7 @@
     </p:spTree>
     <p:extLst>
       <p:ext uri="{BB962C8B-B14F-4D97-AF65-F5344CB8AC3E}">
-        <p14:creationId xmlns:p14="http://schemas.microsoft.com/office/powerpoint/2010/main" val="155210828"/>
+        <p14:creationId xmlns:p14="http://schemas.microsoft.com/office/powerpoint/2010/main" val="3629900283"/>
       </p:ext>
     </p:extLst>
   </p:cSld>
@@ -1814,7 +1814,7 @@
     </p:spTree>
     <p:extLst>
       <p:ext uri="{BB962C8B-B14F-4D97-AF65-F5344CB8AC3E}">
-        <p14:creationId xmlns:p14="http://schemas.microsoft.com/office/powerpoint/2010/main" val="2470227165"/>
+        <p14:creationId xmlns:p14="http://schemas.microsoft.com/office/powerpoint/2010/main" val="2199040521"/>
       </p:ext>
     </p:extLst>
   </p:cSld>
@@ -2047,16 +2047,16 @@
     </p:spTree>
     <p:extLst>
       <p:ext uri="{BB962C8B-B14F-4D97-AF65-F5344CB8AC3E}">
-        <p14:creationId xmlns:p14="http://schemas.microsoft.com/office/powerpoint/2010/main" val="2139786476"/>
+        <p14:creationId xmlns:p14="http://schemas.microsoft.com/office/powerpoint/2010/main" val="277090115"/>
       </p:ext>
     </p:extLst>
   </p:cSld>
   <p:clrMap bg1="dk1" tx1="lt1" bg2="dk2" tx2="lt2" accent1="accent1" accent2="accent2" accent3="accent3" accent4="accent4" accent5="accent5" accent6="accent6" hlink="hlink" folHlink="folHlink"/>
   <p:sldLayoutIdLst>
-    <p:sldLayoutId id="2147483661" r:id="rId1"/>
-    <p:sldLayoutId id="2147483662" r:id="rId2"/>
-    <p:sldLayoutId id="2147483663" r:id="rId3"/>
-    <p:sldLayoutId id="2147483664" r:id="rId4"/>
+    <p:sldLayoutId id="2147483666" r:id="rId1"/>
+    <p:sldLayoutId id="2147483667" r:id="rId2"/>
+    <p:sldLayoutId id="2147483668" r:id="rId3"/>
+    <p:sldLayoutId id="2147483669" r:id="rId4"/>
   </p:sldLayoutIdLst>
   <p:transition spd="slow">
     <p:push dir="u"/>
@@ -3591,12 +3591,7 @@
             <p:ph type="title"/>
           </p:nvPr>
         </p:nvSpPr>
-        <p:spPr>
-          <a:xfrm>
-            <a:off x="838200" y="365125"/>
-            <a:ext cx="10515600" cy="1325563"/>
-          </a:xfrm>
-        </p:spPr>
+        <p:spPr/>
         <p:txBody>
           <a:bodyPr/>
           <a:lstStyle/>
@@ -7449,6 +7444,34 @@
       </p:grpSpPr>
       <p:sp>
         <p:nvSpPr>
+          <p:cNvPr id="2" name="標題 1">
+            <a:extLst>
+              <a:ext uri="{FF2B5EF4-FFF2-40B4-BE49-F238E27FC236}">
+                <a16:creationId xmlns:a16="http://schemas.microsoft.com/office/drawing/2014/main" id="{50B767F7-2317-4D4F-B0C5-2621D8562361}"/>
+              </a:ext>
+            </a:extLst>
+          </p:cNvPr>
+          <p:cNvSpPr>
+            <a:spLocks noGrp="1"/>
+          </p:cNvSpPr>
+          <p:nvPr>
+            <p:ph type="title"/>
+          </p:nvPr>
+        </p:nvSpPr>
+        <p:spPr/>
+        <p:txBody>
+          <a:bodyPr/>
+          <a:lstStyle/>
+          <a:p>
+            <a:r>
+              <a:rPr lang="zh-TW" altLang="en-US"/>
+              <a:t>提交與推送</a:t>
+            </a:r>
+          </a:p>
+        </p:txBody>
+      </p:sp>
+      <p:sp>
+        <p:nvSpPr>
           <p:cNvPr id="12" name="內容版面配置區 11">
             <a:extLst>
               <a:ext uri="{FF2B5EF4-FFF2-40B4-BE49-F238E27FC236}">
@@ -7570,39 +7593,6 @@
               <a:t>：</a:t>
             </a:r>
             <a:endParaRPr lang="en-US" altLang="zh-TW"/>
-          </a:p>
-        </p:txBody>
-      </p:sp>
-      <p:sp>
-        <p:nvSpPr>
-          <p:cNvPr id="2" name="標題 1">
-            <a:extLst>
-              <a:ext uri="{FF2B5EF4-FFF2-40B4-BE49-F238E27FC236}">
-                <a16:creationId xmlns:a16="http://schemas.microsoft.com/office/drawing/2014/main" id="{50B767F7-2317-4D4F-B0C5-2621D8562361}"/>
-              </a:ext>
-            </a:extLst>
-          </p:cNvPr>
-          <p:cNvSpPr>
-            <a:spLocks noGrp="1"/>
-          </p:cNvSpPr>
-          <p:nvPr>
-            <p:ph type="title"/>
-          </p:nvPr>
-        </p:nvSpPr>
-        <p:spPr>
-          <a:xfrm>
-            <a:off x="838200" y="365125"/>
-            <a:ext cx="10515600" cy="1325563"/>
-          </a:xfrm>
-        </p:spPr>
-        <p:txBody>
-          <a:bodyPr/>
-          <a:lstStyle/>
-          <a:p>
-            <a:r>
-              <a:rPr lang="zh-TW" altLang="en-US"/>
-              <a:t>提交與推送</a:t>
-            </a:r>
           </a:p>
         </p:txBody>
       </p:sp>
@@ -8997,12 +8987,7 @@
             <p:ph type="title"/>
           </p:nvPr>
         </p:nvSpPr>
-        <p:spPr>
-          <a:xfrm>
-            <a:off x="838200" y="365125"/>
-            <a:ext cx="10515600" cy="1325563"/>
-          </a:xfrm>
-        </p:spPr>
+        <p:spPr/>
         <p:txBody>
           <a:bodyPr/>
           <a:lstStyle/>
@@ -9906,12 +9891,7 @@
             <p:ph type="title"/>
           </p:nvPr>
         </p:nvSpPr>
-        <p:spPr>
-          <a:xfrm>
-            <a:off x="838200" y="365125"/>
-            <a:ext cx="10515600" cy="1325563"/>
-          </a:xfrm>
-        </p:spPr>
+        <p:spPr/>
         <p:txBody>
           <a:bodyPr/>
           <a:lstStyle/>
@@ -10042,12 +10022,7 @@
             <p:ph type="title"/>
           </p:nvPr>
         </p:nvSpPr>
-        <p:spPr>
-          <a:xfrm>
-            <a:off x="838200" y="365125"/>
-            <a:ext cx="10515600" cy="1325563"/>
-          </a:xfrm>
-        </p:spPr>
+        <p:spPr/>
         <p:txBody>
           <a:bodyPr/>
           <a:lstStyle/>
@@ -13408,12 +13383,7 @@
             <p:ph type="title"/>
           </p:nvPr>
         </p:nvSpPr>
-        <p:spPr>
-          <a:xfrm>
-            <a:off x="838200" y="365125"/>
-            <a:ext cx="10515600" cy="1325563"/>
-          </a:xfrm>
-        </p:spPr>
+        <p:spPr/>
         <p:txBody>
           <a:bodyPr/>
           <a:lstStyle/>
@@ -16132,12 +16102,7 @@
             <p:ph type="title"/>
           </p:nvPr>
         </p:nvSpPr>
-        <p:spPr>
-          <a:xfrm>
-            <a:off x="838200" y="365125"/>
-            <a:ext cx="10515600" cy="1325563"/>
-          </a:xfrm>
-        </p:spPr>
+        <p:spPr/>
         <p:txBody>
           <a:bodyPr/>
           <a:lstStyle/>
@@ -16303,12 +16268,7 @@
             <p:ph type="title"/>
           </p:nvPr>
         </p:nvSpPr>
-        <p:spPr>
-          <a:xfrm>
-            <a:off x="838200" y="365125"/>
-            <a:ext cx="10515600" cy="1325563"/>
-          </a:xfrm>
-        </p:spPr>
+        <p:spPr/>
         <p:txBody>
           <a:bodyPr/>
           <a:lstStyle/>
@@ -22519,12 +22479,7 @@
             <p:ph type="title"/>
           </p:nvPr>
         </p:nvSpPr>
-        <p:spPr>
-          <a:xfrm>
-            <a:off x="838200" y="365125"/>
-            <a:ext cx="10515600" cy="1325563"/>
-          </a:xfrm>
-        </p:spPr>
+        <p:spPr/>
         <p:txBody>
           <a:bodyPr/>
           <a:lstStyle/>
@@ -23959,12 +23914,7 @@
             <p:ph type="title"/>
           </p:nvPr>
         </p:nvSpPr>
-        <p:spPr>
-          <a:xfrm>
-            <a:off x="838200" y="365125"/>
-            <a:ext cx="10515600" cy="1325563"/>
-          </a:xfrm>
-        </p:spPr>
+        <p:spPr/>
         <p:txBody>
           <a:bodyPr/>
           <a:lstStyle/>
@@ -25723,12 +25673,7 @@
             <p:ph type="title"/>
           </p:nvPr>
         </p:nvSpPr>
-        <p:spPr>
-          <a:xfrm>
-            <a:off x="838200" y="365125"/>
-            <a:ext cx="10515600" cy="1325563"/>
-          </a:xfrm>
-        </p:spPr>
+        <p:spPr/>
         <p:txBody>
           <a:bodyPr/>
           <a:lstStyle/>
@@ -26237,6 +26182,14 @@
                 </a:solidFill>
               </a:rPr>
               <a:t>路徑</a:t>
+            </a:r>
+            <a:r>
+              <a:rPr lang="en-US" altLang="zh-TW">
+                <a:solidFill>
+                  <a:srgbClr val="00B0F0"/>
+                </a:solidFill>
+              </a:rPr>
+              <a:t>(path)</a:t>
             </a:r>
             <a:r>
               <a:rPr lang="zh-TW" altLang="en-US"/>
@@ -30320,7 +30273,7 @@
   <a:extraClrSchemeLst/>
   <a:extLst>
     <a:ext uri="{05A4C25C-085E-4340-85A3-A5531E510DB2}">
-      <thm15:themeFamily xmlns:thm15="http://schemas.microsoft.com/office/thememl/2012/main" name="TYIC" id="{1CBE48E2-41FD-4EDA-8801-606A138B7FC3}" vid="{F6EAACDE-0833-4468-B256-0551E0034979}"/>
+      <thm15:themeFamily xmlns:thm15="http://schemas.microsoft.com/office/thememl/2012/main" name="TYIC" id="{F8B8016E-470C-4FE5-A78C-33B2A9D17434}" vid="{BC6C4CDA-A093-4978-B969-B6482D48D481}"/>
     </a:ext>
   </a:extLst>
 </a:theme>

--- a/ppt/16_Git 與 Github.pptx
+++ b/ppt/16_Git 與 Github.pptx
@@ -242,7 +242,7 @@
           <a:p>
             <a:fld id="{4C3E8E4F-B94C-4931-8E26-37EF94800EBC}" type="datetimeFigureOut">
               <a:rPr lang="zh-TW" altLang="en-US" smtClean="0"/>
-              <a:t>2025/2/11</a:t>
+              <a:t>2025/2/12</a:t>
             </a:fld>
             <a:endParaRPr lang="zh-TW" altLang="en-US"/>
           </a:p>
@@ -2837,8 +2837,14 @@
             <p:nvPr/>
           </p:nvPicPr>
           <p:blipFill rotWithShape="1">
-            <a:blip r:embed="rId2"/>
-            <a:srcRect l="636" t="1059" r="636" b="1059"/>
+            <a:blip r:embed="rId2" cstate="print">
+              <a:extLst>
+                <a:ext uri="{28A0092B-C50C-407E-A947-70E740481C1C}">
+                  <a14:useLocalDpi xmlns:a14="http://schemas.microsoft.com/office/drawing/2010/main"/>
+                </a:ext>
+              </a:extLst>
+            </a:blip>
+            <a:srcRect/>
             <a:stretch/>
           </p:blipFill>
           <p:spPr>
@@ -4202,8 +4208,14 @@
             <p:nvPr/>
           </p:nvPicPr>
           <p:blipFill rotWithShape="1">
-            <a:blip r:embed="rId2"/>
-            <a:srcRect l="319" t="1121" r="319" b="79247"/>
+            <a:blip r:embed="rId2" cstate="print">
+              <a:extLst>
+                <a:ext uri="{28A0092B-C50C-407E-A947-70E740481C1C}">
+                  <a14:useLocalDpi xmlns:a14="http://schemas.microsoft.com/office/drawing/2010/main"/>
+                </a:ext>
+              </a:extLst>
+            </a:blip>
+            <a:srcRect/>
             <a:stretch/>
           </p:blipFill>
           <p:spPr>
@@ -4400,8 +4412,14 @@
             <p:nvPr/>
           </p:nvPicPr>
           <p:blipFill rotWithShape="1">
-            <a:blip r:embed="rId3"/>
-            <a:srcRect l="19990" t="12082" b="4695"/>
+            <a:blip r:embed="rId3" cstate="print">
+              <a:extLst>
+                <a:ext uri="{28A0092B-C50C-407E-A947-70E740481C1C}">
+                  <a14:useLocalDpi xmlns:a14="http://schemas.microsoft.com/office/drawing/2010/main"/>
+                </a:ext>
+              </a:extLst>
+            </a:blip>
+            <a:srcRect/>
             <a:stretch/>
           </p:blipFill>
           <p:spPr>
@@ -8349,10 +8367,10 @@
             <p:nvPr/>
           </p:nvPicPr>
           <p:blipFill>
-            <a:blip r:embed="rId3">
+            <a:blip r:embed="rId3" cstate="screen">
               <a:extLst>
                 <a:ext uri="{28A0092B-C50C-407E-A947-70E740481C1C}">
-                  <a14:useLocalDpi xmlns:a14="http://schemas.microsoft.com/office/drawing/2010/main" val="0"/>
+                  <a14:useLocalDpi xmlns:a14="http://schemas.microsoft.com/office/drawing/2010/main"/>
                 </a:ext>
               </a:extLst>
             </a:blip>
@@ -9384,7 +9402,13 @@
             <p:nvPr/>
           </p:nvPicPr>
           <p:blipFill>
-            <a:blip r:embed="rId2"/>
+            <a:blip r:embed="rId2" cstate="screen">
+              <a:extLst>
+                <a:ext uri="{28A0092B-C50C-407E-A947-70E740481C1C}">
+                  <a14:useLocalDpi xmlns:a14="http://schemas.microsoft.com/office/drawing/2010/main"/>
+                </a:ext>
+              </a:extLst>
+            </a:blip>
             <a:stretch>
               <a:fillRect/>
             </a:stretch>
@@ -9849,10 +9873,10 @@
           <p:nvPr/>
         </p:nvPicPr>
         <p:blipFill>
-          <a:blip r:embed="rId2">
+          <a:blip r:embed="rId2" cstate="screen">
             <a:extLst>
               <a:ext uri="{28A0092B-C50C-407E-A947-70E740481C1C}">
-                <a14:useLocalDpi xmlns:a14="http://schemas.microsoft.com/office/drawing/2010/main" val="0"/>
+                <a14:useLocalDpi xmlns:a14="http://schemas.microsoft.com/office/drawing/2010/main"/>
               </a:ext>
             </a:extLst>
           </a:blip>
@@ -9918,7 +9942,13 @@
           <p:nvPr/>
         </p:nvPicPr>
         <p:blipFill>
-          <a:blip r:embed="rId3"/>
+          <a:blip r:embed="rId3" cstate="screen">
+            <a:extLst>
+              <a:ext uri="{28A0092B-C50C-407E-A947-70E740481C1C}">
+                <a14:useLocalDpi xmlns:a14="http://schemas.microsoft.com/office/drawing/2010/main"/>
+              </a:ext>
+            </a:extLst>
+          </a:blip>
           <a:stretch>
             <a:fillRect/>
           </a:stretch>
@@ -9953,7 +9983,13 @@
           <p:nvPr/>
         </p:nvPicPr>
         <p:blipFill>
-          <a:blip r:embed="rId4"/>
+          <a:blip r:embed="rId4" cstate="screen">
+            <a:extLst>
+              <a:ext uri="{28A0092B-C50C-407E-A947-70E740481C1C}">
+                <a14:useLocalDpi xmlns:a14="http://schemas.microsoft.com/office/drawing/2010/main"/>
+              </a:ext>
+            </a:extLst>
+          </a:blip>
           <a:stretch>
             <a:fillRect/>
           </a:stretch>
@@ -15964,8 +16000,14 @@
           <p:nvPr/>
         </p:nvPicPr>
         <p:blipFill rotWithShape="1">
-          <a:blip r:embed="rId3"/>
-          <a:srcRect t="3101"/>
+          <a:blip r:embed="rId3" cstate="screen">
+            <a:extLst>
+              <a:ext uri="{28A0092B-C50C-407E-A947-70E740481C1C}">
+                <a14:useLocalDpi xmlns:a14="http://schemas.microsoft.com/office/drawing/2010/main"/>
+              </a:ext>
+            </a:extLst>
+          </a:blip>
+          <a:srcRect/>
           <a:stretch/>
         </p:blipFill>
         <p:spPr>
@@ -15998,7 +16040,13 @@
           <p:nvPr/>
         </p:nvPicPr>
         <p:blipFill>
-          <a:blip r:embed="rId4"/>
+          <a:blip r:embed="rId4" cstate="screen">
+            <a:extLst>
+              <a:ext uri="{28A0092B-C50C-407E-A947-70E740481C1C}">
+                <a14:useLocalDpi xmlns:a14="http://schemas.microsoft.com/office/drawing/2010/main"/>
+              </a:ext>
+            </a:extLst>
+          </a:blip>
           <a:stretch>
             <a:fillRect/>
           </a:stretch>
@@ -16129,7 +16177,13 @@
           <p:nvPr/>
         </p:nvPicPr>
         <p:blipFill>
-          <a:blip r:embed="rId2"/>
+          <a:blip r:embed="rId2" cstate="screen">
+            <a:extLst>
+              <a:ext uri="{28A0092B-C50C-407E-A947-70E740481C1C}">
+                <a14:useLocalDpi xmlns:a14="http://schemas.microsoft.com/office/drawing/2010/main"/>
+              </a:ext>
+            </a:extLst>
+          </a:blip>
           <a:stretch>
             <a:fillRect/>
           </a:stretch>
@@ -16164,7 +16218,13 @@
           <p:nvPr/>
         </p:nvPicPr>
         <p:blipFill>
-          <a:blip r:embed="rId3"/>
+          <a:blip r:embed="rId3" cstate="screen">
+            <a:extLst>
+              <a:ext uri="{28A0092B-C50C-407E-A947-70E740481C1C}">
+                <a14:useLocalDpi xmlns:a14="http://schemas.microsoft.com/office/drawing/2010/main"/>
+              </a:ext>
+            </a:extLst>
+          </a:blip>
           <a:stretch>
             <a:fillRect/>
           </a:stretch>
@@ -16199,7 +16259,13 @@
           <p:nvPr/>
         </p:nvPicPr>
         <p:blipFill>
-          <a:blip r:embed="rId4"/>
+          <a:blip r:embed="rId4" cstate="screen">
+            <a:extLst>
+              <a:ext uri="{28A0092B-C50C-407E-A947-70E740481C1C}">
+                <a14:useLocalDpi xmlns:a14="http://schemas.microsoft.com/office/drawing/2010/main"/>
+              </a:ext>
+            </a:extLst>
+          </a:blip>
           <a:stretch>
             <a:fillRect/>
           </a:stretch>
@@ -17967,10 +18033,10 @@
             <p:nvPr/>
           </p:nvPicPr>
           <p:blipFill>
-            <a:blip r:embed="rId3">
+            <a:blip r:embed="rId3" cstate="screen">
               <a:extLst>
                 <a:ext uri="{28A0092B-C50C-407E-A947-70E740481C1C}">
-                  <a14:useLocalDpi xmlns:a14="http://schemas.microsoft.com/office/drawing/2010/main" val="0"/>
+                  <a14:useLocalDpi xmlns:a14="http://schemas.microsoft.com/office/drawing/2010/main"/>
                 </a:ext>
               </a:extLst>
             </a:blip>
@@ -22530,8 +22596,14 @@
             <p:nvPr/>
           </p:nvPicPr>
           <p:blipFill rotWithShape="1">
-            <a:blip r:embed="rId2"/>
-            <a:srcRect b="1379"/>
+            <a:blip r:embed="rId2" cstate="print">
+              <a:extLst>
+                <a:ext uri="{28A0092B-C50C-407E-A947-70E740481C1C}">
+                  <a14:useLocalDpi xmlns:a14="http://schemas.microsoft.com/office/drawing/2010/main"/>
+                </a:ext>
+              </a:extLst>
+            </a:blip>
+            <a:srcRect/>
             <a:stretch/>
           </p:blipFill>
           <p:spPr>
@@ -23776,7 +23848,13 @@
           <p:nvPr/>
         </p:nvPicPr>
         <p:blipFill>
-          <a:blip r:embed="rId3"/>
+          <a:blip r:embed="rId3" cstate="screen">
+            <a:extLst>
+              <a:ext uri="{28A0092B-C50C-407E-A947-70E740481C1C}">
+                <a14:useLocalDpi xmlns:a14="http://schemas.microsoft.com/office/drawing/2010/main"/>
+              </a:ext>
+            </a:extLst>
+          </a:blip>
           <a:stretch>
             <a:fillRect/>
           </a:stretch>
@@ -23811,8 +23889,14 @@
           <p:nvPr/>
         </p:nvPicPr>
         <p:blipFill rotWithShape="1">
-          <a:blip r:embed="rId4"/>
-          <a:srcRect r="1466" b="5721"/>
+          <a:blip r:embed="rId4" cstate="screen">
+            <a:extLst>
+              <a:ext uri="{28A0092B-C50C-407E-A947-70E740481C1C}">
+                <a14:useLocalDpi xmlns:a14="http://schemas.microsoft.com/office/drawing/2010/main"/>
+              </a:ext>
+            </a:extLst>
+          </a:blip>
+          <a:srcRect/>
           <a:stretch/>
         </p:blipFill>
         <p:spPr>
@@ -23845,7 +23929,13 @@
           <p:nvPr/>
         </p:nvPicPr>
         <p:blipFill>
-          <a:blip r:embed="rId5"/>
+          <a:blip r:embed="rId5" cstate="screen">
+            <a:extLst>
+              <a:ext uri="{28A0092B-C50C-407E-A947-70E740481C1C}">
+                <a14:useLocalDpi xmlns:a14="http://schemas.microsoft.com/office/drawing/2010/main"/>
+              </a:ext>
+            </a:extLst>
+          </a:blip>
           <a:stretch>
             <a:fillRect/>
           </a:stretch>
@@ -24203,7 +24293,13 @@
             <p:nvPr/>
           </p:nvPicPr>
           <p:blipFill>
-            <a:blip r:embed="rId3"/>
+            <a:blip r:embed="rId3" cstate="screen">
+              <a:extLst>
+                <a:ext uri="{28A0092B-C50C-407E-A947-70E740481C1C}">
+                  <a14:useLocalDpi xmlns:a14="http://schemas.microsoft.com/office/drawing/2010/main"/>
+                </a:ext>
+              </a:extLst>
+            </a:blip>
             <a:stretch>
               <a:fillRect/>
             </a:stretch>
@@ -24728,7 +24824,13 @@
           <p:nvPr/>
         </p:nvPicPr>
         <p:blipFill>
-          <a:blip r:embed="rId2"/>
+          <a:blip r:embed="rId2" cstate="screen">
+            <a:extLst>
+              <a:ext uri="{28A0092B-C50C-407E-A947-70E740481C1C}">
+                <a14:useLocalDpi xmlns:a14="http://schemas.microsoft.com/office/drawing/2010/main"/>
+              </a:ext>
+            </a:extLst>
+          </a:blip>
           <a:stretch>
             <a:fillRect/>
           </a:stretch>
@@ -24763,7 +24865,13 @@
           <p:nvPr/>
         </p:nvPicPr>
         <p:blipFill>
-          <a:blip r:embed="rId3"/>
+          <a:blip r:embed="rId3" cstate="screen">
+            <a:extLst>
+              <a:ext uri="{28A0092B-C50C-407E-A947-70E740481C1C}">
+                <a14:useLocalDpi xmlns:a14="http://schemas.microsoft.com/office/drawing/2010/main"/>
+              </a:ext>
+            </a:extLst>
+          </a:blip>
           <a:stretch>
             <a:fillRect/>
           </a:stretch>
@@ -25013,7 +25121,13 @@
           <p:nvPr/>
         </p:nvPicPr>
         <p:blipFill>
-          <a:blip r:embed="rId2"/>
+          <a:blip r:embed="rId2" cstate="screen">
+            <a:extLst>
+              <a:ext uri="{28A0092B-C50C-407E-A947-70E740481C1C}">
+                <a14:useLocalDpi xmlns:a14="http://schemas.microsoft.com/office/drawing/2010/main"/>
+              </a:ext>
+            </a:extLst>
+          </a:blip>
           <a:stretch>
             <a:fillRect/>
           </a:stretch>
@@ -25081,7 +25195,13 @@
           <p:nvPr/>
         </p:nvPicPr>
         <p:blipFill>
-          <a:blip r:embed="rId3"/>
+          <a:blip r:embed="rId3" cstate="screen">
+            <a:extLst>
+              <a:ext uri="{28A0092B-C50C-407E-A947-70E740481C1C}">
+                <a14:useLocalDpi xmlns:a14="http://schemas.microsoft.com/office/drawing/2010/main"/>
+              </a:ext>
+            </a:extLst>
+          </a:blip>
           <a:stretch>
             <a:fillRect/>
           </a:stretch>
@@ -25565,10 +25685,10 @@
             <p:nvPr/>
           </p:nvPicPr>
           <p:blipFill>
-            <a:blip r:embed="rId4">
+            <a:blip r:embed="rId4" cstate="screen">
               <a:extLst>
                 <a:ext uri="{28A0092B-C50C-407E-A947-70E740481C1C}">
-                  <a14:useLocalDpi xmlns:a14="http://schemas.microsoft.com/office/drawing/2010/main" val="0"/>
+                  <a14:useLocalDpi xmlns:a14="http://schemas.microsoft.com/office/drawing/2010/main"/>
                 </a:ext>
               </a:extLst>
             </a:blip>
@@ -25824,7 +25944,13 @@
           <p:nvPr/>
         </p:nvPicPr>
         <p:blipFill>
-          <a:blip r:embed="rId2"/>
+          <a:blip r:embed="rId2" cstate="screen">
+            <a:extLst>
+              <a:ext uri="{28A0092B-C50C-407E-A947-70E740481C1C}">
+                <a14:useLocalDpi xmlns:a14="http://schemas.microsoft.com/office/drawing/2010/main"/>
+              </a:ext>
+            </a:extLst>
+          </a:blip>
           <a:stretch>
             <a:fillRect/>
           </a:stretch>
@@ -25879,7 +26005,13 @@
             <p:nvPr/>
           </p:nvPicPr>
           <p:blipFill>
-            <a:blip r:embed="rId3"/>
+            <a:blip r:embed="rId3" cstate="screen">
+              <a:extLst>
+                <a:ext uri="{28A0092B-C50C-407E-A947-70E740481C1C}">
+                  <a14:useLocalDpi xmlns:a14="http://schemas.microsoft.com/office/drawing/2010/main"/>
+                </a:ext>
+              </a:extLst>
+            </a:blip>
             <a:stretch>
               <a:fillRect/>
             </a:stretch>
@@ -27988,7 +28120,13 @@
           <p:nvPr/>
         </p:nvPicPr>
         <p:blipFill>
-          <a:blip r:embed="rId3"/>
+          <a:blip r:embed="rId3" cstate="screen">
+            <a:extLst>
+              <a:ext uri="{28A0092B-C50C-407E-A947-70E740481C1C}">
+                <a14:useLocalDpi xmlns:a14="http://schemas.microsoft.com/office/drawing/2010/main"/>
+              </a:ext>
+            </a:extLst>
+          </a:blip>
           <a:stretch>
             <a:fillRect/>
           </a:stretch>
@@ -28272,8 +28410,14 @@
             <p:nvPr/>
           </p:nvPicPr>
           <p:blipFill rotWithShape="1">
-            <a:blip r:embed="rId2"/>
-            <a:srcRect l="1552"/>
+            <a:blip r:embed="rId2" cstate="print">
+              <a:extLst>
+                <a:ext uri="{28A0092B-C50C-407E-A947-70E740481C1C}">
+                  <a14:useLocalDpi xmlns:a14="http://schemas.microsoft.com/office/drawing/2010/main"/>
+                </a:ext>
+              </a:extLst>
+            </a:blip>
+            <a:srcRect/>
             <a:stretch/>
           </p:blipFill>
           <p:spPr>
@@ -28379,8 +28523,14 @@
             <p:nvPr/>
           </p:nvPicPr>
           <p:blipFill rotWithShape="1">
-            <a:blip r:embed="rId3"/>
-            <a:srcRect r="1764"/>
+            <a:blip r:embed="rId3" cstate="screen">
+              <a:extLst>
+                <a:ext uri="{28A0092B-C50C-407E-A947-70E740481C1C}">
+                  <a14:useLocalDpi xmlns:a14="http://schemas.microsoft.com/office/drawing/2010/main"/>
+                </a:ext>
+              </a:extLst>
+            </a:blip>
+            <a:srcRect/>
             <a:stretch/>
           </p:blipFill>
           <p:spPr>
@@ -29850,7 +30000,13 @@
             <p:nvPr/>
           </p:nvPicPr>
           <p:blipFill>
-            <a:blip r:embed="rId2"/>
+            <a:blip r:embed="rId2" cstate="screen">
+              <a:extLst>
+                <a:ext uri="{28A0092B-C50C-407E-A947-70E740481C1C}">
+                  <a14:useLocalDpi xmlns:a14="http://schemas.microsoft.com/office/drawing/2010/main"/>
+                </a:ext>
+              </a:extLst>
+            </a:blip>
             <a:stretch>
               <a:fillRect/>
             </a:stretch>
